--- a/day 13/SAC_Training Day 13.pptx
+++ b/day 13/SAC_Training Day 13.pptx
@@ -6,26 +6,27 @@
     <p:sldMasterId id="2147483660" r:id="rId2"/>
   </p:sldMasterIdLst>
   <p:notesMasterIdLst>
-    <p:notesMasterId r:id="rId20"/>
+    <p:notesMasterId r:id="rId21"/>
   </p:notesMasterIdLst>
   <p:sldIdLst>
     <p:sldId id="256" r:id="rId3"/>
     <p:sldId id="463" r:id="rId4"/>
     <p:sldId id="488" r:id="rId5"/>
     <p:sldId id="489" r:id="rId6"/>
-    <p:sldId id="494" r:id="rId7"/>
-    <p:sldId id="495" r:id="rId8"/>
-    <p:sldId id="490" r:id="rId9"/>
-    <p:sldId id="491" r:id="rId10"/>
-    <p:sldId id="492" r:id="rId11"/>
-    <p:sldId id="493" r:id="rId12"/>
-    <p:sldId id="497" r:id="rId13"/>
-    <p:sldId id="486" r:id="rId14"/>
-    <p:sldId id="496" r:id="rId15"/>
-    <p:sldId id="462" r:id="rId16"/>
-    <p:sldId id="475" r:id="rId17"/>
-    <p:sldId id="399" r:id="rId18"/>
-    <p:sldId id="409" r:id="rId19"/>
+    <p:sldId id="498" r:id="rId7"/>
+    <p:sldId id="494" r:id="rId8"/>
+    <p:sldId id="495" r:id="rId9"/>
+    <p:sldId id="490" r:id="rId10"/>
+    <p:sldId id="491" r:id="rId11"/>
+    <p:sldId id="492" r:id="rId12"/>
+    <p:sldId id="493" r:id="rId13"/>
+    <p:sldId id="497" r:id="rId14"/>
+    <p:sldId id="486" r:id="rId15"/>
+    <p:sldId id="496" r:id="rId16"/>
+    <p:sldId id="462" r:id="rId17"/>
+    <p:sldId id="475" r:id="rId18"/>
+    <p:sldId id="399" r:id="rId19"/>
+    <p:sldId id="409" r:id="rId20"/>
   </p:sldIdLst>
   <p:sldSz cx="12192000" cy="6858000"/>
   <p:notesSz cx="6858000" cy="9144000"/>
@@ -148,413 +149,6 @@
           <inkml:channelProperty channel="T" name="resolution" value="1" units="1/dev"/>
         </inkml:channelProperties>
       </inkml:inkSource>
-      <inkml:timestamp xml:id="ts0" timeString="2020-12-22T06:21:25.862"/>
-    </inkml:context>
-    <inkml:brush xml:id="br0">
-      <inkml:brushProperty name="width" value="0.05" units="cm"/>
-      <inkml:brushProperty name="height" value="0.05" units="cm"/>
-      <inkml:brushProperty name="fitToCurve" value="1"/>
-    </inkml:brush>
-  </inkml:definitions>
-  <inkml:trace contextRef="#ctx0" brushRef="#br0">443 1116 0,'-26'0'15,"26"-26"-15,0 0 31,-26 26 1,26 26 15,0 0-32,0 0 1,26 0-16,0-1 15,-26 27-15,26-26 0,0 26 16,0 0-16,0-26 16,0 26-16,0-26 0,0 25 15,-26-25-15,26 0 0,0 0 16,-26 0-16</inkml:trace>
-  <inkml:trace contextRef="#ctx0" brushRef="#br0" timeOffset="315">417 2075 0,'-26'0'0,"26"26"15,0-52 1,26 26-16,0-26 16,0 26-16,0-26 0,26 0 15,0 0-15,0 0 16,-1 0-16,1 0 0,0-26 16,0 27-16,0-1 15,0 0-15,-26 26 0,25-26 16,-25 0-16,0 0 15,-26 0 1</inkml:trace>
-  <inkml:trace contextRef="#ctx0" brushRef="#br0" timeOffset="572">184 1479 0,'-52'-26'16,"26"26"-16,-25 0 15,25-26-15,0 26 16,26-26-16,0 0 16,26 26-16,0-26 15,-1 0-15,1 0 0,26 0 16,0 0-16,-26 0 15,26 0-15,0 1 0,-1 25 16,1-26-16</inkml:trace>
-  <inkml:trace contextRef="#ctx0" brushRef="#br0" timeOffset="1117">780 1245 0,'-26'26'15,"26"-52"17,26 26-17,0-26-15,0 26 16,0 0-16,0 0 0,26 0 15,-26 0-15,0 26 0,0 0 16,-1-26-16,27 26 16,-52 0-16,26 0 0,0 0 15,-26 0-15,0 0 16,0 0-16,0 0 16,0-1-16,0-50 31,0-1-16,0 0-15,-26 26 16,26-52-16,-26 26 0,26 0 16,0-26-16,-26 26 0,26 0 15,0 0-15,0 1 16,26-1-16,-26 0 0,26 26 16,0 0-16,26 0 15,-26 26-15,26 0 0,-26-1 16,25 1-16,1 0 0,-26 0 15,26 0-15,-26 26 16,0-26-16,0 0 0,0 0 16,0 0-1,-26 0-15</inkml:trace>
-  <inkml:trace contextRef="#ctx0" brushRef="#br0" timeOffset="1358">1350 934 0,'0'-26'15,"26"52"17,26 0-32,-26 26 0,0-26 15,26 0-15,0 26 0,-26-26 16,25 25-16,-25-25 15,0 26-15,0-26 0,0 0 16,0 0-16,-26 0 16,0 0-16,26 0 0,-26 0 15</inkml:trace>
-  <inkml:trace contextRef="#ctx0" brushRef="#br0" timeOffset="1767">1687 1245 0,'-26'0'16,"26"-26"0,26 26 15,0-26-15,0 26-16,0 0 0,26-25 15,-26 25-15,0-26 16,0 26-16,26-26 0,-27 26 15,-25-26-15,26 26 16,0-26-16,-26 0 16,0 0-16,0 0 15,-26 26 1,0 0-16,1-26 0,-1 0 16,0 26-16,0 0 15,0 0 1,26 26-16,0 0 15,26 26-15,-26-26 16,26 0-16,0 26 0,25-26 16,-25 25-16,0-25 0,0 0 15,26 0-15,-26 0 16,0-26-16,0 0 0,26 0 16,-26 0-16,0-26 15</inkml:trace>
-  <inkml:trace contextRef="#ctx0" brushRef="#br0" timeOffset="2149">2258 908 0,'0'-26'16,"-26"26"-16,26-25 16,26 25 15,-26 25-16,26-25-15,-1 26 0,1-26 16,0 26-16,0 0 0,0 0 16,0 0-16,0 0 15,0 0-15,0 0 16,-26 0-16,26-26 16,-26 26-16,-26-52 15,26 0 1,-26 0-1,26 0-15,0 0 0,-26-26 16,26 26-16,0-26 16,0 1-16,0-1 0,0 0 15,0 26-15,26 0 0,-26 0 16,26 0-16,0 26 16,0 0-16</inkml:trace>
-  <inkml:trace contextRef="#ctx0" brushRef="#br0" timeOffset="2618">2646 675 0,'-26'0'0,"1"0"15,25-26 1,25 52 0,1 0-1,0 0-15,0 0 16,0 0-16,0 26 0,0-26 16,0-1-16,-26 27 0,26-26 15,0 0-15,-26 0 16,0 0-1,0-52 1,0 0 0,0 0-16,-26 0 0,26 0 15,-26 0-15,26-25 16,-26-1-16,26 0 0,0 26 16,0-26-16,0 26 15,0 0-15,26 26 16,0 0-16,0 26 0,0 0 15,0 0-15,-1 0 16,1 0-16,0 26 0,0-26 16,0 26-16,0-27 15,0 1-15,-26 0 0,26-26 16,-26 26-16</inkml:trace>
-  <inkml:trace contextRef="#ctx0" brushRef="#br0" timeOffset="3374">3165 675 0,'0'26'16,"-26"-26"-16,26 26 15,26-26 1,0 26-1,0-26-15,-1 0 16,1 0 0,0 0-16,0-26 0,0 26 15,0-26-15,-26 0 16,26 0 0,-26 0-16,-26 0 15,0 0 1,0 1-16,0 25 0,0-26 15,0 0-15,1 26 0,25-26 16,-26 26-16,0 0 16,26 26-16,0 0 15,0 0-15,0-1 16,26 1-16,0 26 0,-1-26 16,-25 0-16,26 26 0,0-26 15,0 0-15,0 0 16,0 0-16,0-26 0,0 25 15,0-25-15,0 0 16,0 0-16,0-25 16,0 25-16,-1-26 0,-25 0 15,26 0-15,0-26 16,-26 0-16,0 26 0,0-26 16,0-25-16,-26 25 0,0-26 15,1 26-15,-27 0 16,26-25-16,0 25 0,0 0 15,0 26-15,0 0 16,0 0-16,26 0 0,-26 26 16,52 26-1,-26 0-15,26 0 16,0 0-16,0 0 0,0 26 16,26-1-16,-26 1 15,0 0-15,25-26 0,1 26 16,-26 0-16,0 0 0,26-26 15,-26-1-15,0 27 16,0-26-16,0 0 0,-1-26 16,1 26-16,0-26 15,-26 26-15,26-26 0,-26-26 32</inkml:trace>
-  <inkml:trace contextRef="#ctx0" brushRef="#br0" timeOffset="3625">3631 286 0,'0'26'0,"-26"-26"16,52 0 15,0-26-31,0 26 15,0-26-15,0 0 0,0 1 16,26-1-16,-26 0 16,25 0-16,-25 26 0,0-26 15,0 0-15,0 26 0,-26-26 16,26 26-16</inkml:trace>
-</inkml:ink>
-</file>
-
-<file path=ppt/ink/ink10.xml><?xml version="1.0" encoding="utf-8"?>
-<inkml:ink xmlns:inkml="http://www.w3.org/2003/InkML">
-  <inkml:definitions>
-    <inkml:context xml:id="ctx0">
-      <inkml:inkSource xml:id="inkSrc0">
-        <inkml:traceFormat>
-          <inkml:channel name="X" type="integer" max="1920" units="cm"/>
-          <inkml:channel name="Y" type="integer" max="1080" units="cm"/>
-          <inkml:channel name="T" type="integer" max="2.14748E9" units="dev"/>
-        </inkml:traceFormat>
-        <inkml:channelProperties>
-          <inkml:channelProperty channel="X" name="resolution" value="55.81395" units="1/cm"/>
-          <inkml:channelProperty channel="Y" name="resolution" value="55.6701" units="1/cm"/>
-          <inkml:channelProperty channel="T" name="resolution" value="1" units="1/dev"/>
-        </inkml:channelProperties>
-      </inkml:inkSource>
-      <inkml:timestamp xml:id="ts0" timeString="2020-12-22T06:23:50.763"/>
-    </inkml:context>
-    <inkml:brush xml:id="br0">
-      <inkml:brushProperty name="width" value="0.05" units="cm"/>
-      <inkml:brushProperty name="height" value="0.05" units="cm"/>
-      <inkml:brushProperty name="fitToCurve" value="1"/>
-    </inkml:brush>
-  </inkml:definitions>
-  <inkml:trace contextRef="#ctx0" brushRef="#br0">7962 27 0,'-25'0'16,"25"-26"-1,-26 26 63,0 0 1,0 0-64,0 0 16,0 0-31,0 0 16,0 0 0,0 0-16,0 0 0,0 0 15,0 26-15,-25-26 0,25 0 16,-26 0-16,0 26 16,0-26-16,0 0 15,1 26-15,-1-26 0,0 26 16,0-26-16,-26 26 0,26-26 15,-25 0-15,25 26 0,-26-26 16,26 0-16,-26 26 16,27-26-16,-27 0 0,26 26 15,-26-26-15,26 0 0,-25 0 16,25 26-16,-26-26 16,26 0-16,-25 26 0,25-26 15,-26 0-15,0 0 16,26 25-16,-25-25 0,25 26 15,-26-26-15,26 26 0,-26-26 16,1 26-16,25 0 16,-26-26-16,26 26 0,-26-26 15,1 26-15,25 0 16,-26-26-16,26 0 0,-25 26 16,25-26-16,0 26 15,-26-26-15,26 0 0,26 0 16,-25 0-16,-1 26 0,26-26 15,-26 0-15,26 0 16,-26 0-16,26 0 0,0 26 16,-26-26-16,27 0 0,-27 0 15,26 0-15,0 25 16,-26-25-16,26 0 0,-26 0 16,26 26-16,-25-26 15,25 0-15,-26 26 0,0-26 16,0 0-16,0 26 0,0-26 15,1 0-15,-1 0 16,0 0-16,0 0 0,0 26 16,0-26-16,27 0 15,-27 0-15,0 0 0,26 0 16,-26 0-16,26-26 0,-26 26 16,26 0-16,0 0 15,1 0-15,-27 0 0,26 0 16,0 0-16,0-26 15,0 26-15,0 0 0,-26 0 16,26 0-16,0 0 0,1 0 16,-1 0-16,0 26 15,-26-26-15,26 0 0,0 0 16,0 0-16,-26 0 16,26 0-16,-25 0 0,25 26 15,0-26-15,-26 0 0,26 0 16,0 0-16,0 0 15,0 0-15,0 26 0,0-26 16,0 0-16,1 0 16,-1 0-16,0 0 0,0 0 15,0 26-15,0-26 16,0 0-16,0 0 16,0 0-16,0 0 0,0 0 15,0 0 1,0 0-16,1 0 0,-1 0 15,0 0-15,0 26 32,0-26-17,0 0 1,0 26 0,0-26-16,0 0 15,0 0 16,26 26 1,-26-26-17,0 0 1,1 0-16,25 26 16,-26-26-1</inkml:trace>
-  <inkml:trace contextRef="#ctx0" brushRef="#br0" timeOffset="583">1716 105 0,'0'-26'16,"0"0"0,0 52 15,-26 0-15,0 0-1,26 0-15,-26-26 0,0 26 16,1 0-16,-1 26 0,-26-27 15,26 27-15,-26-26 16,0 26-16,26-26 0,-26 26 16,27-26-16,-1 26 15,0-27-15,0 1 0,0 0 16,26 0-16,-26-26 16,26 26-16,0 0 15,26 0 48,0 0-48,0 0-15,0 0 16,25 0-16,-25 0 16,26 0-16,-26 25 0,26-25 15,0 26-15,-26-26 16,26 26-16,-27-26 0,1 0 15,26 0-15,-26 25 0,0-25 16,0 0-16,0 0 16,26 0-1,-26 0-15,0-26 0,0 26 16</inkml:trace>
-  <inkml:trace contextRef="#ctx0" brushRef="#br0" timeOffset="52476">394 157 0,'0'-26'31,"0"0"1,0 0-17,-26 26 1,26-26-16,-26 26 15,26-26-15,-25 26 0,-1 0 32,0 0-32,0 0 15,0 26 1,0-26-16,0 26 16,0-26-16,26 26 0,-26-26 15,26 26-15,-26 0 16,0 0-16,26 0 15,-26-26-15,26 26 0,-25 0 16,25-1 0,0 1-1,0 0 1,0 0-16,0 0 16,25 0-1,-25 0-15,0 0 16,26-26-16,-26 26 0,0 0 15,26-26 1,-26 26-16,26 0 16,0-26-1,-26 25-15,26-25 0,0 0 16,0 0 0,0 26-16,0-26 15,0 0-15,0 0 16,-1 0-16,1-26 15,0 26 1,0 0-16,-26-25 16,26 25-16,0-26 15,0 26-15,-26-26 16,26 26-16,0-26 0,0 0 16,-26 0-1,26 26-15,-26-26 0,26 0 16,-26 0-1,0 0 1,0 0-16,0 0 16,-26 26-16,26-25 15,-26 25-15,26-26 0,0 0 16,-26 26-16,26-26 16,-26 0-16,0 0 15,26 0-15,-26 26 16,0-26-1,0 26-15,26-26 16,-26 26 0,0 0-1,0 0 1,26 26-16,-25-26 16</inkml:trace>
-</inkml:ink>
-</file>
-
-<file path=ppt/ink/ink11.xml><?xml version="1.0" encoding="utf-8"?>
-<inkml:ink xmlns:inkml="http://www.w3.org/2003/InkML">
-  <inkml:definitions>
-    <inkml:context xml:id="ctx0">
-      <inkml:inkSource xml:id="inkSrc0">
-        <inkml:traceFormat>
-          <inkml:channel name="X" type="integer" max="1920" units="cm"/>
-          <inkml:channel name="Y" type="integer" max="1080" units="cm"/>
-          <inkml:channel name="T" type="integer" max="2.14748E9" units="dev"/>
-        </inkml:traceFormat>
-        <inkml:channelProperties>
-          <inkml:channelProperty channel="X" name="resolution" value="55.81395" units="1/cm"/>
-          <inkml:channelProperty channel="Y" name="resolution" value="55.6701" units="1/cm"/>
-          <inkml:channelProperty channel="T" name="resolution" value="1" units="1/dev"/>
-        </inkml:channelProperties>
-      </inkml:inkSource>
-      <inkml:timestamp xml:id="ts0" timeString="2020-12-22T06:24:45.621"/>
-    </inkml:context>
-    <inkml:brush xml:id="br0">
-      <inkml:brushProperty name="width" value="0.05" units="cm"/>
-      <inkml:brushProperty name="height" value="0.05" units="cm"/>
-      <inkml:brushProperty name="fitToCurve" value="1"/>
-    </inkml:brush>
-  </inkml:definitions>
-  <inkml:trace contextRef="#ctx0" brushRef="#br0">1762 3318 0,'0'-26'0,"-26"26"0,26-26 31,26 26 32,-26 26-47,0 0-16,0 0 15,26-26-15,-26 26 0,0 0 16,26 0-16,-26 0 15,26 0-15,-26-1 16,26 1 0,-26 0-16,26-26 15,0-26 17,0 0-32,0 1 15,-26-1-15,26 0 16,0-26-16,0 26 0,-26 0 15,25 0-15,1 0 0,0 0 16,0 0-16,0 26 16,-26-26-16,26 26 0,-52 26 47</inkml:trace>
-  <inkml:trace contextRef="#ctx0" brushRef="#br0" timeOffset="455">1866 3422 0,'26'-26'47,"0"0"-31,-26 0-16,26 26 0,-26-26 15,26 0-15,0 0 16,0-26-16,0 26 0,-1 0 16,1-25-16,26 25 15,-26-26-15,0 0 0,26 26 16,-26-26-16,0 26 0,26-25 15,-27 25-15,1 0 16,0 26-16,-26-26 0,26 26 16,-26-26-16,26 26 15,-26-26 1,26 26-16,0 0 16,-26-26-1,-26 26 32</inkml:trace>
-  <inkml:trace contextRef="#ctx0" brushRef="#br0" timeOffset="802">2695 2359 0,'-25'0'0,"25"-26"16,0 0-1,25 26 1,1 26 0,0 0-1,-26 0 1,0 0-16,26 0 0,-26 0 16,26 0-16,-26 0 0,0-1 15,0 1 1,26 0-16,-26 0 15</inkml:trace>
-  <inkml:trace contextRef="#ctx0" brushRef="#br0" timeOffset="1272">2644 2359 0,'0'-26'0,"-26"26"16,52 0 0,0 0-1,-1 0 1,-25 26-16,26-26 0,0 26 16,0-26-16,26 26 15,-26-26-15,0 26 0,0-26 16,0 26-16,0-26 0,0 0 15,-26 26-15,25-26 16,1 0-16,0 0 31,-26-26-31,0 0 16,0 0-16,0 0 16,0 0-16,0 0 15,-26 0-15,26 0 0,-26 0 16,26-25-16,-25 25 15,25 0-15,-26 0 0,26 0 16,0 0-16,-26 0 16,52 52 15,-26 0-15,0 0-16,26-26 15,-26 26-15,0 0 0</inkml:trace>
-  <inkml:trace contextRef="#ctx0" brushRef="#br0" timeOffset="1571">3162 1944 0,'0'-26'0,"0"0"15,0 52 17,0 0-32,0 0 15,26 0-15,-26 0 16,26 26-16,-26 0 0,0-26 16,26 26-16,-26-27 0,0 27 15,26-26-15,-26 0 16,0 0-16,0 0 0,0 0 15,26-26 1</inkml:trace>
-  <inkml:trace contextRef="#ctx0" brushRef="#br0" timeOffset="2207">3473 1996 0,'0'-26'16,"0"52"31,0 0-47,26 0 16,-26 0-1,26 0-15,-26 0 0,26 0 16,-26 0-16,0 0 0,26-26 15,-26 25-15,26 1 16,0 0-16,-1-26 16,1 0-1,-26-26 1,26 26-16,-26-26 0,0 1 16,0-1-16,26 26 15,-26-26-15,0 0 0,0 0 16,0-26-16,0 26 15,0 0-15,0 0 16,0 52 15,26-26-31,-26 26 16,0 0-16,26-26 16,0 26-16,-26 0 0,26-26 15,0 26-15,0-26 16,0 0-16,0 0 15,-1 0-15,1 0 16,-26-26-16,26 26 16,-26-26-16,26 0 0,-26 0 15,0-26-15,0 26 16,0 0-16,-26 0 16,26 1-16,-26-1 0,0 0 15,26 0-15,-25 0 16,-1 26-16,0 0 15,0 0-15,26 26 16,-26 0 0</inkml:trace>
-  <inkml:trace contextRef="#ctx0" brushRef="#br0" timeOffset="2759">4199 1633 0,'0'-26'0,"-26"0"15,26 1 1,-26 25-16,26-26 0,0 0 16,26 52 15,-26 0-31,0-1 0,26 1 15,-26 26-15,26 0 16,-26-26-16,0 26 0,26 0 16,-26-26-16,0 25 0,0-25 15,0 0-15,25-26 16,-25 26-16,0-52 31,0 0-15,-25 0-16,25-25 0,0 25 15,0-26-15,-26 0 16,26-26-16,0 26 0,0 1 16,0-1-16,0 0 15,0 0-15,0 26 0,26 0 16,-26 0-16,25 26 0,1 0 16,0 0-1,0 26-15,0 26 0,0-26 16,26 0-16,-26 26 15,0 0-15,-26-27 0,26 27 16,0-26-16,0 26 0,-26-26 16,25 0-16,-25 0 15,0 0-15,26-26 0,-26 26 16,0 0 0</inkml:trace>
-  <inkml:trace contextRef="#ctx0" brushRef="#br0" timeOffset="2969">4458 1737 0,'-26'0'0,"0"0"15,0 0-15,0 0 16,0 0-16,0-26 16,26 0-1,26 0 1,0 26-16,0-26 15,0 0-15,26 26 0,-26-26 16,0 1-16,0 25 16,0-26-16,0 26 0,-1-26 15,1 26-15</inkml:trace>
-  <inkml:trace contextRef="#ctx0" brushRef="#br0" timeOffset="3593">5054 1478 0,'0'-26'15,"0"0"1,0 0-1,0 0 1,-26 26 0,26-26-16,-26 26 15,0 0-15,0 26 16,0 0-16,26 0 16,-25 0-16,25 0 15,0 0-15,-26 0 0,26 25 16,0-25-16,0 0 0,26 0 15,-1 0-15,-25 0 16,26-26-16,-26 26 0,26-26 16,0 0-16,0 0 15,0-26-15,0 26 16,0-26-16,-26 0 0,26 0 16,-26 0-16,26-25 15,-26 25-15,0-26 0,0 26 16,-26-26-16,26 0 15,-26 26-15,0-26 0,0 1 16,26 25-16,-26-26 0,26 26 16,-26 0-16,26 0 15,0 52 1,0 0-16,26-26 16,-26 52-16,26-26 0,-26 26 15,26-27-15,0 27 0,0-26 16,0 26-16,-26-26 15,26 26-15,0-26 0,-1 0 16,-25 0-16,0-1 16,26-25-16,-26 26 0,0 0 15</inkml:trace>
-  <inkml:trace contextRef="#ctx0" brushRef="#br0" timeOffset="4277">5261 1348 0,'-26'0'16,"26"-26"-16,0 0 15,26 26 32,0 0-47,-26 26 16,26-26-16,-26 26 0,26 0 15,0 0-15,-26 0 16,26-26-16,-26 26 0,26 0 16,-26 0-16,26-26 0,-26 26 15,0 0 1,0-52 0,0 0-1,0 0 1,0 0-16,0 0 15,0 0-15,0 0 16,0 0-16,0-26 0,0 26 16,0 1-16,0-1 15,26 0-15,0 26 16,0 26 0,-1 0-1,-25-1-15,26 1 0,-26 0 16,26 0-16,-26 0 15,26 0-15,-26 0 16,0-52 31,0 0-31,0 0-1,0 0-15,0 0 0,0 0 16,0 1-16,26-1 15,-26 0-15,26 26 0,0 0 16,0 26 0,0-26-16,0 26 15,-26-1-15,26 1 0,0 0 16,-26 0-16,26 0 16,-26 0-16,25-26 15,-25 26-15</inkml:trace>
-  <inkml:trace contextRef="#ctx0" brushRef="#br0" timeOffset="4540">5987 1089 0,'-26'-26'16,"26"52"-1,-26-26-15,26 26 16,0 0 0,26 0-16,-26 0 0,26 0 15,-26 0-15,26-1 16,-26 1-16,26 0 0,0 0 16,-26 0-16,26 0 0,0-26 31,-26 26-31</inkml:trace>
-  <inkml:trace contextRef="#ctx0" brushRef="#br0" timeOffset="4708">5780 830 0,'0'26'15,"0"0"1,26 0 0,-26 0-16,26-1 0</inkml:trace>
-  <inkml:trace contextRef="#ctx0" brushRef="#br0" timeOffset="5140">6013 1089 0,'0'26'32,"26"-26"-17,0 26 1,0 0-16,0 0 16,0 0-1,-26 0-15,0-1 0,26-25 16,-26 26-16,0 0 15,25 0-15,-25-52 47,0 0-31,0 0-16,0 1 16,0-1-16,26 0 15,-26 0-15,26 0 0,-26 0 16,26 0-16,-26 0 15,26 0-15,0 26 16,0 0-16,-26 26 16,26-26-16,0 26 0,-26 0 15,26 0-15,0 0 0,-26 0 16,26 0-16,-1 0 16,-25-1-16</inkml:trace>
-  <inkml:trace contextRef="#ctx0" brushRef="#br0" timeOffset="5683">6713 648 0,'-26'0'0,"26"-26"16,-26 1 0,26-1-16,-26 26 15,26-26 1,-26 52 0,26 0-1,0-1-15,-26-25 0,26 52 16,0-26-16,0 0 0,0 0 15,26 26-15,-26-26 16,26 0-16,0 0 0,0 0 16,0 0-16,0-1 15,0 1-15,0-26 0,-1 26 16,1-26-16,26 0 0,-26 0 16,0-26-16,0 26 15,0-26-15,0 1 0,0-1 16,0 0-16,-26 0 0,0-26 15,0 0-15,0 26 16,0-26-16,-26 26 0,0-25 16,26 25-16,-26 0 15,0 0-15,0 0 0,0 26 16,0 0-16,26 26 16,-26-26-16,26 26 15,0 0-15,0 0 0,-26-1 16,26 1-16,0 0 15,0 0-15,0 0 0,0 0 16</inkml:trace>
-  <inkml:trace contextRef="#ctx0" brushRef="#br0" timeOffset="6346">6946 959 0,'0'26'16,"26"0"15,-26 0-15,0 0-1,0 0-15,0 0 0,-26 0 16,26 0-16,0 0 16,-26 26-16,26-27 0,-26 1 15,26 0-15,-26 0 0,26 0 16,0 0-16,-26 0 15,26 0-15,0 0 32,26-26-1,-26-26-31,26 26 16,0-26-16,0 26 15,0 0-15,0 0 16,0 0-16,0 0 0,0-26 15,0 26-15,0 0 0,-1 0 16,1 0-16,0 0 16,26 0-16,-26 0 0,0 0 15,0-26-15,0 26 16,0 0-16,-26-26 16,26 26-1,-26-26-15,-26 26 16,26-26-16,-26 26 15,26-26-15,-26 1 16,26-1-16,-26 0 0,0 0 16,0 0-16,26 0 15,-26 0-15,0 0 0,0 0 16,0 0-16,1 0 0,-1 0 16,0 26-16,0-25 15,0 25-15,0 0 16,26-26-16</inkml:trace>
-  <inkml:trace contextRef="#ctx0" brushRef="#br0" timeOffset="-52733">0 2592 0,'0'-26'0,"26"0"0,0 1 16,-26-1-16,0 0 16,26 26 15,-26 26-16,0 0-15,26-1 16,-26 1-16,0 0 16,26 26-16,-26 0 0,0-26 15,25 26-15,-25 0 16,0-1-16,26 1 0,-26 0 16,0 0-16,26-26 0,-26 26 15,0-26-15</inkml:trace>
-  <inkml:trace contextRef="#ctx0" brushRef="#br0" timeOffset="-52355">466 4225 0,'-25'0'31,"25"26"16,-26 0-31,26 0-16,0 0 15,0 0-15,0 0 16,0 25-16,-26-25 16,26 0-16,0 26 0,0-26 15,0 0-15,0 26 0,0-26 16,0 26-16,0-26 0,0-1 16,0 1-16,0 26 15,0-26-15</inkml:trace>
-  <inkml:trace contextRef="#ctx0" brushRef="#br0" timeOffset="-50271">1322 4044 0,'0'-26'16,"0"0"-16,26 0 15,-26-26-15,0 26 0,0 0 16,0 0-16,0 0 16,0 1-16,0-1 15,-26-26-15,0 26 16,0 26-16,0 0 15,26 26-15,-52-26 0,26 26 16,0 0-16,0 0 16,1-1-16,-1 27 0,0-26 15,26 26-15,-26-26 0,26 0 16,0 0-16,0 0 16,26 0-16,0 0 0,0-1 15,-1 1-15,1 0 16,26-26-16,-26 26 0,26-26 15,0 26-15,-26-26 16,26 26-16,-1-26 0,1 26 16,-26-26-16,0 0 0,26 26 15,-26 0 1,-26 0-16,0 0 16,-26 0-1,0-1-15,0 1 0,-26-26 16,26 26-16,-26 0 0,27-26 15,-27 0-15,26 26 16,0-26-16,0 0 0,0 0 16,0-26-16,0 0 15,0 0 1</inkml:trace>
-  <inkml:trace contextRef="#ctx0" brushRef="#br0" timeOffset="-49733">1711 4096 0,'0'25'15,"-26"-25"-15,52 0 47,-1 0-47,1 0 16,0-25 0,0 25-16,0 0 0,0-26 15,0 26-15,0 0 0,0-26 16,0 0-16,0 0 15,-26 0-15,0 0 16,0 0 0,-26 26-16,26-26 0,-26 0 15,0 26-15,0 0 0,0 0 16,0 0-16,0 0 16,0 0-16,0 26 0,0 0 15,1 0-15,25 0 16,-26 0-16,26 0 0,0 26 15,0-26-15,0 25 0,0-25 16,0 0-16,26 26 16,-1-26-16,1 0 0,0-26 15,0 26-15,0 0 16,26-26-16,-26 0 0,0 0 16,26-26-16,-26 26 0,25-26 15,-25 0-15</inkml:trace>
-  <inkml:trace contextRef="#ctx0" brushRef="#br0" timeOffset="-49317">2384 3785 0,'0'-26'16,"0"0"-16,0 0 16,-25 26-1,-1 0 1,0 26 15,26 0-31,-26 0 16,26-1-16,0 1 0,-26 0 15,26 0-15,0 26 16,0-26-16,0 0 0,0 0 16,26 26-16,-26-26 15,0-1-15,26-25 0,-26 26 16,26 0-16,0-26 0,-1 26 16,1-26-1,0 0-15,0 0 0,0-26 16,0 26-16,0-26 15,0 0-15,0 1 0,0-1 16</inkml:trace>
-  <inkml:trace contextRef="#ctx0" brushRef="#br0" timeOffset="-48858">2747 3655 0,'-26'0'0,"26"-26"0,-26 0 16,26 52 31,26-26-47,0 26 15,-26 0-15,26 0 16,-26 0-16,26 0 0,0 0 15,0-1-15,-26 1 0,26 0 16,0 0-16,-26 0 16,26-26-16,0 26 0,0 0 15,-1-26 1,1 0-16,-26-26 16,26 0-16,-26 0 0,26 0 15,-26 0-15,0 0 16,0-25-16,0-1 0,0 26 15,0-26-15,0 0 16,0 26-16,-26 0 0,26 0 16,0 1-16,-26 25 0,26 25 31,0 1-15,0 0-1,26-26-15,-26 26 0</inkml:trace>
-  <inkml:trace contextRef="#ctx0" brushRef="#br0" timeOffset="-48448">3240 3474 0,'-26'0'16,"26"-26"-1,26 52 17,0-26-32,0 25 15,0 1-15,-1 0 0,1 26 16,0-26-16,-26 0 0,26 26 16,0-26-16,-26 0 15,0 0-15,0-1 0,0 1 16,-26 0-1,0-26-15,0-26 16,0 26-16,26-26 16,-25 1-16,25-1 15,0-26-15,0 26 0,0-26 16,0 0-16,0 0 16,25 1-16,-25-1 0,26 26 15,0-26-15,-26 26 0,26 26 16,0-26-16,0 26 15,0 0-15,0 0 0</inkml:trace>
-  <inkml:trace contextRef="#ctx0" brushRef="#br0" timeOffset="-47951">3810 3422 0,'-26'0'16,"0"0"0,0 0-1,0 0 17,52 0-17,0-26 1,0 26-1,0-26 1,0 26-16,-26-26 0,26 26 16,0-26-16,-26 0 15,0 0 1,-26 0 0,0 26-16,0 0 15,0 0-15,0 0 0,0 0 16,0 26-16,0-26 0,0 26 15,26 0-15,-25-26 16,-1 26-16,26 26 0,0-26 16,0 0-16,0 25 0,0-25 15,26 26-15,-1 0 16,1-26-16,0 0 0,0 0 16,0 0-16,26 0 15,-26-26-15,0 0 0,26 0 16,-26 0-16,25-26 0,-25 0 15,0 0-15</inkml:trace>
-  <inkml:trace contextRef="#ctx0" brushRef="#br0" timeOffset="-47405">4847 3059 0,'0'-26'15,"0"0"-15,0 0 16,-26 0-16,26 0 16,0 0-16,-26 0 0,26 0 15,-26 1-15,0 25 16,0 0-1,0 0-15,0 0 0,0 0 16,-25 25-16,25 1 16,0 0-16,0 0 0,-26 0 15,26 0-15,26 0 0,-26 0 16,26 0-16,-26 0 16,26 0-16,26 0 15,0-26-15,0 25 16,0-25-16,26 0 0,-26 0 15,25 0-15,1 0 0,-26 0 16,26 26-16,0-26 16,0 0-16,-26 0 0,0 26 15,-1-26-15,1 26 0,0-26 16,-26 26-16,0 0 16,0 0-16,0 0 0,-26 0 15,0 0-15,-25-26 16,25 26-16,-26 0 0,26 0 15,-26-26-15,26 25 16,-26-25-16,26 0 0,1 0 16,25-25-16,-26 25 0,26-26 15,0 0-15</inkml:trace>
-  <inkml:trace contextRef="#ctx0" brushRef="#br0" timeOffset="-46895">5365 2800 0,'0'-26'16,"-26"26"-1,0 0-15,0 0 16,26-26-16,-26 26 0,0 0 15,1 0-15,25-26 16,-26 26-16,0 0 0,0 0 16,0 0-16,26 26 15,-26-26-15,0 26 16,26 0-16,-26 0 16,26-1-16,0 1 15,26 0-15,0 0 16,0-26-16,0 26 15,0-26-15,0 26 0,25-26 16,-25 0-16,0 26 0,26-26 16,0 0-16,-26 26 15,0-26-15,0 26 0,0-26 16,0 26-16,-26 0 16,0 0-1,-26-26-15,0 25 16,0 1-16,-26-26 0,26 26 15,-26-26-15,0 26 0,26-26 16,-25 0-16,25 0 16,0 0-16,0 0 0,26-26 15,-26 26-15,26-26 0,0 0 16</inkml:trace>
-  <inkml:trace contextRef="#ctx0" brushRef="#br0" timeOffset="-46600">5469 2566 0,'0'26'47,"0"0"-47,26-26 15,-26 26-15,26 0 16,-26 0-16,25 26 0,1-26 16,-26 26-16,26-27 0,-26 27 15,26-26-15,-26 0 16,26 26-16,-26-26 0,26 0 16,-26 0-16,0 0 15,26 0-15,-26-1 16</inkml:trace>
-  <inkml:trace contextRef="#ctx0" brushRef="#br0" timeOffset="-46162">5780 2981 0,'-26'0'0,"26"-26"15,-26 26-15,26-26 16,0 0-1,26 26-15,-26-26 16,26 26-16,0-26 16,0 26-16,0 0 15,-1-25-15,1 25 16,-26-26-16,26 26 0,-26-26 31,0 0-31,0 0 16,-26 0-1,26 0-15,0 0 16,-26 0-16,26 0 16,0 0-1,0 52 1,0 0 0,26 0-16,-26 26 0,26-26 15,-26 26-15,26 0 0,-26-27 16,26 27-16,-26 0 15,26-26-15,-26 26 0,26-26 16,-26 0-16,0 0 16,0 0-16,26-26 0,-26 25 15</inkml:trace>
-  <inkml:trace contextRef="#ctx0" brushRef="#br0" timeOffset="-45623">6324 2540 0,'-26'0'0,"0"-25"16,0 25-16,26-26 0,0 0 15,0 0 1,26 0 0,0 26-16,26-26 0,-26 26 15,26-26-15,0 26 16,25-26-16,-25 26 0,0-26 16,-26 26-16,26 0 0,-26-26 15,0 26-15,-1 0 16,-50 0-1,-27 0 1,26 0-16,0 0 0,-26 0 16,26 0-16,0 0 0,0 0 15,0 0-15,0 0 16,1 0-16,-1 0 16,26 26-16,0 0 15,26 0-15,-26 0 16,0 0-16,25 26 0,1-26 15,-26 25-15,26 1 16,0-26-16,-26 26 0,26-26 16,0 26-16,0-26 15,-26 0-15,26 0 0,-26-1 16,26 1-16,-26 0 0</inkml:trace>
-  <inkml:trace contextRef="#ctx0" brushRef="#br0" timeOffset="-45208">6972 2540 0,'0'26'31,"-26"0"-15,26 0-1,0 0-15,0 0 16,26 0 0,-26 0-16,26 0 15,0 0-15,0-26 16,0 0-16,0 0 16,0 0-16,-1 0 0,1 0 15,0-26 1,0 26-16,-26-26 0,26 0 15,-26 0-15,0 0 0,0 0 16,0 0-16,0 0 16,-26 0-16,0 1 0,26-1 15,-26 26-15,26-26 16,-26 26-16,26 26 31,0 0-15,0-1-1</inkml:trace>
-  <inkml:trace contextRef="#ctx0" brushRef="#br0" timeOffset="-44712">7387 2489 0,'-26'0'15,"0"-26"1,26 0 0,26 26 15,-26 26-31,26-26 16,-26 26-16,26 0 15,0-1-15,-26 1 0,25 0 16,1 0-16,-26 0 0,0 0 15,26-26-15,-26 26 16,0 0 0,0-52-1,0 0 1,0 0-16,0 0 16,0 0-16,0-26 15,0 27-15,0-1 0,0-26 16,0 26-16,0-26 15,26 26-15,-26 0 0,26 26 16,-26-26-16,26 26 0,0 26 16,0 0-1,-26 0-15,26 0 16,-26 0-16,26-26 16,0 26-16,-26 0 0,0 0 15,26 0-15,-26-1 0,25 1 16</inkml:trace>
-  <inkml:trace contextRef="#ctx0" brushRef="#br0" timeOffset="-44243">7879 2229 0,'0'-25'0,"-26"-1"15,26 52 17,0-1-32,0 1 15,26 0-15,-26 0 16,26 26-16,-26-26 0,0 0 16,26 0-16,-26 0 0,0 0 15,26 0-15,-26-1 16,0-50 15,0-1-15,0 0-16,0 0 15,0 0-15,0-26 16,0 0-16,0 0 0,0 1 16,26-1-16,-26 0 0,26 26 15,-26-26-15,26 26 16,0 26-16,-1 0 0,1 0 15,-26 26-15,26 0 16,0 26-16,-26-26 0,26 26 16,0-1-16,-26 1 15,0-26-15,0 26 0,0-26 16,26 0-16,-26 0 0,0 0 16,26-26-1</inkml:trace>
-  <inkml:trace contextRef="#ctx0" brushRef="#br0" timeOffset="-43516">8631 2126 0,'-26'0'16,"26"26"46,26-26-46,0 0-1,0 0 1,0-26-16,-1 26 16,-25-26-16,26 26 0,-26-26 15,26 0-15,-26 0 16,0 0-16,-26 0 15,26 0-15,-26 0 0,26 0 16,-25 1-16,-1 25 0,0-26 16,0 26-1,0 0-15,0 26 16,26-1-16,0 1 16,-26 0-16,26 26 0,0 0 15,26-26-15,-26 26 16,26-26-16,-26 26 0,26-27 15,0 1-15,0 0 0,0-26 16,-1 26-16,1-26 16,0 0-16,0 0 0,0 0 15,0-26-15,0 0 16,0 26-16,0-51 0,0 25 16,-26 0-16,26-26 0,0 0 15,-26 0-15,0-26 16,0 27-16,0-27 0,0 0 15,0 0-15,-26 1 0,0-1 16,26 26-16,-26-52 16,0 52-1,0 27-15,26-1 16,-26 26-16,26 26 16,-26-1-16,26 1 15,0 0-15,0 26 0,26-26 16,0 52-16,-26-26 0,26-1 15,0 27-15,0-26 16,0 26-16,0-26 0,-1-1 16,1 1-16,0 0 0,0 0 15,0-26-15,0 26 16,0-26-16</inkml:trace>
-  <inkml:trace contextRef="#ctx0" brushRef="#br0" timeOffset="-42507">3421 4692 0,'0'-26'16,"-26"0"-16,0 0 15,26 0-15,0 0 16,0 0-16,0 0 15,26 0-15,0 26 16,-26 26 0,26-26-16,0 26 0,-26 0 15,26 0-15,-26 0 16,26 0-16,0 26 0,-26-26 16,26 25-16,-26-25 0,26 0 15,-26 0-15,0 0 16,26 0-16,-26 0 31,0-52-15,0 0-1,0 0 1,0 0-16,0-26 0,0 27 16,0-27-16,0 26 15,0-26-15,0 26 0,0 0 16,25 0-16,1 26 15,0 0-15,0 0 16,0 0-16,26 0 0,-26 0 16,26 26-16,-26-26 15,25 26-15,-25-26 0,0 0 16,0 26-16,0 0 16,-26 0-1,0 0-15,-26-26 0,26 26 16,-26 0-16,0-1 15,0-25-15,-25 26 0,25 0 16,0-26-16,0 26 0,0-26 16,26-26 15,26 0-15</inkml:trace>
-  <inkml:trace contextRef="#ctx0" brushRef="#br0" timeOffset="-42245">4069 4277 0,'0'-26'0,"26"0"0,-26 0 16,26 26 0,0 0-1,0 26 1,0-26-16,-26 26 15,26 0-15,-26 26 0,26-26 16,-26 0-16,0 25 16,0-25-16,0 26 0,0-26 15,0 26-15,0-26 0,0 0 16,0 0-16,0 0 16,25-26-16</inkml:trace>
-  <inkml:trace contextRef="#ctx0" brushRef="#br0" timeOffset="-41601">4562 4251 0,'-26'0'0,"26"-26"15,0 52 1,0 0-1,0 0 1,0 0-16,26 0 16,-26 0-16,0 0 15,0-1-15,26 1 16,-26 0-16,0 0 16,25 0-16,1 0 15,0-26 1,0 0-16,0 0 15,-26-26 1,26 26-16,0-26 0,-26 0 16,26 0-16,-26 0 15,26 1-15,0-1 0,-26 0 16,26 0-16,-26 0 0,26 26 16,-26-26-16,25 0 15,1 26-15,0 0 16,0 26-16,0 0 15,0-26-15,-26 26 16,26-26-16,0 26 0,0-26 16,-26 26-16,26-26 15,0 0-15,0 0 16,-1 0 0,-25-26-16,0 0 15,26 0-15,-26 0 16,0 0-16,0 0 15,0 0-15,-26 0 0,26 0 16,-25 0-16,-1 1 16,0-1-16,0 0 0,0 0 15,0 26-15,0 0 0,0 0 16,0 0-16,0 26 16,0-26-16,26 26 15,0 0 1</inkml:trace>
-  <inkml:trace contextRef="#ctx0" brushRef="#br0" timeOffset="-41284">5546 3785 0,'0'-26'15,"0"52"17,0-1-17,26 1-15,-26 26 0,26-26 16,0 0-16,-26 26 0,26-26 15,0 26-15,0-26 16,0-1-16,-26 1 0,26 0 16,0 0-16,-26 0 0,0 0 15</inkml:trace>
-  <inkml:trace contextRef="#ctx0" brushRef="#br0" timeOffset="-41050">5676 4329 0,'-26'0'0,"0"0"16,0 0-1,26-26-15,0 0 16,26 26-16,0-26 0,0 0 16,0 26-16,0-26 15,26 0-15,-26 26 0,26-26 16,-1 0-16,-25 26 15,26-25-15,-26 25 0,26 0 16,-26-26-16,0 26 0</inkml:trace>
-  <inkml:trace contextRef="#ctx0" brushRef="#br0" timeOffset="-40835">5417 3862 0,'-26'0'0,"0"-26"16,0 0-16,26 1 0,0-1 15,26 0-15,-26 0 0,26 0 16,0 0-16,26 26 16,-26-26-16,0 26 0,-1 0 15,27 0-15,-26 0 16,0-26-16,26 26 0,-26 0 15</inkml:trace>
-  <inkml:trace contextRef="#ctx0" brushRef="#br0" timeOffset="-40314">6091 3810 0,'-26'0'0,"26"26"15,-26 0 1,52-26 31,-26 26-47,26-26 0,0 26 16,-26 0-1,26-26-15,-26 26 0,0 0 16,0 0-16,0 0 15,0-52 32,0 0-31,26 0-16,-26 0 16,0 0-16,0 0 15,0-26-15,0 26 0,0-25 16,0-1-16,0 26 0,0 0 15,0-26-15,25 26 16,-25 0-16,26 26 16,0 0-1,0 26-15,0 0 16,-26 0-16,26 0 0,0 0 16,0 0-16,0 26 15,0-26-15,0-1 0,-26 1 16,26 0-16,-26 0 15,0 0-15,25-26 0,-25 26 16</inkml:trace>
-  <inkml:trace contextRef="#ctx0" brushRef="#br0" timeOffset="-40043">6454 3474 0,'-26'-26'0,"26"0"16,-26 26-16,26-26 16,0 52-1,26-26-15,0 26 16,-26 25-16,26-25 16,-1 0-16,1 26 0,0-26 15,0 26-15,0-26 16,-26 0-16,26 0 0,0 0 15,-26-1-15,26 1 0,-26 0 16,0 0 0</inkml:trace>
-  <inkml:trace contextRef="#ctx0" brushRef="#br0" timeOffset="-39060">6687 3810 0,'0'-25'15,"-26"25"-15,0-26 16,26 0-16,-26 26 16,26-26-16,-26 0 0,26 0 15,-26 26-15,26-26 16,0 0-16,26 0 16,0 0-16,0 26 15,0 0-15,0 0 16,26-26-16,-26 26 0,0 0 15,25 0-15,-25 26 16,26-26-16,-26 26 0,0-26 16,0 26-16,0 0 15,0-26-15,-26 26 0,0 0 16,26 0-16,-26 0 0,0 0 16,0 0-16,-26-26 15,26 25-15,-26-25 0,26 26 16,-26-26-16,0 0 15,0 0 1,26-26-16,0 1 0,0-1 16,0 0-1,26 0-15,-26-26 0,26 26 16,-26-26-16,26 26 0,0 0 16,-26-25-16,26 25 15,0 0-15,-26 0 0,26 26 16,-26-26-16,25 26 15,1-26-15,0 26 16,0 0-16,0 0 31,0 0-31,0 0 16,0 0 0,-26-26-1,0 0 1,0 0-1,0 0 1,-26 26 0,0 0-1,0 0 1,26 26-16,-26-26 16,26 26-16,-26 0 0,26 0 15,0 0-15,0 0 16,-26 26-16,26-26 0,0-1 15,26 1-15,-26 0 16,26-26-16,-26 26 16,26-26-16,0 0 15,0 0 1,0 0-16,-26-26 0,26 0 16,0 26-16,-26-26 0,26 1 15,-26-1-15,26 0 16,-26 0-16,0 0 15,0 0-15,0 0 0,0 0 16,0 0 0,0 0-16,0 52 31,25 0-31,-25 0 0,0 0 16,26 0-16,-26 0 0,26 0 15,-26 0-15,26 0 16,-26-1-16,26 1 0,0 0 15,0 0 1</inkml:trace>
-  <inkml:trace contextRef="#ctx0" brushRef="#br0" timeOffset="-38465">7827 3292 0,'0'26'16,"-26"-26"15,0 0 0,52 0 1,-26-26-17,26 26-15,0 0 16,0-26-16,0 26 0,0 0 15,0-26-15,0 26 0,0 0 16,0-26-16,0 26 16,-52 0 31,0 0-16,0 0-31</inkml:trace>
-  <inkml:trace contextRef="#ctx0" brushRef="#br0" timeOffset="-37991">7594 3188 0,'0'-26'31,"-26"26"-31,26 26 32,0 0-17,26 0-15,-26 0 16,0 0-16,0 0 0,0 0 15,0 0-15,0 26 16,0-26-16,-26 0 0,26-1 16,-26 1-1,26 0 1,26-26 0,0-26-1,0 26 1,0 0-16,0 0 15,0-26-15,0 26 0,0 0 16,-1 0-16,1 0 0,0 0 16,0 26-1,0-26-15,-26 26 16,26-26-16,-26 26 16,26-26-1</inkml:trace>
-  <inkml:trace contextRef="#ctx0" brushRef="#br0" timeOffset="-37522">7957 3085 0,'-26'0'16,"26"26"-1,26-26 1,-26 26-16,26-26 16,0 0-16,0 25 0,25-25 15,-25 0 1,0 26-16,0-26 0,0 0 15,0 26-15,0-26 16,0 26 0,0-26-16,-26 26 15,0 0 1,-26-26-16,26 26 0,-26-26 16,26 26-16,-26 0 15,26 0-15,-26-26 16,26 26-16,-26 0 0,26 0 15,0-1 1,0 1-16,0 0 31</inkml:trace>
-  <inkml:trace contextRef="#ctx0" brushRef="#br0" timeOffset="-37161">8527 2774 0,'-26'0'15,"26"26"1,0 0 0,26-26-1,-26 25-15,26 1 0,-26 0 16,26 0-16,0 0 16,-26 0-16,26 26 0,0-26 15,-26 0-15,26 0 0,0 25 16,-26-25-16,25 0 15,-25 0-15,26 0 0,-26 0 16,0 0-16,26-26 0,-26 26 16,0 0-1</inkml:trace>
-  <inkml:trace contextRef="#ctx0" brushRef="#br0" timeOffset="-36917">8631 3370 0,'-26'0'0,"52"0"47,0 0-32,0-26-15,0 26 16,25-26-16,-25 26 0,26 0 15,0-26-15,-26 26 16,26-26-16,-26 26 0,0-26 16,-1 26-16,-25-26 0</inkml:trace>
-  <inkml:trace contextRef="#ctx0" brushRef="#br0" timeOffset="-36652">8423 2851 0,'-25'0'16,"25"-25"-1,0-1-15,0 0 16,25 26-16,1-26 15,0 0-15,0 26 16,0 0-16,0-26 0,0 26 16,0 0-16,0 0 15,0 0-15,0 26 0</inkml:trace>
-  <inkml:trace contextRef="#ctx0" brushRef="#br0" timeOffset="-36120">9045 2981 0,'-25'0'16,"25"-26"-1,25 26 1,-25-26-1,0 52 1,26 0-16,-26 0 16,26 0-16,0 0 15,-26 0-15,26 0 0,-26 0 16,0-1-16,26-25 16,-26 26-16,0-52 46,0 1-30,-26-1 0,26 0-16,0-26 0,0 26 15,0 0-15,0-26 16,26 26-16,-26 0 0,26 0 16,-26 1-16,0-1 0,26 26 15,0 0 1,0 26-16,-26-1 15,26 1-15,0 0 0,-26 0 16,25 0-16,1 0 16,-26 26-16,26-26 0,-26 0 15,26 0-15,-26 0 16,26-26-16,-26 25 0</inkml:trace>
-  <inkml:trace contextRef="#ctx0" brushRef="#br0" timeOffset="-35837">9408 2644 0,'0'-26'15,"0"0"-15,26 26 31,-26 26-31,26 0 0,-26 0 16,26 0-16,0 26 0,0-26 16,-26 26-16,26-27 15,0 27-15,-26-26 0,26 0 16,-26 0-16,26 0 0,-26 0 16,0 0-16,26 0 15,-26 0 1</inkml:trace>
-  <inkml:trace contextRef="#ctx0" brushRef="#br0" timeOffset="-35428">9590 2851 0,'-26'0'0,"0"-25"15,52 25 32,0 0-47,0 0 16,0-26-16,0 26 15,-1 0-15,1-26 0,0 26 16,0-26-16,0 26 16,-26-26-16,26 26 0,-26-26 15,0 0-15,0 0 16,0 0-1,-26 26-15,0 0 16,0 0 0,0 0-16,0 0 15,26 26-15,-25 0 16,25 0-16,0 0 16,25 0-16,-25 0 0,26 0 15,0 0-15,-26-1 16,26 1-16,0-26 0,0 26 15,0-26-15,0 0 16,0 0-16,0 0 0</inkml:trace>
-  <inkml:trace contextRef="#ctx0" brushRef="#br0" timeOffset="-35028">9927 2592 0,'-26'0'0,"0"0"16,0 0 0,52 0-1,-26 26-15,26-26 16,-26 26-16,26 0 0,0-26 16,-26 26-16,26 0 15,-1 0-15,1 0 16,-26 0-16,0 0 15,0-1 1,0-50 15,-26 25-31,26-26 16,0 0 0,0 0-16,0 0 0,0 0 15,26 0-15,-26 0 0,26 0 16,-26 0-16,0 0 15,26 0-15,-26 1 0,26 25 16,-26-26-16,26 26 16,-26 26-1</inkml:trace>
-  <inkml:trace contextRef="#ctx0" brushRef="#br0" timeOffset="-33898">10290 2566 0,'-26'0'15,"0"0"1,26-26 0,26 26 15,-26 26-16,26 0-15,-26 0 16,25 0 0,-25 0-16,0 0 0,0 0 15,0 0-15,26 0 16,-26 0-16,0 0 16,-26-26-1,26-26 32,0 0-47,0 0 16,0 0-16,26 0 15,-26 0-15,26 0 16,-26 0-16,0 0 0,26 26 16,0-26-1,0 52 1,-26 0-16,26 0 15,0 0 1,0 0-16,0 0 16,0 0-16,0-26 15,-1 0 1,27 0 0,-26-26-1,0 26-15,0-26 16,0 0-16,0 0 15,0 0 1,-26 0-16,0 0 0,26 0 16,-26 1-16,0-1 15,0 0-15,0 0 0,-26 0 16,26 0-16,-26 26 16,0 0-16,0 0 15,26 26 1,-26-26-16,26 26 15,0 0-15,0 0 16,0 0-16,0-1 0,26 1 16,0 0-1,-26 0-15,26 0 16,0-26 0,0 26-16,0-26 15,0 0-15,0-26 16,-1 26-16,1 0 15,0-26-15,-26 0 0,26 26 16,0-26-16,-26 0 0,26 1 16,-26-1-16,0 0 15,0-26-15,0 26 0,-26-26 16,26 26-16,-26-26 16,26 1-16,-26 25 0,26-26 15,-26 26-15,26 0 0,-26 26 16,1 0-1,25 26 1,0 0-16,0 0 16,-26 26-16,26-27 0,0 27 15,0-26-15,26 26 16,-26-26-16,25 0 0,-25 26 16,26-26-16,-26 0 0,26-1 15,-26 1-15,26-26 16,0 26-16,-26 0 0,26-26 15,0 26 1,0-26-16,0 0 16,-26-26-1</inkml:trace>
-  <inkml:trace contextRef="#ctx0" brushRef="#br0" timeOffset="-33616">11067 2385 0,'-26'0'16,"52"0"15,0 0-15,0-26-16,0 26 15,26-26-15,-26 26 16,0 0-16,-1-26 0,1 26 16,0 0-16,-26-26 15,26 26-15,-52 0 32,0 26-17</inkml:trace>
-  <inkml:trace contextRef="#ctx0" brushRef="#br0" timeOffset="12311">2333 1219 0,'0'-26'31,"26"26"-31,-26-26 31,-26 0 0,0 26-15,26-26 0,-26 26-1,0 0 1,0 26-1,0-26 1,0 26-16,0 0 16,26 0-16,-26 0 0,26-1 15,-26 1-15,26 0 16,0 0-16,0 26 0,0-26 16,0 0-16,26 0 15,-26 0-15,0 0 0,26 0 16,-26-1-16,26 1 0,0-26 15,-26 26-15,26-26 16,0 26-16,0-26 0,0 0 16,0 0-16,0 0 0,-1 0 15,1 0-15,0 0 16,0-26-16,0 26 0,0 0 16,0 0-1,-26-26-15,0 0 31,0 1-31,0-1 16</inkml:trace>
-  <inkml:trace contextRef="#ctx0" brushRef="#br0" timeOffset="13012">2592 1400 0,'26'0'78,"0"0"-46,0 0-32,-1 0 15,-25-26-15,26 26 16,0 0-16,-26-26 0,26 26 15,-26-26-15,26 26 0,-26-26 16,26 0 0,-26 1-1,-26-1 1,0 26-16,26-26 16,-26 26-16,26-26 15,-26 26-15,0 0 16,26 26 15,-25 0-15,25 0-16,0-1 0,0 1 15,0 0-15,25 0 16,-25 0-16,26 0 16,0 0-1,0-26-15,0 26 16,0-26-1,0 0-15,0 0 16,0 0-16,0-26 16,0 26-16,0 0 15,-1 0-15,1 0 16,-26-26-16,26 26 16</inkml:trace>
-  <inkml:trace contextRef="#ctx0" brushRef="#br0" timeOffset="14171">1555 804 0,'26'0'47,"-26"26"-47,26 0 15,0 0-15,0 0 16,0 25-16,0-25 16,-26 0-16,25 0 0,-25 26 15,26-26-15,-26 0 16,26 0-16,-26 0 0,26-26 15,-26 26-15</inkml:trace>
-  <inkml:trace contextRef="#ctx0" brushRef="#br0" timeOffset="14406">1659 1296 0,'-26'0'0,"0"0"15,26-26 17,26 26-17,-26-25-15,26 25 16,0-26-16,0 0 16,-1 26-16,1-26 15,-26 0-15,26 0 0,0 26 16,-26-26-16</inkml:trace>
-  <inkml:trace contextRef="#ctx0" brushRef="#br0" timeOffset="14603">1633 934 0,'-26'-26'0,"0"26"16,0 0-16,26-26 15,0 0 1,0 0-16,26 26 0,-26-26 15,26 0-15,0 26 16,0-26-16,0 0 0,0 26 16,-1-26-16,1 0 15,0 26-15,0 0 16</inkml:trace>
-  <inkml:trace contextRef="#ctx0" brushRef="#br0" timeOffset="15167">1996 648 0,'-26'26'32,"26"0"-17,26 0 1,-26 0-1,0 0-15,26 0 16,-26 0-16,0 0 0,26 0 16,-26 0-16,0 0 15,25-26-15,-25 25 0,26 1 16,-26 0 0,26-26-1,-52-26 16,0 0-31,26 1 16,-25-1-16,25 0 16,-26 0-16,26 0 0,0 0 15,-26-26-15,26 26 16,-26-26-16,26 0 0,-26 27 16,26-1-16,0-26 0,-26 26 15,26 0-15,0 0 16,26 0-16,0 26 15,0 0 1,0 0 0,-26 26-16,26-26 0,-26 26 15,0 0-15,25-26 16,-25 26-16,0 26 16,-25-26-16,-1-26 15,26 25-15,-26 1 0,26 0 16,-26-26-16,26 26 15</inkml:trace>
-  <inkml:trace contextRef="#ctx0" brushRef="#br0" timeOffset="15881">2384 571 0,'-25'0'16,"50"26"47,-25-1-48,26 1-15,-26 0 16,26-26-16,-26 26 15,0 0-15,26 0 0,0 0 16,0-26 0,0 0-1,-26-26 17,0 0-32,0 0 15,0 0-15,0 0 16,0 0-16,0 1 15,-26-1-15,26 0 16,0 0-16,0 52 31,26 0-15,0 0 0,0-1-16,0 1 15,0 0-15,0 0 16,-1-26-16,1 0 15,0 0-15,0 0 16,0 0 0,0-26-1,0 0-15,-26 0 16,0 1-16,0-1 16,-26 0-16,26 0 15,-26 0-15,0 0 16,0 26-16,26-26 0,-26 0 15,0 26-15,1 0 16,-1 0 0,26 26-1,0 0 1,26-26 0</inkml:trace>
-  <inkml:trace contextRef="#ctx0" brushRef="#br0" timeOffset="16348">2799 286 0,'0'-26'0,"0"0"16,0 0-1,26 52 16,-26 0-15,26 0-16,-26-1 0,26 27 16,0-26-16,-26 26 15,26-26-15,-26 0 0,26 0 16,-26 26-16,26-26 16,-26-1-16,25-25 31,-25-25 0,0-1-31,0 0 16,26 0-16,-26 0 15,0 0-15,0 0 0,26 0 16,-26 0 0,26 26-16,0 0 15,0 26-15,0-26 16,-26 26-16,26 0 15,0 0-15,-26 0 16,0 0-16,26-26 16,-26 26-16,26-26 0,-26 26 15</inkml:trace>
-  <inkml:trace contextRef="#ctx0" brushRef="#br0" timeOffset="16583">3240 311 0,'-26'-25'16,"52"50"15,0 1-15,0 0-1,-26 0-15,26-26 16,-26 26-16,25-26 0,-25 26 15,26 0-15,-26 0 16</inkml:trace>
-  <inkml:trace contextRef="#ctx0" brushRef="#br0" timeOffset="16775">3214 0 0,'0'26'31,"0"0"-15,26-26-16,-26 26 15,26 0-15,-26 0 16</inkml:trace>
-  <inkml:trace contextRef="#ctx0" brushRef="#br0" timeOffset="17026">3369 104 0,'26'0'15,"0"0"1,0 26-1,0 0 1,0 0-16,-26 0 0,26 0 16,0 0-16,-26 25 15,26-25-15,-26 0 0,26 0 16,-26 0-16,26 0 16,-26 0-16,25-26 0,-25 26 15,26-26-15</inkml:trace>
-  <inkml:trace contextRef="#ctx0" brushRef="#br0" timeOffset="17820">3706 286 0,'-26'0'16,"26"-26"-1,0 0 17,26 26-1,0 26-31,0-26 15,0 26 1,0-26-16,0 0 16,0 0-1,0 0 1,-26-26-16,26 26 16,-26-26-16,0 0 15,0 0-15,0 0 16,0 0-1,-26 0-15,0 0 16,0 26 0,0 26-1,26 0 1,0 0 0,0 0-16,0 0 0,26 0 15,0 0-15,-26 0 0,26-26 16,26 25-16,-27 1 15,1-26-15,0 0 0,0 0 16,0 0-16,0 0 16</inkml:trace>
-  <inkml:trace contextRef="#ctx0" brushRef="#br0" timeOffset="20955">2981 1193 0,'0'-26'0,"0"0"31,0 0-31,25 26 31,1 0-31,0 0 16,0 0-16,0 0 15,0 0-15,0 26 16,0-26-16,0 26 0,0 0 16,0-26-1,-26 26-15,0 0 16,0-1 15,-26-25 0,26-25-31,0-1 16,0 0 0,0 0-1,-26 0-15,26 0 16,0 0-16,0 0 16,0 0-1,26 26-15,-26-26 16,26 26-1,0 0-15,0 0 16,-26-26-16,25 26 16</inkml:trace>
-  <inkml:trace contextRef="#ctx0" brushRef="#br0" timeOffset="21231">3447 804 0,'-26'0'16,"26"26"31,52 26-47,-26-26 15,0 0-15,0-1 0,0 27 16,0-26-16,0 26 16,-1-26-16,1 0 0,-26 0 15,0 0-15,26 0 0</inkml:trace>
-  <inkml:trace contextRef="#ctx0" brushRef="#br0" timeOffset="21627">3525 1089 0,'-26'-26'0,"26"0"32,26 26-17,0-26-15,0 26 16,0-26-16,25 26 0,-25-26 15,0 26-15,26-25 16,-26 25-16,0-26 0,0 26 16,-26-26-16,0 0 15,0 0 1,-26 26 0,0 0-1,26-26-15,0 52 16,0 0-1,26 0 1,-26 0-16,26 0 0,0-1 16,-26 1-16,26 0 15,-26 0-15,26-26 0,-26 26 16,26 0 0,-26 0-16</inkml:trace>
-  <inkml:trace contextRef="#ctx0" brushRef="#br0" timeOffset="21807">3784 674 0,'0'-26'15,"0"52"16,26-26-31,-26 26 16</inkml:trace>
-  <inkml:trace contextRef="#ctx0" brushRef="#br0" timeOffset="22148">4147 597 0,'0'-26'0,"0"0"16,0 0-16,-26 0 15,26 0-15,-26 26 16,0 0 0,26 26-1,0 0-15,0 26 16,0-26-16,0 25 0,0-25 15,0 26-15,0 0 0,0 0 16,26 0-16,-26-26 16,26 25-16,0 1 0,-26-26 15,26 26-15,0-26 16,0 0-16,-26 0 0,26 0 16,-26 0-16,25 0 15,-25-1-15</inkml:trace>
-  <inkml:trace contextRef="#ctx0" brushRef="#br0" timeOffset="22532">4069 908 0,'26'0'16,"-26"-26"-16,26 26 0,0 0 15,0 0-15,0-26 16,0 26-16,0 0 0,-1-26 16,1 26-16,0 0 15,-26-26-15,26 26 0,-26-26 32,-26 26-17,0 0 1,26-26-1,0 52 17,26 0-17,-26 0-15,26 0 16,-26 0-16,26 0 16,0 0-16,-26-1 15,26 1-15</inkml:trace>
-  <inkml:trace contextRef="#ctx0" brushRef="#br0" timeOffset="22744">4302 597 0,'-26'-26'15,"1"26"1,50 0 15,1 0-15,-26 26-16,26-26 0,0 0 16</inkml:trace>
-  <inkml:trace contextRef="#ctx0" brushRef="#br0" timeOffset="23786">4795 700 0,'0'-26'47,"0"0"-47,-26 26 15,26-26 1,-26 26-16,0 0 16,0 0-16,0 0 0,0 26 15,0-26 1,26 26-16,0 0 0,-25 0 16,25 0-16,0 0 15,0 0-15,25 0 0,-25 0 16,26 0-16,0 0 15,0 0-15,0-26 0,0 0 16,0 25-16,0-25 0,26 0 16,-26-25-16,0-1 15,25 26-15,-25-26 0,0 0 16,0 0-16,0 0 0,0 0 16,-26 0-16,26 0 15,-26 0-15,0 0 16,0 0-16,0 0 15,-26 26-15,26-25 16,-26 25-16,0-26 16,0 26-1,0 0 1,26 26 0,0-1-16,0 1 15,0 0-15,0 0 16,0 0-16,0 0 15,26-26-15,-26 26 16,26 0 0,0-26-16,0 0 15,0-26 1,0 26 0,-26-26-16,0 0 15,0 0 1,0 0-16,0 0 15,0 0-15,0 1 32,0 50-17,26-25-15,0 26 16,-26 0-16,26-26 16,-26 26-16,25 0 0,1 0 15,0-26 1,0 0-1,0 0-15,0-26 16,-26 0 0,0 0-16,26 0 15,-26-25-15,0 25 16,0-26-16,-26 26 0,0-26 16,26 0-16,-26 0 15,0 1-15,0 25 0,0-26 16,26 26-16,-25 26 0,-1 0 15,26 26 1,26 0-16,-26 0 16,25 25-16,-25-25 0,26 26 15,0 0-15,0-26 16,-26 26-16,26-26 0,0 0 16,0 0-16,-26-1 15,26 1-15,-26 0 0</inkml:trace>
-  <inkml:trace contextRef="#ctx0" brushRef="#br0" timeOffset="24418">5339 545 0,'-26'0'16,"52"-26"30,0 26-46,0 0 16,0-26-16,0 26 16,26 0-16,-26-26 15,-1 26-15,1-26 0,0 26 16,0-26-16,0 26 16,-26-26-16,26 26 0,0-26 15,-26 0-15,0 0 16,0 1-1,0-1-15,-26 26 0,26-26 16,-26 0 0,0 26-1,26 26-15,-26 0 16,26 0-16,0-1 16,0 1-16,0 0 0,0 0 15,0 26-15,0-26 16,26 0-16,-26 0 0,26-26 15,-26 26-15,26-26 0,0 26 16,0-26 0,0 0-16,0 0 15,0-26-15,-26 0 16,26 26-16,0-26 0,-26 0 16,25 0-16,-25 0 0,0 0 15,0-26-15,26 26 16,-26 1-16,0-1 0,0-26 15,0 26 1,0 0-16,0 52 16,26 0-1,0 0 1,0 0-16,-26 0 0,26-1 16,0 27-16,0-26 15,-26 0-15,0 26 0,-26-26 16,0 0-16,0 26 0,-26-26 15</inkml:trace>
-</inkml:ink>
-</file>
-
-<file path=ppt/ink/ink12.xml><?xml version="1.0" encoding="utf-8"?>
-<inkml:ink xmlns:inkml="http://www.w3.org/2003/InkML">
-  <inkml:definitions>
-    <inkml:context xml:id="ctx0">
-      <inkml:inkSource xml:id="inkSrc0">
-        <inkml:traceFormat>
-          <inkml:channel name="X" type="integer" max="1920" units="cm"/>
-          <inkml:channel name="Y" type="integer" max="1080" units="cm"/>
-          <inkml:channel name="T" type="integer" max="2.14748E9" units="dev"/>
-        </inkml:traceFormat>
-        <inkml:channelProperties>
-          <inkml:channelProperty channel="X" name="resolution" value="55.81395" units="1/cm"/>
-          <inkml:channelProperty channel="Y" name="resolution" value="55.6701" units="1/cm"/>
-          <inkml:channelProperty channel="T" name="resolution" value="1" units="1/dev"/>
-        </inkml:channelProperties>
-      </inkml:inkSource>
-      <inkml:timestamp xml:id="ts0" timeString="2020-12-22T06:25:18.459"/>
-    </inkml:context>
-    <inkml:brush xml:id="br0">
-      <inkml:brushProperty name="width" value="0.05" units="cm"/>
-      <inkml:brushProperty name="height" value="0.05" units="cm"/>
-      <inkml:brushProperty name="fitToCurve" value="1"/>
-    </inkml:brush>
-  </inkml:definitions>
-  <inkml:trace contextRef="#ctx0" brushRef="#br0">2954 1270 0,'-52'0'15,"26"0"1,1 0-16,-1 0 0,0 0 15,0 0-15,0 0 16,0 0-16,0 0 16,0 0-1,0 0 1,0 25-16,0-25 0,0 26 16,1 0-1,-1-26-15,0 26 0,0 0 16,0 0-16,0 0 0,0 0 15,0 0-15,0 0 16,26 0-16,-26 0 0,0-1 16,26 1-16,0 0 0,-26 0 15,26 0-15,0 0 16,0 0-16,26 0 0,-26 0 16,26 0-16,0 0 15,0 0-15,0-26 0,0 25 16,0 1-16,0-26 0,26 26 15,-1-26-15,-25 0 16,26 26-16,0-26 0,-26 0 16,26 0-16,0-26 15,-1 26-15,-25-26 0,26 26 16,0-26-16,-26 1 0,26 25 16,-26-26-16,0 0 15,25 0-15,-51-26 0,26 26 16,-26 0-16,26 0 15,-26-26-15,0 26 0,0-25 16,-26 25-16,26 0 0,-26-26 16,1 26-16,25 0 15,-26 0-15,0 0 0,0 0 16,0 26 0,0-26-16,0 26 0,0 0 15,0 0-15,0 0 0,0 0 16,0 0-16,1 0 15,-1 0-15,0 0 0,0 26 16,0-26-16,0 26 0,0 0 16,0-26-16,26 26 15</inkml:trace>
-  <inkml:trace contextRef="#ctx0" brushRef="#br0" timeOffset="785">2617 1995 0,'-26'0'0,"0"0"62,26 26-62,0 0 16,0 0-16,-25 0 0,25 0 15,0 26-15,-26-26 16,26 25-16,-26-25 0,26 26 16,-26 0-16,0 0 0,26-26 15,-26 26-15,0-1 16,26-25-16,-26 26 0,26-26 15,-26 0-15,26 26 16,-26-26-16,26 0 0,0 0 16,0 0-16,0-1 31,26-25-31,0 0 16,0 0-16,0 0 15,0-25-15,26 25 0,-26 0 16,25-26-16,1 26 0,0 0 15,-26 0-15,26 0 16,0 0-16,-26 0 0,25 0 16,-25 0-16,0 0 15,0 0-15,0 0 0,0 0 16,0 0-16,0 0 16,0 0-16,0 0 0,0 0 15,0-26 1,-26 0-1,0 0 1,0 0-16,0 0 0,0 0 16,-26 0-16,26 0 15,-26 0-15,26-25 0,-26-1 16,26 0-16,-26 0 16,26 0-16,0 0 0,-26 0 15,26 1-15,-26-1 0,26 26 16,-26 0-16,26 0 15,-26 0-15,26 0 0,-26 26 16,0 0-16,26-26 16,-26 26-16,1 0 15,-1 0-15,0 0 16,0 0 0</inkml:trace>
-  <inkml:trace contextRef="#ctx0" brushRef="#br0" timeOffset="1553">2280 181 0,'-26'0'0,"26"-26"15,-26 26-15,1-26 16,-1 26-16,0 0 15,0 0 1,0 0-16,0 0 0,0 0 16,0 26-1,0-26-15,0 26 0,0-26 16,26 26-16,-26 0 16,26 0-16,0 0 15,26 0-15,-26-1 16,26-25-16,0 26 15,0-26-15,0 26 0,0-26 16,0 26-16,0-26 0,26 26 16,-26-26-16,25 26 15,-25 0-15,0 0 0,26 0 16,-26 0-16,-26 0 16,26 0-16,-26-1 0,0 1 15,-26 0-15,0 0 0,0-26 16,0 26-16,0 0 15,-26-26-15,27 0 16,-27 0-16,26 0 0,0 0 0,0 0 16,0 0-16,0 0 15,0-26-15,26 0 16,-26 0-16,26 0 16,0 0-16,0 1 0,0-1 15,26 0-15</inkml:trace>
-  <inkml:trace contextRef="#ctx0" brushRef="#br0" timeOffset="2124">2617 207 0,'0'-26'16,"-26"26"-16,0 26 31,26 0-15,0 26-16,0-26 0,0 25 15,0-25-15,0 26 0,0 0 16,0-26-16,0 26 0,0-26 15,0 0-15,0-1 16,0 1-16,0 0 0,0 0 16,0-52 15,0 0-15,0 0-16,0 1 15,26-27-15,-26 26 0,0-26 16,0 26-16,0-26 0,26 0 15,-26 1-15,0 25 16,26-26-16,-26 26 0,26 0 16,-26 0-16,26 0 15,0 26-15,0 26 16,0-26-16,-26 52 16,26-26-16,0 0 15,-26 26-15,26-27 0,-1 27 16,-25 0-16,26 0 15,-26-26-15,26 26 0,-26-26 16,0 0-16,26-1 0,-26 1 16,0 0-16,0 0 15</inkml:trace>
-  <inkml:trace contextRef="#ctx0" brushRef="#br0" timeOffset="2333">2721 570 0,'0'-26'16,"-26"0"-16,0 0 16,26 0-1,26 26 1,0-26-16,0 26 16,0 0-16,26-26 15,-26 26-15,25 0 0,-25-26 16,26 26-16,-26 0 15,0-26-15</inkml:trace>
-  <inkml:trace contextRef="#ctx0" brushRef="#br0" timeOffset="2926">3187 181 0,'-25'-26'15,"-1"26"1,26 26 15,0 0-31,0 0 16,0 0-16,0 0 0,0 0 15,0 25-15,26 1 16,-26-26-16,25 26 0,-25 0 16,0-26-16,26 0 0,-26 0 15,26-1-15,-26 1 16,0 0-1,0-52 1,0 0 0,0 1-1,0-1-15,-26 0 0,26-26 16,0 26-16,0-26 0,0 0 16,0 26-16,0-25 15,0-1-15,0 0 0,0 0 16,0 26-16,0-26 0,26 26 15,-26 0 1,26 1-16,0 25 16,0 0-16,0 25 15,0 1-15,0 0 16,0 0-16,0-26 0,-26 26 16,26 0-16,-26 0 15,0 0-15,0 0 16,-26-26-16,0 26 15,-26 0-15,26 0 0,0-26 16,-26 25-16,26-25 0,0 0 16,0 26-16,1-26 15,-1 0-15</inkml:trace>
-  <inkml:trace contextRef="#ctx0" brushRef="#br0" timeOffset="5436">3887 570 0,'-26'0'16,"52"0"0,0 26-1,-26 0-15,26-26 16,-26 25-16,0 1 15,0 0-15,26 0 0,-26 0 16,26 0 0,-26 0-16,0 0 0,0 0 15,0 0 1,-26-26 0,0-26-1,0 0 1,26 0-16,0 0 15,-26 26-15,26-52 0,0 26 16,0 0-16,0-25 16,0 25-16,0-26 0,0 0 15,26 26-15,-26-26 0,26 0 16,0 1-16,0 25 16,0 0-16,0 0 0,0 0 15,0 26-15,0 0 16,-1 0-16,1 0 0,0 0 15,-26 26-15,26 0 0,-26 26 16,0-27-16,0 27 16,-26-26-16,26 26 0,-26 0 15,0-26-15,1 0 16,-1 26-16,0-27 0,0 1 16,26 0-16,-26 0 0,0 0 15,26 0 16,26-26-15,-26-26 0,26 26-16,0 0 15,0-26-15,0 26 16,-1 0-16,1 0 16,0 26-16,0-26 15,0 26-15,0 0 16,-26 0-16,0 0 15,-26 0-15,0 0 16,0 0-16,0-26 0,-25 25 16,25 1-16,-26-26 15,0 26-15,26-26 0,-26 26 16,0-26-16,26 0 0,1 0 16,-1 0-16,0 0 15,0-26-15</inkml:trace>
-  <inkml:trace contextRef="#ctx0" brushRef="#br0" timeOffset="6414">4535 699 0,'52'0'0,"-26"-26"16,0 26-16,0 0 15,-26-26-15,26 26 0,-26-25 16,0-1 0,-26 26-16,26-26 0,-26 26 15,0-26-15,0 0 16,0 26-1,0 0 1,26 26-16,-26 0 16,26 0-16,-26 0 0,26-1 15,-26 27-15,1-26 0,25 0 16,0 26-16,-26-26 16,26 0-16,0 0 0,0 0 15,0 0 1,26-26-16,-1 0 15,1 0 1,0-26 0,0 26-16,0-26 0,0 0 15,-26 0-15,26 0 0,0 0 16,-26 0-16,26 0 16,-26 0-16,26 0 0,-26 0 15,0 1 1,26 25-16,-26 25 15,0 1 1,0 0-16,0 0 0,0 0 16,0 0-16,26 0 0,-26 0 15,0 0-15,0 0 16,25-26-16,-25 26 0,26-26 16,0-26-1,-26 0 1,26 26-16,0-26 0,-26 0 15,26 0-15,0 0 16,0-26-16,-26 26 16,26 0-16,-26 1 0,26-1 15,-26 0-15,26 0 16,-26 0-16,0 0 0,-26 26 31,0 0-31,0 0 16,26 26-16,-26 0 15,0 0-15,0 0 0,26 0 16,0-1-16,0 1 0,0 0 16,0 0-1,26 0-15,-26 0 0,26-26 16,0 26-16,0-26 0,0 0 16,0 26-16,0-26 15,0 26-15,-1-26 0,1 26 16,0 0-1,-26 0-15,-26-26 16,0 25-16,26 1 0,-25-26 16,-27 26-16,26-26 15,0 0-15,0 0 0,0 26 16,0-26-16,0 0 16,26-26-16</inkml:trace>
-  <inkml:trace contextRef="#ctx0" brushRef="#br0" timeOffset="6680">5235 518 0,'0'-26'16,"0"52"15,0 0-31,0 0 15,0 0-15,0 25 0,26-25 16,-26 0-16,0 0 16,0 0-16,26 0 0,-26 0 15,0 0-15,0 0 16,26-26-16,-26 26 0,0-52 31</inkml:trace>
-  <inkml:trace contextRef="#ctx0" brushRef="#br0" timeOffset="6847">5339 181 0,'-26'26'0,"26"0"16,-26 0-16,26 0 15,0 0-15,0 25 16,0-25-16</inkml:trace>
-  <inkml:trace contextRef="#ctx0" brushRef="#br0" timeOffset="7298">5676 570 0,'26'0'0,"-1"0"0,1 0 16,0-26-16,0 26 16,-26-26-1,0 0-15,0 0 16,0 0-16,-26 26 16,0-26-1,0 26-15,1 26 16,-1-26-16,0 26 15,0 0-15,26 0 0,-26 0 16,0 0-16,26 0 16,0 0-16,0-1 15,26-25-15,-26 26 0,26 0 16,0-26-16,0 26 16,0-26-16,-1 26 0,1 0 15,0-26-15,0 26 0,26 0 16,-26-26-16,-26 26 15,26 0-15,0-26 0,-26 26 16,0 0-16,-26-26 16,-26 25-16,26 1 0,-26-26 15,-25 26-15,25-26 0,0 0 16,-26 26-16,26-26 16,0 0-16,1 0 0,-1 0 15</inkml:trace>
-  <inkml:trace contextRef="#ctx0" brushRef="#br0" timeOffset="8376">1943 2410 0,'26'0'0,"-26"-26"32,-26 26 15,0 0-16,1 0-31,-1 0 15,-26 0-15,0 26 0,0-26 16,-26 0-16,27 0 16,-27 26-16,-26-26 0,26 0 15,-25 0-15,25 0 16,0 0-16,0 0 0,1 0 16,-1 0-16,0 0 0,26 0 15,0 0-15,1 0 16,25 0-16,-26 0 0,26 0 15,0 0-15,0 0 16,-26 0-16,26 0 0,0 0 16,1 0-16,-1 0 0,0 26 15,0-26 1,0 0-16,0 26 0,0-26 16,0 0-1,52 0 32,0 0-31</inkml:trace>
-  <inkml:trace contextRef="#ctx0" brushRef="#br0" timeOffset="8995">414 2203 0,'-26'-26'16,"26"0"0,-26 26-16,26 26 62,0 0-62,-26-26 16,26 25-16,-25 1 15,-1 0-15,0 0 0,0 0 16,0 0-16,0 0 16,-26 0-16,26 0 0,0-26 15,0 26-15,0 0 16,1-26-1,25 26 1,25-26 15,-25 26-31,26-26 16,-26 25-16,26-25 16,0 0-16,0 26 0,0 0 15,0-26-15,0 26 16,0 0-16,0-26 15,0 26-15,0-26 0,-1 26 16,1-26-16,0 26 16,0 0-16,0-26 15,-26 26 1,26-26-16,0 0 16,0 0-1,0 0 32,-52 0-31</inkml:trace>
-  <inkml:trace contextRef="#ctx0" brushRef="#br0" timeOffset="13258">1295 3395 0,'0'-26'31,"0"0"-15,-25 26 0,-1-26-1,0 26 1,0 26-1,26 0 1,-26 0-16,26 0 16,-26 0-16,0 0 0,26 25 15,-26-25-15,26 26 16,-26-26-16,26 0 0,0 0 16,0 0-16,0 0 0,26 0 15,0 0 1,0-26-16,0 0 0,0 0 15,0 0-15,0-26 16,0 26-16,-1-26 0,1 26 16,0-26-16,0 0 0,0 26 15,0-26-15</inkml:trace>
-  <inkml:trace contextRef="#ctx0" brushRef="#br0" timeOffset="13731">1581 3421 0,'0'-26'0,"25"26"15,-25-26 1,-25 26 0,-1 0-1,26 26-15,-26-26 16,26 26-1,0 0-15,-26-26 0,26 26 16,0-1-16,0 1 0,0 0 16,0 0-1,0 0-15,0 0 0,26-26 16,-26 26-16,26-26 0,-26 26 16,26-26-16,-1 0 15,1 0-15,0 0 0,0 0 16,0 0-1,0-26-15,-26 0 0,26 26 16,-26-26-16,26 0 0,-26 0 16,0 0-16,0 0 15,-26 1-15,26-1 0,-26 0 16,26 0-16,-26 26 16,0-26-16,0 26 15,0 0-15,0 0 31,26 26-31,0 0 16,26-26-16</inkml:trace>
-  <inkml:trace contextRef="#ctx0" brushRef="#br0" timeOffset="14444">1995 3395 0,'0'26'79,"0"0"-64,0 0-15,0-1 16,26 1-16,-26 0 0,0 0 15,0 0-15,0 0 0,0 0 16,0 0-16,0 0 16,0-52 31,0 0-47,0 0 15,0 0-15,0 0 16,-26 0-16,26 0 0,0-25 15,0 25-15,0 0 16,0 0-16,0-26 0,0 26 16,0 0-16,26 0 0,0 0 15,0 26 1,0 0-16,0 0 16,0 26-16,0 0 15,-26 0-15,26 0 16,-26 0-16,0 0 0,0 0 15,0 0-15,0 0 16,0-1-16,0 1 0,-26 0 16,0 0-16,0-26 15,26 26-15,-26-26 0,0 0 16,0 26-16,0-26 16,0-26-1,26 0 1,0 0-1,26 26-15,0 0 16,0 0-16,0 0 16,0 26-16,0-26 15,-26 26-15,26 0 0,0-26 16,-26 26-16,25-26 16,-25 26-16,26-26 15,0 0 1</inkml:trace>
-  <inkml:trace contextRef="#ctx0" brushRef="#br0" timeOffset="14908">2436 3343 0,'0'-26'0,"-26"26"0,26-26 15,0 0-15,0 0 0,0 0 16,0 0-16,-26 26 16,26-25-16,-26 25 15,0 25-15,0 1 16,0-26 0,26 26-16,-26-26 0,26 26 15,0 0 1,0 0-1,26-26-15,0 26 16,0-26 0,0 26-16,26-26 0,-26 26 15,0-26-15,26 26 16,-26-26-16,-1 0 0,1 26 16,0-26-16,0 26 0,0-1 15,-26 1 1,-26-26-16,0 26 15,0-26-15,0 26 16,1-26-16,-1 0 0,-26 26 16,26-26-16,0 0 0,0 0 15,0 0-15,0 0 16,26-26-16,0 0 16</inkml:trace>
-  <inkml:trace contextRef="#ctx0" brushRef="#br0" timeOffset="15190">2851 3369 0,'25'0'0,"1"0"16,0 0-1,-26 26 1,26-26-16,-26 26 16,0 0-1,0 0-15,0-1 0,0 1 16,0 0-16,0 0 16,0 0-16,0 0 15,-26-26-15,26 26 16</inkml:trace>
-  <inkml:trace contextRef="#ctx0" brushRef="#br0" timeOffset="15994">3317 3110 0,'0'26'0,"0"0"16,0-1-16,26-25 16,-26 26-16,26-26 0,-26 26 15,0 0-15,0 0 16,26 0-16,-26 0 0,26 0 15,-26 0-15,0 0 0,26 0 16,0 0 0,-26-1-16,-26-25 31,0-25 0,26-1-31,-26 26 16,26-26-16,0 0 0,0 0 15,0 0-15,-26-26 16,26 26-16,0-26 0,0 26 16,26-25-16,-26 25 15,26-26-15,0 26 0,-26 0 16,51 0-16,-25 0 0,0 26 16,26 0-16,-26 0 15,0 0-15,0 0 0,26 26 16,-26 0-16,0 0 15,-26 0-15,0 0 16,0 0-16,0 0 0,-26 0 16,0-1-16,0-25 15,0 26-15,0 0 0,-26 0 16,26-26-16,0 26 0,0-26 16,0 0-16,1 0 15,-1 0-15,52 0 47,-1 26-47,1-26 16,-26 26-16,26-26 15,0 26-15,0-26 0,0 26 16,0 0-16,0-26 16,0 26-16,0-26 0,0 26 15,0-1-15,0-25 16,-1 0-16,1 26 15,0-26-15,0 0 16,0-26-16,0 26 16</inkml:trace>
-  <inkml:trace contextRef="#ctx0" brushRef="#br0" timeOffset="16449">4069 3317 0,'26'-26'16,"-26"0"-1,0 0-15,-26 26 16,0 0 0,0 0 15,26 26-31,0 0 16,0 0-16,0 0 15,0 0-15,0 0 16,26 0-16,0-26 15,0 26 1,0-26-16,-1 0 16,1 0-1,-26-26-15,26 26 16,-26-26-16,0 0 0,26 26 16,-26-26-16,0 0 15,0 0-15,0 0 0,0 0 16,0 0-16,-26 26 0,26-26 15,-26 26-15,0 0 16,1 0-16,-1 0 16,0 0-16,26 26 15,-26-26-15,26 26 0,0 0 16,0 0 0,26-26-1,-26 26-15,26-26 0,0-26 16</inkml:trace>
-  <inkml:trace contextRef="#ctx0" brushRef="#br0" timeOffset="16718">4250 3110 0,'0'-26'16,"0"0"-16,0 0 15,0 0 1,0 52 15,26 0-15,0 0-1,-26 0-15,0 26 0,26-27 16,-26 1-16,26 0 16,-26 0-16,0 0 0,0 0 15,26-26-15,-26 26 0,0 0 16,26-26-1</inkml:trace>
-  <inkml:trace contextRef="#ctx0" brushRef="#br0" timeOffset="17529">4587 3239 0,'-26'0'0,"26"-26"0,-26 26 15,52 0 64,0 0-64,0 0 1,0-26-1,0 26 1,-26-25-16,26 25 0,-26-26 16,0 0-16,0 0 15,0 0 1,-26 0 0,0 26-1,0 0-15,0 0 16,0 26-16,0 0 15,0-26 1,26 26-16,0 0 0,-26 0 16,26-1-16,0 1 0,0 0 15,0 0-15,0 0 16,26 0-16,-26 0 0,0 0 16,26 0-16,0 0 15,0-26-15,0 0 16,0-26-1,0 26-15,0-26 0,0 26 16,0-26-16,25 0 0,-25 0 16,0 0-16,-26-26 15,26 26-15,0 1 0,-26-1 16,0 0-16,26-26 0,-26 26 16,0 0-1,0 0-15,0 0 16,-26 26-1,0 26 17,26 0-17,-26 0 1,26 0 0,26 0-16,0-26 15,0 26-15,0-26 16,0 26-16,0-26 15,0 26-15,0-26 0,0 25 16,-26 1 0,-26-26-1,-26 26-15,0-26 16,0 0-16,-26 26 16</inkml:trace>
-  <inkml:trace contextRef="#ctx0" brushRef="#br0" timeOffset="19737">1632 4121 0,'-26'0'16,"26"-26"-16,-25 26 31,-1 0-31,0 0 16,0 0 0,0 26-1,0-1 1,0 1-1,0 0-15,0 0 0,0 26 16,26-26-16,-26 26 0,0-26 16,26 26-16,0-27 15,0 27-15,0-26 0,0 0 16,0 0-16,26 0 16,0-26-16,0 0 15,26 0-15,-26 0 0,26 0 16,0 0-16,-26-26 15,25 26-15,-25-26 0,0 0 16,0 26-16,0-26 16</inkml:trace>
-  <inkml:trace contextRef="#ctx0" brushRef="#br0" timeOffset="20626">1581 4509 0,'0'-26'16,"0"0"31,25 26-32,1 0-15,0 0 0,0 0 16,0 0-16,0 26 15,0-26-15,0 26 0,0 0 16,0-26-16,-26 26 16,26 0-16,-26 0 0,0 0 15,-26 0-15,0 0 16,0 0-16,0 0 16,0-1-16,-26-25 0,26 26 15,0-26-15,0 26 16,1-26-16,-1 0 0,0 0 15,0 0-15,0 0 0,0 0 16,0-26 0,26 0-1</inkml:trace>
-  <inkml:trace contextRef="#ctx0" brushRef="#br0" timeOffset="20919">1917 4146 0,'-25'0'15,"50"0"1,1 0-1,0-25-15,0 25 16,0 0-16,0-26 0,26 26 16,-26 0-16,0-26 15,26 26-15,-27 0 0,-25-26 16,26 26-16,-52 0 16</inkml:trace>
-  <inkml:trace contextRef="#ctx0" brushRef="#br0" timeOffset="21123">2073 4095 0,'-26'0'0,"26"26"16,0-1-1,0 1-15,0 0 16,0 0-16,0 0 16,26 0-16,-26 26 0,26-26 15,-26 26-15,26-26 0,-26 25 16,26-25-16,-26 0 15,26 0-15,-26 0 0,26-26 16,-26 26-16,0 0 16,25-26-16</inkml:trace>
-  <inkml:trace contextRef="#ctx0" brushRef="#br0" timeOffset="21788">2410 4250 0,'0'-26'16,"0"0"-16,26 26 16,-26-26-16,0 0 0,0 52 31,0 0-15,0 0-16,0 0 0,0 26 15,0-26-15,0 0 16,0 0-16,26 51 15,-26-51-15,0 0 16,0 0 0,0-52 15,0 0-31,0 0 16,0 1-16,-26-1 0,26 0 15,0 0-15,-26-26 16,26 26-16,0-26 0,0 0 15,0 26-15,26-25 0,0 25 16,-26-26-16,26 26 16,0 0-16,0 26 15,-1 0-15,-25 26 16,26 0-16,0 0 0,0 26 16,-26-26-1,0-1-15,0 1 0,0 0 16,0 0-16,-26 0 0,0 0 15,0-26-15,1 26 16,25 0-16,-26-26 0,0 0 16,0 26-16,0-26 15,52 0 1,0 0 0,0 0-1,0 0-15,-1 0 16,27 26-1,-26 0-15,-26 0 0,26-1 16,0-25-16,-26 26 0,26 0 16,0 0-1,0 0-15,0-26 32</inkml:trace>
-  <inkml:trace contextRef="#ctx0" brushRef="#br0" timeOffset="22202">2876 4146 0,'0'-25'0,"0"-1"16,0 52 15,0-1-15,0 1-16,0 0 15,0 0-15,26 26 0,-26-26 16,26 0-16,-26 0 16,26 0-16,-26 0 0,26 0 15,-26-1-15,26 1 0,0-26 16,-26 26 0,26-26-16,-26-26 15,0 0 1,26 1-16,-26-1 0,0 0 15,26 0-15,-26-26 0,0 26 16,26-26-16,-26 0 16,0 26-16,0-25 0,0 25 15,0 0-15,0 0 16,-26 26-16,0 0 16,26 26-1,-26 0 1,26 0-16</inkml:trace>
-  <inkml:trace contextRef="#ctx0" brushRef="#br0" timeOffset="22605">3369 4095 0,'0'-26'0,"0"0"31,0 0-15,-26 26 15,0 26-15,26 0 0,0 0-1,0 0-15,26-1 16,-26 1-16,26-26 15,0 26-15,-26 0 16,26-26-16,0 26 0,0 0 16,-1 0-1,1 0-15,-26 0 16,0 0-16,0 0 16,-26-26-16,26 26 15,-25-26-15,-1 25 0,0-25 16,0 0-16,0 0 15,0 0-15,0-25 16,26-1-16</inkml:trace>
-  <inkml:trace contextRef="#ctx0" brushRef="#br0" timeOffset="23127">3758 3887 0,'-26'0'32,"52"0"14,0 0-30,0 0-16,-1 0 16,1-26-16,0 26 0,0 0 15,0-26-15,0 26 16,0 0-16,0-25 16,-52 25-1,0 0 1,0 0-1,0 0 1,26 25 0,-26-25-16,26 26 0,0 0 15,0 0 1,0 0-16,0 0 0,0 26 16,0-26-16,26 0 0,-26 0 15,26 25-15,-26-25 16,26 0-16,-26 0 0,26 0 15,-26 0-15,26 0 16,-26 0 0,0 0-16,-26-26 15</inkml:trace>
-</inkml:ink>
-</file>
-
-<file path=ppt/ink/ink13.xml><?xml version="1.0" encoding="utf-8"?>
-<inkml:ink xmlns:inkml="http://www.w3.org/2003/InkML">
-  <inkml:definitions>
-    <inkml:context xml:id="ctx0">
-      <inkml:inkSource xml:id="inkSrc0">
-        <inkml:traceFormat>
-          <inkml:channel name="X" type="integer" max="1920" units="cm"/>
-          <inkml:channel name="Y" type="integer" max="1080" units="cm"/>
-          <inkml:channel name="T" type="integer" max="2.14748E9" units="dev"/>
-        </inkml:traceFormat>
-        <inkml:channelProperties>
-          <inkml:channelProperty channel="X" name="resolution" value="55.81395" units="1/cm"/>
-          <inkml:channelProperty channel="Y" name="resolution" value="55.6701" units="1/cm"/>
-          <inkml:channelProperty channel="T" name="resolution" value="1" units="1/dev"/>
-        </inkml:channelProperties>
-      </inkml:inkSource>
-      <inkml:timestamp xml:id="ts0" timeString="2020-12-22T06:26:48.495"/>
-    </inkml:context>
-    <inkml:brush xml:id="br0">
-      <inkml:brushProperty name="width" value="0.05" units="cm"/>
-      <inkml:brushProperty name="height" value="0.05" units="cm"/>
-      <inkml:brushProperty name="fitToCurve" value="1"/>
-    </inkml:brush>
-  </inkml:definitions>
-  <inkml:trace contextRef="#ctx0" brushRef="#br0">0 313 0,'26'0'31,"0"0"94,-26-26-125,26 26 16,0 0-16,0 0 15,0 0-15,0-26 16,0 26-16,25 0 0,-25 0 16,26-26-16,0 26 15,0 0-15,0 0 0,-1 0 16,1-25-16,0 25 0,0 0 16,0 0-16,26 0 15,-27 0-15,27 0 0,-26 0 16,26 0-16,0 0 15,-27-26-15,27 26 0,0 0 16,0 0-16,-1 0 0,1-26 16,26 26-16,-26 0 15,-1-26-15,27 26 0,-26 0 16,0-26-16,-1 26 0,1-26 16,0 26-16,0 0 15,-1-26-15,-25 26 0,26 0 16,-26-26-16,25 26 15,-25 0-15,0 0 0,0-26 16,-26 26-16,26 0 0,0 0 16,-27 0-16,1 0 15,26 0-15,-26 0 0,0 0 16,0 26-16,0-26 16,0 0-16,0 0 0,0 0 15,0 26 1,0-26 31,-26 26 62,0 0-93,0 0-1,0 0 1,25-26-16,-25 26 0,0 0 16,26-1-16,-26 1 0,26 0 15,-26 0-15,26 0 16,-26 26-16,26-26 0,0 0 15,-26 26-15,26-26 16,0 25-16,-26 1 0,26-26 16,-26 26-16,26 0 0,-26-26 15,26 26-15,-26-1 16,0 1-16,26 0 0,-26 0 16,25 0-16,-25 0 0,26-1 15,-26 1-15,26 0 16,-26 0-16,26 0 0,-26 26 15,26-27-15,0 1 16,-26 26-16,26-26 0,0 26 16,0-27-16,0 27 15,0-26-15,0 0 0,-1 26 16,1-27-16,0 1 0,0 26 16,-26-26-16,26 0 15,-26 25-15,26-25 0,-26 0 16,26 0-16,-26 0 0,0 0 15,0-1-15,0 27 16,26-26-16,-26 0 0,0 0 16,0-26-16,26 25 15,-26 1-15,0 0 0,26-26 16,-26 26-16,26 0 0,-26 0 16,26-27-16,-26 27 15,25 0-15,-25 0 0,26 0 16,-26 0-16,26 0 15,-26-1-15,26 1 0,-26 0 16,26 0-16,-26-26 0,26 26 16,-26-1-16,0-25 15,26 0-15,-26 26 0,0-26 16,26 0-16,-26 26 16,0-26-16,0 0 0,26 0 15,-26 25-15,0-25 0,0 0 16,0 26-16,0-26 15,0 26-15,26-26 0,-26 26 16,0-1-16,0 1 16,0-26-16,26 26 0,-26 0 15,0-26-15,0 26 0,0-26 16,0-1-16,0 27 16,0-26-16,0 0 0,0 0 15,0 0-15,0 0 16,0 0-16,0 0 0,0 0 15,0 0-15,0-1 16,0 1-16,0 26 16,0-26-16,0 0 0,0 26 15,0-26-15,0 26 0,0-26 16,0 25-16,0 1 16,0-26-16,0 0 0,26 0 15,-26 26-15,0-26 16,0 0-16,26 0 0,-26-1 15,0 1-15,0 0 16,25-26-16,-25 26 16,0 0-1,26-26 1,-26 26 0,26 0 15,0-26 0,0 0-15,0 0-1,0 0-15,0 0 16,0-26-16,0 26 0,26 0 16,-1 0-16,-25 0 15,26-26-15,0 26 0,0 0 16,0 0-16,-1 0 0,1 0 15,26 0-15,-26 0 16,0 0-16,0 0 0,25 0 16,-25 0-16,0-26 15,26 26-15,-26 0 0,25 0 16,-25 0-16,26 0 0,-26-26 16,-26 26-16,26 0 15,-1 0-15,-25 0 0,0 0 16,0 0-16,0 0 15,26 0-15,-26 0 0,0 0 16,0 0-16,0 0 0,-1 0 16,1 0-16,0 0 15,0 0-15,0 0 0,0 0 16,0 0-16,0 0 16,0 0-1,-26 26 16,-26-26-15,26 26 31,26-26-47</inkml:trace>
-  <inkml:trace contextRef="#ctx0" brushRef="#br0" timeOffset="730">6402 5626 0,'0'-25'15,"0"50"32,26-25-31,-26 26-16,0 0 15,26-26-15,0 26 0,0 0 16,0 0-16,0-26 16,-1 26-16,1 0 15,0-26-15,0 26 0,26-26 16,-26 26-16,0-26 0,0 26 15,0-26-15,0 0 16,0 26-16,-1-26 0,1 25 16,0-25-16,0 0 15,0 26-15,0-26 16,-26 26-16,26-26 16,-26 26-16,0 0 15,0 0 1,0 0-16,0 0 15,-26-26-15,0 26 16,26 0-16,-26 0 0,0 0 16,0-26-16,-25 26 15,25-1-15,0 1 0,0 0 16,0-26-16,0 26 16,0 0-16,0-26 0,0 26 15,0-26-15,26 26 0,-26-26 16,0 26-1,1-26-15,25 26 16,-26-26-16,26 26 16,-26-26-1,26 26-15</inkml:trace>
-</inkml:ink>
-</file>
-
-<file path=ppt/ink/ink14.xml><?xml version="1.0" encoding="utf-8"?>
-<inkml:ink xmlns:inkml="http://www.w3.org/2003/InkML">
-  <inkml:definitions>
-    <inkml:context xml:id="ctx0">
-      <inkml:inkSource xml:id="inkSrc0">
-        <inkml:traceFormat>
-          <inkml:channel name="X" type="integer" max="1920" units="cm"/>
-          <inkml:channel name="Y" type="integer" max="1080" units="cm"/>
-          <inkml:channel name="T" type="integer" max="2.14748E9" units="dev"/>
-        </inkml:traceFormat>
-        <inkml:channelProperties>
-          <inkml:channelProperty channel="X" name="resolution" value="55.81395" units="1/cm"/>
-          <inkml:channelProperty channel="Y" name="resolution" value="55.6701" units="1/cm"/>
-          <inkml:channelProperty channel="T" name="resolution" value="1" units="1/dev"/>
-        </inkml:channelProperties>
-      </inkml:inkSource>
-      <inkml:timestamp xml:id="ts0" timeString="2020-12-22T06:26:54.261"/>
-    </inkml:context>
-    <inkml:brush xml:id="br0">
-      <inkml:brushProperty name="width" value="0.05" units="cm"/>
-      <inkml:brushProperty name="height" value="0.05" units="cm"/>
-      <inkml:brushProperty name="fitToCurve" value="1"/>
-    </inkml:brush>
-  </inkml:definitions>
-  <inkml:trace contextRef="#ctx0" brushRef="#br0">311 778 0,'0'-26'16,"0"0"-16,26 0 16,0 26-1,-26-26 1,26 26-1,-52 0 17,26-26-32,-26 26 0,0 0 15,0 0 1,0 0 0,0 0-1,0 26-15,0-26 0,1 0 16,-1 26-16,0 0 0,26 0 15,-26-26-15,26 26 16,-26 0-16,26 0 0,0-1 16,0 1-16,0 0 15,0 0-15,26-26 16,-26 26-16,26-26 0,0 26 16,0-26-1,-1 0-15,1 0 0,0 0 16,0 0-16,26 0 15,-26 0-15,0 0 0,0 26 16,26-26-16,-26 0 0,-1 0 16,1 26-1,-26 0-15,-26 0 16,1 0 0,-1 0-16,0-1 0,0 1 15,-26-26-15,26 26 0,0 0 16,0-26-16,-26 0 15,26 0-15,1 0 0,-1 0 16,0 0-16,0-26 16,0 26-16,26-26 0,-26 26 15,0-26-15,26 1 16,26-1 15</inkml:trace>
-  <inkml:trace contextRef="#ctx0" brushRef="#br0" timeOffset="601">363 648 0,'26'0'47,"0"26"-31,-26 0-16,26-26 15,-26 26-15,26 0 16,-1 0-16,-25 26 0,26-27 15,0 1-15,-26 0 16,26 26-16,-26-26 0,26 0 16,0 0-16,-26 0 15,26 0 1,-26-52 15,0 0-15,0 0-16,0 0 0,-26 0 15,26 0-15,-26 0 16,26-26-16,-26 27 0,0-27 16,26 26-16,-26-26 15,0 26-15,26 0 0,-25 0 16,25 0-16,0 0 0,0 0 16,0 1-1,25 25-15,1-26 16,0 26-16,0 0 15,0-26-15,26 26 0,-26-26 16,26 26-16,-26-26 0,0 26 16,-1 0-16,1 0 15,0 0-15</inkml:trace>
-  <inkml:trace contextRef="#ctx0" brushRef="#br0" timeOffset="811">596 855 0,'0'26'0,"-26"-26"16,26-26-1,26 1 1,0 25-1,0-26-15,0 26 0,0-26 16,0 26-16,0 0 16,-26-26-16</inkml:trace>
-  <inkml:trace contextRef="#ctx0" brushRef="#br0" timeOffset="1374">959 544 0,'-26'0'16,"52"0"31,0 0-47,-26 26 0,26 0 15,0 0-15,0 0 16,-26 0-16,26 0 16,-26 0-16,26 0 0,-26 0 15,0 0 1,25 0-16,-25-1 31,0-50-15,-25-1-1,25 0-15,-26 26 16,26-52-16,-26 26 0,0 0 16,26-26-16,-26 0 15,0 1-15,26 25 0,-26-26 16,26 26-16,0 0 0,0 0 16,0 0-16,26 26 15,0-26-15,0 26 0,0 0 16,0 26-16,0-26 15,25 26-15,-25 0 0,26 0 16,-26 0-16,26 26 0,-26-26 16,0-1-16,0 27 15,0-26-15,-1 0 0,1 0 16,-26 0 0,26 0-16,-26 0 15</inkml:trace>
-  <inkml:trace contextRef="#ctx0" brushRef="#br0" timeOffset="1567">1089 648 0,'-26'0'16,"26"-26"15,26 26-31,0 0 15,-1-26-15,1 26 0,0-26 16,0 26-16,0-26 16,26 26-16,-26-25 0</inkml:trace>
-  <inkml:trace contextRef="#ctx0" brushRef="#br0" timeOffset="2239">1814 467 0,'0'-26'15,"0"0"1,0 0-16,0 0 15,0 0 1,0 0 0,-26 26-16,0 0 15,26-26-15,-25 26 16,-1 0-16,26 26 16,-26 0-16,0 0 15,26 0-15,0 0 16,0 0-16,0 0 0,0 0 15,26 25-15,0-25 16,-26 0-16,26 0 16,-1-26-16,1 26 15,0-26-15,0 0 16,0 0-16,0-26 0,0 0 16,0 0-1,-26 0-15,0 1 0,0-1 16,0-26-16,0 0 15,-26 26-15,0-26 0,0 0 16,0 1-16,-26-1 0,26 26 16,1-26-16,-1 26 15,0 0-15,0 26 0,26-26 16,0 52 0,0 0-16,26 26 15,-26-26-15,26 0 16,0 26-16,-1-27 15,1 1-15,0 26 0,0-26 16,0 26-16,0-26 16,0 0-16,0 0 0,0 0 15,0 0-15,0-1 0,0-25 16,-26 26-16,25-26 16,-25 26-16,26-26 0</inkml:trace>
-  <inkml:trace contextRef="#ctx0" brushRef="#br0" timeOffset="2448">2255 337 0,'0'-26'0,"-26"0"31</inkml:trace>
-</inkml:ink>
-</file>
-
-<file path=ppt/ink/ink15.xml><?xml version="1.0" encoding="utf-8"?>
-<inkml:ink xmlns:inkml="http://www.w3.org/2003/InkML">
-  <inkml:definitions>
-    <inkml:context xml:id="ctx0">
-      <inkml:inkSource xml:id="inkSrc0">
-        <inkml:traceFormat>
-          <inkml:channel name="X" type="integer" max="1920" units="cm"/>
-          <inkml:channel name="Y" type="integer" max="1080" units="cm"/>
-          <inkml:channel name="T" type="integer" max="2.14748E9" units="dev"/>
-        </inkml:traceFormat>
-        <inkml:channelProperties>
-          <inkml:channelProperty channel="X" name="resolution" value="55.81395" units="1/cm"/>
-          <inkml:channelProperty channel="Y" name="resolution" value="55.6701" units="1/cm"/>
-          <inkml:channelProperty channel="T" name="resolution" value="1" units="1/dev"/>
-        </inkml:channelProperties>
-      </inkml:inkSource>
-      <inkml:timestamp xml:id="ts0" timeString="2020-12-22T06:27:01.191"/>
-    </inkml:context>
-    <inkml:brush xml:id="br0">
-      <inkml:brushProperty name="width" value="0.05" units="cm"/>
-      <inkml:brushProperty name="height" value="0.05" units="cm"/>
-      <inkml:brushProperty name="fitToCurve" value="1"/>
-    </inkml:brush>
-  </inkml:definitions>
-  <inkml:trace contextRef="#ctx0" brushRef="#br0">104 493 0,'-26'0'0,"0"0"31,0 0-15,0-26 15,52 26 94,-26 26-125,26-26 16,0 0-16,0 0 15,0 0-15,0 0 16,26 0-16,-26 0 0,0-26 15,0 26-15,25 0 16,-25 0-16,0 0 0,26-26 16,-26 26-16,26 0 15,-26 0-15,26 0 0,-27 0 16,27 0-16,-26-26 0,26 26 16,0 0-16,0 0 15,0-26-15,-26 26 0,25 0 16,1-26-16,0 26 15,-26 0-15,0-26 0,26 26 16,-26 0-16,0-26 0,-1 26 16,27 0-16,-26-25 15,0 25-15,0 0 0,0 0 16,0-26-16,0 26 16,0 0-16,0 0 0,0 0 15,-1 0-15,1 0 0,0 0 16,0 0-1,0 0-15,0 0 0,0 0 16,0 0 0,0 0-16,0 0 15,0 0 17,0 0 14</inkml:trace>
-  <inkml:trace contextRef="#ctx0" brushRef="#br0" timeOffset="799">1659 0 0,'-26'0'0,"26"26"94,26-26-79,-26 26-15,26-26 16,-26 26-16,26-26 15,0 26-15,0-26 0,0 26 16,0-26-16,0 26 0,0-26 16,-1 26-16,1-26 15,0 0-15,0 26 0,0-26 16,0 0-16,0 0 16,-26 26-16,26-26 0,0 26 15,-26 0 16,0-1-15,0 1 15,-26-26-15,26 26-16,-26-26 16,0 26-1,0-26 1,0 0-16,26 26 0,-26-26 15,26 26-15,-26-26 0,0 26 16,1 0 0,-1 0-16,0 0 15,26 0 1,-26-26-16,26 26 16,-26-26-16,26 26 15,-26-1 16</inkml:trace>
-  <inkml:trace contextRef="#ctx0" brushRef="#br0" timeOffset="2742">2074 985 0,'26'0'0,"0"0"31,-26-26-31,-26 26 47,0 0-31,0 0-16,0 0 15,-26 0-15,26 26 16,0-26-16,-25 0 0,25 0 16,-26 26-16,0-26 15,0 0-15,-26 26 0,1-26 16,25 26-16,-26-26 0,0 26 15,1-26-15,-27 0 16,26 26-16,26-26 0,-25 26 16,-1-26-16,26 0 0,26 0 15,-26 26-15,26-26 16,0 0-16,0 0 0,0 0 16,26 26-1,-25-26-15,-1 0 16,0 0-1,0 0-15,0 26 0,0-26 16,0 0-16,0 26 0,0-26 16,0 0-16,0 0 15,0 25-15,1-25 0</inkml:trace>
-  <inkml:trace contextRef="#ctx0" brushRef="#br0" timeOffset="3205">337 1063 0,'26'-26'15,"0"26"-15,0-26 0,0 0 16,0 0 0,0 26-16,0 0 15,-26-25 1,-26 50-1,0 1 1,0-26-16,0 26 0,0 0 16,0 0-16,0 0 0,0-26 15,1 26-15,-1 0 16,0 0-16,0-26 0,0 26 16,26 0-16,-26-26 0,26 26 15,0-1 1,26 1 15,0-26-31,-26 26 16,26-26-16,0 26 15,0-26-15,-1 26 0,1-26 16,0 26-16,0-26 0,0 26 16,0-26-16,0 26 15,0 0-15,0-26 0,-26 26 16</inkml:trace>
-</inkml:ink>
-</file>
-
-<file path=ppt/ink/ink16.xml><?xml version="1.0" encoding="utf-8"?>
-<inkml:ink xmlns:inkml="http://www.w3.org/2003/InkML">
-  <inkml:definitions>
-    <inkml:context xml:id="ctx0">
-      <inkml:inkSource xml:id="inkSrc0">
-        <inkml:traceFormat>
-          <inkml:channel name="X" type="integer" max="1920" units="cm"/>
-          <inkml:channel name="Y" type="integer" max="1080" units="cm"/>
-          <inkml:channel name="T" type="integer" max="2.14748E9" units="dev"/>
-        </inkml:traceFormat>
-        <inkml:channelProperties>
-          <inkml:channelProperty channel="X" name="resolution" value="55.81395" units="1/cm"/>
-          <inkml:channelProperty channel="Y" name="resolution" value="55.6701" units="1/cm"/>
-          <inkml:channelProperty channel="T" name="resolution" value="1" units="1/dev"/>
-        </inkml:channelProperties>
-      </inkml:inkSource>
-      <inkml:timestamp xml:id="ts0" timeString="2020-12-22T06:27:06.891"/>
-    </inkml:context>
-    <inkml:brush xml:id="br0">
-      <inkml:brushProperty name="width" value="0.05" units="cm"/>
-      <inkml:brushProperty name="height" value="0.05" units="cm"/>
-      <inkml:brushProperty name="fitToCurve" value="1"/>
-    </inkml:brush>
-  </inkml:definitions>
-  <inkml:trace contextRef="#ctx0" brushRef="#br0">6868 6347 0,'-26'0'0,"0"-26"31,0 26-15,1 0-16,-1 0 15,0 0 1,0 0-16,0 26 0,0-26 16,0 0-16,0 0 0,-26 0 15,0 26-15,1-26 16,25 0-16,-52 26 0,26-26 16,-26 0-16,26 0 15,-25 26-15,-1-26 0,-26 0 16,1 0-16,-1 25 15,0-25-15,1 0 0,-1 26 16,0-26-16,1 26 0,-1-26 16,0 26-16,1 0 15,-1-26-15,26 26 0,-26-26 16,1 26-16,25-26 16,-77 26-1,77 0-15,0-26 0,0 0 0,0 0 16,27 0-16,-1 0 15,0 0-15,0 0 0,-26 0 16,27 0-16,-1-26 0,26 26 16,-26 0-16,0-26 15,26 26-15,-26-26 0,26 26 16,-25-26-16,25 26 16,0-26-16,0 26 0,0-26 15,0 0 1,0 0-16,26 1 15,-26 25 1,26-26 0,0 0-1,-26 26 1,26-26 0,0 0-1,0 0 1,0 0-16,0 0 15,0 0-15,0 0 0,0 0 16,0 0-16,0 1 16,0-27-16,-26 26 0,26 0 15,0-26-15,0 0 16,-26 26-16,26-26 0,0 1 16,0-1-16,-25 0 15,25 0-15,0 0 0,-26 0 16,26 1-16,-26-27 0,26 26 15,-26 0-15,0 0 16,26-25-16,-26-1 0,26 26 16,-26-26-16,0 0 0,26 1 15,-26-1-15,26 0 16,-26 0-16,0 1 0,26-1 16,-26 0-16,0 26 15,1-25-15,-1 25 0,0-26 16,0 26-16,0 0 0,0 0 15,0 1-15,0-1 16,0 0-16,0-26 0,26 26 16,-26 1-16,0-1 15,26-26-15,-25 26 0,25 0 16,-26 0-16,26-25 0,0 25 16,-26 0-16,26-26 15,0 26-15,0-25 0,0-1 16,0 26-16,0-26 15,0 1-15,0 25 0,0-26 16,0 26-16,0 0 0,0-25 16,0 25-16,0 0 15,0 0-15,0 0 0,0 0 16,-26 1-16,26-1 16,0 0-16,-26 26 0,26-26 15,-26 0-15,26 26 0,-26-25 16,26 25-16,-26-26 15,26 26-15,-26-26 0,26 26 16,0 0-16,0-26 0,-26 26 16,26 0-16,0-25 15,0 25-15,0-26 0,0 26 16,0 0-16,0-26 16,0 26-16,0 0 0,0 0 15,0-25-15,0 25 16,0 0-16,0 0 0,-26 0 15,26-26-15,0 26 0,-26 0 16,26 0-16,-25 0 16,-1 1-16,26-1 0,-26 0 15,0 0 1,0 0-16,0 0 16,0 0-16,0 0 15,0 0 1,26 0-16,0 0 15,0 0-15,0 1 16,0-1 0,0 0-1,26 26-15,-26-26 16,0 0 0,0 0-1,0 0 1,-26 26-1,26-26 1,-26 26-16,0 0 16,0-26-1,1 26-15,-1 0 0,0 0 16,0 0-16,-26 0 0,26 0 16,0 0-16,-26 0 15,26 0-15,-26 26 0,1-26 16,-1 0-16,0 0 0,0 0 15,0 26-15,0-26 16,1 0-16,-1 0 0,0 26 16,0-26-16,26 0 15,-26 26-15,1-26 0,-1 0 16,0 0-16,26 26 0,-26-26 16,26 0-16,0 0 15,0 0-15,0 0 0,1 0 16,-1 0-16,0 0 15,0 0-15,0 0 16,0 0-16,0 0 16,0 0-1</inkml:trace>
-  <inkml:trace contextRef="#ctx0" brushRef="#br0" timeOffset="650">337 23 0,'-26'0'0,"26"-26"16,-26 26 15,26 26-31,-26 0 16,26 0-16,-26-1 16,0 1-16,0 0 15,0 0-15,26 0 0,-26 0 16,0-26-16,1 26 0,-1 0 15,0 0 1,0-26-16,26 26 16,26 0 31,0-26-32,0 26-15,-1-26 16,1 26-16,0-26 0,0 25 15,0-25-15,0 0 16,0 26-16,0-26 0,0 26 16,0-26-1,0 0 48,0 0-48</inkml:trace>
-</inkml:ink>
-</file>
-
-<file path=ppt/ink/ink17.xml><?xml version="1.0" encoding="utf-8"?>
-<inkml:ink xmlns:inkml="http://www.w3.org/2003/InkML">
-  <inkml:definitions>
-    <inkml:context xml:id="ctx0">
-      <inkml:inkSource xml:id="inkSrc0">
-        <inkml:traceFormat>
-          <inkml:channel name="X" type="integer" max="1920" units="cm"/>
-          <inkml:channel name="Y" type="integer" max="1080" units="cm"/>
-          <inkml:channel name="T" type="integer" max="2.14748E9" units="dev"/>
-        </inkml:traceFormat>
-        <inkml:channelProperties>
-          <inkml:channelProperty channel="X" name="resolution" value="55.81395" units="1/cm"/>
-          <inkml:channelProperty channel="Y" name="resolution" value="55.6701" units="1/cm"/>
-          <inkml:channelProperty channel="T" name="resolution" value="1" units="1/dev"/>
-        </inkml:channelProperties>
-      </inkml:inkSource>
-      <inkml:timestamp xml:id="ts0" timeString="2020-12-22T06:27:22.056"/>
-    </inkml:context>
-    <inkml:brush xml:id="br0">
-      <inkml:brushProperty name="width" value="0.05" units="cm"/>
-      <inkml:brushProperty name="height" value="0.05" units="cm"/>
-      <inkml:brushProperty name="fitToCurve" value="1"/>
-    </inkml:brush>
-  </inkml:definitions>
-  <inkml:trace contextRef="#ctx0" brushRef="#br0">155 1426 0,'26'0'0,"0"0"46,-52 0 33,26-26-48,-26 26 16,0 0-32,26-25-15,-26 25 16,0-26 0,26 0-1,-25 26-15,25-26 16,0 0-16,0 0 15,-26 0 1,26 0-16,0 0 0,0 0 16,-26 0-1,26 0-15,0 0 0,0 1 16,0-1-16,0 0 0,0 0 16,26 0-16,-26 0 15,26 0 1,-26 0-16,25 26 15,-25-26-15,26 26 16,0-26-16,0 26 16,0-26-16,0 26 15,0 0-15,0 0 0,0 0 16,0 0 0,0 0-16,0 0 15,-1 26 16,-50-26 110,25-26-125,-26 26-16,26-26 15,-26 1 1,26-1 0,0 0-1,0 0-15,0 0 16,0 0-16,0 0 15,0 0-15,0 0 16,0 0-16,0 0 16,0 0-16,26 1 0,-26-1 15,26 0-15,-1 0 16,1 0 0,0 26-16,-26-26 15,26 26-15,0 0 16,0-26-16,0 26 0,0 0 15,0 0-15,0-26 16,0 26-16,0 0 0,0 0 16,-1 0-16,1 0 0,0 0 15,0 0-15,0 0 16,0 0-16,0 0 16,0 0-1,-26 26 16,26-26-15,-26 26 0,26-26-16,-26 26 31,0-52 47,0 0-47,0 0-31,0 0 16,0 0 0,0 0-1,26 0-15,-26 1 16,26-1-16,-1 26 15,-25-26-15,26 26 0,0-26 16,0 26-16,0 0 0,0-26 16,0 26-16,0 0 15,26 0-15,-26 0 0,25 0 16,-25 0-16,0 0 16,26 0-16,-26 0 0,26 0 15,-26 0-15,26 0 0,-26 26 16,-1-26-16,1 0 15,0 0-15,0 26 0,0-26 16,0 0 0,-26 26-16,26-26 0,0 26 15,-26-1 1,26-25-16,-26 26 16,26 0-16,-26 0 15,0 0 1,0 0-16,26 0 15,-26 0 1,0 0 0,0 0 15,0 0-15,0 0-1,-26-26 1,26 25-1,26-25 189,0 0-173,0 0-31,-1 0 15,1 0 1,0 0-16,0-25 16,0 25-16,0 0 15,0 0-15,0 0 0,0 0 16,0 0-16,0 0 0,0 0 16,-1 0-16,27 25 15,-26-25-15,0 0 0,0 0 16,0 26-16,26-26 15,-26 26-15,0-26 16,0 26-16,-1-26 16,1 26-16,0 0 15,-26 0 1,26-26 0,-26 26-16,0 0 15,26 0-15,-26 0 16,26 0-1,-26-1-15,0 1 16,26-26 0,-26 26-16,0 0 15,0 0-15,0 0 16,0 0 0,0 0 15,-26 0 0,26 0-15,-26-26-1,26 26-15,-26-26 32,26 26-32,-26-26 15,52 0 141,0 25-46,0-25-48,-26-25-46,26 25-16,0 0 16,0-26-1,0 26-15,0 0 16,0 0-16,-1 0 15,1 0-15,26 0 0,-26 0 16,0-26-16,26 26 0,-26 0 16,0 0-16,0 0 15,26 0-15,-27 0 0,1 0 16,0 0 0,0 0-16,0 26 15,0-26-15,-26 26 16,26-26-16,0 0 15,0 25-15,0-25 0,0 26 16,0-26 0,-1 26-16,1-26 0,-26 26 15,26-26-15,-26 26 0,0 0 16,0 0 0,0 0-1,0 0 1,0 0 15,0 0 0,-26-26-15,26 26 15,-26-26-15,26 26-1,-25-26 1,-1 0 15,26 25-15,-26-25 15,0 0 16</inkml:trace>
-  <inkml:trace contextRef="#ctx0" brushRef="#br0" timeOffset="1896">129 1452 0,'26'0'31,"0"0"1,0 0-17,0 0-15,0 0 16,0 0-16,0 0 15,0 0-15,25 0 0,-25 0 16,0 0-16,26 0 0,-26 0 16,26 0-16,-26 0 15,26 0-15,-26 0 0,25 0 16,1 0-16,-26 0 16,26 0-16,0 0 0,0 0 15,-26 0-15,25 0 0,1 0 16,-26 0-16,26 0 15,0 0-15,0 0 0,0 0 16,-1 0-16,1 0 16,0 0-16,0 0 0,0 0 15,0-26-15,-1 26 0,1 0 16,-26 0-16,26 0 16,0 0-16,-26 0 0,26 0 15,-26 0-15,25 0 0,-25 0 16,26 0-16,-26 0 15,26 0-15,-26-26 0,0 26 16,26 0-16,-27 0 16,27 0-16,-26 0 0,26 0 15,-26 0-15,0 0 16,0 0-16,26 0 0,-26 0 16,-1 0-16,27 0 0,-26 0 15,0 0-15,0 0 16,0 0-16,26 0 0,-26 0 15,0 0-15,0 0 16,-1 0-16,1 0 16,0 0-16,0 0 15,0 0-15,0 0 16,0 0-16,0 0 16,0 0-16,0 0 0,0 0 15,0 0-15,0 0 16,-1 0-16,1 0 15,0 0 1,0 0 0,0 0-1,0 0 1,0 0 0,0 0 15,0 0-16,0 0 17,0 0-1,0 0-31,-1 0 31,1 0 0,0 0 32,0 0-47,0 0-1,-52 0 48,0 0-63</inkml:trace>
-</inkml:ink>
-</file>
-
-<file path=ppt/ink/ink18.xml><?xml version="1.0" encoding="utf-8"?>
-<inkml:ink xmlns:inkml="http://www.w3.org/2003/InkML">
-  <inkml:definitions>
-    <inkml:context xml:id="ctx0">
-      <inkml:inkSource xml:id="inkSrc0">
-        <inkml:traceFormat>
-          <inkml:channel name="X" type="integer" max="1920" units="cm"/>
-          <inkml:channel name="Y" type="integer" max="1080" units="cm"/>
-          <inkml:channel name="T" type="integer" max="2.14748E9" units="dev"/>
-        </inkml:traceFormat>
-        <inkml:channelProperties>
-          <inkml:channelProperty channel="X" name="resolution" value="55.81395" units="1/cm"/>
-          <inkml:channelProperty channel="Y" name="resolution" value="55.6701" units="1/cm"/>
-          <inkml:channelProperty channel="T" name="resolution" value="1" units="1/dev"/>
-        </inkml:channelProperties>
-      </inkml:inkSource>
-      <inkml:timestamp xml:id="ts0" timeString="2020-12-22T06:28:02.794"/>
-    </inkml:context>
-    <inkml:brush xml:id="br0">
-      <inkml:brushProperty name="width" value="0.05" units="cm"/>
-      <inkml:brushProperty name="height" value="0.05" units="cm"/>
-      <inkml:brushProperty name="fitToCurve" value="1"/>
-    </inkml:brush>
-  </inkml:definitions>
-  <inkml:trace contextRef="#ctx0" brushRef="#br0">311 546 0,'0'-26'15,"0"0"1,26 26 0,-26-26-16,-26 0 31,0 26-16,0 0-15,0 0 16,0 0-16,0 26 16,0-26-16,0 0 0,0 26 15,0 0-15,1-26 16,25 26-16,-26-26 16,26 25-16,-26 1 0,26 0 15,26 0 1,0-26-1,-26 26-15,25-26 0,1 0 16,0 0-16,0 26 16,0-26-16,26 0 0,-26 0 15,26 0-15,-26 26 0,26-26 16,-1 0-16,1 0 16,-26 26-16,0-26 0,0 26 15,0-26-15,0 26 16,-26 0-16,-26 0 15,0-1-15,0 1 16,0-26-16,-26 26 0,0 0 16,27-26-16,-27 26 0,26-26 15,-26 0-15,26 0 16,0 0-16,0 0 16,0-26-16,0 26 0,0-26 15,0 0 1,1 0-16</inkml:trace>
-  <inkml:trace contextRef="#ctx0" brushRef="#br0" timeOffset="480">1114 338 0,'0'-26'0,"-26"26"16,0-26-1,0 0-15,1 26 16,-1 0-16,0 0 16,0 0-1,0 0-15,0 26 0,26 0 16,-26 0-16,0 0 16,0 0-16,26 26 0,0-26 15,0 0-15,0 26 0,0-27 16,0 27-16,0-26 15,26 0-15,0 0 0,0 0 16,0 0 0,0-26-16,26 26 0,-26-26 15,-1 0-15,1 0 0,26 0 16,-26 0-16,0 0 16,0-26-16,0 26 0,-26-26 15,26 26-15,0-26 16,-26 0-16</inkml:trace>
-  <inkml:trace contextRef="#ctx0" brushRef="#br0" timeOffset="1164">1347 286 0,'0'26'47,"26"-26"-47,0 26 16,0 0-16,0 0 16,-26 0-16,26 0 15,0 0-15,0 0 0,-26 0 16,26 0-16,0-1 0,-26 1 15,0 0-15,26 0 16,-26 0 0,0-52 15,-26 26-31,26-26 16,0 0-16,-26 0 15,26 1-15,-26-1 0,26-26 16,-26 26-16,0-26 0,26 0 15,-26 0-15,0 0 16,26 1-16,0 25 0,0-26 16,0 26-16,0 0 15,26 0-15,0 26 0,-26-26 16,26 26-16,26 0 0,-26 0 16,0 0-16,0 26 15,25-26-15,-25 26 0,0 0 16,0-26-16,0 26 15,-26 0-15,0 0 0,26 0 16,-26 0-16,0-1 0,-26-25 16,26 26-16,-26 0 15,0 0-15,0 0 0,0-26 16,26 26-16,-25-26 16,-1 0-16,26 26 0,-26-26 15,0 0-15</inkml:trace>
-</inkml:ink>
-</file>
-
-<file path=ppt/ink/ink19.xml><?xml version="1.0" encoding="utf-8"?>
-<inkml:ink xmlns:inkml="http://www.w3.org/2003/InkML">
-  <inkml:definitions>
-    <inkml:context xml:id="ctx0">
-      <inkml:inkSource xml:id="inkSrc0">
-        <inkml:traceFormat>
-          <inkml:channel name="X" type="integer" max="1920" units="cm"/>
-          <inkml:channel name="Y" type="integer" max="1080" units="cm"/>
-          <inkml:channel name="T" type="integer" max="2.14748E9" units="dev"/>
-        </inkml:traceFormat>
-        <inkml:channelProperties>
-          <inkml:channelProperty channel="X" name="resolution" value="55.81395" units="1/cm"/>
-          <inkml:channelProperty channel="Y" name="resolution" value="55.6701" units="1/cm"/>
-          <inkml:channelProperty channel="T" name="resolution" value="1" units="1/dev"/>
-        </inkml:channelProperties>
-      </inkml:inkSource>
       <inkml:timestamp xml:id="ts0" timeString="2020-12-22T06:28:51.752"/>
     </inkml:context>
     <inkml:brush xml:id="br0">
@@ -604,7 +198,7 @@
 </inkml:ink>
 </file>
 
-<file path=ppt/ink/ink2.xml><?xml version="1.0" encoding="utf-8"?>
+<file path=ppt/ink/ink10.xml><?xml version="1.0" encoding="utf-8"?>
 <inkml:ink xmlns:inkml="http://www.w3.org/2003/InkML">
   <inkml:definitions>
     <inkml:context xml:id="ctx0">
@@ -620,7 +214,7 @@
           <inkml:channelProperty channel="T" name="resolution" value="1" units="1/dev"/>
         </inkml:channelProperties>
       </inkml:inkSource>
-      <inkml:timestamp xml:id="ts0" timeString="2020-12-22T06:21:38.131"/>
+      <inkml:timestamp xml:id="ts0" timeString="2020-12-22T06:30:59.930"/>
     </inkml:context>
     <inkml:brush xml:id="br0">
       <inkml:brushProperty name="width" value="0.05" units="cm"/>
@@ -628,12 +222,330 @@
       <inkml:brushProperty name="fitToCurve" value="1"/>
     </inkml:brush>
   </inkml:definitions>
-  <inkml:trace contextRef="#ctx0" brushRef="#br0">0 79 0,'0'-26'16,"0"52"124,26-26-124,0 0-1,0 0-15,0 0 0,0-26 16,0 26-16,0 0 16,0-25-16,-1 25 0,1 0 15,0 0-15,0-26 16,0 26 0</inkml:trace>
-  <inkml:trace contextRef="#ctx0" brushRef="#br0" timeOffset="397">26 183 0,'26'0'0,"0"0"15,0 0 1,0 0-1,0 0-15,0 0 16,0 0-16,-1 0 16,1-26-16,0 26 15,0 0-15,0 0 0,0 0 16,-26-26 0,26 26-1</inkml:trace>
+  <inkml:trace contextRef="#ctx0" brushRef="#br0">810 2229 0,'-26'-26'15,"26"0"1,0 0-1,0 52 17,0 26-17,0-26-15,0 0 16,0 26-16,0-1 0,0 27 16,0-26-16,0 0 0,0 0 15,0-1 1,0 1-16,0-26 0,0 26 0,0-26 15,0 0-15,0 0 0,-26-26 16</inkml:trace>
+  <inkml:trace contextRef="#ctx0" brushRef="#br0" timeOffset="432">680 2592 0,'0'-26'0,"26"26"31,0 0-15,0 0-16,0 0 0,0 0 15,26 0-15,0 0 16,-26 0-16,25 0 0,1-26 16,-26 26-16,0 0 15,0 0-15,0 0 0,-26-26 16,0 0 15,-26 26-31,26-26 0,-26 0 16,26 0-1,-26 0-15,26 0 0,-26 1 16,26 50 15,0 1-31,26 0 0,-26 0 16,0 26-16,0-26 15,0 26-15,26 0 0,-26-1 16,0-25-16,0 0 0,0 26 16,26-26-16,-26 0 15,0 0-15,0 0 0,0 0 16</inkml:trace>
+  <inkml:trace contextRef="#ctx0" brushRef="#br0" timeOffset="930">1302 2384 0,'0'-26'0,"0"52"32,0 0-17,0 0 1,-25 0-16,25 0 15,0 26-15,0-26 0,0 0 16,0 26-16,0-27 16,0 27-16,-26-26 0,26 0 15,0 0-15,0 0 0,0 0 16,0 0 0,0-52 15,26 0-31,-26-26 15,25 26-15,-25 0 16,26-26-16,-26 1 0,26-1 16,-26 0-16,26 0 0,-26 0 15,26 26-15,0 0 16,-26 1-16,26 25 0,0 0 16,0 25-16,0 1 0,-26 0 15,26 0-15,0 0 16,-1 26-16,-25-26 0,26 26 15,0-26-15,-26 25 16,26-25-16,-26 0 0,0 0 16,0 0-16,26 0 0,-26 0 15,0 0-15,0 0 16,-26-26-16</inkml:trace>
+  <inkml:trace contextRef="#ctx0" brushRef="#br0" timeOffset="1121">1380 2644 0,'-26'0'0,"0"0"15,0 0-15,52 0 16,0 0 0,0 0-1,26 0-15,-26 0 16,0 0-16,26 0 15,-26-26-15,0 26 0,25 0 16</inkml:trace>
+  <inkml:trace contextRef="#ctx0" brushRef="#br0" timeOffset="1406">1950 2410 0,'-26'0'0,"26"-26"16,0 0 0,0 52-1,0 0 1,0 26-16,0-26 16,0 0-16,0 26 0,26-26 15,-26 26-15,0-27 16,0 27-16,0-26 0,0 0 15,0 0-15,0 0 16,-26-26 0,26-26-1</inkml:trace>
+  <inkml:trace contextRef="#ctx0" brushRef="#br0" timeOffset="1764">1924 2462 0,'0'-26'0,"0"0"0,26 26 31,-26 26-31,26-26 16,0 26-16,0 0 0,0 0 15,0 26-15,-26-26 16,26 0-16,0 0 0,0-1 16,0-25-16,0 26 15,0 0-15,-1-26 16,1 26-16,0-26 15,-26-26 17,26 26-32,-26-26 0,0 0 15,0-25-15,0 25 16,0-26-16,0 26 0,-26-26 16,26 26-16,0 0 15,0 0-15,0 0 0,-26 1 16,26 50 15,0 1-31</inkml:trace>
+  <inkml:trace contextRef="#ctx0" brushRef="#br0" timeOffset="2292">2598 2307 0,'-26'0'16,"1"26"15,25-1-15,0 1-16,0 0 0,0 0 15,0 26-15,0-26 0,0 26 16,0 0-16,0-26 15,0 25-15,0-25 0,-26 0 16,26 0-16,0 0 16,0 0-16,-26-26 15,26-26 1,0 0 0,0 0-16,0 0 0,0 0 15,0 0-15,0-25 16,0-1-16,0 0 0,0 26 15,0-26-15,26 0 0,-26 26 16,0 1-16,26-1 16,-1 26-16,1 0 15,0 26 1,-26-1-16,26 1 16,0 0-16,0 0 0,-26 26 15,26-26-15,0 0 16,0 26-16,-26-26 0,26 0 15,-26-1-15,26 27 16,-26-26-16,26 0 16,-26 0-16,-26-26 15,0 0 1</inkml:trace>
+  <inkml:trace contextRef="#ctx0" brushRef="#br0" timeOffset="2497">2443 2773 0,'-26'0'15,"52"0"1,0 0 15,0 0-31,0 0 16,0 0-16,-1-26 15,1 26-15,26-26 0,-26 26 16</inkml:trace>
+  <inkml:trace contextRef="#ctx0" brushRef="#br0" timeOffset="-1039">1147 104 0,'-26'0'0,"26"-26"0,0 0 15,0 0 17,0 0-1,26 26 0,-26 26 16,26 0-47,-26 0 16,0 25-16,26-25 15,-26 0-15,26 26 16,-26-26-16,0 26 0,26 0 16,-26 0-16,0-1 15,0 1-15,0 0 0,26 0 16,-26 0-16,0 0 0,0-1 15,0-25-15,0 26 16,0 0-16,0-26 0,0 26 16,0-26-16,0 0 15,0 25-15,0-25 0,0 0 16,0 0-16,0 26 0,0-26 16,0 0-16,0 0 15,0 0-15,0 0 16,0 0-16,0-1 15,0 1-15,0 0 16,0 0 0,0 0-1,0 0 1</inkml:trace>
+  <inkml:trace contextRef="#ctx0" brushRef="#br0" timeOffset="-679">966 1374 0,'-26'0'0,"52"25"47,-1-25-32,1 26 1,0-26-16,0 26 15,0 0 1,0-26-16,0 26 0,0 0 16,0-26-16,-26 26 0,26 0 15,0 0 1,-26 0-16,0 0 16</inkml:trace>
+  <inkml:trace contextRef="#ctx0" brushRef="#br0" timeOffset="-414">1665 1374 0,'-26'0'31,"0"0"-31,1 25 15,-1-25 1,0 26-16,0-26 0,0 26 16,0 0-16,0 0 15,0 0-15,0 0 0,0 0 16,0-26-16,0 26 0,1 0 16,25 0-16,0 0 15,-26-26-15</inkml:trace>
+  <inkml:trace contextRef="#ctx0" brushRef="#br0" timeOffset="3865">2935 2022 0,'0'-26'16,"0"0"-16,0 0 15,-26 0-15,26 0 16,-26 26-16,1-26 16,-1 0-16,0 0 0,0 26 15,0-26-15,-26 0 0,0 26 16,0-26-16,1 26 16,-1-26-16,-26 26 0,26 0 15,-26 0-15,1-25 16,-1 25-16,0 0 0,0 0 15,26 0-15,-25 0 0,-1 0 16,0 0-16,0 0 16,1 0-16,-1 0 0,0 0 15,26 0-15,-25 25 16,-1-25-16,0 26 0,0-26 16,1 26-16,-1-26 0,26 26 15,-26 0-15,0 0 16,27 0-16,-27 0 0,26 0 15,0 0-15,0 26 16,1-26-16,25 25 0,-26-25 16,26 26-16,-26 0 0,26-26 15,0 26-15,0-26 16,0 25-16,0-25 0,26 26 16,-25 0-16,25-26 0,0 26 15,0-26-15,0 26 16,0-1-16,0-25 0,0 26 15,0 0-15,0-26 16,25 26-16,-25-26 0,0 0 16,0-1-16,0 1 0,0 0 15,26 0-15,-26 0 16,26 0-16,0 0 0,-26 0 16,26 0-16,0-26 15,26 26-15,-26 0 0,26 0 16,-26 0-16,25-26 0,1 25 15,0 1-15,0 0 16,0 0-16,0-26 0,-1 26 16,1 0-16,26 0 15,-26-26-15,26 26 0,-27-26 16,1 26-16,26-26 0,0 0 16,-26 26-16,25-26 15,1 0-15,0 0 0,0 0 16,25 0-16,-25 0 15,0 0-15,0 0 0,-1 0 16,1 0-16,0-26 0,0 26 16,-1 0-16,1 0 15,0-26-15,-26 26 0,0-26 16,-1 26-16,1-26 16,0 26-16,0-26 0,-26 26 15,0-26-15,0 26 0,0-26 16,-1 26-16,1-26 15,0 0-15,0 1 16,0-27-16,0 26 16,-26 0-16,26 0 0,-26-26 15,26 26-15,-26-26 0,26 26 16,-26 0-16,26-25 16,-26 25-16,0 0 0,26 0 15,-26-26-15,0 26 0,0 0 16,0 0-16,0-26 15,0 27-15,0-27 0,0 0 16,0 26-16,0-26 16,0 0-16,-26 26 0,26-25 15,-26 25-15,26-26 16,-26 26-16,0 0 0,0-26 16,26 26-16,-26 0 0,0 0 15,-26 0-15,26 1 16,1-1-16,-1 0 0,0 0 15,0 0-15,26 0 0,-26 0 16,0 26-16,26-26 16,-26 0-16,0 0 15,26 0 1,-26 26-16,26-26 16,-26 26-1,0 0 1,0 26-1</inkml:trace>
 </inkml:ink>
 </file>
 
-<file path=ppt/ink/ink20.xml><?xml version="1.0" encoding="utf-8"?>
+<file path=ppt/ink/ink11.xml><?xml version="1.0" encoding="utf-8"?>
+<inkml:ink xmlns:inkml="http://www.w3.org/2003/InkML">
+  <inkml:definitions>
+    <inkml:context xml:id="ctx0">
+      <inkml:inkSource xml:id="inkSrc0">
+        <inkml:traceFormat>
+          <inkml:channel name="X" type="integer" max="1920" units="cm"/>
+          <inkml:channel name="Y" type="integer" max="1080" units="cm"/>
+          <inkml:channel name="T" type="integer" max="2.14748E9" units="dev"/>
+        </inkml:traceFormat>
+        <inkml:channelProperties>
+          <inkml:channelProperty channel="X" name="resolution" value="55.81395" units="1/cm"/>
+          <inkml:channelProperty channel="Y" name="resolution" value="55.6701" units="1/cm"/>
+          <inkml:channelProperty channel="T" name="resolution" value="1" units="1/dev"/>
+        </inkml:channelProperties>
+      </inkml:inkSource>
+      <inkml:timestamp xml:id="ts0" timeString="2020-12-22T06:31:05.825"/>
+    </inkml:context>
+    <inkml:brush xml:id="br0">
+      <inkml:brushProperty name="width" value="0.05" units="cm"/>
+      <inkml:brushProperty name="height" value="0.05" units="cm"/>
+      <inkml:brushProperty name="fitToCurve" value="1"/>
+    </inkml:brush>
+  </inkml:definitions>
+  <inkml:trace contextRef="#ctx0" brushRef="#br0">2618 287 0,'0'-26'15,"26"26"-15,-26-26 32,0 0-17,0 0 17,-26 26-17,26-26 1,-26 26-16,0 0 15,0 0-15,0 0 16,0 0-16,-26 0 0,27 0 16,-27 0-16,0 0 0,26 0 15,-26 26-15,0-26 16,0 26-16,27-26 0,-27 26 16,26-26-16,-26 26 0,26-26 15,0 26-15,-26-26 16,26 25-16,0 1 0,-25-26 15,25 26-15,0 0 16,0 0-16,0 0 16,0-26-16,0 26 15,26 0-15,-26-26 0,26 26 16,0 0-16,-26-26 0,26 26 16,0 0-1,0 0-15,0-1 16,26 1-1,-26 0-15,26 0 16,0 0-16,0-26 16,0 26-16,0 0 15,0 0-15,26-26 0,-1 26 16,1 0-16,0 0 0,0-26 16,0 26-16,0-26 15,25 25-15,-25-25 0,0 26 16,26-26-16,-26 0 15,25 0-15,-25 0 0,0 0 16,26 0-16,-26 0 0,-1 0 16,27 0-16,-26 0 15,0-26-15,26 26 0,-27 0 16,1-25-16,0 25 16,0 0-16,-26 0 0,0 0 15,0-26-15,0 26 0,0 0 16,-1 0-1,1 0-15,-26-26 32,26 26-32,-26-26 15,0 0 1,0 0-16,0 0 16,26 0-16,-26 0 0,0 0 15,0-26-15,0 27 16,0-1-16,0-26 0,0 26 15,0 0-15,0 0 0,0 0 16,0 0-16,0 0 16,0 0-16,0 0 15,0 0-15,-26 26 16,0-25-16,0-1 16,1 26-16,-27-26 0,26 26 15,0-26-15,-26 26 16,26-26-16,-26 26 0,0 0 15,1-26-15,-1 26 16,0 0-16,0-26 0,26 26 16,-26 0-16,0 0 0,27 0 15,-1 0-15,0-26 16,0 26-16,0 0 0,0 0 16,0 0-16,0 26 15,0-26 1,26 26-16,-26-26 0,0 0 15,26 26-15,-26-26 16,1 26-16,-1 0 0,0-26 16</inkml:trace>
+  <inkml:trace contextRef="#ctx0" brushRef="#br0" timeOffset="1074">1763 468 0,'-26'0'32,"0"0"-17,0 0 16,26 26-15,0 0 0,-26 0-16,26 0 15,0 0-15,-26 0 0,26-1 16,0 27-16,0 0 16,-26-26-16,26 26 0,0 0 15,0 0-15,-26-27 16,26 53-16,0-26 0,-26 0 15,26 0-15,-26 0 0,26-1 16,0 1-16,-26 0 16,26 0-16,0 0 0,0 0 15,0-1-15,0 1 16,0 0-16,0-26 0,0 26 16,-26 0-16,26 0 0,0-27 15,0 1-15,0 0 16,0 26-16,0-26 0,0 0 15,0 0 1,0 0-16,0 0 16,0 0-16,0 0 31,26-52 47,0 26-78,0-26 16,0 26-1,26 0-15,-26 0 0,26-26 16,0 26-16,-1 0 0,1 0 16,0 0-16,26 0 15,-26 0-15,25-26 0,1 26 16,-26 0-16,26 0 0,0 0 15,-27 26-15,27-26 16,-26 0-16,0 0 0,26 26 16,-27-26-16,1 0 15,0 0-15,-26 0 0,26 0 16,-26 0-16,0 0 0,0 0 16,25 0-16,1 0 15,-26 0 1,0 0-16,0 0 15,0 0-15,0 0 0,0-26 16,0 26 0,0 0-1,-26-26 32,0 0-31</inkml:trace>
+  <inkml:trace contextRef="#ctx0" brushRef="#br0" timeOffset="1601">3473 909 0,'26'-26'0,"-26"0"16,0 52 15,0 0-15,0 0-1,0-1 1,0 1-16,0 0 16,0 0-16,0 26 15,0-26-15,-26 26 0,26-26 16,0 26-16,0-1 0,0-25 16,-26 26-16,26-26 15,0 0-15,0 26 0,0-26 16,0 26-16,-26-27 0,26 1 15,0 26-15,0-26 16,0 26-16,0-26 0,0 26 16,0-26-16,0 0 0,0 0 15,0-1-15,0 1 16,0 0-16,0 0 0,0 0 16,-26-26-16,26 26 15,0 0 1,-25-26-1</inkml:trace>
+  <inkml:trace contextRef="#ctx0" brushRef="#br0" timeOffset="2393">1918 1686 0,'0'-26'31,"0"0"-16,0 0 1,0 0 0,0 1-1,-26-1-15,0 26 16,26-26 0,-26 26-16,0 26 15,26 0 1,0-1-16,-25 1 0,25 0 15,0 0-15,0 26 16,-26-26-16,26 0 0,0 0 16,0 0-16,26 0 0,-1 0 15,1-26 1,0 0 0,0 0-1,0-26-15,-26 0 16,26 0-16,-26 0 0,0 0 15,0 0-15,0 0 16,0-26-16,0 26 0,0-25 16,-26 25-16,26-26 15,0 26-15,0 0 0,0 0 16,0 0-16,0 52 31,26-26-31,-26 26 16,0 0-16,26 0 15,-26 0-15,26 0 0,-26 0 16,0-1-16,26 1 0,-26 26 16,0-26-16,26 0 15,-26 0-15,0 0 0</inkml:trace>
+  <inkml:trace contextRef="#ctx0" brushRef="#br0" timeOffset="2938">2255 1479 0,'-26'-26'0,"0"26"15,0 0 16,26 26 16,0 0-31,0 0 0,0 0-1,26-26-15,-26 25 16,0 1-16,26-26 0,-26 26 15,26-26-15,0 0 16,0 0 0,-26-26-16,26 26 0,-26-26 15,26 1 1,-26-1-16,0 0 16,0 0-16,0 0 15,26 52 48,-26 0-63,26-26 15,-26 26-15,0 0 16,25-26-16,1 25 16,0-25-1</inkml:trace>
+  <inkml:trace contextRef="#ctx0" brushRef="#br0" timeOffset="3179">2514 1220 0,'-26'0'15,"26"26"1,26-26-1,-26 25-15,0 1 16,26 0-16,-26 0 0,0 0 16,26 0-16,-26 0 15,0 26-15,26-26 0,-26 0 16,0 0-16,26-1 16,-26 1-16</inkml:trace>
+  <inkml:trace contextRef="#ctx0" brushRef="#br0" timeOffset="3804">2488 1453 0,'26'0'31,"0"0"-16,0-26-15,26 26 16,-26 0-16,0 0 16,26 0-16,-27-26 0,1 26 15,26 0-15,-26-26 0,0 26 16,0 0-16,-26-26 16,26 26-16,0 0 15,-26-26-15,-26 26 16,0-26-1,0 26 1,0 0 0,0 0-16,0 0 15,26 26-15,-26-26 16,26 26-16,-26-26 0,26 26 16,-25 0-16,25 0 15,0 0 1,25 0-16,1-26 15,-26 26 1,26-26-16,0 0 16,0 0-16,0 0 15,0-26-15,0 0 16,0 0 0,0 0-16,-26 0 15,26 0 1,-26 0-16,0 0 15,0 52 17,0 0-32,26-26 15,-26 26-15,0 0 0,0 0 16,26 0-16,-26 0 0,25 26 16,-25-26-16,26-1 15</inkml:trace>
+  <inkml:trace contextRef="#ctx0" brushRef="#br0" timeOffset="20567">3888 1271 0,'26'0'63,"0"0"-48,0 0 1,0 0-16,-1 0 16,1 0-16,0 0 0,26 0 15,-26 0-15,26 0 16,0 0-16,0 0 0,25 0 16,-25 0-16,26 0 15,0 0-15,-26 0 0,25 26 16,27-26-16,-26 0 0,-1 0 15,1 0-15,26 0 16,-26 0-16,25 26 0,-25-26 16,26 0-16,-1 0 0,-25 0 15,26 0-15,-26 26 16,25-26-16,-25 0 0,0 0 16,25 0-16,-25 0 15,0 0-15,26 0 0,-27 0 16,27 0-16,-26 0 0,26 0 15,-27 0-15,27 0 16,-26 0-16,-1 0 0,1 0 16,-26-26-16,26 26 15,0 0-15,-1 0 0,1 0 16,-26 0-16,26 0 0,-1 0 16,-25 0-16,0 0 15,0 0-15,-26 0 0,26 0 16,-26 0-16,0 26 15,-1-26-15,1 0 16</inkml:trace>
+  <inkml:trace contextRef="#ctx0" brushRef="#br0" timeOffset="21168">7853 1012 0,'26'0'47,"0"26"-32,0-26-15,0 26 16,0-26 0,0 0-16,0 26 0,0-26 15,0 26-15,0-26 16,0 26-16,-1-26 0,1 26 16,0 0-1,0 0-15,0-26 16,-26 26-16,0-1 31,0 1-15,-26-26-1,26 26 1,-26 0-16,0 0 16,26 0-16,-26-26 15,1 26-15,-1 0 0,0 0 16,0 0-16,0-26 0,0 26 15,0 0-15,0-1 16,26 1-16,-26-26 0,0 26 16,0 0-1,0-26-15,26 26 16,-26-26-16,1 0 16</inkml:trace>
+  <inkml:trace contextRef="#ctx0" brushRef="#br0" timeOffset="22109">5236 209 0,'0'-26'16,"0"52"30,0 0-30,0 0-16,0 25 16,0-25-16,0 26 0,0 0 15,0-26-15,0 26 0,0 0 16,0-26-16,0 25 0,0-25 16,0 26-16,-26-26 15,26 0-15,0 0 0,-26-26 16,26 26-16,0 0 15,26-26 17,0 0-32,-26 26 15,26-26-15,25 0 0,-25 0 16,26 26-16,-26-26 16,26 0-16,0 0 0,0 0 15,-1 0-15,1 0 0,0 0 16,-26 0-1,0 0-15,26 0 0,-26 0 16</inkml:trace>
+  <inkml:trace contextRef="#ctx0" brushRef="#br0" timeOffset="22404">5858 546 0,'26'-26'0,"-26"0"15,26 52 17,-26 0-17,25 0-15,-25 26 16,0-27-16,26 1 0,-26 26 15,0-26-15,0 0 0,0 0 16,0 0-16,0 0 16,0 0-16,0 0 0</inkml:trace>
+  <inkml:trace contextRef="#ctx0" brushRef="#br0" timeOffset="22590">5884 235 0,'-26'0'16,"26"26"15,26-26-31,-26 26 0,26-26 16,-1 25-16,1 1 15</inkml:trace>
+  <inkml:trace contextRef="#ctx0" brushRef="#br0" timeOffset="23020">6169 494 0,'-26'0'15,"0"0"-15,0 0 16,26 26 0,26 0-1,-26 0-15,26 0 16,0 0-16,-26-1 16,26 1-16,0 26 0,-26-26 15,0 0-15,25 0 0,-25 0 16,0 0-16,26 0 15,-26 0-15,0 0 16,26-26 0,-26-26-16,0 0 15,26 0-15,-26 0 16,26 0-16,-26 0 16,26-26-16,-26 26 15,26-26-15,-26 27 0,0-27 0,26 26 16,-26 0-16,0 0 15,26 26-15,-26-26 0,26 26 32,-26 26-32,0 0 15</inkml:trace>
+  <inkml:trace contextRef="#ctx0" brushRef="#br0" timeOffset="23471">6713 675 0,'0'26'16,"-26"-26"-16,26 26 0,26-26 47,0 0-47,0-26 15,0 26-15,0 0 16,0 0-16,25-26 0,-25 26 16,0-26-16,0 26 0,0-25 15,0 25-15,-26-26 16,26 0-16,-26 0 0,-26 0 16,0 0-1,0-26-15,0 26 0,0 0 16,0 26-16,-25-26 0,25 0 15,0 26-15,-26 0 16,0 26-16,26 0 0,0 0 16,-26 26-16,26 0 15,26 0-15,0 0 0,0-1 16,0-25-16,52 26 0,-26 0 16,26-26-16,26 26 15,-26-26-15,25 0 0,1-26 16,26 25-16,-26-25 15,-27 0-15,27 0 0</inkml:trace>
+  <inkml:trace contextRef="#ctx0" brushRef="#br0" timeOffset="25012">8579 261 0,'0'-26'15,"0"0"-15,-26 26 0,26-26 16,-26 0-16,0 52 31,26 0-31,0 26 16,0-1-16,0 1 0,0 26 16,0 0-16,-26 0 0,26-1 15,0 1-15,0 26 16,0-1-16,0-25 0,-25 0 15,25 26-15,0-27 16,-26 27-16,26-26 0,-26 0 16,26-1-16,-26 27 0,26-26 15,-26 0-15,26-1 16,0 1-16,0-26 0,0 26 16,-26-27-16,26 1 15,0-26-15,0 0 0,0 0 16,0 0-16,0 0 0,0-52 31,0 0-15,26 26-16,-26-26 0,26 0 15,0 0 1,0 26-16,25 0 0,1 0 16,52 0-1,-26 0-15,-1 0 0,27 0 16,0 0-16,-1 26 0,27-26 15,26 26-15,-1-26 16,1 26-16,25 0 0,-25-26 16,25 26-16,-26-26 15,27 26-15,-27-26 0,-25 0 16,0 0-16,-1 26 0,-25-26 16,-26 0-16,-1 0 15,-25 0-15,0 0 0,0 0 16,-26 0-16,0 0 15,0 0-15,0 0 0,-1 0 16,1 0-16,-26-26 0,26 26 16,0 0-1,0 0-15,0 0 16,-26-26-16,26 26 16,-26-26-16,26 26 0,-26-26 15,26 0-15,-26 0 16,26 0-16,-26-26 15,0 27-15,26-53 0,-26 26 16,26 0-16,-26-26 16,26-25-16,-26 25 0,25-26 15,-25 26-15,26-25 0,-26-1 16,26 0-16,-26 27 16,26-27-16,-26 0 0,26 27 15,-26-27-15,0 26 16,0 0-16,0 27 0,0-27 15,0 26-15,0 0 0,0 26 16,0-26-16,-26 26 16,26-25-16,0 25 0,-26 0 15,26 0-15,-26 0 16,0 0 0,1 26 15,-1 0-31,0 0 15,0 0 1,0 0-16,0 0 0,-26 0 16,0 0-16,-26 0 0,-25 0 15,-1 0-15,-25 0 16,-1 0-16,-26 0 0,27 0 16,-27 0-16,27 0 15,-1 0-15,26-26 0,1 26 16,25 0-16,0 0 0,26 0 15,-25 0-15,25 0 16,-26-26-16,26 26 0,-25 0 16,-1 0-16,0-26 0,0 26 15,1 0-15,-1 0 16,0-26-16,26 26 0,0 0 16,0 0-16,1-26 15,25 26-15,0 0 0,0 0 16,0 0-16,0 0 31,0 0-31,0 26 16,0-26-1,26 26-15,-26-26 0,0 26 16,1-26-16,-27 26 0,26 0 16,0-26-16,0 26 15,-26-26-15,26 26 0,0-26 16,0 26-1,0-26-15</inkml:trace>
+  <inkml:trace contextRef="#ctx0" brushRef="#br0" timeOffset="25688">9668 960 0,'0'-25'15,"-26"25"-15,26-26 16,-26 0-16,26 0 16,-26 0-16,0 0 15,26 0-15,-26 26 16,-26-26-16,26 26 0,-25 0 15,25 0-15,-26 0 16,-26 0-16,26 26 0,0 0 16,0 0-16,27 0 0,-27 0 15,26 0-15,0 0 16,26-1-16,0 1 0,0 0 16,0 0-16,26 0 15,0 0-15,0 0 0,0 0 16,-1 0-16,27-26 0,0 26 15,0 0-15,-26-26 16,26 26-16,0-1 0,-1-25 16,-25 26-16,26 0 0,-26 0 15,-26 0-15,0 0 16,0 0-16,-26 0 16,0 0-16,-26 0 15,27-26-15,-27 26 0,0 0 16,0-26-16,0 25 0,0-25 15,0 0-15,27 0 16,-27 0-16,26 0 0,0-25 16,0-1-16,0 0 15,0 0-15,26 0 16,0 0-16,0 0 16</inkml:trace>
+  <inkml:trace contextRef="#ctx0" brushRef="#br0" timeOffset="26308">9901 1012 0,'0'-26'16,"0"52"15,0 0-31,0 0 16,0 26 0,0-26-16,-26 0 0,26 26 15,-26-26-15,0 25 16,0 1-16,0-26 0,0 26 15,26-26-15,-25 26 0,-1-26 16,26 0-16,-26-1 16,26 1-16,0 0 0,-26 0 15,26 0-15,0-52 32,26 0-32,-26 0 15,26 0-15,0 1 16,-1-27-16,1 0 0,0 0 15,0 0-15,26-26 16,-26 27-16,0-27 0,0 26 16,0 0-16,0 0 0,0 1 15,-1 25-15,1 0 16,0 26 0,-26 26-16,26 0 0,-26-1 15,0 27-15,26 0 16,-26 0-16,0 0 0,26 26 15,-26-27-15,0 1 16,26 0-16,-26 0 0,0 0 16,0 0-16,0-27 0,26 27 15,-26-26-15,0 26 16,0-26-16,0 0 0,-26 0 16</inkml:trace>
+  <inkml:trace contextRef="#ctx0" brushRef="#br0" timeOffset="26530">9797 1401 0,'-26'0'0,"0"0"0,26-26 15,26 26 1,26 0-16,-26 0 15,26 0-15,26-26 0,-26 26 16,25 0-16,-25 0 0,26 0 16,-26-26-16,0 26 15,-27 0-15,27 0 0,-26-26 16</inkml:trace>
+  <inkml:trace contextRef="#ctx0" brushRef="#br0" timeOffset="27030">11093 1116 0,'26'0'15,"0"-26"1,0 26-16,-26-26 16,26 26-16,-26-26 0,26 0 15,-26 0 1,0 0-16,-26 26 16,0 0-16,0 0 0,0 0 15,-26 26-15,0 0 16,27 0-16,-27 0 0,0 26 15,0-26-15,26 26 0,0-26 16,0 25-16,0-25 16,26 26-16,0-26 0,0 0 15,0 26-15,26-26 16,0 0-16,0 0 0,26-26 16,-26 26-16,26-1 15,0 1-15,-1-26 0,27 0 16,-26 0-16,26 0 0,-26 0 15,25 0-15,-25 0 16,0-26-16,0 26 0,0-25 16,-26-1-16,25 0 0,-51 0 15,0 0 1,-26 26-16</inkml:trace>
+  <inkml:trace contextRef="#ctx0" brushRef="#br0" timeOffset="28873">0 1557 0,'0'-26'0,"0"52"16,0-1 62,0 1-78,0 0 16,0 0-16,26 0 15,-26 0-15,26 0 0,-26 26 16,26-26-16,-26 0 0,26 0 16,0 0-16,-26-1 15,26 1-15,-26 0 0,26-26 31,-26-26-15,25 0 0,-25 1-16,26-27 0,0 0 15,0 0-15,0 0 0,0 0 16,0-25-16,26 25 16,0-26-16,0 0 0,-27 26 15,27-25-15,0 25 16,0 0-16,0 0 0,26 0 15,-53 0-15,27 27 0,0-1 16,-26 0-16,0 0 16,0 26-16,0 0 0,0 0 15,-26 26 17,0 0-17,0 0 32,-26-26-47,0 25 16</inkml:trace>
+  <inkml:trace contextRef="#ctx0" brushRef="#br0" timeOffset="31284">4951 2023 0,'0'-26'16,"0"0"15,25 26-15,-25 26 15,0 0 0,0 0-31,26 0 16,-26 0-16,26 0 15,-26 0-15,0 0 16,0 0-16,26-26 0,-26 25 16,0 1-16,0 0 15,26-26 1,-26 26-1,26-26 48,0 0-16,0 0 0,0-26 62,0 26-93,0-26-16,-26 0 0,26 1 15,25-1-15,-25 0 16,0 0-16,0-26 0,26 26 16,-26-26-16,26 0 0,0 26 15,-1-25-15,-25-1 16,52 0-16,-26 0 0,0 26 15,-26 0-15,26 0 16,-1 0-16,-25 0 0,26 1 16,-26 25-16,0-26 0,0 26 15,0-26-15,0 26 16,0 0 15,-26 26 47</inkml:trace>
+  <inkml:trace contextRef="#ctx0" brushRef="#br0" timeOffset="34265">9590 2827 0,'0'-26'0,"0"0"16,0 52 77,0 0-93,0-1 16,0 1-16,0 0 0,0 0 16,0 0-16,0 0 15,-26 0-15,26 26 0,0-26 16,0 0-16,0 0 16,0 0-16,0-1 15,26-25 16,0 0-15,-26-25-16,26-1 16,0 0-1,0 26-15,-26-26 0,26-26 16,-1 26-16,1 0 16,0-26-16,0 26 0,0-26 15,0 27-15,26-27 0,-26 26 16,0 0-16,0 0 15,25 0-15,-25 0 0,0 26 16,0-26-16,0 26 16,0 0-16,0 0 0,0 0 15,0 0-15,0 0 16,0 0 0,0 0-1,-1 0 1,-50 0 46,-1 0-62</inkml:trace>
+</inkml:ink>
+</file>
+
+<file path=ppt/ink/ink12.xml><?xml version="1.0" encoding="utf-8"?>
+<inkml:ink xmlns:inkml="http://www.w3.org/2003/InkML">
+  <inkml:definitions>
+    <inkml:context xml:id="ctx0">
+      <inkml:inkSource xml:id="inkSrc0">
+        <inkml:traceFormat>
+          <inkml:channel name="X" type="integer" max="1920" units="cm"/>
+          <inkml:channel name="Y" type="integer" max="1080" units="cm"/>
+          <inkml:channel name="T" type="integer" max="2.14748E9" units="dev"/>
+        </inkml:traceFormat>
+        <inkml:channelProperties>
+          <inkml:channelProperty channel="X" name="resolution" value="55.81395" units="1/cm"/>
+          <inkml:channelProperty channel="Y" name="resolution" value="55.6701" units="1/cm"/>
+          <inkml:channelProperty channel="T" name="resolution" value="1" units="1/dev"/>
+        </inkml:channelProperties>
+      </inkml:inkSource>
+      <inkml:timestamp xml:id="ts0" timeString="2020-12-22T06:31:42.663"/>
+    </inkml:context>
+    <inkml:brush xml:id="br0">
+      <inkml:brushProperty name="width" value="0.05" units="cm"/>
+      <inkml:brushProperty name="height" value="0.05" units="cm"/>
+      <inkml:brushProperty name="fitToCurve" value="1"/>
+    </inkml:brush>
+  </inkml:definitions>
+  <inkml:trace contextRef="#ctx0" brushRef="#br0">260 220 0,'0'-26'15,"26"0"1,0 0-16,0 26 16,0 0-1,0 0-15,-26 26 16,0 0 0,0 26-16,0-26 0,0 26 15,0 0-15,0-1 0,-26 27 16,26-26-16,-26 26 15,0 0-15,0-1 0,0-25 16,0 26-16,0 0 16,0-26-16,1 25 0,-1-25 15,0 0-15,0 0 0,0 0 16,26-1-16,-26 1 16,26 0-16,0 0 0,0-26 15,-26 26-15,26-26 0,0 25 16,0-25-16,0 0 15,0 0-15,0 0 0,0 0 16,0 0 0,0 0-16,26-26 62,-26-26-46,26 26-16,0-26 15,0 26 1,26-26-16,-27 26 0,27 0 16,0 0-16,0-26 0,26 26 15,-1 0-15,27 0 16,0 0-16,25 0 0,1 0 16,0 0-16,25 0 15,1 0-15,-1 0 0,1 0 16,-1 0-16,1 26 0,-1-26 15,1 0-15,-27 0 16,1 0-16,-1 26 0,-25-26 16,0 0-16,-1 0 0,1 0 15,-26 0-15,0 0 16,-27 0-16,27 0 0,-26 0 16,0 0-16,0 0 15,0 0-15,-26 0 0,-1 0 16,1-26-16,0 26 0,0-26 15,-26 0 1,-26 0 0,26 0-1,-26 26-15,26-25 16,0-1-16,0 0 16,-26 0-16,26 0 15,0 0-15,0 0 0,26-26 16,-26 26-16,0-26 15,0 1-15,0-1 0,0 0 16,0-26-16,0 26 0,0 1 16,0-27-16,0 26 15,0-26-15,0 0 0,0 1 16,0-1-16,0 26 0,0-26 16,26 1-16,-26 25 15,0 0-15,26 26 0,-26-26 16,0 26-16,0 0 15,0 0-15,-26 0 16,0 1 15,26-1 1,-26 26-32,1 0 31,-1 0-31,26-26 15,-26 26-15,0 0 0,0 0 16,0 0-16,0 0 16,0 0-16,0-26 0,0 26 15,0 0-15,-26 0 0,1 0 16,25 0-16,-26 0 16,-26 0-16,0 0 0,1 0 15,-27 0-15,-26 0 16,27 0-16,-27 26 0,-25-26 15,25 0-15,0 26 16,1-26-16,25 0 0,0 26 16,27-26-16,-27 0 0,26 0 15,26 25-15,-25-25 16,25 0-16,0 0 0,0 0 16,0 0-16,1 26 15,-1-26-15,0 0 0,0 26 16,0-26-16,0 0 0,0 26 15,27-26-15,-27 0 16,26 0-16,0 0 0,0 0 16,26 26 15,26-26 0,-26 26-31</inkml:trace>
+  <inkml:trace contextRef="#ctx0" brushRef="#br0" timeOffset="607">1245 713 0,'0'-26'0,"0"0"16,0 0-16,-26 0 16,0 0-16,0 26 15,0 0-15,1 0 16,-1 0-16,0 0 16,-26 0-16,26 26 0,0 0 15,0-26-15,0 26 16,0 0-16,0 0 0,26-1 15,-26-25-15,26 26 0,0 0 16,26 0-16,0 0 16,-26 0-16,26-26 0,0 26 15,26 0-15,-26-26 16,0 26-16,0 0 0,0-26 16,0 26-16,-1-26 0,-25 26 15,26 0-15,-26-1 16,-26 1-16,1-26 15,-1 26-15,0 0 16,-26-26-16,26 26 0,-26-26 16,0 0-16,26 26 0,-26-26 15,27 0-15,-1 0 16,0 0-16,26-26 16,0 0-1,26 0-15,0 0 16</inkml:trace>
+  <inkml:trace contextRef="#ctx0" brushRef="#br0" timeOffset="949">1634 531 0,'0'-26'0,"26"26"15,-26-26-15,-26 26 16,0 26 0,26 0-16,0 0 15,-26 0-15,26 0 0,-26 26 16,26 0-16,-26-27 0,26 27 16,0 0-16,-26-26 15,26 26-15,0-26 0,0 26 16,-26-26-16,26 0 15,0-1-15,0 1 16,0 0-16,0 0 16,0-52 15</inkml:trace>
+  <inkml:trace contextRef="#ctx0" brushRef="#br0" timeOffset="1523">1401 894 0,'-26'0'0,"26"-26"16,26 26 15,0 26-15,-1-26-1,1 0-15,0 0 16,0 0-16,26 0 0,-26 0 15,26 0-15,-26 0 0,26 0 16,-27 0-16,27 0 16,-26-26-16,0 26 0,0 0 15,0 0-15,0 0 16,-52 26 0,0-26-1,26 26-15,-26-26 16,0 26-16,0-26 0,0 26 15,0 0-15,26 0 0,-25-26 16,25 26-16,-26-26 16,26 25-16,0 1 15,26-26-15,-1 0 16,1 0-16,0 0 16,0 0-16,0 0 15,0 0-15,0 0 0,0-26 16,0 1-16,0 25 0,0-26 15,-26 0-15,26 0 16,-1 0-16,-25 0 16,0 0-16,0 0 15,0 0-15,0 0 0,-25 26 16,-1-26-16,0 26 16,0 0-16,0 0 15,0 0-15,0 0 0,26 26 16,0 0-16,0 0 15,26-26 1</inkml:trace>
+  <inkml:trace contextRef="#ctx0" brushRef="#br0" timeOffset="2515">2100 816 0,'0'-26'31,"0"0"-15,26 26-1,0 0 1,0 0-16,-26 26 16,26 0-16,0-26 0,0 26 15,-26 0-15,26 0 0,-26 0 16,26 0-16,-26 0 15,-26-26 1,26 26-16,-26-26 16,0 0-16,0 0 15,26-26-15,0 0 16,0 0 0,26 0-16,0 26 15,0-26-15,0 0 16,0 0-16,26 0 0,-27 0 15,1 26-15,0-26 0,0 1 16,0 25-16,0 0 16,0 0-16,-26 25 31,0 1-31,0 0 16,0 0-16,0 0 15,0 0 1,0 0-16,0 0 15,26 0-15,-26 0 16,26-26-16,-26 26 0,26-26 16,0 26-16,0-26 0,-1 0 15,1 0-15,0 0 16,0 0-16,0 0 0,-26-26 16,26 26-16,0-26 0,0 26 15,-26-26-15,26 0 16,-26 0-16,26 0 15,-26 0-15,0 0 16,0 0-16,-26 0 16,26 0-16,-26 26 15,26-25-15,-26 25 16,26 25 0,0 1-16,0 0 15,0 0-15,0 0 0,0 26 16,26 0-16,-26-26 0,0 52 15,0-27-15,0 1 16,26 0-16,-26 0 0,0 0 16,0 0-16,0-1 15,-26 1-15,26-26 0,-26 0 16,0 0-16,0 0 0,0-26 16,-26 0-16,26 0 15,-25 0-15,25 0 0,-26-26 16,26 0-16,0-26 15,0 26-15,0-26 0,26 1 16,0-1-16,0 26 0,0-26 16,26 0-16,0 26 15,0 0-15,26 0 0,-26 1 16,0 25-16,25-26 16,-25 26-16,26 0 15,-26 0-15,0 0 0,-26 26 31,-52-1-15</inkml:trace>
+</inkml:ink>
+</file>
+
+<file path=ppt/ink/ink13.xml><?xml version="1.0" encoding="utf-8"?>
+<inkml:ink xmlns:inkml="http://www.w3.org/2003/InkML">
+  <inkml:definitions>
+    <inkml:context xml:id="ctx0">
+      <inkml:inkSource xml:id="inkSrc0">
+        <inkml:traceFormat>
+          <inkml:channel name="X" type="integer" max="1920" units="cm"/>
+          <inkml:channel name="Y" type="integer" max="1080" units="cm"/>
+          <inkml:channel name="T" type="integer" max="2.14748E9" units="dev"/>
+        </inkml:traceFormat>
+        <inkml:channelProperties>
+          <inkml:channelProperty channel="X" name="resolution" value="55.81395" units="1/cm"/>
+          <inkml:channelProperty channel="Y" name="resolution" value="55.6701" units="1/cm"/>
+          <inkml:channelProperty channel="T" name="resolution" value="1" units="1/dev"/>
+        </inkml:channelProperties>
+      </inkml:inkSource>
+      <inkml:timestamp xml:id="ts0" timeString="2020-12-22T06:31:49.411"/>
+    </inkml:context>
+    <inkml:brush xml:id="br0">
+      <inkml:brushProperty name="width" value="0.05" units="cm"/>
+      <inkml:brushProperty name="height" value="0.05" units="cm"/>
+      <inkml:brushProperty name="fitToCurve" value="1"/>
+    </inkml:brush>
+  </inkml:definitions>
+  <inkml:trace contextRef="#ctx0" brushRef="#br0">0 856 0,'0'-26'47,"0"0"-32,26 0-15,0 0 16,0 0 0,26-26-16,-26 26 0,25 1 15,1-1-15,0-26 16,26 26-16,0 0 0,-27-26 15,27 26-15,0-26 0,-26 26 16,0 26-16,0-26 16,-27 1-16,1 25 0,0 0 15,-26-26-15,26 26 16</inkml:trace>
+  <inkml:trace contextRef="#ctx0" brushRef="#br0" timeOffset="612">493 104 0,'25'0'63,"1"0"-63,0 0 15,0 0-15,0 0 16,26-26-16,0 26 0,0 0 16,25 0-16,-25-26 15,0 26-15,0 0 0,26-26 16,-52 26-16,25 0 0,-25-26 16,0 26-16,0 0 15,0 0-15,-26 26 63,-26-26-63,26 26 15,-26 0-15,0 26 16,0-26-16,1 0 16,-1 26-16,26-26 0,-26 0 15,0 25-15,0-25 0,26 0 16,0 0-16,-26 0 15,26 0-15,0 0 16,0 0 0</inkml:trace>
+</inkml:ink>
+</file>
+
+<file path=ppt/ink/ink14.xml><?xml version="1.0" encoding="utf-8"?>
+<inkml:ink xmlns:inkml="http://www.w3.org/2003/InkML">
+  <inkml:definitions>
+    <inkml:context xml:id="ctx0">
+      <inkml:inkSource xml:id="inkSrc0">
+        <inkml:traceFormat>
+          <inkml:channel name="X" type="integer" max="1920" units="cm"/>
+          <inkml:channel name="Y" type="integer" max="1080" units="cm"/>
+          <inkml:channel name="T" type="integer" max="2.14748E9" units="dev"/>
+        </inkml:traceFormat>
+        <inkml:channelProperties>
+          <inkml:channelProperty channel="X" name="resolution" value="55.81395" units="1/cm"/>
+          <inkml:channelProperty channel="Y" name="resolution" value="55.6701" units="1/cm"/>
+          <inkml:channelProperty channel="T" name="resolution" value="1" units="1/dev"/>
+        </inkml:channelProperties>
+      </inkml:inkSource>
+      <inkml:timestamp xml:id="ts0" timeString="2020-12-22T06:31:51.778"/>
+    </inkml:context>
+    <inkml:brush xml:id="br0">
+      <inkml:brushProperty name="width" value="0.05" units="cm"/>
+      <inkml:brushProperty name="height" value="0.05" units="cm"/>
+      <inkml:brushProperty name="fitToCurve" value="1"/>
+    </inkml:brush>
+  </inkml:definitions>
+  <inkml:trace contextRef="#ctx0" brushRef="#br0">674 593 0,'0'-26'0,"0"0"15,0-26-15,-26 26 16,26 0-16,-26 0 0,26 0 16,-25 0-16,-1 0 0,26 0 15,-26 26-15,0-25 16,0 25-16,-26 0 0,26 0 16,-26 0-16,0 25 15,27 1-15,-27 0 0,0 26 16,0-26-16,26 26 15,0 26-15,-26-26 0,52-1 16,-26 27-16,26-26 0,0 0 16,0 0-16,0-1 15,26-25-15,-26 26 0,52-26 16,-26 0-16,26-26 0,0 26 16,0-26-16,-1 0 15,1-26-15,26 26 0,-26-26 16,26 0-16</inkml:trace>
+  <inkml:trace contextRef="#ctx0" brushRef="#br0" timeOffset="564">908 722 0,'0'-26'15,"0"0"17,-26 26-32,26-26 15,-26 26-15,26-25 16,-26 25-16,0 0 16,0 0-16,0 25 15,26 1 1,-26 0-16,26 0 0,-26 0 15,26 26-15,0-26 0,0 26 16,0-26-16,0 0 16,0-1-16,0 1 0,26 0 15,0 0-15,0-26 16,0 0-16,0 0 16,0-26-16,0 26 15,0-26-15,0 0 16,-26 1-16,25-1 0,-25 0 15,0 0-15,0 0 0,0 0 16,0 0-16,0 0 16,-25 26-16,25-26 0,0 0 15,0 52 17,25 0-32,1 0 15,-26 0-15,26 0 16,-26 0-16,26 0 15,0 0-15,-26 0 16,26-26-16,0 0 16,0 0-1</inkml:trace>
+  <inkml:trace contextRef="#ctx0" brushRef="#br0" timeOffset="809">1193 489 0,'-26'-26'16,"26"0"-16,0 52 31,26 0-31,-26 0 16,26 0-16,-26 26 0,26-26 16,-26-1-16,25 27 15,-25-26-15,26 0 0,-26 0 16,0 0-16,0 0 15,26 0-15,-26 0 0,0 0 16,0 0-16,0-1 16</inkml:trace>
+  <inkml:trace contextRef="#ctx0" brushRef="#br0" timeOffset="1260">1452 359 0,'-26'-26'0,"26"0"16,-26 26-16,26-25 0,-26-1 16,26 0-16,26 26 15,0 0 1,0 0-16,0 0 15,0 26-15,0 0 0,0-1 16,-26 1-16,25 0 16,-25 0-16,26 0 0,-26 0 15,0 0-15,0 0 16,0 0-16,-26 0 16,26-52 15,0 0-31,0 0 15,26 0-15,-26 0 0,26 0 16,-26 0-16,26 0 16,0 0-16,-26 1 0,26 25 15,0 0 1,0 0-16,-26 25 0,26 1 16,0 0-16,-26 26 0,26-26 15,-26 0-15,0 26 16,0-26-16,26 0 0,-26 0 15</inkml:trace>
+  <inkml:trace contextRef="#ctx0" brushRef="#br0" timeOffset="1585">2152 385 0,'-26'0'0,"0"-26"16,0 0-1,26 52 1,26-26-16,0 26 0,0 0 16,0 0-16,0 26 15,25-26-15,-25 0 0,0 26 16,26-26-16,-26-1 15,0 1-15,0 0 0,0 0 16,0 0-16,0 0 0,-26 0 16,25-26-16,1 0 15,0 0 1,-26-26 0</inkml:trace>
+  <inkml:trace contextRef="#ctx0" brushRef="#br0" timeOffset="1812">2592 385 0,'0'-26'0,"0"0"16,0-25-16,0 25 16,0 52-1,0-1-15,0 1 16,0 0-16,0 0 16,0 26-16,0-26 0,0 26 15,-26-26-15,26 26 16,-26-26-16,26 25 0,-25-25 15,-1 0-15,26 26 0,-26-26 16,26 0-16,-26 0 16,26 0-16</inkml:trace>
+  <inkml:trace contextRef="#ctx0" brushRef="#br0" timeOffset="2046">2748 411 0,'26'0'16,"-26"26"15,26 0-31,-26 0 16,26 0-1,-26 0-15,25 0 0,-25 0 16,0 0-16,0 25 0,0-25 15,0 0-15,0 0 16,0 0-16</inkml:trace>
+  <inkml:trace contextRef="#ctx0" brushRef="#br0" timeOffset="3246">3162 489 0,'0'26'47,"26"0"-16,0-26-16,-26 26-15,26-26 16,0 0 0,0 0-16,0 0 15,0-26-15,0 26 0,0-26 16,0 0-16,0 26 16,-26-26-16,26 0 0,-26 0 15,0 0-15,0 0 16,-26 26-16,0-26 0,0 0 15,0 1-15,0 25 0,-26-26 16,26 26-16,0 0 16,0 26-16,-26-26 0,27 25 15,-1 1-15,26 0 0,-26 26 16,26-26-16,-26 26 16,26-26-16,26 52 15,0-52-15,-26-1 16,26 1-16,-1 0 0,1-26 15,0 26-15,0-26 0,0 0 16,26 0-16,-26 0 16,0 0-16,0 0 0,26-26 15,-26 0-15,-1 0 16,1 1-16,0-1 0,0 0 16,0 0-16,0-26 0,-26 26 15,26-26-15,-26 26 16,26-26-16,-26 26 0,0 1 15,0-1-15,26 26 16,-26 26 15,0-1-31,0 1 0,0 0 16,0 26-16,0-26 0,0 0 16,0 0-16,0 0 15,0 0-15,0 0 0,0 0 16,26-26-16,-26 26 15,26-26 1,0-26 0,-1 0-1,-25 0-15,26 26 0,0-26 16,-26 0-16,26 0 0,0 0 16,-26 0-16,26 26 15,-26-26-15,26 26 0,0 0 16,-26 26-16,26-26 0,-26 26 15,26 0-15,0 0 16,-26 0-16,26-26 0,-26 26 16,25 0-16,1 0 15,0-26-15,0 0 16,0 0 0,0 0-16,0-26 0,0 0 15,0 0-15,0 0 0,-26 0 16,26-26-16,-26 26 15,26-26-15,-26 26 0,0-25 16,-26 25-16,0 0 16,26-26-16,-26 52 0,0-26 15,0 26-15,0 0 0,0 0 16,0 26 0,26 0-16,-26-26 0,26 26 15,-26 0-15,26 0 16</inkml:trace>
+  <inkml:trace contextRef="#ctx0" brushRef="#br0" timeOffset="3679">4873 178 0,'26'0'16,"-26"-26"-16,26 26 0,-26-26 15,0 0 1,0 0-16,0 0 0,0 0 16,-26 26-16,0-26 15,0 26 1,0 26-16,0-26 0,0 26 16,1 0-16,-1-26 0,0 26 15,0 0-15,26 0 16,0 0-16,0 0 0,0 0 15,26-26-15,0 26 16,25-26-16,1 0 0,0 26 16,-26-26-16,26 0 0,0 0 15,0 0-15,-27 25 16,27-25-16,-26 26 16,-26 0-16,-26 0 15,0 0-15,0 0 16,-25 0-16,25 0 0,-26 0 15,0-26-15,0 26 16,26-26-16,-26 26 0,27-26 16,-1 0-16,0-26 15</inkml:trace>
+  <inkml:trace contextRef="#ctx0" brushRef="#br0" timeOffset="3941">4873 48 0,'26'0'15,"-26"26"-15,0 0 16,0 0 0,-26 0-16,26 0 0,-26 0 15,0 0-15,0 0 0,-25 25 16,25-25-16,-26 26 15,26-26-15,-26 26 0,26-26 16,0 0-16,0 0 16,0 0-16,0-26 0,26 26 15,-26-26-15</inkml:trace>
+</inkml:ink>
+</file>
+
+<file path=ppt/ink/ink15.xml><?xml version="1.0" encoding="utf-8"?>
+<inkml:ink xmlns:inkml="http://www.w3.org/2003/InkML">
+  <inkml:definitions>
+    <inkml:context xml:id="ctx0">
+      <inkml:inkSource xml:id="inkSrc0">
+        <inkml:traceFormat>
+          <inkml:channel name="X" type="integer" max="1920" units="cm"/>
+          <inkml:channel name="Y" type="integer" max="1080" units="cm"/>
+          <inkml:channel name="T" type="integer" max="2.14748E9" units="dev"/>
+        </inkml:traceFormat>
+        <inkml:channelProperties>
+          <inkml:channelProperty channel="X" name="resolution" value="55.81395" units="1/cm"/>
+          <inkml:channelProperty channel="Y" name="resolution" value="55.6701" units="1/cm"/>
+          <inkml:channelProperty channel="T" name="resolution" value="1" units="1/dev"/>
+        </inkml:channelProperties>
+      </inkml:inkSource>
+      <inkml:timestamp xml:id="ts0" timeString="2020-12-22T06:34:45.271"/>
+    </inkml:context>
+    <inkml:brush xml:id="br0">
+      <inkml:brushProperty name="width" value="0.05" units="cm"/>
+      <inkml:brushProperty name="height" value="0.05" units="cm"/>
+      <inkml:brushProperty name="fitToCurve" value="1"/>
+    </inkml:brush>
+  </inkml:definitions>
+  <inkml:trace contextRef="#ctx0" brushRef="#br0">706 754 0,'26'0'15,"0"0"1,-52 0 93,0 0-77,0 0-1,0 0 16,0 0 0,26 26-47,-26-26 15,1 0-15,-1 0 31,0 0-31,0 0 32,26 26-32,-26-26 15,0 0 17,0 0-17,0 0 16,0 0-15,0 0 15,0 0 1,0 0-1,0 0 0,1 0 16,-1 0-31,0 26-1,0-26 16,26 26-15,-26-26-16,0 0 16,0 0 15,0 26-15,0-26 30,26 26-46,0 0 47,0 0 0,0 0 0,-26-26-16,26 26-31,0-1 47,26-25 16,0 0-16,-26 26-32,26-26 1,0 0-1,0 0 17,0 0-1,0 0 0,0 0-15,0 0 15,-1 0-31,1 0 16,0-26-1,0 26 1,0 0 0,0 0 15,0 0-16,0 0 1,0 0 0,0-25-1,0 25 1,0 0 0,0 0-1,-1 0 1,-25-26-1,26 26-15,0 0 16,0 0 31,0 0 0,0 0-32,0 0 17,0-26 15,0 26 46,-26-26 157,-26 26-203,26-26-47,0 0 47,0 0 0,0 0-16,-26 26-31,26-26 16,0 0 15,0 0 0,-26 26-31,26-26 16,0 1 0,-26 25-1,26-26-15,0 0 31,0 0-15,0 0 0,-26 26-16,26-26 15,0 0 1,0 0 0,0 0-1,0 0 1,0 0-1,0 0 1,0 1-16,0-1 31,0 0-15,0 0 0,0 0-1,0 0 1,0 0-1,0 0 17,0 0-17,0 0 1,0 0 0,0 0 15,26 26 63,-26-25-63,26 25-31,0 0 15,0 0 1,0 0 0,-26-26-16,26 26 15,0 0 1,-26-26-16,26 26 0,-1 0 16,1 0-1,0 0-15,0 0 16,0-26-1,0 26-15,0 0 0,0 0 16,0 0 0,0 0-1,0 0 1,0 0-16,-1 26 16,1-26-1,0 0 1,0 0-1,-26 26-15,26-26 16,-26 26 0,26-26-1,-26 25-15,26-25 16,-26 26 0,26-26-16,-26 26 15,0 0-15,26 0 16,-26 0-1,0 0-15,0 0 16,0 0 0,0 0-16,26 0 15,-26 0 1,0-1 0,0 1-1,0 0-15,0 0 16,0 0-1,26-26-15,-26 26 16,0 0 0,0 0-16,0 0 15,0 0 1,0 0 0,0 0-16,0-1 31,26-25-31,-26 26 0,0 0 15,0 0 1,0 0 0,25-26-16,-25 26 0,0 0 31,26-26-31,-26 26 0,0 0 16,26 0-1,-26 0 1,26 0-1,-26-1 1,26 1 0,-26 0-1,0 0 1,0 0 15,-26-26-15,26 26-1,-26-26 1,0 0-16,26 26 16,-26-26-16,1 26 15,-1-26 1,0 0-16,0 26 0,0-26 16,0 0-1,0 0-15,0 0 16,26 26-16,-26-26 15,0 0-15,0 0 16,0 0 0,1 0-1,-1 0-15,0 0 16,0 0 0,26-26-16,-26 26 15,0 0-15,26-26 16,-26 26-1,0-26 1,0 26 15,26-26-31,-26 26 16,26-26 0,-26 26-16,0 0 15,26-26 1,-25 26-16,-1 0 15,26-26 1,-26 26-16,0-26 16,0 26 15,26-26-31,0 1 31,-26 25-15,26-26-1,-26 26 1,26-26 78</inkml:trace>
+  <inkml:trace contextRef="#ctx0" brushRef="#br0" timeOffset="2225">654 288 0,'0'-26'94,"-26"26"-78,0 0 15,1 0-31,-1 0 15,0 26 1,0-26-16,0 0 16,0 26-16,0-26 15,0 0-15,0 26 16,0-26-16,0 0 16,0 26-1,0-26 1,1 0-16,-1 0 31,0 0-31,0 0 31,0 0-15,0 0 0,0 0 15,26 26-31,-26-26 15,0 0 17,26 25-17,-26-25 1,26 26 62,0 0-47,0 0 1,26 0-1,-26 0 0,26-26 16,0 0 0,0 0-16,0 0-15,0 0 15,-26-26-31,26 26 16,0 0-1,0 0 1,-1 0 15,1 0-15,0 0-16,0 0 15,0 0 1,0 0 15,0 0-15,0 0 15,0 0-15,0 0-1,0-26 1,0 26 0,0 0 15,-1 0 0,1 0-15,0 0 15,0 0 63,0 0-32,0 0 48,-26-26-79</inkml:trace>
+</inkml:ink>
+</file>
+
+<file path=ppt/ink/ink16.xml><?xml version="1.0" encoding="utf-8"?>
+<inkml:ink xmlns:inkml="http://www.w3.org/2003/InkML">
+  <inkml:definitions>
+    <inkml:context xml:id="ctx0">
+      <inkml:inkSource xml:id="inkSrc0">
+        <inkml:traceFormat>
+          <inkml:channel name="X" type="integer" max="1920" units="cm"/>
+          <inkml:channel name="Y" type="integer" max="1080" units="cm"/>
+          <inkml:channel name="T" type="integer" max="2.14748E9" units="dev"/>
+        </inkml:traceFormat>
+        <inkml:channelProperties>
+          <inkml:channelProperty channel="X" name="resolution" value="55.81395" units="1/cm"/>
+          <inkml:channelProperty channel="Y" name="resolution" value="55.6701" units="1/cm"/>
+          <inkml:channelProperty channel="T" name="resolution" value="1" units="1/dev"/>
+        </inkml:channelProperties>
+      </inkml:inkSource>
+      <inkml:timestamp xml:id="ts0" timeString="2020-12-22T06:34:54.218"/>
+    </inkml:context>
+    <inkml:brush xml:id="br0">
+      <inkml:brushProperty name="width" value="0.05" units="cm"/>
+      <inkml:brushProperty name="height" value="0.05" units="cm"/>
+      <inkml:brushProperty name="fitToCurve" value="1"/>
+    </inkml:brush>
+  </inkml:definitions>
+  <inkml:trace contextRef="#ctx0" brushRef="#br0">0 451 0,'0'25'16,"0"1"-1,0 0-15,0 0 16,26 0 0,-26 0-16,26-26 15,-26 26-15,26-26 16,0 26 0,0-26-16,0 0 15,0-26 1,0 26-1,-26-26-15,25 26 0,-25-26 16,26 0 0,-26 0-16,0 0 15,0 0 1,-26 1-16,26-1 16,-25 0-1,25 0 1,-26 26-1,0-26 1,0 26 0,0 0-1,0 0 1,0 0 0,26 26-1,-26-26 1,26 26-16,0 0 31,0 0 0,-26-26-31</inkml:trace>
+  <inkml:trace contextRef="#ctx0" brushRef="#br0" timeOffset="660">130 347 0,'26'0'15,"0"0"1,0 0-1,-1 0 1,1 0-16,0 0 16,0 0-16,0 0 0,0 0 15,0 0 1,0 0-16,0-26 0,0 26 16,0 0-16,0 0 15,-1 0-15,1 0 16,0 0-1,0 0-15,0 0 16,0-26-16,0 26 16,0 0 15</inkml:trace>
+  <inkml:trace contextRef="#ctx0" brushRef="#br0" timeOffset="1355">311 632 0,'0'-26'16,"26"26"-16,0 0 16,-26-26-1,26 26-15,0 0 16,0 0 0,0 0-16,0 0 15,0 0 1,-26-26-16,25 26 0,1 0 15,0 0 1,0 0-16,0 0 16,0 0-16,0 0 15,0 0 1,-26-26 0,26 26-16</inkml:trace>
+  <inkml:trace contextRef="#ctx0" brushRef="#br0" timeOffset="4283">752 36 0,'0'26'109,"0"0"-77,0 0-17,0 0 1,0-1 0,0 1-1,0 0 1,0 0-1,0 0 1,26-26-16,-26 26 16,0 0 15,26-26-31,-26 26 16,0 0 15,26-26-31,-26 26 15,0 0 1,0 0 0,25-26-1,-25 25-15,0 1 16,0 0 0,0 0-1,0 0 16,0 0-15,0 0-16,0 0 31,0 0-15,-25 0 0,25 0-1,0 0 1,-26-26-1,26 26-15,0-1 32,-26-25-32,26 26 15,0 0 1,0 0 0,0 0-1,0 0 1,0 0 15,-26 0-15,26 0-1,0 0 1,0 0 0,0 0 15,0-1-16,26 1 1,-26 0 0,26 0 15,-26 0-15,26-26-1,-26 26-15,25-26 16,-25 26-1,26-26-15,0 26 16,0 0 15,0-26-31,0 0 16,0 0 0,0 26-1,0-26-15,0 0 16,0 0-1,0 0 1,-1 0-16,1 0 16,0 0-1,0 0 1,0-26 0,0 26-1,0 0-15,0-26 16,0 26-1,0-26 1,0 26-16,0-26 16,0 26-1,-26-26 1,25 26 0,-25-26-1,0 0-15,26 26 16,-26-26-16,0 0 15,26 1 1,-26-1 0,0 0-1,26 26-15,-26-26 16,0 0 0,0 0-1,0 0 1,0 0-1,-26 26 1,26-26 0,0 0-16,-26 26 15,26-26 1,-26 26-16,26-26 16,0 1-1,-25 25-15,25-26 16,-26 26-1,26-26 1,0 0-16,-26 26 16,26-26-16,0 0 15,-26 26 1,26-26-16,0 0 16,0 0-1,-26 26-15,26-26 16,0 0-16,0 0 15,-26 26 1,26-26-16,0 1 16,0-1-1,-26 26 1,26-26-16,0 0 16,0 0-1,0 0 1,0 0 15,-26 26-31,26-26 16,0 0-1,0 0 1,-26 26-16,26-26 16,-26 0-1,26 1 1,-26 25-1,26-26-15,-26 26 16,26-26 0,-26 26-16,1-26 15,-1 0 17,0 26-17,0-26 1,0 26-1,0 0 1,0 0 0,0 0-1,0 0 1,0 0 15,0 0-15,0 0 15,1 0-15,-1 0-1,0 0 1,0 26 31,26 0 0,0 0-32,0 0 1,0 0 0,0-1-16</inkml:trace>
+  <inkml:trace contextRef="#ctx0" brushRef="#br0" timeOffset="5322">259 1073 0,'0'-26'0,"26"26"32,-26-26-32,0 0 46,-26 26-30,0 0 0,1 0-1,25 26 1,-26-26 0,26 26-1,0 0 1,0 0-1,26-26 1,-26 25-16,25 1 16,1-26 15,0 0-15,-26-26-1,26 26-15,-26-25 16,0-1-16,0 0 15,0 0 1,0 0 0,0 0-1,-26 26-15</inkml:trace>
+  <inkml:trace contextRef="#ctx0" brushRef="#br0" timeOffset="5730">311 995 0,'26'0'47,"0"0"-31,0 0 0,0 0-16,0-26 15,0 26 1,0 0-16,0 0 0,-1 0 15,1-26-15,0 26 0,0 0 16,0 0 0,0-26-16,0 26 0,0 0 15,0 0 1,0-26 0,-52 26 62</inkml:trace>
+  <inkml:trace contextRef="#ctx0" brushRef="#br0" timeOffset="6268">363 1099 0,'26'0'31,"-26"25"16,26-25-47,0 0 31,0 0-31,0-25 16,0 25-16,-1 0 16,1-26-16,0 26 15,0 0-15,0 0 16,0-26-16,0 26 16,0 0-16,0 0 15,-26-26-15,26 26 31</inkml:trace>
+  <inkml:trace contextRef="#ctx0" brushRef="#br0" timeOffset="6912">363 1280 0,'0'-26'32,"-26"52"61,26 0-77,0 0 15,0 0-15,26-26-1,0 0 1,0 0 0,-26-26-1,26 0 1,-26 0 15,-26 26-31,0 0 31,0-26-31,0 26 16,26 26 15,0 0 1</inkml:trace>
+  <inkml:trace contextRef="#ctx0" brushRef="#br0" timeOffset="7325">389 1254 0,'26'0'47,"0"0"-32,0 0 1,0-26-1,0 26-15,-1 0 16,1 0-16,0 0 16,0 0-16,-26-26 15,26 26-15,0 0 16,0 0 0,0 0 30</inkml:trace>
+  <inkml:trace contextRef="#ctx0" brushRef="#br0" timeOffset="7842">363 1384 0,'26'0'0,"0"0"16,0 0 15,0 0-31,0 0 16,0-26 0,-1 26-16,1 0 15,0 0-15,0 0 16,-26-26-16,26 26 15,0 0-15,0 0 0,0 0 16,0-26 0,0 26-1,0 0 17,-52 0 30,26 26-62</inkml:trace>
+</inkml:ink>
+</file>
+
+<file path=ppt/ink/ink17.xml><?xml version="1.0" encoding="utf-8"?>
+<inkml:ink xmlns:inkml="http://www.w3.org/2003/InkML">
+  <inkml:definitions>
+    <inkml:context xml:id="ctx0">
+      <inkml:inkSource xml:id="inkSrc0">
+        <inkml:traceFormat>
+          <inkml:channel name="X" type="integer" max="1920" units="cm"/>
+          <inkml:channel name="Y" type="integer" max="1080" units="cm"/>
+          <inkml:channel name="T" type="integer" max="2.14748E9" units="dev"/>
+        </inkml:traceFormat>
+        <inkml:channelProperties>
+          <inkml:channelProperty channel="X" name="resolution" value="55.81395" units="1/cm"/>
+          <inkml:channelProperty channel="Y" name="resolution" value="55.6701" units="1/cm"/>
+          <inkml:channelProperty channel="T" name="resolution" value="1" units="1/dev"/>
+        </inkml:channelProperties>
+      </inkml:inkSource>
+      <inkml:timestamp xml:id="ts0" timeString="2020-12-22T06:35:05.299"/>
+    </inkml:context>
+    <inkml:brush xml:id="br0">
+      <inkml:brushProperty name="width" value="0.05" units="cm"/>
+      <inkml:brushProperty name="height" value="0.05" units="cm"/>
+      <inkml:brushProperty name="fitToCurve" value="1"/>
+    </inkml:brush>
+  </inkml:definitions>
+  <inkml:trace contextRef="#ctx0" brushRef="#br0">104 212 0,'0'26'31,"0"0"-15,0 0-1,0 0-15,0 26 16,0-26-16,26 0 0,-26 26 16,0-1-16,0 1 15,0 26-15,0-26 0,0 0 16,25 26-16,-25-1 0,0-25 15,0 0-15,26 26 16,-26-26-16,0-1 0,26 1 16,-26 0-16,26-26 15,-26 26-15,0 0 0,0-26 16,0 25-16,26-25 0,-26 0 16,0 0-16,0 0 15,0 0-15,-26 0 0,26 0 16,0 0-16,-26-26 15,26 26-15,0 0 16,26-1 15,0-25-15,0 0 0,0 0-16,0 0 15,0 0-15,0 0 0,0 0 16,25 26-16,1-26 15,0 0-15,-26 0 0,26 0 16,26 0-16,-27 0 0,1 0 16,0 0-16,26 0 15,-26 0-15,0 0 0,-1 0 16,1 0-16,0 0 16,0 0-16,0 0 0,0 0 15,25 0-15,-25 0 0,0 0 16,0 0-16,0 0 15,25 0-15,-25 0 0,0 0 16,0 0-16,0 0 0,-26 0 16,26 0-16,-27 0 15,1 0-15,0 0 16,0 0 0,-26-26 15,0 1-16,26 25-15,-26-26 16,0 0 0,0 0-16,0 0 0,0 0 15,0 0-15,0 0 16,0-26-16,0 26 0,0-25 16,0-1-16,0 26 0,-26-26 15,26 0-15,0 0 16,0 0-16,0 1 0,0 25 15,0-26-15,0 0 0,0 0 16,0 0-16,0 26 16,0-25-16,-26-1 0,26 0 15,0 0-15,0 0 16,0 0-16,-26 26 0,26-25 16,0 25-16,0 0 15,0 0-15,-26 0 0,26 0 16,0 0-16,0 0 0,0 0 15,0 0 1,0 0 0,0 1-1,-25 25 1,25-26-16,0 0 31,-26 26-31,26-26 16,0 0-1,0 0 17,-26 26-32,26-26 15,-26 26 1,0-26 0,0 26-1,0 0-15,0 0 16,0 0-1,-26 0-15,26 0 0,1 0 16,-27 0-16,26 0 0,-26 0 16,26 0-16,-26 0 15,26 26-15,-26-26 0,27 0 16,-27 0-16,26 26 16,-26-26-16,26 26 0,0-26 15,-26 0-15,26 26 0,-25-26 16,25 26-16,0-26 15,-26 0-15,26 26 0,-26-26 16,26 0-16,0 0 16,-26 26-16,26-26 0,1 0 15,-1 0-15,0 0 0,0 0 16,0 0-16,0 0 16,0 0-16,0 0 15,0 0 1,0 0-16,0 0 15,0 0 1,1 0 0,-1 25-16,0-25 15,0 0-15,0 0 16,0 0-16,0 26 0,0-26 16,0 0-16,0 0 15,0 0-15,0 26 16,1-26-16,-1 0 15,0 0 17,26 26-17,-26 0 17,26 0-17,-26-26-15,26 26 16,-26-26-16</inkml:trace>
+  <inkml:trace contextRef="#ctx0" brushRef="#br0" timeOffset="792">1192 394 0,'0'-26'32,"-26"26"-32,0 0 15,0 0 1,1 0-16,-1 26 16,0-26-16,26 26 15,-26 0-15,0-26 16,26 26-16,-26 0 0,26-1 15,0 1-15,0 0 0,0 0 16,0 0 0,0 0-16,26-26 15,-26 26-15,26-26 0,0 0 16,0 0 0,0 0-16,-1 0 0,1-26 15,0 26-15,0-26 16,0 26-16,-26-26 0,26 0 15,0 26-15,-26-26 0,26 0 16,-26 1-16,0-1 16,0 0-16,0 0 15,-26 0 1,0 0-16,0 0 16,0 26-16,26-26 15,-26 26-15,0 0 0,0-26 16,1 26-1,25 26-15,-26-26 16,26 26-16,-26-26 0,26 26 16,-26-26-16,26 26 0,-26-26 15,26 26-15</inkml:trace>
+  <inkml:trace contextRef="#ctx0" brushRef="#br0" timeOffset="1548">518 1171 0,'0'-25'0,"0"-1"31,-26 26 0,26-26-31,-26 26 16,1 26 0,-1 0-1,26-1 1,0 1-16,0 0 0,0 0 15,0 0-15,26 0 16,-26 0 0,25-26-16,-25 26 0,26-26 15,0 0-15,0 0 16,0 0-16,0 0 16,0 0-16,0-26 15,0 0 1,-26 0-16,0 0 15,0 0 1,-26 0 0,0 0-1,0 26 1,0 0-16,0 0 16,0 0-1,26 26 1,-26-26-16,26 26 15,-26-26 1,26 26 0,26-26-1</inkml:trace>
+  <inkml:trace contextRef="#ctx0" brushRef="#br0" timeOffset="2143">1711 1042 0,'0'-26'16,"0"0"15,-26 26-31,26 26 31,-26-26-31,26 26 16,-26 0-16,26 0 16,-26 0-16,26 0 15,0-1-15,0 1 0,0 0 16,0 0-16,0 0 16,26-26-16,0 26 0,0-26 15,0 0-15,-1 0 16,1 0-16,0-26 0,0 26 15,0-26-15,0 26 0,-26-26 16,26 26-16,-26-26 16,26 0-16,-26 1 0,0-1 15,-26 0 1,0 0-16,0 26 16,0-26-16,0 0 15,0 26-15,0 0 16,1 0-16,-1 0 0,0 0 15,0 26 1,0-26-16,26 26 0,-26 0 16</inkml:trace>
+  <inkml:trace contextRef="#ctx0" brushRef="#br0" timeOffset="2862">700 1586 0,'-26'0'0,"0"0"16,0 0 15,0 0-31,0 26 32,0-26-17,26 26-15,0 0 16,0 0-1,0 0-15,0 0 16,0 0 0,26-26-1,0 25 1,0-50 0,0 25-16,0-26 15,0 0 1,-26 0-1,26 0-15,-26 0 16,0 0 0,-26 26-16,0-26 15,0 26 1,0 0 0,26 26-16,-26-26 15,26 26-15,0 0 16</inkml:trace>
+  <inkml:trace contextRef="#ctx0" brushRef="#br0" timeOffset="3566">1685 1664 0,'0'-26'15,"-26"26"32,26 26-31,0 0 0,-26 0-1,26 0-15,0 0 16,26-26-1,-26 25-15,26-25 16,0 0 0,-26 26-16,25-26 0,1 0 15,0-26-15,0 26 16,0-25-16,0-1 16,0 0-1,-26 0-15,0 0 16,0 0-16,0 0 15,-26 26 1,0 0 0,0 0-16,0 0 15,0 26-15,0-26 16,26 26-16,-25-26 16</inkml:trace>
+</inkml:ink>
+</file>
+
+<file path=ppt/ink/ink18.xml><?xml version="1.0" encoding="utf-8"?>
+<inkml:ink xmlns:inkml="http://www.w3.org/2003/InkML">
+  <inkml:definitions>
+    <inkml:context xml:id="ctx0">
+      <inkml:inkSource xml:id="inkSrc0">
+        <inkml:traceFormat>
+          <inkml:channel name="X" type="integer" max="1920" units="cm"/>
+          <inkml:channel name="Y" type="integer" max="1080" units="cm"/>
+          <inkml:channel name="T" type="integer" max="2.14748E9" units="dev"/>
+        </inkml:traceFormat>
+        <inkml:channelProperties>
+          <inkml:channelProperty channel="X" name="resolution" value="55.81395" units="1/cm"/>
+          <inkml:channelProperty channel="Y" name="resolution" value="55.6701" units="1/cm"/>
+          <inkml:channelProperty channel="T" name="resolution" value="1" units="1/dev"/>
+        </inkml:channelProperties>
+      </inkml:inkSource>
+      <inkml:timestamp xml:id="ts0" timeString="2020-12-22T06:35:36.182"/>
+    </inkml:context>
+    <inkml:brush xml:id="br0">
+      <inkml:brushProperty name="width" value="0.05" units="cm"/>
+      <inkml:brushProperty name="height" value="0.05" units="cm"/>
+      <inkml:brushProperty name="fitToCurve" value="1"/>
+    </inkml:brush>
+  </inkml:definitions>
+  <inkml:trace contextRef="#ctx0" brushRef="#br0">159 289 0,'0'-26'16,"-26"26"15,26-26-15,-26 26 46,26 26-62,0 0 16,0 0 0,0-1-16,-26 1 15,26 0-15,0 0 0,0 0 16,0 0-16,0 0 16,0 0-16,0 0 0,0 0 15,0 0 1,0 0-16,0-1 0,0 27 15,0-26-15,0 0 0,0 0 16,26 0-16,-26 0 16,0 0-16,0 0 0,0 0 15,0 0-15,0-1 0,0 1 16,0 0 0,0 0-16,0 0 0,0 0 15,-26-26-15,26 26 16,0 0-16,0 0 0,0 0 15,-26 0 1,26 0-16,0 0 16,0-1-16,-26 1 15,26 0 1,0 0 0,-26-26-16,26 26 15,0 0-15,0 0 16,0 0 15,0 0-15,0 0-1,26-26 32,0 0-31,0 0-1,0 0-15,0 0 16,0 0-16,0 0 16,25 0-16,-25 0 15,0 0-15,26 0 0,-26 0 16,26 0-16,-26 0 0,0 26 16,25-26-16,-25 0 15,0 0-15,26 26 0,-26-26 16,0 0-16,0 0 15,0 0-15,26 0 0,-26 0 16,25 0-16,-25 0 0,26 0 16,0 0-16,-26 0 15,26 0-15,-26 0 0,26 0 16,-27 0-16,27 0 16,-26 0-16,0 0 0,26 0 15,-26 0-15,0 0 0,0 0 16,0 0-16,0 0 15,25 0-15,-25-26 0,0 26 16,0 0-16,0 0 16,0 0-16,0 0 0,0 0 15,0 0-15,0 0 0,0 0 16,-1 0-16,1-26 16,0 26-16,0 0 0,0 0 15,0 0 1,0 0-1,-26-26 1,26 26-16,-26-26 63,0 0-48,0 0 1,0 0-16,26 0 15,-26 0 1,0 0-16,0 0 0,0-25 16,0 25-16,0 0 0,0 0 15,0-26-15,0 26 16,0 0-16,0-26 0,26 26 16,-26-25-16,0 25 0,0-26 15,0 0-15,0 26 16,0-26-16,26 26 0,-26-26 15,0 27-15,0-27 16,0 26-16,0 0 0,0 0 16,0 0-16,0 0 15,0 0-15,0 0 16,0 0 0,0 0-16,0 1 15,0-1-15,0 0 16,0 0-16,0 0 15,0 0-15,0 0 16,0 0 0,0 0-16,0 0 15,0 0 1,-26 0 0,0 26-1,26-25 1,-26 25-1,0 0-15,0 0 16,0 0-16,0 0 0,0 0 16,0 0-16,0 0 15,1 0-15,-1 0 0,0 25 16,-26-25-16,26 0 16,0 0-16,-26 0 0,26 0 15,-26 0-15,27 0 0,-27 0 16,26 0-16,0 0 15,-26 0-15,26 0 0,-26 0 16,26 0-16,-25 0 0,25 0 16,0 0-16,-26 0 15,26 0-15,0 0 0,-26 0 16,26 0-16,-26 0 16,26 0-16,-25 0 0,25 0 15,-26 0-15,0 26 16,0-26-16,0 0 0,1 0 15,-1 26-15,26-26 0,-26 0 16,26 0-16,0 0 16,0 0-16,0 0 0,0-26 15,0 26 1,1 0 0,-1 0-16,0 0 15,0 0 1,0 0-16,26 26 15,-26-26-15,26 26 16,-26-26-16,26 26 31,0 0 1,-26-26-17,26 26 1,0 0-1,0 0 1,26-26-16,-26 26 0,0 0 16,26 0-16,-26-1 15,0 1 1,0 0-16,0 0 16,0 0-16,0 0 15,0 0 1,-26-26-1,26 26-15</inkml:trace>
+  <inkml:trace contextRef="#ctx0" brushRef="#br0" timeOffset="875">262 962 0,'0'26'47,"0"0"-31,0 0-16,0 0 15,0 0-15,0 0 16,0 0-16,0 0 16,26-26-16,-26 26 15,0 0-15,26-26 16,-26 26-1,0-52 17,0 0-32,0 0 15,0 0-15,0 0 16,0 0-16,0 0 0,0 0 16,0-26-16,0 26 15,0 1-15,0-27 0,-26 26 16,26 0-16,0 0 0,0 0 15,26 26 1,0 0 0,0 26-16,-26 0 15,26 0-15,0 0 16,0 0-16,-26 0 0,26-1 16,0 1-16,-26 0 15,25 0-15,1 0 16,-26 0-16,26 0 15,-26 0-15,26-26 16</inkml:trace>
+  <inkml:trace contextRef="#ctx0" brushRef="#br0" timeOffset="1116">340 1118 0,'-26'0'0,"52"-26"31,0 0-15,0 0-16,0 26 15,0-26-15,0 26 16,0-26-16,-1 26 0,1-26 15,0 26-15</inkml:trace>
+  <inkml:trace contextRef="#ctx0" brushRef="#br0" timeOffset="1416">625 729 0,'26'0'0,"0"26"16,0 0 0,0 0-1,0 0-15,-26 0 16,26 0-16,-26 0 0,26 0 15,-26-1 1,25 1-16,-25 0 0,0 0 16,26-26-1,-26 26-15</inkml:trace>
+  <inkml:trace contextRef="#ctx0" brushRef="#br0" timeOffset="1800">573 833 0,'0'-26'0,"0"0"16,26 0-1,0 26 1,0-26-16,0 26 15,0 0-15,26 0 0,-26-26 16,0 26-16,-1 0 0,1 0 16,0 0-16,0 0 15,0 26-15,0-26 0,0 26 16,0 0 0,-26 0-16,0 0 0,0 0 15,0 0-15,-26 0 0,0 0 16,0-1-16,-26 27 15,26-26-15,0 0 0,-25 0 16,25 0-16,0-26 16,26 26-16,-26-26 0,0 0 15</inkml:trace>
+  <inkml:trace contextRef="#ctx0" brushRef="#br0" timeOffset="2478">1092 651 0,'26'0'16,"-26"26"-16,0 0 16,26-26-16,-26 26 15,0 0 1,25 0-16,-25 0 0,0 0 16,0 0-16,0 0 15,26-26-15,-26 26 16,0 0-16,0-1 15,0 1 1,26-26-16,-26-26 47,-26 1-47,26-1 16,-26 0-16,1 0 15,25-26-15,-26 26 16,26 0-16,0 0 0,-26 0 15,26 0-15,0 0 16,0 1-16,0-1 0,0 0 16,26 26-1,-26-26-15,26 26 0,-1 0 16,1-26-16,0 26 0,0 0 16,0 0-1,0 26-15,0-26 16,-26 26-16,26-26 15,-26 26-15,0 0 16,0-1-16,0 1 16,-26 0-1,26 0-15,-26-26 0,0 26 16,0 0-16,0-26 16,0 0-16,0 26 15,1-26-15,-1 26 16</inkml:trace>
+</inkml:ink>
+</file>
+
+<file path=ppt/ink/ink19.xml><?xml version="1.0" encoding="utf-8"?>
+<inkml:ink xmlns:inkml="http://www.w3.org/2003/InkML">
+  <inkml:definitions>
+    <inkml:context xml:id="ctx0">
+      <inkml:inkSource xml:id="inkSrc0">
+        <inkml:traceFormat>
+          <inkml:channel name="X" type="integer" max="1920" units="cm"/>
+          <inkml:channel name="Y" type="integer" max="1080" units="cm"/>
+          <inkml:channel name="T" type="integer" max="2.14748E9" units="dev"/>
+        </inkml:traceFormat>
+        <inkml:channelProperties>
+          <inkml:channelProperty channel="X" name="resolution" value="55.81395" units="1/cm"/>
+          <inkml:channelProperty channel="Y" name="resolution" value="55.6701" units="1/cm"/>
+          <inkml:channelProperty channel="T" name="resolution" value="1" units="1/dev"/>
+        </inkml:channelProperties>
+      </inkml:inkSource>
+      <inkml:timestamp xml:id="ts0" timeString="2020-12-22T06:36:09.696"/>
+    </inkml:context>
+    <inkml:brush xml:id="br0">
+      <inkml:brushProperty name="width" value="0.05" units="cm"/>
+      <inkml:brushProperty name="height" value="0.05" units="cm"/>
+      <inkml:brushProperty name="fitToCurve" value="1"/>
+    </inkml:brush>
+  </inkml:definitions>
+  <inkml:trace contextRef="#ctx0" brushRef="#br0">0 624 0,'26'0'0,"-26"-26"15,26 26-15,-26-26 16,26 26-16,0-26 0,0 0 16,-1 0-16,1 26 15,0-26-15,26 26 16,-26-26-16,0 26 0,0-26 15,26 26-15,-26-25 16,25-1-16,1 26 0,0-26 16,0 0-16,0 26 15,0-26-15,0 26 0,-1-26 16,27 0-16,-26 26 0,0-26 16,26 26-16,-27-26 15,1 26-15,26-26 0,0 26 16,-1-26-16,1 0 0,0 26 15,26-25-15,-1 25 16,1-26-16,-26 26 0,25 0 16,1-26-16,0 26 15,-1 0-15,-25-26 0,0 26 16,0 0-16,25 0 0,-25 0 16,0 0-16,0 26 15,25-26-15,-25 0 0,26 26 16,-26-26-16,25 0 15,1 26-15,0-26 0,-1 25 16,1-25-16,0 0 0,25 26 16,-25-26-16,-1 26 15,-25-26-15,26 26 0,0 0 16,-27-26-16,27 26 16,-26 0-16,0 0 0,-1-26 15,27 26-15,-26 0 0,-1 0 16,-25 0-16,26-1 15,-26 1-15,26 0 0,-27 26 16,1-26-16,0 0 16,26 0-16,-26 26 0,0-26 15,-1 0-15,1-1 0,-26 27 16,26-26-16,0 26 16,-26-26-16,26 26 0,-1 0 15,-25-26-15,26 25 16,0-25-16,-26 26 0,26 0 15,-26-26-15,26 26 0,-27-26 16,1 26-16,26-27 16,-26 27-16,26-26 0,-26 26 15,26-26-15,0 0 16,-27 26-16,27-26 0,-26 25 16,26-25-16,-26 0 0,0 0 15,0 26-15,26-26 16,-26 0-16,0 0 0,-1 0 15,1 0-15,0 0 16,0-1-16,0 1 0,26 0 16,-26 0-16,26 0 0,-26 0 15,25 0-15,-25 0 16,26 0-16,-26 0 0,0 0 16,26 0-16,-26-26 0,26 25 15,-26 1-15,-1 0 16,27-26-16,-26 26 0,26 0 15,-26-26-15,26 26 16,-26-26-16,26 26 0,-27-26 16,27 26-16,-26-26 0,26 0 15,-26 26-15,26-26 16,-26 0-16,26 26 0,-26-26 16,-1 0-16,1 26 15,26-26-15,-26 0 0,0 0 16,0 0-16,0 0 0,0 26 15,0-26-15,0 0 16,0 0-16,-1 0 0,1 0 16,0 0-1,0 0-15,0 0 16,0 0 0,0 0-1,0 0-15,0 0 16,0 0-1,0 0-15,0 0 16,-1 0 15,1 0 1,0 0-1,-26 26 16,26-26 0,0 0 93,0 0 16,0 0 485,-26-26-625,26 26 15,-26-26 0,26 26-31,0 0 16,0 0 15,0 0-31,-1 0 16,1 0-1,0 0 1,0 0-16,0 0 16,0 0-1,0 0 1,0 0-16,0 0 15,0-26 1,0 26 0,0 0-16,0 0 15,-1-26 1,1 26-16,0 0 31,0 0-15,0 0-1,0 0 1,0 0 15,-52 0 47,0 0-62,0 0 0,0 0-16</inkml:trace>
+  <inkml:trace contextRef="#ctx0" brushRef="#br0" timeOffset="967">9460 2231 0,'26'0'62,"-26"26"-46,26-26-16,0 26 31,0-26-31,0 25 16,0-25-1,-26 26-15,26-26 16,0 26-16,-1-26 16,1 0-16,0 26 15,0-26-15,0 0 0,0 26 16,0-26-16,0 26 15,0-26-15,0 0 0,0 26 16,0-26-16,-1 0 16,-25 26-1,-25-26 95,-1 0-79,26 26-15,-26-26-16,26 26 0,-26-26 15,26 26-15,-26 0 0,0 0 16,0-1-1,0 1-15,26 0 0,-26 0 16,0 0-16,0-26 16,26 26-16,-26 0 0,1 0 15,-1 0-15,26 0 16,-26-26 0,26 26-1</inkml:trace>
+</inkml:ink>
+</file>
+
+<file path=ppt/ink/ink2.xml><?xml version="1.0" encoding="utf-8"?>
 <inkml:ink xmlns:inkml="http://www.w3.org/2003/InkML">
   <inkml:definitions>
     <inkml:context xml:id="ctx0">
@@ -663,7 +575,182 @@
 </inkml:ink>
 </file>
 
+<file path=ppt/ink/ink20.xml><?xml version="1.0" encoding="utf-8"?>
+<inkml:ink xmlns:inkml="http://www.w3.org/2003/InkML">
+  <inkml:definitions>
+    <inkml:context xml:id="ctx0">
+      <inkml:inkSource xml:id="inkSrc0">
+        <inkml:traceFormat>
+          <inkml:channel name="X" type="integer" max="1920" units="cm"/>
+          <inkml:channel name="Y" type="integer" max="1080" units="cm"/>
+          <inkml:channel name="T" type="integer" max="2.14748E9" units="dev"/>
+        </inkml:traceFormat>
+        <inkml:channelProperties>
+          <inkml:channelProperty channel="X" name="resolution" value="55.81395" units="1/cm"/>
+          <inkml:channelProperty channel="Y" name="resolution" value="55.6701" units="1/cm"/>
+          <inkml:channelProperty channel="T" name="resolution" value="1" units="1/dev"/>
+        </inkml:channelProperties>
+      </inkml:inkSource>
+      <inkml:timestamp xml:id="ts0" timeString="2020-12-22T06:36:12.649"/>
+    </inkml:context>
+    <inkml:brush xml:id="br0">
+      <inkml:brushProperty name="width" value="0.05" units="cm"/>
+      <inkml:brushProperty name="height" value="0.05" units="cm"/>
+      <inkml:brushProperty name="fitToCurve" value="1"/>
+    </inkml:brush>
+  </inkml:definitions>
+  <inkml:trace contextRef="#ctx0" brushRef="#br0">0 285 0,'26'0'109,"0"0"-109,0 0 16,0 0-16,0 0 15,0 0-15,26 0 0,-26 0 16,25 0-16,1 0 15,0 0-15,-26 0 0,26 0 16,26 0-16,-26 0 0,-1 0 16,1 26-16,-26-26 15,26 0-15,0 0 0,0 0 16,-1 0-16,-25 0 0,26 0 16,-26 0-16,26 0 15,-26 0-15,0 0 0,0 0 16,0 0-16,0 0 15,-1 0-15,1 0 0,0 0 16,26 0-16,-26 0 16,0 0-16,0 0 15,26 0-15,-26 0 0,0 0 16,25 0-16,-25 0 16,26 0-16,-26 0 0,0 0 15,0 0-15,26 0 0,-26 0 16,0-26-1,0 26-15,-1 0 16,1 0 0,0 0-1,0 0-15,0 0 16,0 0-16,0 0 16,0 0-16,0 0 15,0 0-15,0 0 16,0 0-16,-1 0 15,1 0 1,0 0 31,0 0-16</inkml:trace>
+  <inkml:trace contextRef="#ctx0" brushRef="#br0" timeOffset="696">1815 0 0,'26'26'78,"0"-26"-63,-26 26-15,25-26 16,1 26-16,0 0 0,0 0 16,26 0-16,-26-26 15,0 26-15,0-1 0,0 1 16,26 0-16,-27 0 15,1 0-15,0-26 0,-26 26 16,26-26-16,0 26 0,0-26 16,-26 26-1,26-26 1,-52 0 46,0 0-62,0 26 16,0-26 0,26 26-16,-26-26 0,0 26 15,1-26-15,-1 26 0,0 0 16,0-1-16,0 1 16,-26 0-16,52 0 0,-26 0 15,0-26-15,0 26 16,0 0-16,26 0 0,-26-26 15,26 26-15</inkml:trace>
+</inkml:ink>
+</file>
+
 <file path=ppt/ink/ink21.xml><?xml version="1.0" encoding="utf-8"?>
+<inkml:ink xmlns:inkml="http://www.w3.org/2003/InkML">
+  <inkml:definitions>
+    <inkml:context xml:id="ctx0">
+      <inkml:inkSource xml:id="inkSrc0">
+        <inkml:traceFormat>
+          <inkml:channel name="X" type="integer" max="1920" units="cm"/>
+          <inkml:channel name="Y" type="integer" max="1080" units="cm"/>
+          <inkml:channel name="T" type="integer" max="2.14748E9" units="dev"/>
+        </inkml:traceFormat>
+        <inkml:channelProperties>
+          <inkml:channelProperty channel="X" name="resolution" value="55.81395" units="1/cm"/>
+          <inkml:channelProperty channel="Y" name="resolution" value="55.6701" units="1/cm"/>
+          <inkml:channelProperty channel="T" name="resolution" value="1" units="1/dev"/>
+        </inkml:channelProperties>
+      </inkml:inkSource>
+      <inkml:timestamp xml:id="ts0" timeString="2020-12-22T06:36:28.474"/>
+    </inkml:context>
+    <inkml:brush xml:id="br0">
+      <inkml:brushProperty name="width" value="0.05" units="cm"/>
+      <inkml:brushProperty name="height" value="0.05" units="cm"/>
+      <inkml:brushProperty name="fitToCurve" value="1"/>
+    </inkml:brush>
+  </inkml:definitions>
+  <inkml:trace contextRef="#ctx0" brushRef="#br0">2592 370 0,'0'-26'16,"-26"26"-1,0 0 1,0 0 0,1 0-16,-1 0 15,0 0-15,0 0 16,-26 0-16,26 0 0,-26 0 16,0 0-16,1 0 0,-27 0 15,26 0-15,-26-26 16,0 26-16,1 0 0,-1 0 15,0-25-15,0 25 0,27 0 16,-27 0-16,26 0 16,0-26-16,0 26 0,0 0 15,1 0-15,25 0 16,0-26-16,-26 26 0,26 0 16,-26 0-16,26 0 15,-26 0-15,27 0 0,-27 0 16,26 0-16,-26 0 0,0 0 15,26 0-15,0-26 16,0 26-16,0 0 16,1 0-16,-1 0 0,0 0 15,0 0 17,0 0-17,0 0 1,0 0-16,0 0 15,0 0 1,0 0 0</inkml:trace>
+  <inkml:trace contextRef="#ctx0" brushRef="#br0" timeOffset="588">493 7 0,'0'-25'15,"-26"50"48,0 1-48,0-26-15,26 26 0,-26 0 16,-26-26-16,26 26 16,0 0-16,-25 0 0,25-26 15,0 26-15,-26 0 0,26 0 16,0-26-16,0 26 15,0-26-15,26 26 0,-26-26 16,26 25 0,0 1 31,26-26-47,0 26 15,0 0 1,0-26-16,-26 26 15,26 0-15,0 0 16,0-26-16,0 26 0,0 0 16,0-26-16,-1 26 0,1-26 15,-26 26-15,26-26 16,0 26-16,0-1 16,0-25-1,-26 26-15,26-26 16,-26 26-1</inkml:trace>
+</inkml:ink>
+</file>
+
+<file path=ppt/ink/ink22.xml><?xml version="1.0" encoding="utf-8"?>
+<inkml:ink xmlns:inkml="http://www.w3.org/2003/InkML">
+  <inkml:definitions>
+    <inkml:context xml:id="ctx0">
+      <inkml:inkSource xml:id="inkSrc0">
+        <inkml:traceFormat>
+          <inkml:channel name="X" type="integer" max="1920" units="cm"/>
+          <inkml:channel name="Y" type="integer" max="1080" units="cm"/>
+          <inkml:channel name="T" type="integer" max="2.14748E9" units="dev"/>
+        </inkml:traceFormat>
+        <inkml:channelProperties>
+          <inkml:channelProperty channel="X" name="resolution" value="55.81395" units="1/cm"/>
+          <inkml:channelProperty channel="Y" name="resolution" value="55.6701" units="1/cm"/>
+          <inkml:channelProperty channel="T" name="resolution" value="1" units="1/dev"/>
+        </inkml:channelProperties>
+      </inkml:inkSource>
+      <inkml:timestamp xml:id="ts0" timeString="2020-12-22T06:36:22.455"/>
+    </inkml:context>
+    <inkml:brush xml:id="br0">
+      <inkml:brushProperty name="width" value="0.05" units="cm"/>
+      <inkml:brushProperty name="height" value="0.05" units="cm"/>
+      <inkml:brushProperty name="fitToCurve" value="1"/>
+    </inkml:brush>
+  </inkml:definitions>
+  <inkml:trace contextRef="#ctx0" brushRef="#br0">12396 4138 0,'26'0'0,"-26"26"0,26-26 16,0 0-16,25 0 0,-25 0 15,0 0-15,26-26 16,-26 26-16,26 0 0,-26 0 16,0 0-16,26 0 15,-27 0-15,1 0 0,0 0 16,0 0-16,0 0 0,0 0 16,0 0-1,0 0 1,-26 26-1</inkml:trace>
+  <inkml:trace contextRef="#ctx0" brushRef="#br0" timeOffset="-1492">12059 2791 0,'26'0'31,"0"0"-15,0-26-1,0 26-15,-1 0 16,27 0-16,-26 0 15,0 0-15,26 0 0,-26 0 16,26 0-16,-26 0 0,0 0 16,0 0-16,-1 0 15</inkml:trace>
+  <inkml:trace contextRef="#ctx0" brushRef="#br0" timeOffset="-1128">12111 3128 0,'0'26'15,"26"-52"17,0 26-32,-1 0 15,27-26-15,-26 26 0,26 0 16,-26 0-16,26 0 16,-26 0-16,26 0 0,-1 0 15,-25 0-15,0 0 16,0 0-16,0 0 15,0 0 1</inkml:trace>
+  <inkml:trace contextRef="#ctx0" brushRef="#br0" timeOffset="-780">12111 3387 0,'26'0'16,"0"26"-16,-1-26 15,1 0 1,0 0-16,0 0 0,0-26 16,0 26-16,26 0 15,-26 0-15,26 0 0,-26 0 16,25 0-16,-25 0 0,26 0 16,-26 0-16,26 0 15,-26 0-15,0 0 0,0 0 16</inkml:trace>
+  <inkml:trace contextRef="#ctx0" brushRef="#br0" timeOffset="-377">12266 3724 0,'0'26'0,"26"-26"16,0 0-1,0 0-15,0 0 0,0 0 16,0 0-16,26 0 0,-1-26 16,-25 26-16,26 0 15,0 0-15,0-26 0,-26 26 16,26 0-16,-26 0 16,-1 0-16,1 0 15,0 0-15,0 0 16,-52 0-1,0 0 17,0 0-32</inkml:trace>
+  <inkml:trace contextRef="#ctx0" brushRef="#br0" timeOffset="9806">14262 2894 0,'26'0'31,"-26"26"-31,26 0 31,-26 0-31,0 0 16,0 0-16,26-26 16,-26 26-16,0 0 0,-26 0 15,0 0 1,0 0-1,0-26-15,0 25 0,0-25 16,0 0-16,0 26 16,0-26-16,1 0 15,-1 0 1,0 0 0,26-26-16,-26 26 15,0 0-15,0 0 16,0 0-16,0 0 15,0 0 1,26 26 0,26-26-1,0 0-15,0 0 16,0 0 0,0 0-1,0 0-15,0 0 16,-26 26 15,0 0-15,-26-26-1,0 26 1,0 0-16,0 0 16,0-26-16,26 26 15,-26-26-15,26 26 16,-26-26-16,26 26 15,0 0 1,0 0 0,26-26-1,-26 25 1,26-25-16,0 0 16,0 0-1,0 0-15,0 0 16,0 0-16,-26 26 15,26-26 1,-1 0 31,-25 26-31,0 0 15,-25-26-16,25 26-15,0 0 16,0 0 0,-26-26-16,26 26 15,0 0 1,0 0 15,26-26-15,-26 26-1,25-26-15,-25 26 16,26-26-16,-26 25 16,0 1-1,0 0 1,-26-26 0,26 26-16,-25 0 15,25 0 1,0 0-1,-26-26-15,26 26 32,26-26-17,-1 0 1,1 0 0,0 0 46,0 0-31,-26-26-15,26 26 0,0 0-16,0 0 15,0 0 1,0 0-16,0 0 15,0 0-15,0 0 16,-1 0-16,1 0 16,0 0-16,0 0 15,0 0-15,0 0 16,0 0-16,-26-26 0,26 26 16,0 0-16,0 0 15,0 0 1,0 0-1,-1 0 17,1 0-17,-26-26 1,26 26-16,0 0 31,0 0-15,-26-26-1,26 26 1,-26-26 0,26 26-1,-26-26-15,0 0 16,0 1-16,0-1 16,0 0-1,0 0-15,0 0 0,0 0 16,0 0-16,0 0 15,-26 0-15,26 0 16,0 0 0,-26 26-1,0 0 1,0 0 0,0 0-16,0 0 0,1 0 15,-1 0-15,0 0 16,0 0-1,26-26 17,0 1-17,0-1 1,26 0 0,-26 0-16,0 0 15,0 0-15,0 0 16,0 0-16,0 0 15,0 0 17,26 26-17,-26-26 1,26 26-16,-26-26 16,25 26-16,1-25 15,-26-1 1,26 26-16,-26-26 15,0 0 1,0 0 0,-26 26-16,26-26 15,-26 26-15,1-26 16,-1 0 0,0 26-1,26-26 1,-26 26-16,0 0 31,0 0-15,26-26-16,-26 26 15,0 0-15,0 0 16,0-26-16,0 26 16,0 0-1,1 0-15,-1 0 16,0 0-16,0 26 0,0-26 15,0 0 1,52 26 15,0-26-15,0 26 0,0-26-1</inkml:trace>
+  <inkml:trace contextRef="#ctx0" brushRef="#br0" timeOffset="12421">14236 3024 0,'0'-26'62,"0"0"-46,26 26-1,-26-26 1,0 0 0,0 0-1,0 0 1,-26 0 0,26 1-1,-26 25-15,26-26 16,-26 26-16,26-26 0,-26 26 15,0-26 1,0 26-16,26-26 0,-25 26 16,-1-26-1,0 26-15,0-26 16,0 26 0,0 0-1,0-26-15,0 26 16,0 0-1,0 0-15,0-26 16,0 26-16,1 0 0,-1-26 0,0 26 16,0-26-16,0 26 15,0 0-15,0-26 0,0 26 16,0-25-16,0 25 16,26-26-16,-26 26 15,0-26-15,0 26 16,1 0-1,25-26-15,-26 26 16,0 0-16,0 0 16,0 0-16,0 0 15,0-26-15,-26 26 0,26 0 16,0 0-16,-25 0 16,25 0-16,0-26 0,-26 26 15,26 0-15,-26 0 16,26 0-16,-26 0 0,26-26 15,-25 26-15,25 0 0,-26 0 16,0 0-16,26-26 16,-26 26-16,0 0 0,1 0 15,-1 0-15,0 0 0,0 0 16,0 0-16,0 0 16,1 0-16,-1 0 0,0 0 15,26 0-15,-26 0 16,26 0-16,0 0 0,-26 0 15,27 0-15,-1 0 16,-26 26-16,26-26 0,0 0 16,-26 0-16,26 0 0,-26 0 15,26 0-15,-25 26 16,25-26-16,-26 0 0,0 26 16,26-26-16,-26 26 15,0-26-15,27 26 0,-27-26 16,0 26-16,26-26 0,-26 26 15,26-26-15,0 25 16,-26-25-16,26 26 0,-25-26 16,-1 26-16,26-26 0,-26 26 15,0-26-15,0 26 16,1-26-16,-1 26 0,-26-26 16,26 0-16,0 26 15,0-26-15,-25 26 0,25-26 16,0 26-16,0-26 0,-26 26 15,27-26-15,-1 26 16,0 0-16,0-26 0,0 25 16,0-25-16,1 26 15,-1 0-15,0-26 0,26 26 16,-26-26-16,0 26 0,0 0 16,1-26-16,25 26 15,-26-26-15,-26 26 0,26 0 16,0-26-16,1 26 15,-27-26-15,26 26 0,-26 0 16,26-26-16,-25 26 0,-1-1 16,26-25-16,-26 26 15,1-26-15,-1 26 0,0 0 16,0-26-16,1 26 16,-1 0-16,0 0 0,0 0 15,1-26-15,-1 26 0,0 0 16,-26-26-16,27 26 15,-1 0-15,-26-26 0,26 0 16,-25 25-16,25-25 16,-26 26-16,27-26 0,-27 0 15,0 26-15,26-26 0,-25 0 16,-1 26-16,26-26 16,-25 0-16,25 0 0,0 0 15,0 0-15,1 0 16,-1-26-16,0 26 0,26-26 15,-25 26-15,25 0 0,-26-26 16,26 1-16,0 25 16,0-26-16,1 0 0,-1 0 15,0 0-15,-26 0 0,26 0 16,1 0-16,-1 0 16,-26 0-16,0-26 0,26 27 15,-25-27-15,-1 26 16,0-26-16,-26 0 0,27 26 15,-1-26-15,0 0 0,0 1 16,27 25-16,-27-26 16,26 0-16,0-26 0,0 26 15,26 1-15,-25-1 16,25-26-16,0 26 0,0-26 16,-26 27-16,52-27 15,-26 0-15,0 26 0,0-25 16,0 25-16,0-26 0,0 26 15,26 0-15,-26 0 16,1-25-16,-1 25 0,0 0 16,0 0-16,0 0 0,0 0 15,0 1-15,0-1 16,0 0-16,0 0 0,0 26 16,0-26-16,26 1 15,-25-1-15,-1 26 0,0-26 16,26 26-16,-26-26 0,26 26 15,-26 0-15,0-25 16,26 25-16,-26 0 0,0 0 16,0-26-16,0 26 15,0 0-15,0 0 0,1 0 16,-27 0-16,0 0 0,26 0 16,-52 1-16,26 25 15,1-26-15,-1 26 0,-26-26 16,26 26-16,0-26 15,0 26-15,-25 0 0,25-26 16,0 26-16,0 0 0,0 0 16,0 0-16,1 0 15,25-26-15,-26 26 0,26 0 16,-26 0-16,0 0 16,26 26-16,-25-26 0,-1 26 15,0-26-15,0 26 0,0-26 16,0 26-16,1 0 15,-27-1-15,26-25 0,-26 26 16,26 0-16,0 0 16,-25 0-16,25-26 0,0 26 15,0 0-15,0 0 0,1-26 16,-1 26-16,0 0 16,26-26-16,0 26 0,0-26 15,0 0-15,0 26 16,0-26-1</inkml:trace>
+  <inkml:trace contextRef="#ctx0" brushRef="#br0" timeOffset="13111">525 17 0,'0'-26'16,"0"52"0,0 0-1,-26 0-15,26 0 0,0 0 16,-26 0-16,26 0 0,-26 26 15,1-26-15,-1 25 16,0-25-16,0 0 0,0 26 16,0-26-16,-26 0 15,26 0-15,-26 0 0,26 0 16,1 0-16,-1 0 0,0 0 16,0-26-16,0 25 15,26 1-15,0 0 16,0 0-1,26-26-15,0 26 0,0-26 16,0 0-16,-1 26 16,1-26-16,0 0 15,0 0-15,0 0 0,0 0 16,0 0-16,0 0 0,0 0 16,0 0-1,0 0-15,0 0 16,-1 0-16,-25 26 15,26-26-15,0 26 16,-26 0 0,26-26-16,-26 26 15,26 0 17</inkml:trace>
+</inkml:ink>
+</file>
+
+<file path=ppt/ink/ink23.xml><?xml version="1.0" encoding="utf-8"?>
+<inkml:ink xmlns:inkml="http://www.w3.org/2003/InkML">
+  <inkml:definitions>
+    <inkml:context xml:id="ctx0">
+      <inkml:inkSource xml:id="inkSrc0">
+        <inkml:traceFormat>
+          <inkml:channel name="X" type="integer" max="1920" units="cm"/>
+          <inkml:channel name="Y" type="integer" max="1080" units="cm"/>
+          <inkml:channel name="T" type="integer" max="2.14748E9" units="dev"/>
+        </inkml:traceFormat>
+        <inkml:channelProperties>
+          <inkml:channelProperty channel="X" name="resolution" value="55.81395" units="1/cm"/>
+          <inkml:channelProperty channel="Y" name="resolution" value="55.6701" units="1/cm"/>
+          <inkml:channelProperty channel="T" name="resolution" value="1" units="1/dev"/>
+        </inkml:channelProperties>
+      </inkml:inkSource>
+      <inkml:timestamp xml:id="ts0" timeString="2020-12-22T06:36:39.476"/>
+    </inkml:context>
+    <inkml:brush xml:id="br0">
+      <inkml:brushProperty name="width" value="0.05" units="cm"/>
+      <inkml:brushProperty name="height" value="0.05" units="cm"/>
+      <inkml:brushProperty name="fitToCurve" value="1"/>
+    </inkml:brush>
+  </inkml:definitions>
+  <inkml:trace contextRef="#ctx0" brushRef="#br0">1270 1503 0,'26'0'31,"-52"26"-31,0 0 16,26 0-1,-26 26 1,26-27-16,0 27 0,0-26 15,0 26-15,0 0 0,0 0 16,0 0-16,0 25 0,26-25 16,-26 0-16,26 26 15,-26-26-15,0-1 0,0 1 16,0 0-16,26 0 16,-26 0-16,0 0 0,0-26 15,0-1-15,0 27 0,0-26 16,0 0-1,0 0-15,-26-26 32,26-26-17,-26 0-15</inkml:trace>
+  <inkml:trace contextRef="#ctx0" brushRef="#br0" timeOffset="329">907 2643 0,'26'0'16,"-26"26"-1,26-26-15,0 0 16,-26 26 0,26-26-16,0 0 0,0 26 15,0 0-15,0-26 16,-1 26-16,1 0 0,0 0 16,0 0-16,0-26 15,0 26-15,0 0 0,0-26 16,-26 25-16,26-25 0,-26 26 15,26-26-15</inkml:trace>
+  <inkml:trace contextRef="#ctx0" brushRef="#br0" timeOffset="767">1763 2643 0,'25'0'0,"1"-26"16,0 26-16,-52 0 62,0 0-62,1 26 16,-1-26-16,-26 26 0,26-26 16,-26 26-16,0 0 15,0 0-15,26 0 0,-25 0 16,25 0-16,-26-26 0,26 26 16,0 0-16,0-26 15,26 26-15,-26-1 0,26 1 16,-26-26-1,26 26-15,0 0 16</inkml:trace>
+  <inkml:trace contextRef="#ctx0" brushRef="#br0" timeOffset="6554">337 388 0,'26'-25'16,"-26"50"15,26-25-31,-26 26 0,0 0 16,0 0-16,0 0 16,0 0-16,26 26 0,-26 0 15,0 0-15,0-1 16,0 1-16,26 26 0,-26-26 15,0 0-15,0 0 16,26-1-16,-26 1 0,0 0 16,0 0-16,0 0 0,0-26 15,0 25-15,0-25 16,-26 0-16,26 26 0,0-26 16,0 0-16,0 0 15,0 0-15,-26 0 16,26 0-1,26-26 48,0 0-63,0-26 16,-1 26-1,1 0-15,0 0 0,0 0 16,0 0-16,26-26 0,0 26 15,0 0-15,-1 0 16,27 0-16,0-26 0,0 26 16,25 0-16,1 0 15,0 0-15,-27 0 0,27 0 16,0-26-16,-26 26 0,-1 0 16,1 0-16,0 0 15,-26 0-15,0 0 0,-1-26 16,-25 26-16,26 0 0,-26 0 15,0 0-15,0 0 16,0 0-16,0 0 16,-26-26-1,26 26-15,0 0 125,-26-26-109,25 0 0,1 0-16,0 0 15,0 1-15,0-1 0,0 0 16,0 0-16,26-26 15,-26 26-15,26-26 0,-1 0 16,1 1-16,0-1 16,26 0-16,-26 0 0,25 0 15,-25 0-15,26 1 0,0-1 16,-26 26-16,25-26 16,-25 0-16,26 26 0,-26-26 15,0 26-15,-1 0 16,1 1-16,0-1 0,-26 0 15,0 0-15,26 0 0,-26 0 16,-26 0-16,26 0 16,-26 0-16,26 0 0,-26 0 15,0 0-15,0 1 32,0-1-17,0 0 79,-26 26-63,0 0-15,0 0-1,0 0-15,0 0 16,-26 26-16,0-26 0,0 0 16,1 26-16,-1-26 0,-26 0 15,-26 25 1,27-25-16,-27 0 0,0 26 16,1-26-16,-27 26 0,26-26 15,-25 0-15,25 26 0,-26-26 16,27 0-16,-1 26 15,-25-26-15,25 0 0,0 0 16,26 26-16,-25-26 0,25 0 16,-26 0-16,27 0 15,-1 0-15,0 0 0,0 0 16,26 0-16,-25 0 0,25 26 16,-26-26-16,26 0 15,0 0-15,1 0 0,25 0 16,-26 0-16,0 0 15,26 0-15,-26 0 0,26 26 16,0-26-16,-25 0 0,25 0 16,-26 0-16,26 26 15,-26-26-15,0 0 0,0 0 16,26 26-16,-25-26 16,25 0-16,-26 0 0,26 0 15,0 0-15,0 0 16,52 0 109</inkml:trace>
+  <inkml:trace contextRef="#ctx0" brushRef="#br0" timeOffset="7364">1244 700 0,'0'-26'16,"-26"26"-16,0-26 15,0 0 1,0 26-16,1 0 0,-1 0 16,-26 0-16,26 0 15,-26 0-15,26 0 0,-26 0 16,0 26-16,27-26 0,-1 26 16,0-26-16,0 26 15,26-1-15,-26-25 0,26 26 16,0 0-16,26 0 15,0 0 1,0-26-16,0 26 0,-1-26 16,1 26-16,26-26 15,-26 26-15,26-26 0,-26 0 16,0 26-16,26-26 16,-26 26-16,-1-26 0,-25 26 15,26-26-15,0 26 0,-26-1 31,0 1-31,-26-26 0,0 26 16,1 0-16,-1-26 16,0 26-16,-26 0 0,26 0 15,-26-26-15,26 26 0,-26-26 16,26 26-16,-25-26 16,25 0-16,0 0 15,0 0-15,0 0 16,0 0-16,26-26 15,-26 26-15,26-26 0,-26 26 16,26-26-16,-26 26 16,26-26-16,0 0 15</inkml:trace>
+  <inkml:trace contextRef="#ctx0" brushRef="#br0" timeOffset="8031">1633 648 0,'-26'0'16,"26"26"0,0 0-1,-26-1 1,26 1-16,-26 0 0,26 0 16,0 26-16,-26-26 15,0 26-15,26-26 0,-26 26 16,26-27-16,0 27 0,-26-26 15,26 0-15,0 0 16,-25 0-16,25 0 16,0-52 31,0 0-32,25 0-15,-25-26 0,0 26 16,26-25-16,0 25 15,-26-26-15,26 0 0,0 0 16,-26 26-16,26-26 0,0 26 16,0-25-16,0 25 15,0 0-15,0 26 16,0 0-16,0 0 16,-1 26-16,1-26 15,0 26-15,-26 0 0,26-1 16,-26 1-16,26 0 15,-26 26-15,0-26 0,26 0 16,-26 26-16,0-26 16,0 0-16,0 25 0,26-25 15,-26 0-15,0 26 0,0 0 32,-26-26-32,26 0 0,-26-26 15</inkml:trace>
+  <inkml:trace contextRef="#ctx0" brushRef="#br0" timeOffset="8269">1426 985 0,'25'0'16,"1"0"-16,0 0 15,0 0-15,26 0 16,-26 0-16,26-26 0,-26 26 16,26 0-16,-1 0 0,-25 0 15,26 0-15,-26 0 16,26 0-16,-26-26 0,0 26 16</inkml:trace>
+  <inkml:trace contextRef="#ctx0" brushRef="#br0" timeOffset="8954">2151 751 0,'26'0'16,"-26"-26"0,26 26-1,-26 26 1,26 0-16,-26 0 16,0 0-16,0 0 15,26 0-15,-26 26 0,0-26 16,0 26-16,0-27 15,0 27-15,0-26 0,0 0 16,0 0-16,0 0 0,0 0 16,0 0-16,0 0 15,0-52 17,0 0-17,0 0-15,0 0 0,26-26 16,-26 26-16,0-26 15,0 1-15,0-1 0,0 0 16,0 0-16,0 0 16,0 0-16,0 1 0,0 25 15,26-26-15,-26 26 0,26 0 16,-26 0-16,26 0 16,0 26-16,-26-26 0,25 26 15,27 0-15,-26 26 0,0-26 16,0 26-16,0 0 15,0-26-15,26 26 0,-26 0 16,-26 0-16,26 0 16,-1 0-16,-25 0 0,0-1 15,0 1-15,0 0 16,-25-26-16,-1 26 16,-26 0-16,26-26 0,-26 26 15,26-26-15,-26 0 16,0 0-16,1 0 0,25 26 15,-26-26-15,26 0 0,0 0 16</inkml:trace>
+</inkml:ink>
+</file>
+
+<file path=ppt/ink/ink24.xml><?xml version="1.0" encoding="utf-8"?>
+<inkml:ink xmlns:inkml="http://www.w3.org/2003/InkML">
+  <inkml:definitions>
+    <inkml:context xml:id="ctx0">
+      <inkml:inkSource xml:id="inkSrc0">
+        <inkml:traceFormat>
+          <inkml:channel name="X" type="integer" max="1920" units="cm"/>
+          <inkml:channel name="Y" type="integer" max="1080" units="cm"/>
+          <inkml:channel name="T" type="integer" max="2.14748E9" units="dev"/>
+        </inkml:traceFormat>
+        <inkml:channelProperties>
+          <inkml:channelProperty channel="X" name="resolution" value="55.81395" units="1/cm"/>
+          <inkml:channelProperty channel="Y" name="resolution" value="55.6701" units="1/cm"/>
+          <inkml:channelProperty channel="T" name="resolution" value="1" units="1/dev"/>
+        </inkml:channelProperties>
+      </inkml:inkSource>
+      <inkml:timestamp xml:id="ts0" timeString="2020-12-22T06:36:56.786"/>
+    </inkml:context>
+    <inkml:brush xml:id="br0">
+      <inkml:brushProperty name="width" value="0.05" units="cm"/>
+      <inkml:brushProperty name="height" value="0.05" units="cm"/>
+      <inkml:brushProperty name="fitToCurve" value="1"/>
+    </inkml:brush>
+  </inkml:definitions>
+  <inkml:trace contextRef="#ctx0" brushRef="#br0">29 3714 0,'0'-26'16,"-26"26"0,26-26-16,0 0 15,0 0 16,0 0-15,0 0 0,0 0-1,0 0 1,26 0-16,0-26 16,-26 27-16,26-1 15,-26-26-15,26 0 0,0 0 16,-26 0-16,25-25 15,1-1-15,0 26 0,-26-26 16,26 0-16,26 1 0,-26-27 16,26 26-16,0-25 15,0 25-15,-1-26 0,27 26 16,0 1-16,0-27 16,-1 26-16,27 0 0,-26 27 15,0-27-15,-1 26 0,-25 0 16,26 26-16,-26-26 15,0 27-15,-27-1 0,1 26 16,0-26-16,0 26 0,0-26 16,0 26-1,0 26 17,-26 0-1</inkml:trace>
+  <inkml:trace contextRef="#ctx0" brushRef="#br0" timeOffset="744">1843 1044 0,'0'-26'15,"26"26"17,-26 26-17,0 0-15,26-26 16,-26 26-16,0 0 15,0 0-15,0 0 0,26 0 16,-26-1-16,0 1 0,0 0 16,0 0-16,0 0 15,-26-26-15,26 26 0,0 0 16,0 0-16,-26-26 31,26-26-15,0 0-16,0 0 15,0 0-15,0 0 16,0 0-16,0-25 0,0 25 16,0-26-16,0 0 15,0 0-15,0 0 0,0 26 16,26-26-16,-26 1 16,26 25-16,-26-26 0,0 26 15,26 26-15,0-26 0,0 26 16,0 0-1,0 26-15,-1 0 16,-25 0-16,26 26 16,0-1-16,0-25 0,-26 26 15,26 0-15,0 0 0,-26-26 16,26 26-16,-26-26 16,0 25-16,26-25 0,-26 0 15,0 0-15,0 0 0,26-26 16,-26 26-16</inkml:trace>
+  <inkml:trace contextRef="#ctx0" brushRef="#br0" timeOffset="978">1843 1122 0,'-26'0'15,"26"-26"1,0 0-16,26 26 16,0 0-16,0-26 15,0 26-15,0-26 16,26 0-16,-26 26 0,51-26 16,-25 0-16,-26 26 15,0 0-15,0 0 0</inkml:trace>
+  <inkml:trace contextRef="#ctx0" brushRef="#br0" timeOffset="1674">2258 733 0,'-26'0'16,"26"26"15,0 0-31,0 0 16,0 26-16,26-27 0,-26 27 16,26 0-16,-26 26 15,0-26-15,0 0 0,26 25 16,-26-25-16,0 0 15,0 26-15,0-26 0,0-1 16,0 1-16,0-26 0,0 26 16,0-26-16,0 0 15,0 0-15,0 0 0,26 0 16,-26-52 15,-26 0-15,26-26-16,0 26 15,0-26-15,0 0 0,0 1 16,0-1-16,0 0 16,0-26-16,0 26 0,0 0 15,0 1-15,0-1 0,0 26 16,26 0-16,-26 0 16,0 0-16,26 0 0,-1 26 15,1 0 1,-26 26-16,26-26 15,0 26-15,-26 0 0,26 0 16,0-26-16,-26 26 16,26 0-16,-26 0 0,0 0 15,0-1-15,-26 1 16,26 0-16,-26 0 0,0 0 16,0-26-16,0 26 0,0-26 15,1 0-15,-1 0 16,0 0-16,0 0 0,0 0 15,26-26 1,0 0-16,0 0 16,26 26-16,-26-26 0,26 26 15</inkml:trace>
+  <inkml:trace contextRef="#ctx0" brushRef="#br0" timeOffset="2329">2673 707 0,'-26'0'0,"0"0"0,0 0 15,26 26 1,0 0-1,0 0 1,0 0-16,0 26 0,0-27 16,26 27-16,-26-26 15,0 26-15,26 0 0,-26 0 16,26 0-16,-26-1 0,0 27 16,25-26-16,-25 0 15,0 0-15,26 0 0,-26-1 16,0-25-16,0 26 15,0-26-15,26 0 0,-26 0 16,0 0-16,0-52 31,0 0-15,0 0-16,0 0 16,0-26-16,0 26 0,0-25 15,0-1-15,0 0 0,0 0 16,26 0-16,0-26 15,-26 27-15,26 25 0,0-26 16,0 26-16,0-26 16,0 52-16,0-26 0,0 26 15,0 26-15,-1 0 16,-25 0-16,0 0 16,26 0-16,-26 0 0,0 0 15,-26 0-15,1-1 16,25 1-16,-26 0 0,0 0 15,0 0-15,0-26 0,0 0 16,0 26-16,0-26 16,0 0-16,26-26 15,-26 26-15,26-26 0,0 0 16,0 0-16,26 0 16</inkml:trace>
+  <inkml:trace contextRef="#ctx0" brushRef="#br0" timeOffset="2627">3139 733 0,'0'-26'0,"0"0"16,0 0-16,0 0 15,26 52 1,-26 0-1,26 0 1,-26 26-16,26-26 0,-26 26 16,26-1-16,-26 27 0,0-26 15,0 0-15,26 0 16,-26-26-16,0 26 0,0-1 16,0-25-16,0 0 15,0 0-15,26-26 16</inkml:trace>
+  <inkml:trace contextRef="#ctx0" brushRef="#br0" timeOffset="2856">3372 914 0,'26'0'16,"-26"26"-1,0 0-15,0 0 0,26 0 16,-26 0-16,0 0 0,26 0 16,-26 0-16,0 0 15,26 0-15,-26 0 0,0-1 16,0 1 0,26-26-16</inkml:trace>
+  <inkml:trace contextRef="#ctx0" brushRef="#br0" timeOffset="3024">3502 629 0,'0'26'15,"0"0"-15,0 0 16</inkml:trace>
+  <inkml:trace contextRef="#ctx0" brushRef="#br0" timeOffset="3421">3917 966 0,'0'-26'31,"0"0"-15,-26 0 0,0 1-1,0-1 1,0 26-1,0 0-15,0 0 16,0 26-16,0-26 0,26 25 16,-26 1-16,0 0 0,26 0 15,-25 0-15,25 0 16,0 0-16,0 26 0,0-26 16,0 0-16,0 0 15,25 0-15,1-1 0,0 1 16,26 0-16,-26-26 15,0 0-15,26 0 16,-26 0-16,26 0 0,-1-26 16,-25 26-16,26-26 15</inkml:trace>
+  <inkml:trace contextRef="#ctx0" brushRef="#br0" timeOffset="3954">4357 888 0,'-26'0'16,"0"-25"-1,1 25-15,-1 0 16,0 0-16,0 0 16,0 0-16,0 0 15,0 0-15,0 25 16,26 1-1,-26 0-15,26 0 0,0 0 16,0 0-16,0 0 16,0 0-16,0 0 0,0 0 15,0 0-15,0 0 16,26 0-16,0-1 16,0-25-1,0 0-15,0-25 16,0 25-16,-26-26 15,26 0-15,0 0 16,-26 0-16,25 0 16,1 0-16,-26 0 15,0 0-15,0 0 16,0 0-16,0 0 16,26 26-16,-26 26 15,26 0 1,-26 0-16,0 0 15,26 0-15,-26 0 0,0 26 16,26-52-16,-26 26 16,26 0-16,-26 0 0,26-26 15,0 0 1,0 0-16,0 0 0,0 0 16</inkml:trace>
+  <inkml:trace contextRef="#ctx0" brushRef="#br0" timeOffset="4206">4668 577 0,'0'-25'0,"0"-1"0,0 52 31,0-1-31,0 1 0,0 26 16,26 0-16,-26 0 0,0 0 15,26 0-15,-26-1 16,26 1-16,-26 0 0,26-26 16,-26 26-16,26-26 0,-26 0 15,0 0-15,26 0 16</inkml:trace>
+  <inkml:trace contextRef="#ctx0" brushRef="#br0" timeOffset="4602">4642 888 0,'-26'0'0,"26"-25"16,26 25 0,0 0-16,0 0 15,26 0-15,-26-26 16,0 26-16,26 0 15,0 0-15,-27 0 0,27-26 16,-26 26-16,26-26 16,-26 26-16,0 0 0,0-26 15,0 0-15,-26 0 16,0 0 0,-26 26-1,26 26 1,0 0-16,0 0 15,0 0-15,0 0 16,0 0-16,26 0 16,-26-1-16,0 1 0,26 0 15,-26 0-15,0 0 16,0 0-16,0 0 16</inkml:trace>
+  <inkml:trace contextRef="#ctx0" brushRef="#br0" timeOffset="4812">5109 344 0,'0'26'16,"0"0"0,0 0-16,0 0 15,26-26-15,-26 26 16</inkml:trace>
+  <inkml:trace contextRef="#ctx0" brushRef="#br0" timeOffset="5796">5524 603 0,'0'26'0,"0"0"47,-26 0-32,26 0-15,-26 0 16,26 0-16,0 0 0,-26 26 16,26-26-16,0-1 15,-26 1-15,26 0 0,0 0 16,26 0-16,-26 0 16,26 0-16,0 0 15,0-26-15,0 0 0,-1 0 16,1 0-1,0 0-15,-26-26 0,26 26 16,0-26-16,-26 0 16,0 0-16,26 0 0,-26-26 15,0 27-15,0-27 0,0 26 16,-26-26-16,26 26 16,-26-26-16,26 26 0,-26 0 15,0 0-15,0 26 16,1 0-1,-1 26-15,26 0 16,0 0-16,0 0 16,0 0-16,0 0 0,0 0 15,26 0-15,-26 0 0,0 0 16,0 0-16,25-26 16,-25 25-16,26-25 0,0 26 15,0-26 1,0 0-1,0-26-15,0 1 16,0 25-16,0-26 16,0-26-16,0 26 15,-26 0-15,26 0 16,-1 0-16,1 0 0,-26 0 16,26 0-16,0 26 15,0 0 1,-26 26-16,26 0 0,-26 0 15,0 0-15,26 26 16,-26-26-16,0 0 0,0 0 16,0 0-16,0-1 15,26 1-15,-26 0 16,0 0-16,0 0 16,0 0-1,26-26 1,-26-26-1,26 0 1,-26 0-16,26 0 16,-26 0-16,26-25 15,-1 25-15,-25 0 0,26-26 16,0 26-16,-26 0 0,26 0 16,0 0-16,0 26 15,0 0-15,0 26 16,-26 0-16,26 0 15,-26 0-15,0 26 0,0-26 16,0 26-16,0-27 0,0 27 16,-26-26-16,0 26 15</inkml:trace>
+  <inkml:trace contextRef="#ctx0" brushRef="#br0" timeOffset="6986">6612 422 0,'0'-26'16,"26"26"-16,-26-26 0,26 26 16,-26 26-1,0 0 1,0 0-16,0 0 0,0 0 15,0 26-15,-26-27 0,26 27 16,0 0-16,0 0 16,0-26-16,0 26 0,0-26 15,0 25-15,0-25 16,0 0-16,26-26 0,0 26 16,0 0-16,0-26 0,0 0 15,0 0-15,0 0 16</inkml:trace>
+  <inkml:trace contextRef="#ctx0" brushRef="#br0" timeOffset="7393">7416 422 0,'-26'0'16,"26"-26"-16,-26 26 16,26-26-16,-26 26 15,26-26-15,-26 26 0,0 0 16,0-26 0,0 26-16,0 26 15,0-26-15,0 26 0,26 0 16,-25 0-16,-1 0 15,26 0-15,-26 26 0,26-26 16,0-1-16,-26 27 0,26-26 16,0 0-16,0 26 15,26-26-15,0 0 0,0 0 16,-1 0 0,1-26-16,0 0 0,0 26 15,0-26-15,26 0 0,-26 0 16,0-26-16,0 26 15,26-26-15,-27 26 0,1-26 16</inkml:trace>
+  <inkml:trace contextRef="#ctx0" brushRef="#br0" timeOffset="7710">7753 292 0,'-26'0'16,"26"26"0,0 0-1,-26 0 1,26 0-16,0 0 0,0 26 16,0-26-16,26 0 0,-26 25 15,0-25-15,0 0 16,26 26-16,-26-26 0,0 0 15,0 0-15,0 0 0,0 0 16,0 0 0,-26-26-16,0 0 15,26-26 1,0 0 0</inkml:trace>
+  <inkml:trace contextRef="#ctx0" brushRef="#br0" timeOffset="7961">7778 474 0,'0'-52'16,"0"26"-16,-25 0 0,25 0 15,-26 0-15,26 0 16,0 0 0,26 26-1,-1 0 1,1 0-16,0 0 0,0 0 15,0 0-15,0 0 16,0 0-16,0 0 0,0 0 16,0 0-16,0 0 15,0 0-15,0 0 0,-1 0 16,1 0 0</inkml:trace>
+  <inkml:trace contextRef="#ctx0" brushRef="#br0" timeOffset="8195">7882 603 0,'-26'0'0,"26"26"15,26-26 1,0 0-1,0 0-15,0 0 0,0-26 16,0 26-16,0 0 16,0 0-16,0 0 0,-1-26 15,1 26-15,0 0 0,0 0 16</inkml:trace>
+  <inkml:trace contextRef="#ctx0" brushRef="#br0" timeOffset="8562">8297 59 0,'0'-26'15,"26"0"1,0 26-16,0 0 16,0 26-1,-1 0-15,1 26 16,0-26-16,0 26 0,0 0 16,0-1-16,-26 27 0,26-26 15,-26 0-15,0 0 16,26-1-16,-26 1 0,0 0 15,0 0-15,-26-26 16,0 26-16,0-26 0,0 0 16,0-1-16,0 1 15,-25-26-15,-1 26 0,0-26 16</inkml:trace>
+</inkml:ink>
+</file>
+
+<file path=ppt/ink/ink3.xml><?xml version="1.0" encoding="utf-8"?>
 <inkml:ink xmlns:inkml="http://www.w3.org/2003/InkML">
   <inkml:definitions>
     <inkml:context xml:id="ctx0">
@@ -693,7 +780,7 @@
 </inkml:ink>
 </file>
 
-<file path=ppt/ink/ink22.xml><?xml version="1.0" encoding="utf-8"?>
+<file path=ppt/ink/ink4.xml><?xml version="1.0" encoding="utf-8"?>
 <inkml:ink xmlns:inkml="http://www.w3.org/2003/InkML">
   <inkml:definitions>
     <inkml:context xml:id="ctx0">
@@ -722,7 +809,7 @@
 </inkml:ink>
 </file>
 
-<file path=ppt/ink/ink23.xml><?xml version="1.0" encoding="utf-8"?>
+<file path=ppt/ink/ink5.xml><?xml version="1.0" encoding="utf-8"?>
 <inkml:ink xmlns:inkml="http://www.w3.org/2003/InkML">
   <inkml:definitions>
     <inkml:context xml:id="ctx0">
@@ -751,7 +838,7 @@
 </inkml:ink>
 </file>
 
-<file path=ppt/ink/ink24.xml><?xml version="1.0" encoding="utf-8"?>
+<file path=ppt/ink/ink6.xml><?xml version="1.0" encoding="utf-8"?>
 <inkml:ink xmlns:inkml="http://www.w3.org/2003/InkML">
   <inkml:definitions>
     <inkml:context xml:id="ctx0">
@@ -779,7 +866,7 @@
 </inkml:ink>
 </file>
 
-<file path=ppt/ink/ink25.xml><?xml version="1.0" encoding="utf-8"?>
+<file path=ppt/ink/ink7.xml><?xml version="1.0" encoding="utf-8"?>
 <inkml:ink xmlns:inkml="http://www.w3.org/2003/InkML">
   <inkml:definitions>
     <inkml:context xml:id="ctx0">
@@ -824,7 +911,7 @@
 </inkml:ink>
 </file>
 
-<file path=ppt/ink/ink26.xml><?xml version="1.0" encoding="utf-8"?>
+<file path=ppt/ink/ink8.xml><?xml version="1.0" encoding="utf-8"?>
 <inkml:ink xmlns:inkml="http://www.w3.org/2003/InkML">
   <inkml:definitions>
     <inkml:context xml:id="ctx0">
@@ -886,7 +973,7 @@
 </inkml:ink>
 </file>
 
-<file path=ppt/ink/ink27.xml><?xml version="1.0" encoding="utf-8"?>
+<file path=ppt/ink/ink9.xml><?xml version="1.0" encoding="utf-8"?>
 <inkml:ink xmlns:inkml="http://www.w3.org/2003/InkML">
   <inkml:definitions>
     <inkml:context xml:id="ctx0">
@@ -916,777 +1003,6 @@
 </inkml:ink>
 </file>
 
-<file path=ppt/ink/ink28.xml><?xml version="1.0" encoding="utf-8"?>
-<inkml:ink xmlns:inkml="http://www.w3.org/2003/InkML">
-  <inkml:definitions>
-    <inkml:context xml:id="ctx0">
-      <inkml:inkSource xml:id="inkSrc0">
-        <inkml:traceFormat>
-          <inkml:channel name="X" type="integer" max="1920" units="cm"/>
-          <inkml:channel name="Y" type="integer" max="1080" units="cm"/>
-          <inkml:channel name="T" type="integer" max="2.14748E9" units="dev"/>
-        </inkml:traceFormat>
-        <inkml:channelProperties>
-          <inkml:channelProperty channel="X" name="resolution" value="55.81395" units="1/cm"/>
-          <inkml:channelProperty channel="Y" name="resolution" value="55.6701" units="1/cm"/>
-          <inkml:channelProperty channel="T" name="resolution" value="1" units="1/dev"/>
-        </inkml:channelProperties>
-      </inkml:inkSource>
-      <inkml:timestamp xml:id="ts0" timeString="2020-12-22T06:30:59.930"/>
-    </inkml:context>
-    <inkml:brush xml:id="br0">
-      <inkml:brushProperty name="width" value="0.05" units="cm"/>
-      <inkml:brushProperty name="height" value="0.05" units="cm"/>
-      <inkml:brushProperty name="fitToCurve" value="1"/>
-    </inkml:brush>
-  </inkml:definitions>
-  <inkml:trace contextRef="#ctx0" brushRef="#br0">810 2229 0,'-26'-26'15,"26"0"1,0 0-1,0 52 17,0 26-17,0-26-15,0 0 16,0 26-16,0-1 0,0 27 16,0-26-16,0 0 0,0 0 15,0-1 1,0 1-16,0-26 0,0 26 0,0-26 15,0 0-15,0 0 0,-26-26 16</inkml:trace>
-  <inkml:trace contextRef="#ctx0" brushRef="#br0" timeOffset="432">680 2592 0,'0'-26'0,"26"26"31,0 0-15,0 0-16,0 0 0,0 0 15,26 0-15,0 0 16,-26 0-16,25 0 0,1-26 16,-26 26-16,0 0 15,0 0-15,0 0 0,-26-26 16,0 0 15,-26 26-31,26-26 0,-26 0 16,26 0-1,-26 0-15,26 0 0,-26 1 16,26 50 15,0 1-31,26 0 0,-26 0 16,0 26-16,0-26 15,0 26-15,26 0 0,-26-1 16,0-25-16,0 0 0,0 26 16,26-26-16,-26 0 15,0 0-15,0 0 0,0 0 16</inkml:trace>
-  <inkml:trace contextRef="#ctx0" brushRef="#br0" timeOffset="930">1302 2384 0,'0'-26'0,"0"52"32,0 0-17,0 0 1,-25 0-16,25 0 15,0 26-15,0-26 0,0 0 16,0 26-16,0-27 16,0 27-16,-26-26 0,26 0 15,0 0-15,0 0 0,0 0 16,0 0 0,0-52 15,26 0-31,-26-26 15,25 26-15,-25 0 16,26-26-16,-26 1 0,26-1 16,-26 0-16,26 0 0,-26 0 15,26 26-15,0 0 16,-26 1-16,26 25 0,0 0 16,0 25-16,0 1 0,-26 0 15,26 0-15,0 0 16,-1 26-16,-25-26 0,26 26 15,0-26-15,-26 25 16,26-25-16,-26 0 0,0 0 16,0 0-16,26 0 0,-26 0 15,0 0-15,0 0 16,-26-26-16</inkml:trace>
-  <inkml:trace contextRef="#ctx0" brushRef="#br0" timeOffset="1121">1380 2644 0,'-26'0'0,"0"0"15,0 0-15,52 0 16,0 0 0,0 0-1,26 0-15,-26 0 16,0 0-16,26 0 15,-26-26-15,0 26 0,25 0 16</inkml:trace>
-  <inkml:trace contextRef="#ctx0" brushRef="#br0" timeOffset="1406">1950 2410 0,'-26'0'0,"26"-26"16,0 0 0,0 52-1,0 0 1,0 26-16,0-26 16,0 0-16,0 26 0,26-26 15,-26 26-15,0-27 16,0 27-16,0-26 0,0 0 15,0 0-15,0 0 16,-26-26 0,26-26-1</inkml:trace>
-  <inkml:trace contextRef="#ctx0" brushRef="#br0" timeOffset="1764">1924 2462 0,'0'-26'0,"0"0"0,26 26 31,-26 26-31,26-26 16,0 26-16,0 0 0,0 0 15,0 26-15,-26-26 16,26 0-16,0 0 0,0-1 16,0-25-16,0 26 15,0 0-15,-1-26 16,1 26-16,0-26 15,-26-26 17,26 26-32,-26-26 0,0 0 15,0-25-15,0 25 16,0-26-16,0 26 0,-26-26 16,26 26-16,0 0 15,0 0-15,0 0 0,-26 1 16,26 50 15,0 1-31</inkml:trace>
-  <inkml:trace contextRef="#ctx0" brushRef="#br0" timeOffset="2292">2598 2307 0,'-26'0'16,"1"26"15,25-1-15,0 1-16,0 0 0,0 0 15,0 26-15,0-26 0,0 26 16,0 0-16,0-26 15,0 25-15,0-25 0,-26 0 16,26 0-16,0 0 16,0 0-16,-26-26 15,26-26 1,0 0 0,0 0-16,0 0 0,0 0 15,0 0-15,0-25 16,0-1-16,0 0 0,0 26 15,0-26-15,26 0 0,-26 26 16,0 1-16,26-1 16,-1 26-16,1 0 15,0 26 1,-26-1-16,26 1 16,0 0-16,0 0 0,-26 26 15,26-26-15,0 0 16,0 26-16,-26-26 0,26 0 15,-26-1-15,26 27 16,-26-26-16,26 0 16,-26 0-16,-26-26 15,0 0 1</inkml:trace>
-  <inkml:trace contextRef="#ctx0" brushRef="#br0" timeOffset="2497">2443 2773 0,'-26'0'15,"52"0"1,0 0 15,0 0-31,0 0 16,0 0-16,-1-26 15,1 26-15,26-26 0,-26 26 16</inkml:trace>
-  <inkml:trace contextRef="#ctx0" brushRef="#br0" timeOffset="-1039">1147 104 0,'-26'0'0,"26"-26"0,0 0 15,0 0 17,0 0-1,26 26 0,-26 26 16,26 0-47,-26 0 16,0 25-16,26-25 15,-26 0-15,26 26 16,-26-26-16,0 26 0,26 0 16,-26 0-16,0-1 15,0 1-15,0 0 0,26 0 16,-26 0-16,0 0 0,0-1 15,0-25-15,0 26 16,0 0-16,0-26 0,0 26 16,0-26-16,0 0 15,0 25-15,0-25 0,0 0 16,0 0-16,0 26 0,0-26 16,0 0-16,0 0 15,0 0-15,0 0 16,0 0-16,0-1 15,0 1-15,0 0 16,0 0 0,0 0-1,0 0 1</inkml:trace>
-  <inkml:trace contextRef="#ctx0" brushRef="#br0" timeOffset="-679">966 1374 0,'-26'0'0,"52"25"47,-1-25-32,1 26 1,0-26-16,0 26 15,0 0 1,0-26-16,0 26 0,0 0 16,0-26-16,-26 26 0,26 0 15,0 0 1,-26 0-16,0 0 16</inkml:trace>
-  <inkml:trace contextRef="#ctx0" brushRef="#br0" timeOffset="-414">1665 1374 0,'-26'0'31,"0"0"-31,1 25 15,-1-25 1,0 26-16,0-26 0,0 26 16,0 0-16,0 0 15,0 0-15,0 0 0,0 0 16,0-26-16,0 26 0,1 0 16,25 0-16,0 0 15,-26-26-15</inkml:trace>
-  <inkml:trace contextRef="#ctx0" brushRef="#br0" timeOffset="3865">2935 2022 0,'0'-26'16,"0"0"-16,0 0 15,-26 0-15,26 0 16,-26 26-16,1-26 16,-1 0-16,0 0 0,0 26 15,0-26-15,-26 0 0,0 26 16,0-26-16,1 26 16,-1-26-16,-26 26 0,26 0 15,-26 0-15,1-25 16,-1 25-16,0 0 0,0 0 15,26 0-15,-25 0 0,-1 0 16,0 0-16,0 0 16,1 0-16,-1 0 0,0 0 15,26 0-15,-25 25 16,-1-25-16,0 26 0,0-26 16,1 26-16,-1-26 0,26 26 15,-26 0-15,0 0 16,27 0-16,-27 0 0,26 0 15,0 0-15,0 26 16,1-26-16,25 25 0,-26-25 16,26 26-16,-26 0 0,26-26 15,0 26-15,0-26 16,0 25-16,0-25 0,26 26 16,-25 0-16,25-26 0,0 26 15,0-26-15,0 26 16,0-1-16,0-25 0,0 26 15,0 0-15,0-26 16,25 26-16,-25-26 0,0 0 16,0-1-16,0 1 0,0 0 15,26 0-15,-26 0 16,26 0-16,0 0 0,-26 0 16,26 0-16,0-26 15,26 26-15,-26 0 0,26 0 16,-26 0-16,25-26 0,1 25 15,0 1-15,0 0 16,0 0-16,0-26 0,-1 26 16,1 0-16,26 0 15,-26-26-15,26 26 0,-27-26 16,1 26-16,26-26 0,0 0 16,-26 26-16,25-26 15,1 0-15,0 0 0,0 0 16,25 0-16,-25 0 15,0 0-15,0 0 0,-1 0 16,1 0-16,0-26 0,0 26 16,-1 0-16,1 0 15,0-26-15,-26 26 0,0-26 16,-1 26-16,1-26 16,0 26-16,0-26 0,-26 26 15,0-26-15,0 26 0,0-26 16,-1 26-16,1-26 15,0 0-15,0 1 16,0-27-16,0 26 16,-26 0-16,26 0 0,-26-26 15,26 26-15,-26-26 0,26 26 16,-26 0-16,26-25 16,-26 25-16,0 0 0,26 0 15,-26-26-15,0 26 0,0 0 16,0 0-16,0-26 15,0 27-15,0-27 0,0 0 16,0 26-16,0-26 16,0 0-16,-26 26 0,26-25 15,-26 25-15,26-26 16,-26 26-16,0 0 0,0-26 16,26 26-16,-26 0 0,0 0 15,-26 0-15,26 1 16,1-1-16,-1 0 0,0 0 15,0 0-15,26 0 0,-26 0 16,0 26-16,26-26 16,-26 0-16,0 0 15,26 0 1,-26 26-16,26-26 16,-26 26-1,0 0 1,0 26-1</inkml:trace>
-</inkml:ink>
-</file>
-
-<file path=ppt/ink/ink29.xml><?xml version="1.0" encoding="utf-8"?>
-<inkml:ink xmlns:inkml="http://www.w3.org/2003/InkML">
-  <inkml:definitions>
-    <inkml:context xml:id="ctx0">
-      <inkml:inkSource xml:id="inkSrc0">
-        <inkml:traceFormat>
-          <inkml:channel name="X" type="integer" max="1920" units="cm"/>
-          <inkml:channel name="Y" type="integer" max="1080" units="cm"/>
-          <inkml:channel name="T" type="integer" max="2.14748E9" units="dev"/>
-        </inkml:traceFormat>
-        <inkml:channelProperties>
-          <inkml:channelProperty channel="X" name="resolution" value="55.81395" units="1/cm"/>
-          <inkml:channelProperty channel="Y" name="resolution" value="55.6701" units="1/cm"/>
-          <inkml:channelProperty channel="T" name="resolution" value="1" units="1/dev"/>
-        </inkml:channelProperties>
-      </inkml:inkSource>
-      <inkml:timestamp xml:id="ts0" timeString="2020-12-22T06:31:05.825"/>
-    </inkml:context>
-    <inkml:brush xml:id="br0">
-      <inkml:brushProperty name="width" value="0.05" units="cm"/>
-      <inkml:brushProperty name="height" value="0.05" units="cm"/>
-      <inkml:brushProperty name="fitToCurve" value="1"/>
-    </inkml:brush>
-  </inkml:definitions>
-  <inkml:trace contextRef="#ctx0" brushRef="#br0">2618 287 0,'0'-26'15,"26"26"-15,-26-26 32,0 0-17,0 0 17,-26 26-17,26-26 1,-26 26-16,0 0 15,0 0-15,0 0 16,0 0-16,-26 0 0,27 0 16,-27 0-16,0 0 0,26 0 15,-26 26-15,0-26 16,0 26-16,27-26 0,-27 26 16,26-26-16,-26 26 0,26-26 15,0 26-15,-26-26 16,26 25-16,0 1 0,-25-26 15,25 26-15,0 0 16,0 0-16,0 0 16,0-26-16,0 26 15,26 0-15,-26-26 0,26 26 16,0 0-16,-26-26 0,26 26 16,0 0-1,0 0-15,0-1 16,26 1-1,-26 0-15,26 0 16,0 0-16,0-26 16,0 26-16,0 0 15,0 0-15,26-26 0,-1 26 16,1 0-16,0 0 0,0-26 16,0 26-16,0-26 15,25 25-15,-25-25 0,0 26 16,26-26-16,-26 0 15,25 0-15,-25 0 0,0 0 16,26 0-16,-26 0 0,-1 0 16,27 0-16,-26 0 15,0-26-15,26 26 0,-27 0 16,1-25-16,0 25 16,0 0-16,-26 0 0,0 0 15,0-26-15,0 26 0,0 0 16,-1 0-1,1 0-15,-26-26 32,26 26-32,-26-26 15,0 0 1,0 0-16,0 0 16,26 0-16,-26 0 0,0 0 15,0-26-15,0 27 16,0-1-16,0-26 0,0 26 15,0 0-15,0 0 0,0 0 16,0 0-16,0 0 16,0 0-16,0 0 15,0 0-15,-26 26 16,0-25-16,0-1 16,1 26-16,-27-26 0,26 26 15,0-26-15,-26 26 16,26-26-16,-26 26 0,0 0 15,1-26-15,-1 26 16,0 0-16,0-26 0,26 26 16,-26 0-16,0 0 0,27 0 15,-1 0-15,0-26 16,0 26-16,0 0 0,0 0 16,0 0-16,0 26 15,0-26 1,26 26-16,-26-26 0,0 0 15,26 26-15,-26-26 16,1 26-16,-1 0 0,0-26 16</inkml:trace>
-  <inkml:trace contextRef="#ctx0" brushRef="#br0" timeOffset="1074">1763 468 0,'-26'0'32,"0"0"-17,0 0 16,26 26-15,0 0 0,-26 0-16,26 0 15,0 0-15,-26 0 0,26-1 16,0 27-16,0 0 16,-26-26-16,26 26 0,0 0 15,0 0-15,-26-27 16,26 53-16,0-26 0,-26 0 15,26 0-15,-26 0 0,26-1 16,0 1-16,-26 0 16,26 0-16,0 0 0,0 0 15,0-1-15,0 1 16,0 0-16,0-26 0,0 26 16,-26 0-16,26 0 0,0-27 15,0 1-15,0 0 16,0 26-16,0-26 0,0 0 15,0 0 1,0 0-16,0 0 16,0 0-16,0 0 31,26-52 47,0 26-78,0-26 16,0 26-1,26 0-15,-26 0 0,26-26 16,0 26-16,-1 0 0,1 0 16,0 0-16,26 0 15,-26 0-15,25-26 0,1 26 16,-26 0-16,26 0 0,0 0 15,-27 26-15,27-26 16,-26 0-16,0 0 0,26 26 16,-27-26-16,1 0 15,0 0-15,-26 0 0,26 0 16,-26 0-16,0 0 0,0 0 16,25 0-16,1 0 15,-26 0 1,0 0-16,0 0 15,0 0-15,0 0 0,0-26 16,0 26 0,0 0-1,-26-26 32,0 0-31</inkml:trace>
-  <inkml:trace contextRef="#ctx0" brushRef="#br0" timeOffset="1601">3473 909 0,'26'-26'0,"-26"0"16,0 52 15,0 0-15,0 0-1,0-1 1,0 1-16,0 0 16,0 0-16,0 26 15,0-26-15,-26 26 0,26-26 16,0 26-16,0-1 0,0-25 16,-26 26-16,26-26 15,0 0-15,0 26 0,0-26 16,0 26-16,-26-27 0,26 1 15,0 26-15,0-26 16,0 26-16,0-26 0,0 26 16,0-26-16,0 0 0,0 0 15,0-1-15,0 1 16,0 0-16,0 0 0,0 0 16,-26-26-16,26 26 15,0 0 1,-25-26-1</inkml:trace>
-  <inkml:trace contextRef="#ctx0" brushRef="#br0" timeOffset="2393">1918 1686 0,'0'-26'31,"0"0"-16,0 0 1,0 0 0,0 1-1,-26-1-15,0 26 16,26-26 0,-26 26-16,0 26 15,26 0 1,0-1-16,-25 1 0,25 0 15,0 0-15,0 26 16,-26-26-16,26 0 0,0 0 16,0 0-16,26 0 0,-1 0 15,1-26 1,0 0 0,0 0-1,0-26-15,-26 0 16,26 0-16,-26 0 0,0 0 15,0 0-15,0 0 16,0-26-16,0 26 0,0-25 16,-26 25-16,26-26 15,0 26-15,0 0 0,0 0 16,0 0-16,0 52 31,26-26-31,-26 26 16,0 0-16,26 0 15,-26 0-15,26 0 0,-26 0 16,0-1-16,26 1 0,-26 26 16,0-26-16,26 0 15,-26 0-15,0 0 0</inkml:trace>
-  <inkml:trace contextRef="#ctx0" brushRef="#br0" timeOffset="2938">2255 1479 0,'-26'-26'0,"0"26"15,0 0 16,26 26 16,0 0-31,0 0 0,0 0-1,26-26-15,-26 25 16,0 1-16,26-26 0,-26 26 15,26-26-15,0 0 16,0 0 0,-26-26-16,26 26 0,-26-26 15,26 1 1,-26-1-16,0 0 16,0 0-16,0 0 15,26 52 48,-26 0-63,26-26 15,-26 26-15,0 0 16,25-26-16,1 25 16,0-25-1</inkml:trace>
-  <inkml:trace contextRef="#ctx0" brushRef="#br0" timeOffset="3179">2514 1220 0,'-26'0'15,"26"26"1,26-26-1,-26 25-15,0 1 16,26 0-16,-26 0 0,0 0 16,26 0-16,-26 0 15,0 26-15,26-26 0,-26 0 16,0 0-16,26-1 16,-26 1-16</inkml:trace>
-  <inkml:trace contextRef="#ctx0" brushRef="#br0" timeOffset="3804">2488 1453 0,'26'0'31,"0"0"-16,0-26-15,26 26 16,-26 0-16,0 0 16,26 0-16,-27-26 0,1 26 15,26 0-15,-26-26 0,0 26 16,0 0-16,-26-26 16,26 26-16,0 0 15,-26-26-15,-26 26 16,0-26-1,0 26 1,0 0 0,0 0-16,0 0 15,26 26-15,-26-26 16,26 26-16,-26-26 0,26 26 16,-25 0-16,25 0 15,0 0 1,25 0-16,1-26 15,-26 26 1,26-26-16,0 0 16,0 0-16,0 0 15,0-26-15,0 0 16,0 0 0,0 0-16,-26 0 15,26 0 1,-26 0-16,0 0 15,0 52 17,0 0-32,26-26 15,-26 26-15,0 0 0,0 0 16,26 0-16,-26 0 0,25 26 16,-25-26-16,26-1 15</inkml:trace>
-  <inkml:trace contextRef="#ctx0" brushRef="#br0" timeOffset="20567">3888 1271 0,'26'0'63,"0"0"-48,0 0 1,0 0-16,-1 0 16,1 0-16,0 0 0,26 0 15,-26 0-15,26 0 16,0 0-16,0 0 0,25 0 16,-25 0-16,26 0 15,0 0-15,-26 0 0,25 26 16,27-26-16,-26 0 0,-1 0 15,1 0-15,26 0 16,-26 0-16,25 26 0,-25-26 16,26 0-16,-1 0 0,-25 0 15,26 0-15,-26 26 16,25-26-16,-25 0 0,0 0 16,25 0-16,-25 0 15,0 0-15,26 0 0,-27 0 16,27 0-16,-26 0 0,26 0 15,-27 0-15,27 0 16,-26 0-16,-1 0 0,1 0 16,-26-26-16,26 26 15,0 0-15,-1 0 0,1 0 16,-26 0-16,26 0 0,-1 0 16,-25 0-16,0 0 15,0 0-15,-26 0 0,26 0 16,-26 0-16,0 26 15,-1-26-15,1 0 16</inkml:trace>
-  <inkml:trace contextRef="#ctx0" brushRef="#br0" timeOffset="21168">7853 1012 0,'26'0'47,"0"26"-32,0-26-15,0 26 16,0-26 0,0 0-16,0 26 0,0-26 15,0 26-15,0-26 16,0 26-16,-1-26 0,1 26 16,0 0-1,0 0-15,0-26 16,-26 26-16,0-1 31,0 1-15,-26-26-1,26 26 1,-26 0-16,0 0 16,26 0-16,-26-26 15,1 26-15,-1 0 0,0 0 16,0 0-16,0-26 0,0 26 15,0 0-15,0-1 16,26 1-16,-26-26 0,0 26 16,0 0-1,0-26-15,26 26 16,-26-26-16,1 0 16</inkml:trace>
-  <inkml:trace contextRef="#ctx0" brushRef="#br0" timeOffset="22109">5236 209 0,'0'-26'16,"0"52"30,0 0-30,0 0-16,0 25 16,0-25-16,0 26 0,0 0 15,0-26-15,0 26 0,0 0 16,0-26-16,0 25 0,0-25 16,0 26-16,-26-26 15,26 0-15,0 0 0,-26-26 16,26 26-16,0 0 15,26-26 17,0 0-32,-26 26 15,26-26-15,25 0 0,-25 0 16,26 26-16,-26-26 16,26 0-16,0 0 0,0 0 15,-1 0-15,1 0 0,0 0 16,-26 0-1,0 0-15,26 0 0,-26 0 16</inkml:trace>
-  <inkml:trace contextRef="#ctx0" brushRef="#br0" timeOffset="22404">5858 546 0,'26'-26'0,"-26"0"15,26 52 17,-26 0-17,25 0-15,-25 26 16,0-27-16,26 1 0,-26 26 15,0-26-15,0 0 0,0 0 16,0 0-16,0 0 16,0 0-16,0 0 0</inkml:trace>
-  <inkml:trace contextRef="#ctx0" brushRef="#br0" timeOffset="22590">5884 235 0,'-26'0'16,"26"26"15,26-26-31,-26 26 0,26-26 16,-1 25-16,1 1 15</inkml:trace>
-  <inkml:trace contextRef="#ctx0" brushRef="#br0" timeOffset="23020">6169 494 0,'-26'0'15,"0"0"-15,0 0 16,26 26 0,26 0-1,-26 0-15,26 0 16,0 0-16,-26-1 16,26 1-16,0 26 0,-26-26 15,0 0-15,25 0 0,-25 0 16,0 0-16,26 0 15,-26 0-15,0 0 16,26-26 0,-26-26-16,0 0 15,26 0-15,-26 0 16,26 0-16,-26 0 16,26-26-16,-26 26 15,26-26-15,-26 27 0,0-27 0,26 26 16,-26 0-16,0 0 15,26 26-15,-26-26 0,26 26 32,-26 26-32,0 0 15</inkml:trace>
-  <inkml:trace contextRef="#ctx0" brushRef="#br0" timeOffset="23471">6713 675 0,'0'26'16,"-26"-26"-16,26 26 0,26-26 47,0 0-47,0-26 15,0 26-15,0 0 16,0 0-16,25-26 0,-25 26 16,0-26-16,0 26 0,0-25 15,0 25-15,-26-26 16,26 0-16,-26 0 0,-26 0 16,0 0-1,0-26-15,0 26 0,0 0 16,0 26-16,-25-26 0,25 0 15,0 26-15,-26 0 16,0 26-16,26 0 0,0 0 16,-26 26-16,26 0 15,26 0-15,0 0 0,0-1 16,0-25-16,52 26 0,-26 0 16,26-26-16,26 26 15,-26-26-15,25 0 0,1-26 16,26 25-16,-26-25 15,-27 0-15,27 0 0</inkml:trace>
-  <inkml:trace contextRef="#ctx0" brushRef="#br0" timeOffset="25012">8579 261 0,'0'-26'15,"0"0"-15,-26 26 0,26-26 16,-26 0-16,0 52 31,26 0-31,0 26 16,0-1-16,0 1 0,0 26 16,0 0-16,-26 0 0,26-1 15,0 1-15,0 26 16,0-1-16,0-25 0,-25 0 15,25 26-15,0-27 16,-26 27-16,26-26 0,-26 0 16,26-1-16,-26 27 0,26-26 15,-26 0-15,26-1 16,0 1-16,0-26 0,0 26 16,-26-27-16,26 1 15,0-26-15,0 0 0,0 0 16,0 0-16,0 0 0,0-52 31,0 0-15,26 26-16,-26-26 0,26 0 15,0 0 1,0 26-16,25 0 0,1 0 16,52 0-1,-26 0-15,-1 0 0,27 0 16,0 0-16,-1 26 0,27-26 15,26 26-15,-1-26 16,1 26-16,25 0 0,-25-26 16,25 26-16,-26-26 15,27 26-15,-27-26 0,-25 0 16,0 0-16,-1 26 0,-25-26 16,-26 0-16,-1 0 15,-25 0-15,0 0 0,0 0 16,-26 0-16,0 0 15,0 0-15,0 0 0,-1 0 16,1 0-16,-26-26 0,26 26 16,0 0-1,0 0-15,0 0 16,-26-26-16,26 26 16,-26-26-16,26 26 0,-26-26 15,26 0-15,-26 0 16,26 0-16,-26-26 15,0 27-15,26-53 0,-26 26 16,26 0-16,-26-26 16,26-25-16,-26 25 0,25-26 15,-25 26-15,26-25 0,-26-1 16,26 0-16,-26 27 16,26-27-16,-26 0 0,26 27 15,-26-27-15,0 26 16,0 0-16,0 27 0,0-27 15,0 26-15,0 0 0,0 26 16,0-26-16,-26 26 16,26-25-16,0 25 0,-26 0 15,26 0-15,-26 0 16,0 0 0,1 26 15,-1 0-31,0 0 15,0 0 1,0 0-16,0 0 0,-26 0 16,0 0-16,-26 0 0,-25 0 15,-1 0-15,-25 0 16,-1 0-16,-26 0 0,27 0 16,-27 0-16,27 0 15,-1 0-15,26-26 0,1 26 16,25 0-16,0 0 0,26 0 15,-25 0-15,25 0 16,-26-26-16,26 26 0,-25 0 16,-1 0-16,0-26 0,0 26 15,1 0-15,-1 0 16,0-26-16,26 26 0,0 0 16,0 0-16,1-26 15,25 26-15,0 0 0,0 0 16,0 0-16,0 0 31,0 0-31,0 26 16,0-26-1,26 26-15,-26-26 0,0 26 16,1-26-16,-27 26 0,26 0 16,0-26-16,0 26 15,-26-26-15,26 26 0,0-26 16,0 26-1,0-26-15</inkml:trace>
-  <inkml:trace contextRef="#ctx0" brushRef="#br0" timeOffset="25688">9668 960 0,'0'-25'15,"-26"25"-15,26-26 16,-26 0-16,26 0 16,-26 0-16,0 0 15,26 0-15,-26 26 16,-26-26-16,26 26 0,-25 0 15,25 0-15,-26 0 16,-26 0-16,26 26 0,0 0 16,0 0-16,27 0 0,-27 0 15,26 0-15,0 0 16,26-1-16,0 1 0,0 0 16,0 0-16,26 0 15,0 0-15,0 0 0,0 0 16,-1 0-16,27-26 0,0 26 15,0 0-15,-26-26 16,26 26-16,0-1 0,-1-25 16,-25 26-16,26 0 0,-26 0 15,-26 0-15,0 0 16,0 0-16,-26 0 16,0 0-16,-26 0 15,27-26-15,-27 26 0,0 0 16,0-26-16,0 25 0,0-25 15,0 0-15,27 0 16,-27 0-16,26 0 0,0-25 16,0-1-16,0 0 15,0 0-15,26 0 16,0 0-16,0 0 16</inkml:trace>
-  <inkml:trace contextRef="#ctx0" brushRef="#br0" timeOffset="26308">9901 1012 0,'0'-26'16,"0"52"15,0 0-31,0 0 16,0 26 0,0-26-16,-26 0 0,26 26 15,-26-26-15,0 25 16,0 1-16,0-26 0,0 26 15,26-26-15,-25 26 0,-1-26 16,26 0-16,-26-1 16,26 1-16,0 0 0,-26 0 15,26 0-15,0-52 32,26 0-32,-26 0 15,26 0-15,0 1 16,-1-27-16,1 0 0,0 0 15,0 0-15,26-26 16,-26 27-16,0-27 0,0 26 16,0 0-16,0 0 0,0 1 15,-1 25-15,1 0 16,0 26 0,-26 26-16,26 0 0,-26-1 15,0 27-15,26 0 16,-26 0-16,0 0 0,26 26 15,-26-27-15,0 1 16,26 0-16,-26 0 0,0 0 16,0 0-16,0-27 0,26 27 15,-26-26-15,0 26 16,0-26-16,0 0 0,-26 0 16</inkml:trace>
-  <inkml:trace contextRef="#ctx0" brushRef="#br0" timeOffset="26530">9797 1401 0,'-26'0'0,"0"0"0,26-26 15,26 26 1,26 0-16,-26 0 15,26 0-15,26-26 0,-26 26 16,25 0-16,-25 0 0,26 0 16,-26-26-16,0 26 15,-27 0-15,27 0 0,-26-26 16</inkml:trace>
-  <inkml:trace contextRef="#ctx0" brushRef="#br0" timeOffset="27030">11093 1116 0,'26'0'15,"0"-26"1,0 26-16,-26-26 16,26 26-16,-26-26 0,26 0 15,-26 0 1,0 0-16,-26 26 16,0 0-16,0 0 0,0 0 15,-26 26-15,0 0 16,27 0-16,-27 0 0,0 26 15,0-26-15,26 26 0,0-26 16,0 25-16,0-25 16,26 26-16,0-26 0,0 0 15,0 26-15,26-26 16,0 0-16,0 0 0,26-26 16,-26 26-16,26-1 15,0 1-15,-1-26 0,27 0 16,-26 0-16,26 0 0,-26 0 15,25 0-15,-25 0 16,0-26-16,0 26 0,0-25 16,-26-1-16,25 0 0,-51 0 15,0 0 1,-26 26-16</inkml:trace>
-  <inkml:trace contextRef="#ctx0" brushRef="#br0" timeOffset="28873">0 1557 0,'0'-26'0,"0"52"16,0-1 62,0 1-78,0 0 16,0 0-16,26 0 15,-26 0-15,26 0 0,-26 26 16,26-26-16,-26 0 0,26 0 16,0 0-16,-26-1 15,26 1-15,-26 0 0,26-26 31,-26-26-15,25 0 0,-25 1-16,26-27 0,0 0 15,0 0-15,0 0 0,0 0 16,0-25-16,26 25 16,0-26-16,0 0 0,-27 26 15,27-25-15,0 25 16,0 0-16,0 0 0,26 0 15,-53 0-15,27 27 0,0-1 16,-26 0-16,0 0 16,0 26-16,0 0 0,0 0 15,-26 26 17,0 0-17,0 0 32,-26-26-47,0 25 16</inkml:trace>
-  <inkml:trace contextRef="#ctx0" brushRef="#br0" timeOffset="31284">4951 2023 0,'0'-26'16,"0"0"15,25 26-15,-25 26 15,0 0 0,0 0-31,26 0 16,-26 0-16,26 0 15,-26 0-15,0 0 16,0 0-16,26-26 0,-26 25 16,0 1-16,0 0 15,26-26 1,-26 26-1,26-26 48,0 0-16,0 0 0,0-26 62,0 26-93,0-26-16,-26 0 0,26 1 15,25-1-15,-25 0 16,0 0-16,0-26 0,26 26 16,-26-26-16,26 0 0,0 26 15,-1-25-15,-25-1 16,52 0-16,-26 0 0,0 26 15,-26 0-15,26 0 16,-1 0-16,-25 0 0,26 1 16,-26 25-16,0-26 0,0 26 15,0-26-15,0 26 16,0 0 15,-26 26 47</inkml:trace>
-  <inkml:trace contextRef="#ctx0" brushRef="#br0" timeOffset="34265">9590 2827 0,'0'-26'0,"0"0"16,0 52 77,0 0-93,0-1 16,0 1-16,0 0 0,0 0 16,0 0-16,0 0 15,-26 0-15,26 26 0,0-26 16,0 0-16,0 0 16,0 0-16,0-1 15,26-25 16,0 0-15,-26-25-16,26-1 16,0 0-1,0 26-15,-26-26 0,26-26 16,-1 26-16,1 0 16,0-26-16,0 26 0,0-26 15,0 27-15,26-27 0,-26 26 16,0 0-16,0 0 15,25 0-15,-25 0 0,0 26 16,0-26-16,0 26 16,0 0-16,0 0 0,0 0 15,0 0-15,0 0 16,0 0 0,0 0-1,-1 0 1,-50 0 46,-1 0-62</inkml:trace>
-</inkml:ink>
-</file>
-
-<file path=ppt/ink/ink3.xml><?xml version="1.0" encoding="utf-8"?>
-<inkml:ink xmlns:inkml="http://www.w3.org/2003/InkML">
-  <inkml:definitions>
-    <inkml:context xml:id="ctx0">
-      <inkml:inkSource xml:id="inkSrc0">
-        <inkml:traceFormat>
-          <inkml:channel name="X" type="integer" max="1920" units="cm"/>
-          <inkml:channel name="Y" type="integer" max="1080" units="cm"/>
-          <inkml:channel name="T" type="integer" max="2.14748E9" units="dev"/>
-        </inkml:traceFormat>
-        <inkml:channelProperties>
-          <inkml:channelProperty channel="X" name="resolution" value="55.81395" units="1/cm"/>
-          <inkml:channelProperty channel="Y" name="resolution" value="55.6701" units="1/cm"/>
-          <inkml:channelProperty channel="T" name="resolution" value="1" units="1/dev"/>
-        </inkml:channelProperties>
-      </inkml:inkSource>
-      <inkml:timestamp xml:id="ts0" timeString="2020-12-22T06:21:40.564"/>
-    </inkml:context>
-    <inkml:brush xml:id="br0">
-      <inkml:brushProperty name="width" value="0.05" units="cm"/>
-      <inkml:brushProperty name="height" value="0.05" units="cm"/>
-      <inkml:brushProperty name="fitToCurve" value="1"/>
-    </inkml:brush>
-  </inkml:definitions>
-  <inkml:trace contextRef="#ctx0" brushRef="#br0">389 545 0,'-26'-26'0,"0"26"16,26-26-16,-25 26 0,-1 0 31,26 26-15,0 0-1,0 25-15,0-25 16,0 0-16,0 26 0,0-26 16,0 26-16,26 0 15,-26-26-15,0 25 0,25-25 16,-25 26-16,0-26 15,26 0-15,-26 0 0,0 0 16,26 0-16</inkml:trace>
-  <inkml:trace contextRef="#ctx0" brushRef="#br0" timeOffset="264">52 1063 0,'-26'0'0,"26"-26"31,26 26-31,0 0 16,0-26-16,0 26 0,26-26 15,0 26-15,0-26 0,25 26 16,-25-26-16,0 26 15,26-26-15,-26 26 0,-26 0 16,25-25-16,-25 25 16,0 0-16,-26-26 0</inkml:trace>
-  <inkml:trace contextRef="#ctx0" brushRef="#br0" timeOffset="517">78 596 0,'-26'0'0,"0"-25"16,0 25-16,26-26 16,26 0-1,0 26 1,0-26-16,26 26 15,-26 0-15,26 0 16,0-26-16,-26 26 0,25 0 16,1 0-16,-26 0 0</inkml:trace>
-  <inkml:trace contextRef="#ctx0" brushRef="#br0" timeOffset="1074">726 674 0,'26'0'47,"0"0"-31,0 0-1,-26 26 1,26-26-16,-26 26 0,26 0 16,-26 0-1,0 0-15,0 0 0,0 0 16,0 0 0,-26-26-16,26 25 0,-26-25 15,26-25 32,26 25-31,-26-26-16,26 0 15,-26 0-15,26 0 0,0 0 16,-26-26-16,26 26 16,-1 0-16,-25 0 15,26 0-15,0 1 16,0 25-16,0 0 15,0 25-15,-26 1 16,26 0-16,-26 0 16,26 0-16,0 0 0,-26 0 15,26 0-15,-26 0 0,26 0 16,-26 0-16,0 0 16,0-1-16,26-25 15</inkml:trace>
-  <inkml:trace contextRef="#ctx0" brushRef="#br0" timeOffset="1338">1322 389 0,'-26'0'16,"26"-26"-16,0 0 15,0 52 1,-26-26-16,26 26 16,0 0-16,0 0 15,0 0-15,26 0 0,-26 0 16,0 0-16,26 0 0,-26 25 16,26-25-16,-26 0 15,0 0-15,26 0 0,-26 0 16</inkml:trace>
-  <inkml:trace contextRef="#ctx0" brushRef="#br0" timeOffset="1793">1374 700 0,'-26'-26'0,"26"0"16,-26 0-1,26 0-15,0 1 16,26-1-16,-26 0 16,26 26-16,0-26 15,0 26-15,0 0 0,0 0 16,0 0-16,0 0 16,0 0-16,25 26 0,-25-26 15,0 26-15,-26 0 16,26-26-16,-26 25 0,26 1 15,-26 0-15,0 0 16,0 0-16,-26-26 0,26 26 16,-26-26-16,0 0 15,0 0 1,26-26 0,0 0-16,0 0 15,26 0-15,-26 0 0,26 1 16,-26-27-16,26 26 15,0 0-15,0 0 0,0 26 16,-26-26-16,26 26 16,0 0-16,-26 26 15,26-26 1,-26 26-16</inkml:trace>
-  <inkml:trace contextRef="#ctx0" brushRef="#br0" timeOffset="2358">2074 571 0,'0'-26'0,"0"0"16,0 0-16,0 0 15,-26 26 1,26-26-16,-26 26 0,26-26 16,-26 26-16,26-26 0,-26 26 15,0 0 1,26 26 0,0 0-1,0 0-15,0 26 16,-26-26-16,26 0 0,0-1 15,0 1-15,0 0 16,26 0-16,-26 0 16,26-26-16,0 26 15,0-26-15,0 0 16,0-26-16,0 26 16,0-26-16,0 26 15,-26-26-15,26 26 0,0-26 16,-26 0-16,0 1 15,0-1-15,0 0 0,0 0 16,0 0-16,0 0 16,25 26 15,-25 26-31,0 0 16,26-26-16,-26 26 0,0 0 15,26 0-15,-26-1 0,26 1 16,-26 0-1,26-26-15</inkml:trace>
-  <inkml:trace contextRef="#ctx0" brushRef="#br0" timeOffset="2837">2437 337 0,'0'-26'0,"-26"26"0,26-26 16,-26 26-16,26 26 16,0 0-1,26-26 1,-26 26-16,0 0 0,26 0 16,-26 0-16,26 0 0,-26 0 15,26 0-15,-26 0 16,0 0-16,0-1 0,0 1 15,26-26 1,-52 0 15,26-26-15,0 1-16,0-1 16,0 0-16,26-26 15,-26 26-15,25 0 0,-25 0 16,26 26-16,0-26 0,0 26 15,0 0-15,0 0 16,0 0-16,0 0 0,-26 26 16,26 0-16,0 0 0,-26 0 15,0 0-15,26 0 16,-26 0-16,0 0 0,0-1 16,0 1-1,0 0-15</inkml:trace>
-  <inkml:trace contextRef="#ctx0" brushRef="#br0" timeOffset="3371">3137 389 0,'-26'0'15,"52"0"32,-26 26-47,26-26 16,-1 0-1,1 0-15,0 0 0,0-26 16,0 26 0,0-26-16,-26 0 15,0 0 1,0 0 0,-26 26-16,0-25 0,0-1 15,0 26 1,0 0-16,1 0 15,25 26-15,-26-26 16,26 25-16,-26 1 16,26 0-16,0 0 0,0 0 15,-26 0-15,26 26 0,0-26 16,0 0-16,26 0 16,-26 0-16,26-1 0,0 1 15,-1-26-15,1 26 16,0-26-16,0 0 0,0 0 15,0 0-15,26 0 16,-26-26-16,0 0 0</inkml:trace>
-  <inkml:trace contextRef="#ctx0" brushRef="#br0" timeOffset="3749">3551 52 0,'-26'-26'15,"26"0"1,0 52 31,26 0-47,-26 0 15,26 0-15,-26 0 16,0 0-16,26 0 0,-26 0 16,26 0-16,-26 25 15,0-25-15,26 26 0,-26-26 16,0 0-16,0 26 0,26-26 16,-26 0-16,0 26 15,26-27-15,-26 1 0,26-26 16,0 26-16,0 0 15,-1-26-15,1 0 16,0-26-16,0 26 0</inkml:trace>
-  <inkml:trace contextRef="#ctx0" brushRef="#br0" timeOffset="3960">3551 311 0,'-26'0'16,"52"0"-1,0 0 1,0 0 0,26-26-16,-26 26 0,26 0 15,-26 0-15,0-25 16,-1 25-16</inkml:trace>
-  <inkml:trace contextRef="#ctx0" brushRef="#br0" timeOffset="7263">2411 1063 0,'0'-26'15,"0"0"1,26 26 0,-26-26-1,0 0 1,-26 26-16,0-26 31,0 26-31,0 0 16,0 0-16,0 0 15,0 0-15,0 26 0,1-26 16,-1 26-16,26 0 0,-26 0 16,0 0-16,0 0 15,0 0-15,26 0 0,0 0 16,0 0-1,0 0-15,26-26 0,0 25 16,0-25-16,0 0 0,0 0 16,25 26-16,-25-26 15,26 0-15,-26 0 0,0 0 16,0 0-16,0 26 16,0-26-16,0 0 0,0 26 15,-1-26-15,-25 26 16,0 0-1,-25 0-15,-1 0 16,0 0 0,0 0-16,0-26 0,0 26 15,0-26-15,0 0 0,0 0 16,0 0-16,0 0 16,0 0-16,1 0 15,-1 0-15,26-26 16,-26 26-16,26-26 0,-26 0 15,26 0 1,0 0 0</inkml:trace>
-  <inkml:trace contextRef="#ctx0" brushRef="#br0" timeOffset="7888">2644 1244 0,'26'0'32,"0"26"-17,0-26-15,0 0 16,0 0 0,0 0-16,0-26 15,0 26-15,-26-25 16,25 25-16,-25-26 0,26 26 15,-26-26-15,0 0 16,0 0 0,-26 0-1,1 26 1,-1 0-16,0 0 16,0 0-16,0 0 15,0 0-15,26 26 16,-26-26-16,0 26 15,26 0-15,-26-26 0,26 26 16,0 0-16,0-1 16,0 1-16,0 0 15,26-26-15,-26 26 0,26-26 16,0 26-16,0-26 16,0 26-16,0-26 15,0 0-15,0 0 16,25 0-16,-25-26 15,0 26-15,0-26 0,0 26 16,0-26-16,0 26 16,0-26-16,0 0 0</inkml:trace>
-  <inkml:trace contextRef="#ctx0" brushRef="#br0" timeOffset="8207">3240 985 0,'0'-26'0,"0"0"16,-26 26 0,0 26-1,26 0-15,-25-26 16,25 26-16,0 0 16,0 0-16,-26-26 0,26 26 15,0 0-15,0 0 16,0 0-16,0 0 0,0 0 15,26-26 1,-26 25-16,25-25 0,-25 26 16,26-26-16,0 26 31,0-26-31,0 0 16,0-26-16,0 26 0,-26-26 15,26 26-15,0-25 16</inkml:trace>
-  <inkml:trace contextRef="#ctx0" brushRef="#br0" timeOffset="8897">3448 907 0,'0'26'46,"0"0"-30,0 0-16,0 0 16,0 0-1,0 0-15,0 0 0,0 0 16,26 0-16,-26 0 16,25-26-16,-25 26 15,26 0-15,0-26 16,0 25-1,0-25-15,0 0 16,0 0-16,-26-25 16,26 25-16,-26-26 15,26 26-15,-26-26 0,26 26 16,-26-26-16,0 0 16,0 0-1,0 0-15,-26 26 0,26-26 16,0 0-16,-26 26 15,26-26-15,0 0 16,0 52 31,26-26-31,-26 26-16,0 0 15,0 0-15,26-26 16,-26 26-16,0 0 0,26-26 15,-26 26-15,26-26 0,-26 26 16,25 0 0,1 0-16,0-1 15,0-25 1,0 0 0,0-25-1,-26-1 1,26 26-16,-26-26 15,0 0 1,0 0-16,0 0 16,0 0-16,-26 26 0,26-26 15</inkml:trace>
-  <inkml:trace contextRef="#ctx0" brushRef="#br0" timeOffset="9370">3940 907 0,'26'26'94,"0"0"-79,0-26-15,-26 26 16,26-26-16,0 26 0,-26 0 0,26-26 16,-26 26-16,26 0 15,-26 0 1,-26-26 15,26-26-15,-26 26-1,26-26-15,0 0 16,0 0 0,0 0-1,26 0-15,-26 0 0,26 26 16,-1-26-16,-25 1 16,26-1-16,0 26 0,-26-26 15,26 26-15,0-26 16,0 26-1,-26 26 1,26-26-16</inkml:trace>
-  <inkml:trace contextRef="#ctx0" brushRef="#br0" timeOffset="9875">4329 907 0,'26'0'16,"0"0"15,0 0-15,-26 26 0,26-26-16,-1 0 15,1 0 1,-26-26-16,26 26 0,0 0 15,-26-25 1,0-1 0,0 0-16,0 0 15,-26 26 1,26-26-16,-26 0 16,0 0-16,1 26 31,-1 0-31,26 26 15,-26 0 1,26 0-16,-26 0 0,26 0 16,0 0-16,0-1 15,26 1-15,-26 0 16,26 0-16,0-26 0,-1 26 16,1 0-16,0-26 15,0 0-15,0 0 16,0 0-16,0 0 0,0 0 15,0-26-15,0 0 16,-26 0-16</inkml:trace>
-</inkml:ink>
-</file>
-
-<file path=ppt/ink/ink30.xml><?xml version="1.0" encoding="utf-8"?>
-<inkml:ink xmlns:inkml="http://www.w3.org/2003/InkML">
-  <inkml:definitions>
-    <inkml:context xml:id="ctx0">
-      <inkml:inkSource xml:id="inkSrc0">
-        <inkml:traceFormat>
-          <inkml:channel name="X" type="integer" max="1920" units="cm"/>
-          <inkml:channel name="Y" type="integer" max="1080" units="cm"/>
-          <inkml:channel name="T" type="integer" max="2.14748E9" units="dev"/>
-        </inkml:traceFormat>
-        <inkml:channelProperties>
-          <inkml:channelProperty channel="X" name="resolution" value="55.81395" units="1/cm"/>
-          <inkml:channelProperty channel="Y" name="resolution" value="55.6701" units="1/cm"/>
-          <inkml:channelProperty channel="T" name="resolution" value="1" units="1/dev"/>
-        </inkml:channelProperties>
-      </inkml:inkSource>
-      <inkml:timestamp xml:id="ts0" timeString="2020-12-22T06:31:42.663"/>
-    </inkml:context>
-    <inkml:brush xml:id="br0">
-      <inkml:brushProperty name="width" value="0.05" units="cm"/>
-      <inkml:brushProperty name="height" value="0.05" units="cm"/>
-      <inkml:brushProperty name="fitToCurve" value="1"/>
-    </inkml:brush>
-  </inkml:definitions>
-  <inkml:trace contextRef="#ctx0" brushRef="#br0">260 220 0,'0'-26'15,"26"0"1,0 0-16,0 26 16,0 0-1,0 0-15,-26 26 16,0 0 0,0 26-16,0-26 0,0 26 15,0 0-15,0-1 0,-26 27 16,26-26-16,-26 26 15,0 0-15,0-1 0,0-25 16,0 26-16,0 0 16,0-26-16,1 25 0,-1-25 15,0 0-15,0 0 0,0 0 16,26-1-16,-26 1 16,26 0-16,0 0 0,0-26 15,-26 26-15,26-26 0,0 25 16,0-25-16,0 0 15,0 0-15,0 0 0,0 0 16,0 0 0,0 0-16,26-26 62,-26-26-46,26 26-16,0-26 15,0 26 1,26-26-16,-27 26 0,27 0 16,0 0-16,0-26 0,26 26 15,-1 0-15,27 0 16,0 0-16,25 0 0,1 0 16,0 0-16,25 0 15,1 0-15,-1 0 0,1 0 16,-1 0-16,1 26 0,-1-26 15,1 0-15,-27 0 16,1 0-16,-1 26 0,-25-26 16,0 0-16,-1 0 0,1 0 15,-26 0-15,0 0 16,-27 0-16,27 0 0,-26 0 16,0 0-16,0 0 15,0 0-15,-26 0 0,-1 0 16,1-26-16,0 26 0,0-26 15,-26 0 1,-26 0 0,26 0-1,-26 26-15,26-25 16,0-1-16,0 0 16,-26 0-16,26 0 15,0 0-15,0 0 0,26-26 16,-26 26-16,0-26 15,0 1-15,0-1 0,0 0 16,0-26-16,0 26 0,0 1 16,0-27-16,0 26 15,0-26-15,0 0 0,0 1 16,0-1-16,0 26 0,0-26 16,26 1-16,-26 25 15,0 0-15,26 26 0,-26-26 16,0 26-16,0 0 15,0 0-15,-26 0 16,0 1 15,26-1 1,-26 26-32,1 0 31,-1 0-31,26-26 15,-26 26-15,0 0 0,0 0 16,0 0-16,0 0 16,0 0-16,0-26 0,0 26 15,0 0-15,-26 0 0,1 0 16,25 0-16,-26 0 16,-26 0-16,0 0 0,1 0 15,-27 0-15,-26 0 16,27 0-16,-27 26 0,-25-26 15,25 0-15,0 26 16,1-26-16,25 0 0,0 26 16,27-26-16,-27 0 0,26 0 15,26 25-15,-25-25 16,25 0-16,0 0 0,0 0 16,0 0-16,1 26 15,-1-26-15,0 0 0,0 26 16,0-26-16,0 0 0,0 26 15,27-26-15,-27 0 16,26 0-16,0 0 0,0 0 16,26 26 15,26-26 0,-26 26-31</inkml:trace>
-  <inkml:trace contextRef="#ctx0" brushRef="#br0" timeOffset="607">1245 713 0,'0'-26'0,"0"0"16,0 0-16,-26 0 16,0 0-16,0 26 15,0 0-15,1 0 16,-1 0-16,0 0 16,-26 0-16,26 26 0,0 0 15,0-26-15,0 26 16,0 0-16,0 0 0,26-1 15,-26-25-15,26 26 0,0 0 16,26 0-16,0 0 16,-26 0-16,26-26 0,0 26 15,26 0-15,-26-26 16,0 26-16,0 0 0,0-26 16,0 26-16,-1-26 0,-25 26 15,26 0-15,-26-1 16,-26 1-16,1-26 15,-1 26-15,0 0 16,-26-26-16,26 26 0,-26-26 16,0 0-16,26 26 0,-26-26 15,27 0-15,-1 0 16,0 0-16,26-26 16,0 0-1,26 0-15,0 0 16</inkml:trace>
-  <inkml:trace contextRef="#ctx0" brushRef="#br0" timeOffset="949">1634 531 0,'0'-26'0,"26"26"15,-26-26-15,-26 26 16,0 26 0,26 0-16,0 0 15,-26 0-15,26 0 0,-26 26 16,26 0-16,-26-27 0,26 27 16,0 0-16,-26-26 15,26 26-15,0-26 0,0 26 16,-26-26-16,26 0 15,0-1-15,0 1 16,0 0-16,0 0 16,0-52 15</inkml:trace>
-  <inkml:trace contextRef="#ctx0" brushRef="#br0" timeOffset="1523">1401 894 0,'-26'0'0,"26"-26"16,26 26 15,0 26-15,-1-26-1,1 0-15,0 0 16,0 0-16,26 0 0,-26 0 15,26 0-15,-26 0 0,26 0 16,-27 0-16,27 0 16,-26-26-16,0 26 0,0 0 15,0 0-15,0 0 16,-52 26 0,0-26-1,26 26-15,-26-26 16,0 26-16,0-26 0,0 26 15,0 0-15,26 0 0,-25-26 16,25 26-16,-26-26 16,26 25-16,0 1 15,26-26-15,-1 0 16,1 0-16,0 0 16,0 0-16,0 0 15,0 0-15,0 0 0,0-26 16,0 1-16,0 25 0,0-26 15,-26 0-15,26 0 16,-1 0-16,-25 0 16,0 0-16,0 0 15,0 0-15,0 0 0,-25 26 16,-1-26-16,0 26 16,0 0-16,0 0 15,0 0-15,0 0 0,26 26 16,0 0-16,0 0 15,26-26 1</inkml:trace>
-  <inkml:trace contextRef="#ctx0" brushRef="#br0" timeOffset="2515">2100 816 0,'0'-26'31,"0"0"-15,26 26-1,0 0 1,0 0-16,-26 26 16,26 0-16,0-26 0,0 26 15,-26 0-15,26 0 0,-26 0 16,26 0-16,-26 0 15,-26-26 1,26 26-16,-26-26 16,0 0-16,0 0 15,26-26-15,0 0 16,0 0 0,26 0-16,0 26 15,0-26-15,0 0 16,0 0-16,26 0 0,-27 0 15,1 26-15,0-26 0,0 1 16,0 25-16,0 0 16,0 0-16,-26 25 31,0 1-31,0 0 16,0 0-16,0 0 15,0 0 1,0 0-16,0 0 15,26 0-15,-26 0 16,26-26-16,-26 26 0,26-26 16,0 26-16,0-26 0,-1 0 15,1 0-15,0 0 16,0 0-16,0 0 0,-26-26 16,26 26-16,0-26 0,0 26 15,-26-26-15,26 0 16,-26 0-16,26 0 15,-26 0-15,0 0 16,0 0-16,-26 0 16,26 0-16,-26 26 15,26-25-15,-26 25 16,26 25 0,0 1-16,0 0 15,0 0-15,0 0 0,0 26 16,26 0-16,-26-26 0,0 52 15,0-27-15,0 1 16,26 0-16,-26 0 0,0 0 16,0 0-16,0-1 15,-26 1-15,26-26 0,-26 0 16,0 0-16,0 0 0,0-26 16,-26 0-16,26 0 15,-25 0-15,25 0 0,-26-26 16,26 0-16,0-26 15,0 26-15,0-26 0,26 1 16,0-1-16,0 26 0,0-26 16,26 0-16,0 26 15,0 0-15,26 0 0,-26 1 16,0 25-16,25-26 16,-25 26-16,26 0 15,-26 0-15,0 0 0,-26 26 31,-52-1-15</inkml:trace>
-</inkml:ink>
-</file>
-
-<file path=ppt/ink/ink31.xml><?xml version="1.0" encoding="utf-8"?>
-<inkml:ink xmlns:inkml="http://www.w3.org/2003/InkML">
-  <inkml:definitions>
-    <inkml:context xml:id="ctx0">
-      <inkml:inkSource xml:id="inkSrc0">
-        <inkml:traceFormat>
-          <inkml:channel name="X" type="integer" max="1920" units="cm"/>
-          <inkml:channel name="Y" type="integer" max="1080" units="cm"/>
-          <inkml:channel name="T" type="integer" max="2.14748E9" units="dev"/>
-        </inkml:traceFormat>
-        <inkml:channelProperties>
-          <inkml:channelProperty channel="X" name="resolution" value="55.81395" units="1/cm"/>
-          <inkml:channelProperty channel="Y" name="resolution" value="55.6701" units="1/cm"/>
-          <inkml:channelProperty channel="T" name="resolution" value="1" units="1/dev"/>
-        </inkml:channelProperties>
-      </inkml:inkSource>
-      <inkml:timestamp xml:id="ts0" timeString="2020-12-22T06:31:49.411"/>
-    </inkml:context>
-    <inkml:brush xml:id="br0">
-      <inkml:brushProperty name="width" value="0.05" units="cm"/>
-      <inkml:brushProperty name="height" value="0.05" units="cm"/>
-      <inkml:brushProperty name="fitToCurve" value="1"/>
-    </inkml:brush>
-  </inkml:definitions>
-  <inkml:trace contextRef="#ctx0" brushRef="#br0">0 856 0,'0'-26'47,"0"0"-32,26 0-15,0 0 16,0 0 0,26-26-16,-26 26 0,25 1 15,1-1-15,0-26 16,26 26-16,0 0 0,-27-26 15,27 26-15,0-26 0,-26 26 16,0 26-16,0-26 16,-27 1-16,1 25 0,0 0 15,-26-26-15,26 26 16</inkml:trace>
-  <inkml:trace contextRef="#ctx0" brushRef="#br0" timeOffset="612">493 104 0,'25'0'63,"1"0"-63,0 0 15,0 0-15,0 0 16,26-26-16,0 26 0,0 0 16,25 0-16,-25-26 15,0 26-15,0 0 0,26-26 16,-52 26-16,25 0 0,-25-26 16,0 26-16,0 0 15,0 0-15,-26 26 63,-26-26-63,26 26 15,-26 0-15,0 26 16,0-26-16,1 0 16,-1 26-16,26-26 0,-26 0 15,0 25-15,0-25 0,26 0 16,0 0-16,-26 0 15,26 0-15,0 0 16,0 0 0</inkml:trace>
-</inkml:ink>
-</file>
-
-<file path=ppt/ink/ink32.xml><?xml version="1.0" encoding="utf-8"?>
-<inkml:ink xmlns:inkml="http://www.w3.org/2003/InkML">
-  <inkml:definitions>
-    <inkml:context xml:id="ctx0">
-      <inkml:inkSource xml:id="inkSrc0">
-        <inkml:traceFormat>
-          <inkml:channel name="X" type="integer" max="1920" units="cm"/>
-          <inkml:channel name="Y" type="integer" max="1080" units="cm"/>
-          <inkml:channel name="T" type="integer" max="2.14748E9" units="dev"/>
-        </inkml:traceFormat>
-        <inkml:channelProperties>
-          <inkml:channelProperty channel="X" name="resolution" value="55.81395" units="1/cm"/>
-          <inkml:channelProperty channel="Y" name="resolution" value="55.6701" units="1/cm"/>
-          <inkml:channelProperty channel="T" name="resolution" value="1" units="1/dev"/>
-        </inkml:channelProperties>
-      </inkml:inkSource>
-      <inkml:timestamp xml:id="ts0" timeString="2020-12-22T06:31:51.778"/>
-    </inkml:context>
-    <inkml:brush xml:id="br0">
-      <inkml:brushProperty name="width" value="0.05" units="cm"/>
-      <inkml:brushProperty name="height" value="0.05" units="cm"/>
-      <inkml:brushProperty name="fitToCurve" value="1"/>
-    </inkml:brush>
-  </inkml:definitions>
-  <inkml:trace contextRef="#ctx0" brushRef="#br0">674 593 0,'0'-26'0,"0"0"15,0-26-15,-26 26 16,26 0-16,-26 0 0,26 0 16,-25 0-16,-1 0 0,26 0 15,-26 26-15,0-25 16,0 25-16,-26 0 0,26 0 16,-26 0-16,0 25 15,27 1-15,-27 0 0,0 26 16,0-26-16,26 26 15,0 26-15,-26-26 0,52-1 16,-26 27-16,26-26 0,0 0 16,0 0-16,0-1 15,26-25-15,-26 26 0,52-26 16,-26 0-16,26-26 0,0 26 16,0-26-16,-1 0 15,1-26-15,26 26 0,-26-26 16,26 0-16</inkml:trace>
-  <inkml:trace contextRef="#ctx0" brushRef="#br0" timeOffset="564">908 722 0,'0'-26'15,"0"0"17,-26 26-32,26-26 15,-26 26-15,26-25 16,-26 25-16,0 0 16,0 0-16,0 25 15,26 1 1,-26 0-16,26 0 0,-26 0 15,26 26-15,0-26 0,0 26 16,0-26-16,0 0 16,0-1-16,0 1 0,26 0 15,0 0-15,0-26 16,0 0-16,0 0 16,0-26-16,0 26 15,0-26-15,0 0 16,-26 1-16,25-1 0,-25 0 15,0 0-15,0 0 0,0 0 16,0 0-16,0 0 16,-25 26-16,25-26 0,0 0 15,0 52 17,25 0-32,1 0 15,-26 0-15,26 0 16,-26 0-16,26 0 15,0 0-15,-26 0 16,26-26-16,0 0 16,0 0-1</inkml:trace>
-  <inkml:trace contextRef="#ctx0" brushRef="#br0" timeOffset="809">1193 489 0,'-26'-26'16,"26"0"-16,0 52 31,26 0-31,-26 0 16,26 0-16,-26 26 0,26-26 16,-26-1-16,25 27 15,-25-26-15,26 0 0,-26 0 16,0 0-16,0 0 15,26 0-15,-26 0 0,0 0 16,0 0-16,0-1 16</inkml:trace>
-  <inkml:trace contextRef="#ctx0" brushRef="#br0" timeOffset="1260">1452 359 0,'-26'-26'0,"26"0"16,-26 26-16,26-25 0,-26-1 16,26 0-16,26 26 15,0 0 1,0 0-16,0 0 15,0 26-15,0 0 0,0-1 16,-26 1-16,25 0 16,-25 0-16,26 0 0,-26 0 15,0 0-15,0 0 16,0 0-16,-26 0 16,26-52 15,0 0-31,0 0 15,26 0-15,-26 0 0,26 0 16,-26 0-16,26 0 16,0 0-16,-26 1 0,26 25 15,0 0 1,0 0-16,-26 25 0,26 1 16,0 0-16,-26 26 0,26-26 15,-26 0-15,0 26 16,0-26-16,26 0 0,-26 0 15</inkml:trace>
-  <inkml:trace contextRef="#ctx0" brushRef="#br0" timeOffset="1585">2152 385 0,'-26'0'0,"0"-26"16,0 0-1,26 52 1,26-26-16,0 26 0,0 0 16,0 0-16,0 26 15,25-26-15,-25 0 0,0 26 16,26-26-16,-26-1 15,0 1-15,0 0 0,0 0 16,0 0-16,0 0 0,-26 0 16,25-26-16,1 0 15,0 0 1,-26-26 0</inkml:trace>
-  <inkml:trace contextRef="#ctx0" brushRef="#br0" timeOffset="1812">2592 385 0,'0'-26'0,"0"0"16,0-25-16,0 25 16,0 52-1,0-1-15,0 1 16,0 0-16,0 0 16,0 26-16,0-26 0,0 26 15,-26-26-15,26 26 16,-26-26-16,26 25 0,-25-25 15,-1 0-15,26 26 0,-26-26 16,26 0-16,-26 0 16,26 0-16</inkml:trace>
-  <inkml:trace contextRef="#ctx0" brushRef="#br0" timeOffset="2046">2748 411 0,'26'0'16,"-26"26"15,26 0-31,-26 0 16,26 0-1,-26 0-15,25 0 0,-25 0 16,0 0-16,0 25 0,0-25 15,0 0-15,0 0 16,0 0-16</inkml:trace>
-  <inkml:trace contextRef="#ctx0" brushRef="#br0" timeOffset="3246">3162 489 0,'0'26'47,"26"0"-16,0-26-16,-26 26-15,26-26 16,0 0 0,0 0-16,0 0 15,0-26-15,0 26 0,0-26 16,0 0-16,0 26 16,-26-26-16,26 0 0,-26 0 15,0 0-15,0 0 16,-26 26-16,0-26 0,0 0 15,0 1-15,0 25 0,-26-26 16,26 26-16,0 0 16,0 26-16,-26-26 0,27 25 15,-1 1-15,26 0 0,-26 26 16,26-26-16,-26 26 16,26-26-16,26 52 15,0-52-15,-26-1 16,26 1-16,-1 0 0,1-26 15,0 26-15,0-26 0,0 0 16,26 0-16,-26 0 16,0 0-16,0 0 0,26-26 15,-26 0-15,-1 0 16,1 1-16,0-1 0,0 0 16,0 0-16,0-26 0,-26 26 15,26-26-15,-26 26 16,26-26-16,-26 26 0,0 1 15,0-1-15,26 26 16,-26 26 15,0-1-31,0 1 0,0 0 16,0 26-16,0-26 0,0 0 16,0 0-16,0 0 15,0 0-15,0 0 0,0 0 16,26-26-16,-26 26 15,26-26 1,0-26 0,-1 0-1,-25 0-15,26 26 0,0-26 16,-26 0-16,26 0 0,0 0 16,-26 0-16,26 26 15,-26-26-15,26 26 0,0 0 16,-26 26-16,26-26 0,-26 26 15,26 0-15,0 0 16,-26 0-16,26-26 0,-26 26 16,25 0-16,1 0 15,0-26-15,0 0 16,0 0 0,0 0-16,0-26 0,0 0 15,0 0-15,0 0 0,-26 0 16,26-26-16,-26 26 15,26-26-15,-26 26 0,0-25 16,-26 25-16,0 0 16,26-26-16,-26 52 0,0-26 15,0 26-15,0 0 0,0 0 16,0 26 0,26 0-16,-26-26 0,26 26 15,-26 0-15,26 0 16</inkml:trace>
-  <inkml:trace contextRef="#ctx0" brushRef="#br0" timeOffset="3679">4873 178 0,'26'0'16,"-26"-26"-16,26 26 0,-26-26 15,0 0 1,0 0-16,0 0 0,0 0 16,-26 26-16,0-26 15,0 26 1,0 26-16,0-26 0,0 26 16,1 0-16,-1-26 0,0 26 15,0 0-15,26 0 16,0 0-16,0 0 0,0 0 15,26-26-15,0 26 16,25-26-16,1 0 0,0 26 16,-26-26-16,26 0 0,0 0 15,0 0-15,-27 25 16,27-25-16,-26 26 16,-26 0-16,-26 0 15,0 0-15,0 0 16,-25 0-16,25 0 0,-26 0 15,0-26-15,0 26 16,26-26-16,-26 26 0,27-26 16,-1 0-16,0-26 15</inkml:trace>
-  <inkml:trace contextRef="#ctx0" brushRef="#br0" timeOffset="3941">4873 48 0,'26'0'15,"-26"26"-15,0 0 16,0 0 0,-26 0-16,26 0 0,-26 0 15,0 0-15,0 0 0,-25 25 16,25-25-16,-26 26 15,26-26-15,-26 26 0,26-26 16,0 0-16,0 0 16,0 0-16,0-26 0,26 26 15,-26-26-15</inkml:trace>
-</inkml:ink>
-</file>
-
-<file path=ppt/ink/ink33.xml><?xml version="1.0" encoding="utf-8"?>
-<inkml:ink xmlns:inkml="http://www.w3.org/2003/InkML">
-  <inkml:definitions>
-    <inkml:context xml:id="ctx0">
-      <inkml:inkSource xml:id="inkSrc0">
-        <inkml:traceFormat>
-          <inkml:channel name="X" type="integer" max="1920" units="cm"/>
-          <inkml:channel name="Y" type="integer" max="1080" units="cm"/>
-          <inkml:channel name="T" type="integer" max="2.14748E9" units="dev"/>
-        </inkml:traceFormat>
-        <inkml:channelProperties>
-          <inkml:channelProperty channel="X" name="resolution" value="55.81395" units="1/cm"/>
-          <inkml:channelProperty channel="Y" name="resolution" value="55.6701" units="1/cm"/>
-          <inkml:channelProperty channel="T" name="resolution" value="1" units="1/dev"/>
-        </inkml:channelProperties>
-      </inkml:inkSource>
-      <inkml:timestamp xml:id="ts0" timeString="2020-12-22T06:34:45.271"/>
-    </inkml:context>
-    <inkml:brush xml:id="br0">
-      <inkml:brushProperty name="width" value="0.05" units="cm"/>
-      <inkml:brushProperty name="height" value="0.05" units="cm"/>
-      <inkml:brushProperty name="fitToCurve" value="1"/>
-    </inkml:brush>
-  </inkml:definitions>
-  <inkml:trace contextRef="#ctx0" brushRef="#br0">706 754 0,'26'0'15,"0"0"1,-52 0 93,0 0-77,0 0-1,0 0 16,0 0 0,26 26-47,-26-26 15,1 0-15,-1 0 31,0 0-31,0 0 32,26 26-32,-26-26 15,0 0 17,0 0-17,0 0 16,0 0-15,0 0 15,0 0 1,0 0-1,0 0 0,1 0 16,-1 0-31,0 26-1,0-26 16,26 26-15,-26-26-16,0 0 16,0 0 15,0 26-15,0-26 30,26 26-46,0 0 47,0 0 0,0 0 0,-26-26-16,26 26-31,0-1 47,26-25 16,0 0-16,-26 26-32,26-26 1,0 0-1,0 0 17,0 0-1,0 0 0,0 0-15,0 0 15,-1 0-31,1 0 16,0-26-1,0 26 1,0 0 0,0 0 15,0 0-16,0 0 1,0 0 0,0-25-1,0 25 1,0 0 0,0 0-1,-1 0 1,-25-26-1,26 26-15,0 0 16,0 0 31,0 0 0,0 0-32,0 0 17,0-26 15,0 26 46,-26-26 157,-26 26-203,26-26-47,0 0 47,0 0 0,0 0-16,-26 26-31,26-26 16,0 0 15,0 0 0,-26 26-31,26-26 16,0 1 0,-26 25-1,26-26-15,0 0 31,0 0-15,0 0 0,-26 26-16,26-26 15,0 0 1,0 0 0,0 0-1,0 0 1,0 0-1,0 0 1,0 1-16,0-1 31,0 0-15,0 0 0,0 0-1,0 0 1,0 0-1,0 0 17,0 0-17,0 0 1,0 0 0,0 0 15,26 26 63,-26-25-63,26 25-31,0 0 15,0 0 1,0 0 0,-26-26-16,26 26 15,0 0 1,-26-26-16,26 26 0,-1 0 16,1 0-1,0 0-15,0 0 16,0-26-1,0 26-15,0 0 0,0 0 16,0 0 0,0 0-1,0 0 1,0 0-16,-1 26 16,1-26-1,0 0 1,0 0-1,-26 26-15,26-26 16,-26 26 0,26-26-1,-26 25-15,26-25 16,-26 26 0,26-26-16,-26 26 15,0 0-15,26 0 16,-26 0-1,0 0-15,0 0 16,0 0 0,0 0-16,26 0 15,-26 0 1,0-1 0,0 1-1,0 0-15,0 0 16,0 0-1,26-26-15,-26 26 16,0 0 0,0 0-16,0 0 15,0 0 1,0 0 0,0 0-16,0-1 31,26-25-31,-26 26 0,0 0 15,0 0 1,0 0 0,25-26-16,-25 26 0,0 0 31,26-26-31,-26 26 0,0 0 16,26 0-1,-26 0 1,26 0-1,-26-1 1,26 1 0,-26 0-1,0 0 1,0 0 15,-26-26-15,26 26-1,-26-26 1,0 0-16,26 26 16,-26-26-16,1 26 15,-1-26 1,0 0-16,0 26 0,0-26 16,0 0-1,0 0-15,0 0 16,26 26-16,-26-26 15,0 0-15,0 0 16,0 0 0,1 0-1,-1 0-15,0 0 16,0 0 0,26-26-16,-26 26 15,0 0-15,26-26 16,-26 26-1,0-26 1,0 26 15,26-26-31,-26 26 16,26-26 0,-26 26-16,0 0 15,26-26 1,-25 26-16,-1 0 15,26-26 1,-26 26-16,0-26 16,0 26 15,26-26-31,0 1 31,-26 25-15,26-26-1,-26 26 1,26-26 78</inkml:trace>
-  <inkml:trace contextRef="#ctx0" brushRef="#br0" timeOffset="2225">654 288 0,'0'-26'94,"-26"26"-78,0 0 15,1 0-31,-1 0 15,0 26 1,0-26-16,0 0 16,0 26-16,0-26 15,0 0-15,0 26 16,0-26-16,0 0 16,0 26-1,0-26 1,1 0-16,-1 0 31,0 0-31,0 0 31,0 0-15,0 0 0,0 0 15,26 26-31,-26-26 15,0 0 17,26 25-17,-26-25 1,26 26 62,0 0-47,0 0 1,26 0-1,-26 0 0,26-26 16,0 0 0,0 0-16,0 0-15,0 0 15,-26-26-31,26 26 16,0 0-1,0 0 1,-1 0 15,1 0-15,0 0-16,0 0 15,0 0 1,0 0 15,0 0-15,0 0 15,0 0-15,0 0-1,0-26 1,0 26 0,0 0 15,-1 0 0,1 0-15,0 0 15,0 0 63,0 0-32,0 0 48,-26-26-79</inkml:trace>
-</inkml:ink>
-</file>
-
-<file path=ppt/ink/ink34.xml><?xml version="1.0" encoding="utf-8"?>
-<inkml:ink xmlns:inkml="http://www.w3.org/2003/InkML">
-  <inkml:definitions>
-    <inkml:context xml:id="ctx0">
-      <inkml:inkSource xml:id="inkSrc0">
-        <inkml:traceFormat>
-          <inkml:channel name="X" type="integer" max="1920" units="cm"/>
-          <inkml:channel name="Y" type="integer" max="1080" units="cm"/>
-          <inkml:channel name="T" type="integer" max="2.14748E9" units="dev"/>
-        </inkml:traceFormat>
-        <inkml:channelProperties>
-          <inkml:channelProperty channel="X" name="resolution" value="55.81395" units="1/cm"/>
-          <inkml:channelProperty channel="Y" name="resolution" value="55.6701" units="1/cm"/>
-          <inkml:channelProperty channel="T" name="resolution" value="1" units="1/dev"/>
-        </inkml:channelProperties>
-      </inkml:inkSource>
-      <inkml:timestamp xml:id="ts0" timeString="2020-12-22T06:34:54.218"/>
-    </inkml:context>
-    <inkml:brush xml:id="br0">
-      <inkml:brushProperty name="width" value="0.05" units="cm"/>
-      <inkml:brushProperty name="height" value="0.05" units="cm"/>
-      <inkml:brushProperty name="fitToCurve" value="1"/>
-    </inkml:brush>
-  </inkml:definitions>
-  <inkml:trace contextRef="#ctx0" brushRef="#br0">0 451 0,'0'25'16,"0"1"-1,0 0-15,0 0 16,26 0 0,-26 0-16,26-26 15,-26 26-15,26-26 16,0 26 0,0-26-16,0 0 15,0-26 1,0 26-1,-26-26-15,25 26 0,-25-26 16,26 0 0,-26 0-16,0 0 15,0 0 1,-26 1-16,26-1 16,-25 0-1,25 0 1,-26 26-1,0-26 1,0 26 0,0 0-1,0 0 1,0 0 0,26 26-1,-26-26 1,26 26-16,0 0 31,0 0 0,-26-26-31</inkml:trace>
-  <inkml:trace contextRef="#ctx0" brushRef="#br0" timeOffset="660">130 347 0,'26'0'15,"0"0"1,0 0-1,-1 0 1,1 0-16,0 0 16,0 0-16,0 0 0,0 0 15,0 0 1,0 0-16,0-26 0,0 26 16,0 0-16,0 0 15,-1 0-15,1 0 16,0 0-1,0 0-15,0 0 16,0-26-16,0 26 16,0 0 15</inkml:trace>
-  <inkml:trace contextRef="#ctx0" brushRef="#br0" timeOffset="1355">311 632 0,'0'-26'16,"26"26"-16,0 0 16,-26-26-1,26 26-15,0 0 16,0 0 0,0 0-16,0 0 15,0 0 1,-26-26-16,25 26 0,1 0 15,0 0 1,0 0-16,0 0 16,0 0-16,0 0 15,0 0 1,-26-26 0,26 26-16</inkml:trace>
-  <inkml:trace contextRef="#ctx0" brushRef="#br0" timeOffset="4283">752 36 0,'0'26'109,"0"0"-77,0 0-17,0 0 1,0-1 0,0 1-1,0 0 1,0 0-1,0 0 1,26-26-16,-26 26 16,0 0 15,26-26-31,-26 26 16,0 0 15,26-26-31,-26 26 15,0 0 1,0 0 0,25-26-1,-25 25-15,0 1 16,0 0 0,0 0-1,0 0 16,0 0-15,0 0-16,0 0 31,0 0-15,-25 0 0,25 0-1,0 0 1,-26-26-1,26 26-15,0-1 32,-26-25-32,26 26 15,0 0 1,0 0 0,0 0-1,0 0 1,0 0 15,-26 0-15,26 0-1,0 0 1,0 0 0,0 0 15,0-1-16,26 1 1,-26 0 0,26 0 15,-26 0-15,26-26-1,-26 26-15,25-26 16,-25 26-1,26-26-15,0 26 16,0 0 15,0-26-31,0 0 16,0 0 0,0 26-1,0-26-15,0 0 16,0 0-1,0 0 1,-1 0-16,1 0 16,0 0-1,0 0 1,0-26 0,0 26-1,0 0-15,0-26 16,0 26-1,0-26 1,0 26-16,0-26 16,0 26-1,-26-26 1,25 26 0,-25-26-1,0 0-15,26 26 16,-26-26-16,0 0 15,26 1 1,-26-1 0,0 0-1,26 26-15,-26-26 16,0 0 0,0 0-1,0 0 1,0 0-1,-26 26 1,26-26 0,0 0-16,-26 26 15,26-26 1,-26 26-16,26-26 16,0 1-1,-25 25-15,25-26 16,-26 26-1,26-26 1,0 0-16,-26 26 16,26-26-16,0 0 15,-26 26 1,26-26-16,0 0 16,0 0-1,-26 26-15,26-26 16,0 0-16,0 0 15,-26 26 1,26-26-16,0 1 16,0-1-1,-26 26 1,26-26-16,0 0 16,0 0-1,0 0 1,0 0 15,-26 26-31,26-26 16,0 0-1,0 0 1,-26 26-16,26-26 16,-26 0-1,26 1 1,-26 25-1,26-26-15,-26 26 16,26-26 0,-26 26-16,1-26 15,-1 0 17,0 26-17,0-26 1,0 26-1,0 0 1,0 0 0,0 0-1,0 0 1,0 0 15,0 0-15,0 0 15,1 0-15,-1 0-1,0 0 1,0 26 31,26 0 0,0 0-32,0 0 1,0 0 0,0-1-16</inkml:trace>
-  <inkml:trace contextRef="#ctx0" brushRef="#br0" timeOffset="5322">259 1073 0,'0'-26'0,"26"26"32,-26-26-32,0 0 46,-26 26-30,0 0 0,1 0-1,25 26 1,-26-26 0,26 26-1,0 0 1,0 0-1,26-26 1,-26 25-16,25 1 16,1-26 15,0 0-15,-26-26-1,26 26-15,-26-25 16,0-1-16,0 0 15,0 0 1,0 0 0,0 0-1,-26 26-15</inkml:trace>
-  <inkml:trace contextRef="#ctx0" brushRef="#br0" timeOffset="5730">311 995 0,'26'0'47,"0"0"-31,0 0 0,0 0-16,0-26 15,0 26 1,0 0-16,0 0 0,-1 0 15,1-26-15,0 26 0,0 0 16,0 0 0,0-26-16,0 26 0,0 0 15,0 0 1,0-26 0,-52 26 62</inkml:trace>
-  <inkml:trace contextRef="#ctx0" brushRef="#br0" timeOffset="6268">363 1099 0,'26'0'31,"-26"25"16,26-25-47,0 0 31,0 0-31,0-25 16,0 25-16,-1 0 16,1-26-16,0 26 15,0 0-15,0 0 16,0-26-16,0 26 16,0 0-16,0 0 15,-26-26-15,26 26 31</inkml:trace>
-  <inkml:trace contextRef="#ctx0" brushRef="#br0" timeOffset="6912">363 1280 0,'0'-26'32,"-26"52"61,26 0-77,0 0 15,0 0-15,26-26-1,0 0 1,0 0 0,-26-26-1,26 0 1,-26 0 15,-26 26-31,0 0 31,0-26-31,0 26 16,26 26 15,0 0 1</inkml:trace>
-  <inkml:trace contextRef="#ctx0" brushRef="#br0" timeOffset="7325">389 1254 0,'26'0'47,"0"0"-32,0 0 1,0-26-1,0 26-15,-1 0 16,1 0-16,0 0 16,0 0-16,-26-26 15,26 26-15,0 0 16,0 0 0,0 0 30</inkml:trace>
-  <inkml:trace contextRef="#ctx0" brushRef="#br0" timeOffset="7842">363 1384 0,'26'0'0,"0"0"16,0 0 15,0 0-31,0 0 16,0-26 0,-1 26-16,1 0 15,0 0-15,0 0 16,-26-26-16,26 26 15,0 0-15,0 0 0,0 0 16,0-26 0,0 26-1,0 0 17,-52 0 30,26 26-62</inkml:trace>
-</inkml:ink>
-</file>
-
-<file path=ppt/ink/ink35.xml><?xml version="1.0" encoding="utf-8"?>
-<inkml:ink xmlns:inkml="http://www.w3.org/2003/InkML">
-  <inkml:definitions>
-    <inkml:context xml:id="ctx0">
-      <inkml:inkSource xml:id="inkSrc0">
-        <inkml:traceFormat>
-          <inkml:channel name="X" type="integer" max="1920" units="cm"/>
-          <inkml:channel name="Y" type="integer" max="1080" units="cm"/>
-          <inkml:channel name="T" type="integer" max="2.14748E9" units="dev"/>
-        </inkml:traceFormat>
-        <inkml:channelProperties>
-          <inkml:channelProperty channel="X" name="resolution" value="55.81395" units="1/cm"/>
-          <inkml:channelProperty channel="Y" name="resolution" value="55.6701" units="1/cm"/>
-          <inkml:channelProperty channel="T" name="resolution" value="1" units="1/dev"/>
-        </inkml:channelProperties>
-      </inkml:inkSource>
-      <inkml:timestamp xml:id="ts0" timeString="2020-12-22T06:35:05.299"/>
-    </inkml:context>
-    <inkml:brush xml:id="br0">
-      <inkml:brushProperty name="width" value="0.05" units="cm"/>
-      <inkml:brushProperty name="height" value="0.05" units="cm"/>
-      <inkml:brushProperty name="fitToCurve" value="1"/>
-    </inkml:brush>
-  </inkml:definitions>
-  <inkml:trace contextRef="#ctx0" brushRef="#br0">104 212 0,'0'26'31,"0"0"-15,0 0-1,0 0-15,0 26 16,0-26-16,26 0 0,-26 26 16,0-1-16,0 1 15,0 26-15,0-26 0,0 0 16,25 26-16,-25-1 0,0-25 15,0 0-15,26 26 16,-26-26-16,0-1 0,26 1 16,-26 0-16,26-26 15,-26 26-15,0 0 0,0-26 16,0 25-16,26-25 0,-26 0 16,0 0-16,0 0 15,0 0-15,-26 0 0,26 0 16,0 0-16,-26-26 15,26 26-15,0 0 16,26-1 15,0-25-15,0 0 0,0 0-16,0 0 15,0 0-15,0 0 0,0 0 16,25 26-16,1-26 15,0 0-15,-26 0 0,26 0 16,26 0-16,-27 0 0,1 0 16,0 0-16,26 0 15,-26 0-15,0 0 0,-1 0 16,1 0-16,0 0 16,0 0-16,0 0 0,0 0 15,25 0-15,-25 0 0,0 0 16,0 0-16,0 0 15,25 0-15,-25 0 0,0 0 16,0 0-16,0 0 0,-26 0 16,26 0-16,-27 0 15,1 0-15,0 0 16,0 0 0,-26-26 15,0 1-16,26 25-15,-26-26 16,0 0 0,0 0-16,0 0 0,0 0 15,0 0-15,0 0 16,0-26-16,0 26 0,0-25 16,0-1-16,0 26 0,-26-26 15,26 0-15,0 0 16,0 0-16,0 1 0,0 25 15,0-26-15,0 0 0,0 0 16,0 0-16,0 26 16,0-25-16,-26-1 0,26 0 15,0 0-15,0 0 16,0 0-16,-26 26 0,26-25 16,0 25-16,0 0 15,0 0-15,-26 0 0,26 0 16,0 0-16,0 0 0,0 0 15,0 0 1,0 0 0,0 1-1,-25 25 1,25-26-16,0 0 31,-26 26-31,26-26 16,0 0-1,0 0 17,-26 26-32,26-26 15,-26 26 1,0-26 0,0 26-1,0 0-15,0 0 16,0 0-1,-26 0-15,26 0 0,1 0 16,-27 0-16,26 0 0,-26 0 16,26 0-16,-26 0 15,26 26-15,-26-26 0,27 0 16,-27 0-16,26 26 16,-26-26-16,26 26 0,0-26 15,-26 0-15,26 26 0,-25-26 16,25 26-16,0-26 15,-26 0-15,26 26 0,-26-26 16,26 0-16,0 0 16,-26 26-16,26-26 0,1 0 15,-1 0-15,0 0 0,0 0 16,0 0-16,0 0 16,0 0-16,0 0 15,0 0 1,0 0-16,0 0 15,0 0 1,1 0 0,-1 25-16,0-25 15,0 0-15,0 0 16,0 0-16,0 26 0,0-26 16,0 0-16,0 0 15,0 0-15,0 26 16,1-26-16,-1 0 15,0 0 17,26 26-17,-26 0 17,26 0-17,-26-26-15,26 26 16,-26-26-16</inkml:trace>
-  <inkml:trace contextRef="#ctx0" brushRef="#br0" timeOffset="792">1192 394 0,'0'-26'32,"-26"26"-32,0 0 15,0 0 1,1 0-16,-1 26 16,0-26-16,26 26 15,-26 0-15,0-26 16,26 26-16,-26 0 0,26-1 15,0 1-15,0 0 0,0 0 16,0 0 0,0 0-16,26-26 15,-26 26-15,26-26 0,0 0 16,0 0 0,0 0-16,-1 0 0,1-26 15,0 26-15,0-26 16,0 26-16,-26-26 0,26 0 15,0 26-15,-26-26 0,26 0 16,-26 1-16,0-1 16,0 0-16,0 0 15,-26 0 1,0 0-16,0 0 16,0 26-16,26-26 15,-26 26-15,0 0 0,0-26 16,1 26-1,25 26-15,-26-26 16,26 26-16,-26-26 0,26 26 16,-26-26-16,26 26 0,-26-26 15,26 26-15</inkml:trace>
-  <inkml:trace contextRef="#ctx0" brushRef="#br0" timeOffset="1548">518 1171 0,'0'-25'0,"0"-1"31,-26 26 0,26-26-31,-26 26 16,1 26 0,-1 0-1,26-1 1,0 1-16,0 0 0,0 0 15,0 0-15,26 0 16,-26 0 0,25-26-16,-25 26 0,26-26 15,0 0-15,0 0 16,0 0-16,0 0 16,0 0-16,0-26 15,0 0 1,-26 0-16,0 0 15,0 0 1,-26 0 0,0 0-1,0 26 1,0 0-16,0 0 16,0 0-1,26 26 1,-26-26-16,26 26 15,-26-26 1,26 26 0,26-26-1</inkml:trace>
-  <inkml:trace contextRef="#ctx0" brushRef="#br0" timeOffset="2143">1711 1042 0,'0'-26'16,"0"0"15,-26 26-31,26 26 31,-26-26-31,26 26 16,-26 0-16,26 0 16,-26 0-16,26 0 15,0-1-15,0 1 0,0 0 16,0 0-16,0 0 16,26-26-16,0 26 0,0-26 15,0 0-15,-1 0 16,1 0-16,0-26 0,0 26 15,0-26-15,0 26 0,-26-26 16,26 26-16,-26-26 16,26 0-16,-26 1 0,0-1 15,-26 0 1,0 0-16,0 26 16,0-26-16,0 0 15,0 26-15,0 0 16,1 0-16,-1 0 0,0 0 15,0 26 1,0-26-16,26 26 0,-26 0 16</inkml:trace>
-  <inkml:trace contextRef="#ctx0" brushRef="#br0" timeOffset="2862">700 1586 0,'-26'0'0,"0"0"16,0 0 15,0 0-31,0 26 32,0-26-17,26 26-15,0 0 16,0 0-1,0 0-15,0 0 16,0 0 0,26-26-1,0 25 1,0-50 0,0 25-16,0-26 15,0 0 1,-26 0-1,26 0-15,-26 0 16,0 0 0,-26 26-16,0-26 15,0 26 1,0 0 0,26 26-16,-26-26 15,26 26-15,0 0 16</inkml:trace>
-  <inkml:trace contextRef="#ctx0" brushRef="#br0" timeOffset="3566">1685 1664 0,'0'-26'15,"-26"26"32,26 26-31,0 0 0,-26 0-1,26 0-15,0 0 16,26-26-1,-26 25-15,26-25 16,0 0 0,-26 26-16,25-26 0,1 0 15,0-26-15,0 26 16,0-25-16,0-1 16,0 0-1,-26 0-15,0 0 16,0 0-16,0 0 15,-26 26 1,0 0 0,0 0-16,0 0 15,0 26-15,0-26 16,26 26-16,-25-26 16</inkml:trace>
-</inkml:ink>
-</file>
-
-<file path=ppt/ink/ink36.xml><?xml version="1.0" encoding="utf-8"?>
-<inkml:ink xmlns:inkml="http://www.w3.org/2003/InkML">
-  <inkml:definitions>
-    <inkml:context xml:id="ctx0">
-      <inkml:inkSource xml:id="inkSrc0">
-        <inkml:traceFormat>
-          <inkml:channel name="X" type="integer" max="1920" units="cm"/>
-          <inkml:channel name="Y" type="integer" max="1080" units="cm"/>
-          <inkml:channel name="T" type="integer" max="2.14748E9" units="dev"/>
-        </inkml:traceFormat>
-        <inkml:channelProperties>
-          <inkml:channelProperty channel="X" name="resolution" value="55.81395" units="1/cm"/>
-          <inkml:channelProperty channel="Y" name="resolution" value="55.6701" units="1/cm"/>
-          <inkml:channelProperty channel="T" name="resolution" value="1" units="1/dev"/>
-        </inkml:channelProperties>
-      </inkml:inkSource>
-      <inkml:timestamp xml:id="ts0" timeString="2020-12-22T06:35:36.182"/>
-    </inkml:context>
-    <inkml:brush xml:id="br0">
-      <inkml:brushProperty name="width" value="0.05" units="cm"/>
-      <inkml:brushProperty name="height" value="0.05" units="cm"/>
-      <inkml:brushProperty name="fitToCurve" value="1"/>
-    </inkml:brush>
-  </inkml:definitions>
-  <inkml:trace contextRef="#ctx0" brushRef="#br0">159 289 0,'0'-26'16,"-26"26"15,26-26-15,-26 26 46,26 26-62,0 0 16,0 0 0,0-1-16,-26 1 15,26 0-15,0 0 0,0 0 16,0 0-16,0 0 16,0 0-16,0 0 0,0 0 15,0 0 1,0 0-16,0-1 0,0 27 15,0-26-15,0 0 0,0 0 16,26 0-16,-26 0 16,0 0-16,0 0 0,0 0 15,0 0-15,0-1 0,0 1 16,0 0 0,0 0-16,0 0 0,0 0 15,-26-26-15,26 26 16,0 0-16,0 0 0,0 0 15,-26 0 1,26 0-16,0 0 16,0-1-16,-26 1 15,26 0 1,0 0 0,-26-26-16,26 26 15,0 0-15,0 0 16,0 0 15,0 0-15,0 0-1,26-26 32,0 0-31,0 0-1,0 0-15,0 0 16,0 0-16,0 0 16,25 0-16,-25 0 15,0 0-15,26 0 0,-26 0 16,26 0-16,-26 0 0,0 26 16,25-26-16,-25 0 15,0 0-15,26 26 0,-26-26 16,0 0-16,0 0 15,0 0-15,26 0 0,-26 0 16,25 0-16,-25 0 0,26 0 16,0 0-16,-26 0 15,26 0-15,-26 0 0,26 0 16,-27 0-16,27 0 16,-26 0-16,0 0 0,26 0 15,-26 0-15,0 0 0,0 0 16,0 0-16,0 0 15,25 0-15,-25-26 0,0 26 16,0 0-16,0 0 16,0 0-16,0 0 0,0 0 15,0 0-15,0 0 0,0 0 16,-1 0-16,1-26 16,0 26-16,0 0 0,0 0 15,0 0 1,0 0-1,-26-26 1,26 26-16,-26-26 63,0 0-48,0 0 1,0 0-16,26 0 15,-26 0 1,0 0-16,0 0 0,0-25 16,0 25-16,0 0 0,0 0 15,0-26-15,0 26 16,0 0-16,0-26 0,26 26 16,-26-25-16,0 25 0,0-26 15,0 0-15,0 26 16,0-26-16,26 26 0,-26-26 15,0 27-15,0-27 16,0 26-16,0 0 0,0 0 16,0 0-16,0 0 15,0 0-15,0 0 16,0 0 0,0 0-16,0 1 15,0-1-15,0 0 16,0 0-16,0 0 15,0 0-15,0 0 16,0 0 0,0 0-16,0 0 15,0 0 1,-26 0 0,0 26-1,26-25 1,-26 25-1,0 0-15,0 0 16,0 0-16,0 0 0,0 0 16,0 0-16,0 0 15,1 0-15,-1 0 0,0 25 16,-26-25-16,26 0 16,0 0-16,-26 0 0,26 0 15,-26 0-15,27 0 0,-27 0 16,26 0-16,0 0 15,-26 0-15,26 0 0,-26 0 16,26 0-16,-25 0 0,25 0 16,0 0-16,-26 0 15,26 0-15,0 0 0,-26 0 16,26 0-16,-26 0 16,26 0-16,-25 0 0,25 0 15,-26 0-15,0 26 16,0-26-16,0 0 0,1 0 15,-1 26-15,26-26 0,-26 0 16,26 0-16,0 0 16,0 0-16,0 0 0,0-26 15,0 26 1,1 0 0,-1 0-16,0 0 15,0 0 1,0 0-16,26 26 15,-26-26-15,26 26 16,-26-26-16,26 26 31,0 0 1,-26-26-17,26 26 1,0 0-1,0 0 1,26-26-16,-26 26 0,0 0 16,26 0-16,-26-1 15,0 1 1,0 0-16,0 0 16,0 0-16,0 0 15,0 0 1,-26-26-1,26 26-15</inkml:trace>
-  <inkml:trace contextRef="#ctx0" brushRef="#br0" timeOffset="875">262 962 0,'0'26'47,"0"0"-31,0 0-16,0 0 15,0 0-15,0 0 16,0 0-16,0 0 16,26-26-16,-26 26 15,0 0-15,26-26 16,-26 26-1,0-52 17,0 0-32,0 0 15,0 0-15,0 0 16,0 0-16,0 0 0,0 0 16,0-26-16,0 26 15,0 1-15,0-27 0,-26 26 16,26 0-16,0 0 0,0 0 15,26 26 1,0 0 0,0 26-16,-26 0 15,26 0-15,0 0 16,0 0-16,-26 0 0,26-1 16,0 1-16,-26 0 15,25 0-15,1 0 16,-26 0-16,26 0 15,-26 0-15,26-26 16</inkml:trace>
-  <inkml:trace contextRef="#ctx0" brushRef="#br0" timeOffset="1116">340 1118 0,'-26'0'0,"52"-26"31,0 0-15,0 0-16,0 26 15,0-26-15,0 26 16,0-26-16,-1 26 0,1-26 15,0 26-15</inkml:trace>
-  <inkml:trace contextRef="#ctx0" brushRef="#br0" timeOffset="1416">625 729 0,'26'0'0,"0"26"16,0 0 0,0 0-1,0 0-15,-26 0 16,26 0-16,-26 0 0,26 0 15,-26-1 1,25 1-16,-25 0 0,0 0 16,26-26-1,-26 26-15</inkml:trace>
-  <inkml:trace contextRef="#ctx0" brushRef="#br0" timeOffset="1800">573 833 0,'0'-26'0,"0"0"16,26 0-1,0 26 1,0-26-16,0 26 15,0 0-15,26 0 0,-26-26 16,0 26-16,-1 0 0,1 0 16,0 0-16,0 0 15,0 26-15,0-26 0,0 26 16,0 0 0,-26 0-16,0 0 0,0 0 15,0 0-15,-26 0 0,0 0 16,0-1-16,-26 27 15,26-26-15,0 0 0,-25 0 16,25 0-16,0-26 16,26 26-16,-26-26 0,0 0 15</inkml:trace>
-  <inkml:trace contextRef="#ctx0" brushRef="#br0" timeOffset="2478">1092 651 0,'26'0'16,"-26"26"-16,0 0 16,26-26-16,-26 26 15,0 0 1,25 0-16,-25 0 0,0 0 16,0 0-16,0 0 15,26-26-15,-26 26 16,0 0-16,0-1 15,0 1 1,26-26-16,-26-26 47,-26 1-47,26-1 16,-26 0-16,1 0 15,25-26-15,-26 26 16,26 0-16,0 0 0,-26 0 15,26 0-15,0 0 16,0 1-16,0-1 0,0 0 16,26 26-1,-26-26-15,26 26 0,-1 0 16,1-26-16,0 26 0,0 0 16,0 0-1,0 26-15,0-26 16,-26 26-16,26-26 15,-26 26-15,0 0 16,0-1-16,0 1 16,-26 0-1,26 0-15,-26-26 0,0 26 16,0 0-16,0-26 16,0 0-16,0 26 15,1-26-15,-1 26 16</inkml:trace>
-</inkml:ink>
-</file>
-
-<file path=ppt/ink/ink37.xml><?xml version="1.0" encoding="utf-8"?>
-<inkml:ink xmlns:inkml="http://www.w3.org/2003/InkML">
-  <inkml:definitions>
-    <inkml:context xml:id="ctx0">
-      <inkml:inkSource xml:id="inkSrc0">
-        <inkml:traceFormat>
-          <inkml:channel name="X" type="integer" max="1920" units="cm"/>
-          <inkml:channel name="Y" type="integer" max="1080" units="cm"/>
-          <inkml:channel name="T" type="integer" max="2.14748E9" units="dev"/>
-        </inkml:traceFormat>
-        <inkml:channelProperties>
-          <inkml:channelProperty channel="X" name="resolution" value="55.81395" units="1/cm"/>
-          <inkml:channelProperty channel="Y" name="resolution" value="55.6701" units="1/cm"/>
-          <inkml:channelProperty channel="T" name="resolution" value="1" units="1/dev"/>
-        </inkml:channelProperties>
-      </inkml:inkSource>
-      <inkml:timestamp xml:id="ts0" timeString="2020-12-22T06:36:09.696"/>
-    </inkml:context>
-    <inkml:brush xml:id="br0">
-      <inkml:brushProperty name="width" value="0.05" units="cm"/>
-      <inkml:brushProperty name="height" value="0.05" units="cm"/>
-      <inkml:brushProperty name="fitToCurve" value="1"/>
-    </inkml:brush>
-  </inkml:definitions>
-  <inkml:trace contextRef="#ctx0" brushRef="#br0">0 624 0,'26'0'0,"-26"-26"15,26 26-15,-26-26 16,26 26-16,0-26 0,0 0 16,-1 0-16,1 26 15,0-26-15,26 26 16,-26-26-16,0 26 0,0-26 15,26 26-15,-26-25 16,25-1-16,1 26 0,0-26 16,0 0-16,0 26 15,0-26-15,0 26 0,-1-26 16,27 0-16,-26 26 0,0-26 16,26 26-16,-27-26 15,1 26-15,26-26 0,0 26 16,-1-26-16,1 0 0,0 26 15,26-25-15,-1 25 16,1-26-16,-26 26 0,25 0 16,1-26-16,0 26 15,-1 0-15,-25-26 0,0 26 16,0 0-16,25 0 0,-25 0 16,0 0-16,0 26 15,25-26-15,-25 0 0,26 26 16,-26-26-16,25 0 15,1 26-15,0-26 0,-1 25 16,1-25-16,0 0 0,25 26 16,-25-26-16,-1 26 15,-25-26-15,26 26 0,0 0 16,-27-26-16,27 26 16,-26 0-16,0 0 0,-1-26 15,27 26-15,-26 0 0,-1 0 16,-25 0-16,26-1 15,-26 1-15,26 0 0,-27 26 16,1-26-16,0 0 16,26 0-16,-26 26 0,0-26 15,-1 0-15,1-1 0,-26 27 16,26-26-16,0 26 16,-26-26-16,26 26 0,-1 0 15,-25-26-15,26 25 16,0-25-16,-26 26 0,26 0 15,-26-26-15,26 26 0,-27-26 16,1 26-16,26-27 16,-26 27-16,26-26 0,-26 26 15,26-26-15,0 0 16,-27 26-16,27-26 0,-26 25 16,26-25-16,-26 0 0,0 0 15,0 26-15,26-26 16,-26 0-16,0 0 0,-1 0 15,1 0-15,0 0 16,0-1-16,0 1 0,26 0 16,-26 0-16,26 0 0,-26 0 15,25 0-15,-25 0 16,26 0-16,-26 0 0,0 0 16,26 0-16,-26-26 0,26 25 15,-26 1-15,-1 0 16,27-26-16,-26 26 0,26 0 15,-26-26-15,26 26 16,-26-26-16,26 26 0,-27-26 16,27 26-16,-26-26 0,26 0 15,-26 26-15,26-26 16,-26 0-16,26 26 0,-26-26 16,-1 0-16,1 26 15,26-26-15,-26 0 0,0 0 16,0 0-16,0 0 0,0 26 15,0-26-15,0 0 16,0 0-16,-1 0 0,1 0 16,0 0-1,0 0-15,0 0 16,0 0 0,0 0-1,0 0-15,0 0 16,0 0-1,0 0-15,0 0 16,-1 0 15,1 0 1,0 0-1,-26 26 16,26-26 0,0 0 93,0 0 16,0 0 485,-26-26-625,26 26 15,-26-26 0,26 26-31,0 0 16,0 0 15,0 0-31,-1 0 16,1 0-1,0 0 1,0 0-16,0 0 16,0 0-1,0 0 1,0 0-16,0 0 15,0-26 1,0 26 0,0 0-16,0 0 15,-1-26 1,1 26-16,0 0 31,0 0-15,0 0-1,0 0 1,0 0 15,-52 0 47,0 0-62,0 0 0,0 0-16</inkml:trace>
-  <inkml:trace contextRef="#ctx0" brushRef="#br0" timeOffset="967">9460 2231 0,'26'0'62,"-26"26"-46,26-26-16,0 26 31,0-26-31,0 25 16,0-25-1,-26 26-15,26-26 16,0 26-16,-1-26 16,1 0-16,0 26 15,0-26-15,0 0 0,0 26 16,0-26-16,0 26 15,0-26-15,0 0 0,0 26 16,0-26-16,-1 0 16,-25 26-1,-25-26 95,-1 0-79,26 26-15,-26-26-16,26 26 0,-26-26 15,26 26-15,-26 0 0,0 0 16,0-1-1,0 1-15,26 0 0,-26 0 16,0 0-16,0-26 16,26 26-16,-26 0 0,1 0 15,-1 0-15,26 0 16,-26-26 0,26 26-1</inkml:trace>
-</inkml:ink>
-</file>
-
-<file path=ppt/ink/ink38.xml><?xml version="1.0" encoding="utf-8"?>
-<inkml:ink xmlns:inkml="http://www.w3.org/2003/InkML">
-  <inkml:definitions>
-    <inkml:context xml:id="ctx0">
-      <inkml:inkSource xml:id="inkSrc0">
-        <inkml:traceFormat>
-          <inkml:channel name="X" type="integer" max="1920" units="cm"/>
-          <inkml:channel name="Y" type="integer" max="1080" units="cm"/>
-          <inkml:channel name="T" type="integer" max="2.14748E9" units="dev"/>
-        </inkml:traceFormat>
-        <inkml:channelProperties>
-          <inkml:channelProperty channel="X" name="resolution" value="55.81395" units="1/cm"/>
-          <inkml:channelProperty channel="Y" name="resolution" value="55.6701" units="1/cm"/>
-          <inkml:channelProperty channel="T" name="resolution" value="1" units="1/dev"/>
-        </inkml:channelProperties>
-      </inkml:inkSource>
-      <inkml:timestamp xml:id="ts0" timeString="2020-12-22T06:36:12.649"/>
-    </inkml:context>
-    <inkml:brush xml:id="br0">
-      <inkml:brushProperty name="width" value="0.05" units="cm"/>
-      <inkml:brushProperty name="height" value="0.05" units="cm"/>
-      <inkml:brushProperty name="fitToCurve" value="1"/>
-    </inkml:brush>
-  </inkml:definitions>
-  <inkml:trace contextRef="#ctx0" brushRef="#br0">0 285 0,'26'0'109,"0"0"-109,0 0 16,0 0-16,0 0 15,0 0-15,26 0 0,-26 0 16,25 0-16,1 0 15,0 0-15,-26 0 0,26 0 16,26 0-16,-26 0 0,-1 0 16,1 26-16,-26-26 15,26 0-15,0 0 0,0 0 16,-1 0-16,-25 0 0,26 0 16,-26 0-16,26 0 15,-26 0-15,0 0 0,0 0 16,0 0-16,0 0 15,-1 0-15,1 0 0,0 0 16,26 0-16,-26 0 16,0 0-16,0 0 15,26 0-15,-26 0 0,0 0 16,25 0-16,-25 0 16,26 0-16,-26 0 0,0 0 15,0 0-15,26 0 0,-26 0 16,0-26-1,0 26-15,-1 0 16,1 0 0,0 0-1,0 0-15,0 0 16,0 0-16,0 0 16,0 0-16,0 0 15,0 0-15,0 0 16,0 0-16,-1 0 15,1 0 1,0 0 31,0 0-16</inkml:trace>
-  <inkml:trace contextRef="#ctx0" brushRef="#br0" timeOffset="696">1815 0 0,'26'26'78,"0"-26"-63,-26 26-15,25-26 16,1 26-16,0 0 0,0 0 16,26 0-16,-26-26 15,0 26-15,0-1 0,0 1 16,26 0-16,-27 0 15,1 0-15,0-26 0,-26 26 16,26-26-16,0 26 0,0-26 16,-26 26-1,26-26 1,-52 0 46,0 0-62,0 26 16,0-26 0,26 26-16,-26-26 0,0 26 15,1-26-15,-1 26 0,0 0 16,0-1-16,0 1 16,-26 0-16,52 0 0,-26 0 15,0-26-15,0 26 16,0 0-16,26 0 0,-26-26 15,26 26-15</inkml:trace>
-</inkml:ink>
-</file>
-
-<file path=ppt/ink/ink39.xml><?xml version="1.0" encoding="utf-8"?>
-<inkml:ink xmlns:inkml="http://www.w3.org/2003/InkML">
-  <inkml:definitions>
-    <inkml:context xml:id="ctx0">
-      <inkml:inkSource xml:id="inkSrc0">
-        <inkml:traceFormat>
-          <inkml:channel name="X" type="integer" max="1920" units="cm"/>
-          <inkml:channel name="Y" type="integer" max="1080" units="cm"/>
-          <inkml:channel name="T" type="integer" max="2.14748E9" units="dev"/>
-        </inkml:traceFormat>
-        <inkml:channelProperties>
-          <inkml:channelProperty channel="X" name="resolution" value="55.81395" units="1/cm"/>
-          <inkml:channelProperty channel="Y" name="resolution" value="55.6701" units="1/cm"/>
-          <inkml:channelProperty channel="T" name="resolution" value="1" units="1/dev"/>
-        </inkml:channelProperties>
-      </inkml:inkSource>
-      <inkml:timestamp xml:id="ts0" timeString="2020-12-22T06:36:28.474"/>
-    </inkml:context>
-    <inkml:brush xml:id="br0">
-      <inkml:brushProperty name="width" value="0.05" units="cm"/>
-      <inkml:brushProperty name="height" value="0.05" units="cm"/>
-      <inkml:brushProperty name="fitToCurve" value="1"/>
-    </inkml:brush>
-  </inkml:definitions>
-  <inkml:trace contextRef="#ctx0" brushRef="#br0">2592 370 0,'0'-26'16,"-26"26"-1,0 0 1,0 0 0,1 0-16,-1 0 15,0 0-15,0 0 16,-26 0-16,26 0 0,-26 0 16,0 0-16,1 0 0,-27 0 15,26 0-15,-26-26 16,0 26-16,1 0 0,-1 0 15,0-25-15,0 25 0,27 0 16,-27 0-16,26 0 16,0-26-16,0 26 0,0 0 15,1 0-15,25 0 16,0-26-16,-26 26 0,26 0 16,-26 0-16,26 0 15,-26 0-15,27 0 0,-27 0 16,26 0-16,-26 0 0,0 0 15,26 0-15,0-26 16,0 26-16,0 0 16,1 0-16,-1 0 0,0 0 15,0 0 17,0 0-17,0 0 1,0 0-16,0 0 15,0 0 1,0 0 0</inkml:trace>
-  <inkml:trace contextRef="#ctx0" brushRef="#br0" timeOffset="588">493 7 0,'0'-25'15,"-26"50"48,0 1-48,0-26-15,26 26 0,-26 0 16,-26-26-16,26 26 16,0 0-16,-25 0 0,25-26 15,0 26-15,-26 0 0,26 0 16,0-26-16,0 26 15,0-26-15,26 26 0,-26-26 16,26 25 0,0 1 31,26-26-47,0 26 15,0 0 1,0-26-16,-26 26 15,26 0-15,0 0 16,0-26-16,0 26 0,0 0 16,0-26-16,-1 26 0,1-26 15,-26 26-15,26-26 16,0 26-16,0-1 16,0-25-1,-26 26-15,26-26 16,-26 26-1</inkml:trace>
-</inkml:ink>
-</file>
-
-<file path=ppt/ink/ink4.xml><?xml version="1.0" encoding="utf-8"?>
-<inkml:ink xmlns:inkml="http://www.w3.org/2003/InkML">
-  <inkml:definitions>
-    <inkml:context xml:id="ctx0">
-      <inkml:inkSource xml:id="inkSrc0">
-        <inkml:traceFormat>
-          <inkml:channel name="X" type="integer" max="1920" units="cm"/>
-          <inkml:channel name="Y" type="integer" max="1080" units="cm"/>
-          <inkml:channel name="T" type="integer" max="2.14748E9" units="dev"/>
-        </inkml:traceFormat>
-        <inkml:channelProperties>
-          <inkml:channelProperty channel="X" name="resolution" value="55.81395" units="1/cm"/>
-          <inkml:channelProperty channel="Y" name="resolution" value="55.6701" units="1/cm"/>
-          <inkml:channelProperty channel="T" name="resolution" value="1" units="1/dev"/>
-        </inkml:channelProperties>
-      </inkml:inkSource>
-      <inkml:timestamp xml:id="ts0" timeString="2020-12-22T06:22:10.563"/>
-    </inkml:context>
-    <inkml:brush xml:id="br0">
-      <inkml:brushProperty name="width" value="0.05" units="cm"/>
-      <inkml:brushProperty name="height" value="0.05" units="cm"/>
-      <inkml:brushProperty name="fitToCurve" value="1"/>
-    </inkml:brush>
-  </inkml:definitions>
-  <inkml:trace contextRef="#ctx0" brushRef="#br0">0 1296 0,'26'26'172,"-26"0"-156,0 0-16,25 0 15,-25 0-15,26 0 16,-26 26-16,0-26 0,0 0 15,26 25-15,-26-25 0,0 26 16,26-26-16,-26 26 16,0 0-16,0-26 0,26 26 15,-26-1-15,0 1 16,0 0-16,0-26 0,0 26 16,0 0-16,0-1 0,0-25 15,0 26-15,26 0 16,-26-26-16,0 26 0,0-26 15,0 26-15,0-27 16,0 27-16,0-26 0,0 0 16,26 0-16,-26 0 15,0 0 1,0 0-16,26-26 94,0-26-63,0 26-15,0 0-1,0 0-15,0 0 16,-1 0-16,1-26 0,26 26 15,-26 0-15,26 0 16,0 0-16,0 0 0,-1 0 16,1-26-16,0 26 15,26 0-15,0 0 0,-1 0 16,1-26-16,26 26 0,-1 0 16,-25-26-16,26 26 15,0 0-15,25 0 0,-25 0 16,0-26-16,-1 26 15,1 0-15,0 0 0,-1 0 16,1 0-16,-26 0 0,25 0 16,-25-26-16,26 26 15,-1 0-15,-25 0 0,26 0 16,-26 0-16,25-26 16,-25 26-16,0 0 0,25 0 15,-25 0-15,0-25 0,-26 25 16,26 0-16,-27 0 15,1 0-15,0-26 0,0 26 16,-26 0-16,26 0 16,-26 0-16,25 0 0,-25-26 15,0 26-15,0 0 0,0 0 16,0 0 0,-26-26 77,0 0-77,-26 0 0,26 0-16,0 0 15,0 0-15,0-26 16,-26 26-16,26-25 0,0 25 15,0-26-15,-26 0 16,26 0-16,0 0 0,-26-25 16,26 25-16,0 0 0,0 0 15,-26 0-15,26 0 16,-25-25-16,25 25 0,0 0 16,-26 0-16,26 0 0,0 0 15,-26 1-15,26-1 16,0 0-16,-26 0 0,26 0 15,0 0-15,-26 1 16,26 25-16,0-26 0,0 0 16,-26 26-16,26-26 0,0 26 15,0 0-15,0 1 16,0-27-16,-26 26 0,26 0 16,0 0-1,0 0 1,0 0 15,0 0 16,-26 26 0,0 0-32,0 0 1,0 0-16,0 0 16,0 0-16,1 0 15,-27 26-15,26-26 0,-26 0 16,0 26-16,0-26 16,-25 26-16,-1-26 0,0 0 15,0 26-15,1 0 0,-27-26 16,26 26-16,-26 0 15,27-26-15,-27 26 0,0-1 16,27 1-16,-27-26 16,26 26-16,-26 0 0,27-26 15,-1 26-15,-26 0 0,27 0 16,-1-26-16,0 26 16,0-26-16,1 26 0,-1-26 15,0 26-15,26-26 16,-26 0-16,1 26 0,25-26 15,0 26-15,-26-26 0,26 0 16,1 0-16,-1 0 16,0 25-16,26-25 0,-26 0 15,26 0-15,0 0 0,-26 26 16,27-26-16,-1 0 16,-26 0-16,26 0 0,0 0 15,0 26-15,-26-26 16,26 0-16,0 0 0,0 0 15,1 0-15,-1 0 16,0 0-16,0 26 16,0-26-16,0 0 15,0 0 1,26 26 0,-26-26-1,0 0 16,26 26-31,0 0 32,-26-26-1,26 26-31,0 0 31,0 0-31,0 0 16,0 0-16,0-1 15,0 1-15,0 0 16,26 0-16,-26 26 0,0-26 16,0 0-16,0 0 15,0 0-15,0 0 0,0 26 16,0-27-16,0 1 0,0 0 16,0 0-16,26 0 15,-26 26-15,0-26 0,0 0 16,0 0-16,26 0 15,-26 0-15,0-1 0,0 1 16,0 0-16,26 0 0</inkml:trace>
-  <inkml:trace contextRef="#ctx0" brushRef="#br0" timeOffset="900">1010 1582 0,'-25'0'0,"25"-26"16,0 0-16,-26 0 15,0 0 1,0 26-16,0 0 16,0 0-1,0 0-15,0 0 0,0 26 16,0-26-16,0 26 0,0 0 16,1 0-16,-1-1 15,0 1-15,0 0 0,26 0 16,-26 0-16,26 0 15,0 0-15,26 0 16,0 0-16,0 0 16,25-26-16,-25 0 15,0 26-15,26-26 0,-26 0 16,26 0-16,-26 0 0,26 26 16,-26-26-16,-1 0 15,27 0-15,-26 25 0,0-25 16,-26 26-16,26-26 15,-26 26-15,26-26 0,-26 26 16,0 0-16,-26 0 16,26 0-16,-26 0 15,-26 0-15,26 0 0,-25 0 16,25-26-16,-26 26 16,26-26-16,-26 25 0,26-25 15,-26 0-15,26 0 0,0 0 16,1 0-16,-27 0 15,26 0-15,0-25 0,0 25 16,0-26 0</inkml:trace>
-  <inkml:trace contextRef="#ctx0" brushRef="#br0" timeOffset="1501">1788 1582 0,'0'-26'0,"-26"0"16,26 0-16,0 0 0,-26 26 15,26-26-15,0 0 16,-26 26-16,0 0 16,0 0-16,1 0 15,-1 0-15,0 0 16,0 26-16,0 0 16,0 0-16,0 0 0,0 0 15,0 0-15,0-1 0,26 1 16,-26 26-16,26-26 0,0 0 15,0 0-15,0 0 16,0 0-16,0 0 0,26 0 16,-26 0-16,26-1 15,-26 1-15,26-26 0,0 26 16,0-26-16,0 26 0,0-26 16,26 0-16,-26 0 15,-1 0-15,27 0 0,26 0 16,-26 0-1,-26 0-15,0 0 0,26 0 16,-27-26-16,1 26 0</inkml:trace>
-  <inkml:trace contextRef="#ctx0" brushRef="#br0" timeOffset="2196">2695 1348 0,'0'-26'0,"0"0"15,0 0-15,0 1 16,-26 25 0,26-26-16,-26 26 0,0-26 15,0 26 1,1 0-16,-1 0 15,0 0-15,0 26 0,0-26 16,0 26-16,-26-1 16,26-25-16,0 26 0,0 26 15,0-26-15,26 0 16,-25 0-16,-1 26 0,26-26 16,0 26-16,0-26 15,0-1-15,0 1 0,0 0 16,26 0-16,-26 0 0,25 0 15,1 0-15,0 0 16,0-26-16,0 26 0,0-26 16,0 0-16,0 26 0,0-26 15,0 0-15,26 26 16,-27-26-16,1 0 0,26 0 16,-26 0-16,26 0 15,-26-26-15,0 26 0,0 0 16,0-26-16,0 26 0,0-26 15,-1 26-15,1 0 16,0-26-16,0 0 16,0 26-16,-52 0 47,0 0-32</inkml:trace>
-  <inkml:trace contextRef="#ctx0" brushRef="#br0" timeOffset="30332">5909 363 0,'0'-26'47,"0"52"31,0 0-63,0 0-15,0 0 16,0 0-16,0 26 0,0 0 16,0 0-16,0-1 15,0 1-15,26 0 0,-26 26 16,0-26-16,0-1 16,0 1-16,0 0 0,0 0 15,0 0-15,26-26 0,-26 26 16,0-27-16,0 27 15,0 0-15,0-26 0,0 26 16,26 0-16,-26-26 16,0 26-16,0-27 0,0 1 15,0 26-15,0-26 0,0 0 16,0 0-16,0 0 16,0 0-16,0 0 0,0 0 15,0 0-15,0-1 16,0 1-16,0 0 15,0 0-15,0 0 16,0 0 0,0 0 15,0 0 47,0 0-78,0 0 16,0 0 31,26-26-47,0 0 31,0 0-16,-1 0 1,-25 26-16,26-26 16,0 0-16,0 0 15,0 0-15,0 0 16,0 0-16,0 0 0,0-26 16,0 26-16,26 0 15,-27 0-15,27 0 0,-26 0 16,26 0-16,0 0 0,0 0 15,0 0-15,-1 0 16,1 0-16,0 0 0,0 0 16,0 0-16,0 0 15,-1 0-15,1 0 0,0 26 16,0-26-16,26 0 0,-26 0 16,-1 0-16,1 25 15,0-25-15,0 0 0,26 0 16,-27 0-16,1 0 15,0 0-15,-26 0 0,26 0 16,0 0-16,0 0 0,-1 0 16,1 0-16,0 0 15,-26 0-15,26 0 0,0 0 16,-26 0-16,25 0 16,-25 0-16,0 0 0,26 0 15,-26 0-15,0 0 16,0 0-16,0 0 15,-26-25 95,0-1-95,0 0 1,0 0 0,0 0-16,26 26 15,-26-26 1,0 0-16,0 0 0,0-52 16,0 52-16,0-25 15,0 25-15,0-26 0,0 26 16,0-26-16,0 0 0,0 26 15,0-25-15,0-1 0,0 0 16,0 0-16,-26 0 16,26 0-16,0 0 0,0 1 15,0-1-15,-26 0 16,26 26-16,0-26 0,0 0 16,0 1-16,0-1 15,-26 0-15,26 26 0,0-26 16,0 26-16,0-26 0,0 26 15,0-25-15,0 25 16,0 0-16,0 0 0,-26-26 16,26 26-16,0 0 0,0 0 15,0 0-15,0 0 16,0 1-16,0-1 0,0 0 16,0 0-16,0 0 15,0 0-15,-26 0 16,26 0-16,0 0 15,0 0 1,0 0 0,0 0-1,0 0 17,-26 26 46,0 0-63,0 0 1,0 0 0,1 0-16,-1 0 0,0 26 15,-26-26-15,0 0 16,0 0-16,-77 26 15,51-26-15,0 0 16,0 0-16,1 26 0,-27-26 0,26 0 16,0 0-16,1 26 15,-1-26-15,26 0 0,-26 26 16,26-26-16,1 0 16,-1 0-16,26 26 0,-26-26 15,0 0-15,0 0 16,1 26-16,25-26 0,-26 0 15,0 0-15,0 26 0,0-26 16,0 0-16,1 0 16,-1 26-16,0-26 0,26 0 15,-26 0-15,26 0 16,0 0-16,0 0 16,0 0-16,1 0 15,25 26 1,-26-26-16,0 0 15,0 0-15,0 0 16,0 26-16,0-26 0,0 0 16,0 0-16,0 0 15,0 0 1,0 0 46,1 0-46,25 26 15,0-1 1,0 1-17</inkml:trace>
-  <inkml:trace contextRef="#ctx0" brushRef="#br0" timeOffset="31569">6583 856 0,'-26'-26'31,"0"0"-15,0 0-1,0 26 1,26-26-16,-26 26 16,0 0-16,0 0 15,1 0-15,-1 0 16,0 0-16,0 0 0,0 0 15,0 26 1,26 0-16,-26-26 0,26 26 16,0 0-16,0 0 15,0 0-15,0 0 16,0-1-16,26 1 16,0 0-1,0 0-15,0-26 16,0 26-1,0-26-15,-1 0 0,1 0 16,0 0-16,0 0 0,0 0 16,0 0-16,0 26 15,0-26-15,0 0 0,0 26 16,0 0 0,0 0-16,0 0 15,-26 0-15,0 0 16,0-1-1,0 1-15,0 0 16,-26-26-16,0 26 16,0 0-16,0-26 15,0 26-15,0-26 0,0 26 16,0-26-16,0 0 16,0 0-16,0 0 0,0 26 15,1-26-15,-1 0 16,26-26-16,-26 26 15,26-26-15,-26 26 0,26-26 16,0 0 15,26 26 1,-26 26-32</inkml:trace>
-  <inkml:trace contextRef="#ctx0" brushRef="#br0" timeOffset="33146">6972 908 0,'0'-26'15,"-26"26"-15,26-26 16,0 0 0,0 0-1,0 52 16,0 0-15,0 0-16,0 0 16,0 0-16,0 25 15,0 1-15,-26-26 0,26 26 16,0 0-16,0-26 0,-26 26 16,26-27-16,0 1 15,0 0-15,-26 0 0,26 0 16,0 0-1,0 0-15,0-52 63,0 0-47,0 0-16,26 0 15,-26-26-15,0 27 16,0-27-16,26 26 15,-26-26-15,26 0 0,-26 26 16,26-26-16,-26 26 0,0 1 16,26-27-16,-26 26 15,26 26-15,-26-26 0,25 0 16,1 26 0,0 0-16,0 0 0,0 0 15,0 0-15,-26 26 16,26-26-16,0 26 0,0 0 15,0 0-15,-26 0 0,26-1 16,-26 1-16,26 0 16,-26 26-16,0-26 0,0 26 15,0-26-15,0 0 16,0 0-16,0 0 0,0-1 16,0 1-16,0 0 0,0 0 15,0 0 1,0 0-16,0 0 31,-26-26 0</inkml:trace>
-  <inkml:trace contextRef="#ctx0" brushRef="#br0" timeOffset="33473">6972 1167 0,'-26'0'0,"0"0"16,26-26 15,26 26-31,0 0 16,-26-26-16,26 26 15,0 0-15,25-26 16,-25 26-16,0 0 0,26-26 16,-26 26-16,26 0 15,-26 0-15,0-26 0,25 26 16,-25 0-16,0 0 16,-52 0 15,0 0-16</inkml:trace>
-  <inkml:trace contextRef="#ctx0" brushRef="#br0" timeOffset="34252">7723 856 0,'26'0'15,"-26"-26"1,0 52 15,0 0-15,-26 0-16,26 0 15,0-1-15,-26 27 16,26-26-16,0 26 0,-26-26 16,26 0-16,0 26 0,-25-26 15,25 0-15,0-1 16,0 27-16,-26-26 0,26 0 15,0 0 1,0 0-16,0-52 47,0 0-31,0 0-16,26 0 15,-26 0-15,0-25 0,25 25 16,-25-26-16,0 0 0,26 0 15,-26 0-15,26 0 16,-26 1-16,26-1 0,-26 26 16,26 0-16,-26 0 15,26 0-15,0 26 16,0 0-16,0 0 0,0 26 16,0-26-1,-26 26-15,26 0 0,0 78 31,-1-79-31,-25 1 0,26 26 16,-26-26-16,0 26 0,0-26 16,0 0-16,26 26 15,-26-26-15,0-1 0,0 1 16,0 0-16,0 0 0,0 0 16,0 0-16,0 0 15,0 0 1,0-52 15,0 0-31</inkml:trace>
-  <inkml:trace contextRef="#ctx0" brushRef="#br0" timeOffset="34557">7775 1115 0,'-26'0'16,"52"0"31,0 0-32,0-26 1,0 26-16,0 0 0,0 0 15,0-26-15,0 26 0,0 0 16,25 0-16,-25-26 16,0 26-16,0 0 0,0 0 15,-26-26 1,0 52 0,-26-26-16</inkml:trace>
-  <inkml:trace contextRef="#ctx0" brushRef="#br0" timeOffset="36064">4432 1270 0,'0'-25'16,"26"-1"-1,-26 0 1,0 52 31,-26 0-32,0 25-15,0-25 16,26 0-16,-26 0 16,0 0-16,0 0 0,26 0 15,-26 0-15,26 0 16,-26-26-16,26 26 0,-26-26 15,26 26 1,0-52 15,26 26-15,-26-26 0,26 26-16,0 0 0,0 0 15,0 0-15,0 0 16,0 0-16,0 0 0,26 26 15,-27-26-15,1 26 16,26 0-16,-26-1 0,0-25 16,0 26-16,0-26 0,0 26 15,0-26-15,-26 26 16,26-26-16,-26 26 0,26-26 16</inkml:trace>
-  <inkml:trace contextRef="#ctx0" brushRef="#br0" timeOffset="36479">4535 1504 0,'-26'0'0,"1"0"15,-1 0 1,52 0 15,-1 0-31,1 0 16,0-26-16,0 26 15,26 0-15,0-26 0,0 26 16,0-26-16,25 26 16,1 0-16,-26-26 0,52 26 15,-27 0-15,1-26 0,0 26 16,0 0-16,-1-26 15,1 26-15,0 0 0,-26 0 16,0-26-16,-27 26 16,27 0-16,-26 0 0,0 0 15,-52 0 48,26 26-63</inkml:trace>
-  <inkml:trace contextRef="#ctx0" brushRef="#br0" timeOffset="37564">8708 856 0,'0'-26'16,"-26"26"-1,26-26-15,0 52 47,-26 0-31,0 0-16,26 0 16,-25 0-16,-1-1 0,0 27 15,26-26-15,-26 0 16,26 0-16,-26 0 0,0 0 15,26 0-15,-26-26 16,26 26 0,26 0 15,0-26-15,0 0-1,0 0-15,-26 26 0,26-26 16,0 0-16,-1 25 0,1-25 15,0 26-15,0-26 16,0 26-16,0-26 0,-26 26 16,26-26-16,0 0 0,-26 26 15,26-26-15,-26 26 16,26-26-16</inkml:trace>
-  <inkml:trace contextRef="#ctx0" brushRef="#br0" timeOffset="38500">8605 1089 0,'-26'0'16,"52"0"15,-1 0-31,1 0 16,0 0-16,0 0 16,0-26-16,26 26 0,0 0 15,0 0-15,-1-26 0,1 26 16,26 0-16,0 0 15,-26-26-15,25 26 0,1 0 16,0 0-16,0 0 16,-1-26-16,-25 26 0,26 0 15,0 0-15,-26 0 0,-1 0 16,27 0-16,-26-26 16,0 26-16,-26 0 0,26 0 15,-26 0-15,25 0 16,-25 0-16,0-25 0,0 25 15,0 0 1,0 0 172,-26 25-188,26-25 15,0 0 16,0 0 63,0 0-78,-26-25-16,26 25 78,-52 0-16,0 25-46</inkml:trace>
-</inkml:ink>
-</file>
-
-<file path=ppt/ink/ink40.xml><?xml version="1.0" encoding="utf-8"?>
-<inkml:ink xmlns:inkml="http://www.w3.org/2003/InkML">
-  <inkml:definitions>
-    <inkml:context xml:id="ctx0">
-      <inkml:inkSource xml:id="inkSrc0">
-        <inkml:traceFormat>
-          <inkml:channel name="X" type="integer" max="1920" units="cm"/>
-          <inkml:channel name="Y" type="integer" max="1080" units="cm"/>
-          <inkml:channel name="T" type="integer" max="2.14748E9" units="dev"/>
-        </inkml:traceFormat>
-        <inkml:channelProperties>
-          <inkml:channelProperty channel="X" name="resolution" value="55.81395" units="1/cm"/>
-          <inkml:channelProperty channel="Y" name="resolution" value="55.6701" units="1/cm"/>
-          <inkml:channelProperty channel="T" name="resolution" value="1" units="1/dev"/>
-        </inkml:channelProperties>
-      </inkml:inkSource>
-      <inkml:timestamp xml:id="ts0" timeString="2020-12-22T06:36:22.455"/>
-    </inkml:context>
-    <inkml:brush xml:id="br0">
-      <inkml:brushProperty name="width" value="0.05" units="cm"/>
-      <inkml:brushProperty name="height" value="0.05" units="cm"/>
-      <inkml:brushProperty name="fitToCurve" value="1"/>
-    </inkml:brush>
-  </inkml:definitions>
-  <inkml:trace contextRef="#ctx0" brushRef="#br0">12396 4138 0,'26'0'0,"-26"26"0,26-26 16,0 0-16,25 0 0,-25 0 15,0 0-15,26-26 16,-26 26-16,26 0 0,-26 0 16,0 0-16,26 0 15,-27 0-15,1 0 0,0 0 16,0 0-16,0 0 0,0 0 16,0 0-1,0 0 1,-26 26-1</inkml:trace>
-  <inkml:trace contextRef="#ctx0" brushRef="#br0" timeOffset="-1492">12059 2791 0,'26'0'31,"0"0"-15,0-26-1,0 26-15,-1 0 16,27 0-16,-26 0 15,0 0-15,26 0 0,-26 0 16,26 0-16,-26 0 0,0 0 16,0 0-16,-1 0 15</inkml:trace>
-  <inkml:trace contextRef="#ctx0" brushRef="#br0" timeOffset="-1128">12111 3128 0,'0'26'15,"26"-52"17,0 26-32,-1 0 15,27-26-15,-26 26 0,26 0 16,-26 0-16,26 0 16,-26 0-16,26 0 0,-1 0 15,-25 0-15,0 0 16,0 0-16,0 0 15,0 0 1</inkml:trace>
-  <inkml:trace contextRef="#ctx0" brushRef="#br0" timeOffset="-780">12111 3387 0,'26'0'16,"0"26"-16,-1-26 15,1 0 1,0 0-16,0 0 0,0-26 16,0 26-16,26 0 15,-26 0-15,26 0 0,-26 0 16,25 0-16,-25 0 0,26 0 16,-26 0-16,26 0 15,-26 0-15,0 0 0,0 0 16</inkml:trace>
-  <inkml:trace contextRef="#ctx0" brushRef="#br0" timeOffset="-377">12266 3724 0,'0'26'0,"26"-26"16,0 0-1,0 0-15,0 0 0,0 0 16,0 0-16,26 0 0,-1-26 16,-25 26-16,26 0 15,0 0-15,0-26 0,-26 26 16,26 0-16,-26 0 16,-1 0-16,1 0 15,0 0-15,0 0 16,-52 0-1,0 0 17,0 0-32</inkml:trace>
-  <inkml:trace contextRef="#ctx0" brushRef="#br0" timeOffset="9806">14262 2894 0,'26'0'31,"-26"26"-31,26 0 31,-26 0-31,0 0 16,0 0-16,26-26 16,-26 26-16,0 0 0,-26 0 15,0 0 1,0 0-1,0-26-15,0 25 0,0-25 16,0 0-16,0 26 16,0-26-16,1 0 15,-1 0 1,0 0 0,26-26-16,-26 26 15,0 0-15,0 0 16,0 0-16,0 0 15,0 0 1,26 26 0,26-26-1,0 0-15,0 0 16,0 0 0,0 0-1,0 0-15,0 0 16,-26 26 15,0 0-15,-26-26-1,0 26 1,0 0-16,0 0 16,0-26-16,26 26 15,-26-26-15,26 26 16,-26-26-16,26 26 15,0 0 1,0 0 0,26-26-1,-26 25 1,26-25-16,0 0 16,0 0-1,0 0-15,0 0 16,0 0-16,-26 26 15,26-26 1,-1 0 31,-25 26-31,0 0 15,-25-26-16,25 26-15,0 0 16,0 0 0,-26-26-16,26 26 15,0 0 1,0 0 15,26-26-15,-26 26-1,25-26-15,-25 26 16,26-26-16,-26 25 16,0 1-1,0 0 1,-26-26 0,26 26-16,-25 0 15,25 0 1,0 0-1,-26-26-15,26 26 32,26-26-17,-1 0 1,1 0 0,0 0 46,0 0-31,-26-26-15,26 26 0,0 0-16,0 0 15,0 0 1,0 0-16,0 0 15,0 0-15,0 0 16,-1 0-16,1 0 16,0 0-16,0 0 15,0 0-15,0 0 16,0 0-16,-26-26 0,26 26 16,0 0-16,0 0 15,0 0 1,0 0-1,-1 0 17,1 0-17,-26-26 1,26 26-16,0 0 31,0 0-15,-26-26-1,26 26 1,-26-26 0,26 26-1,-26-26-15,0 0 16,0 1-16,0-1 16,0 0-1,0 0-15,0 0 0,0 0 16,0 0-16,0 0 15,-26 0-15,26 0 16,0 0 0,-26 26-1,0 0 1,0 0 0,0 0-16,0 0 0,1 0 15,-1 0-15,0 0 16,0 0-1,26-26 17,0 1-17,0-1 1,26 0 0,-26 0-16,0 0 15,0 0-15,0 0 16,0 0-16,0 0 15,0 0 17,26 26-17,-26-26 1,26 26-16,-26-26 16,25 26-16,1-25 15,-26-1 1,26 26-16,-26-26 15,0 0 1,0 0 0,-26 26-16,26-26 15,-26 26-15,1-26 16,-1 0 0,0 26-1,26-26 1,-26 26-16,0 0 31,0 0-15,26-26-16,-26 26 15,0 0-15,0 0 16,0-26-16,0 26 16,0 0-1,1 0-15,-1 0 16,0 0-16,0 26 0,0-26 15,0 0 1,52 26 15,0-26-15,0 26 0,0-26-1</inkml:trace>
-  <inkml:trace contextRef="#ctx0" brushRef="#br0" timeOffset="12421">14236 3024 0,'0'-26'62,"0"0"-46,26 26-1,-26-26 1,0 0 0,0 0-1,0 0 1,-26 0 0,26 1-1,-26 25-15,26-26 16,-26 26-16,26-26 0,-26 26 15,0-26 1,0 26-16,26-26 0,-25 26 16,-1-26-1,0 26-15,0-26 16,0 26 0,0 0-1,0-26-15,0 26 16,0 0-1,0 0-15,0-26 16,0 26-16,1 0 0,-1-26 0,0 26 16,0-26-16,0 26 15,0 0-15,0-26 0,0 26 16,0-25-16,0 25 16,26-26-16,-26 26 15,0-26-15,0 26 16,1 0-1,25-26-15,-26 26 16,0 0-16,0 0 16,0 0-16,0 0 15,0-26-15,-26 26 0,26 0 16,0 0-16,-25 0 16,25 0-16,0-26 0,-26 26 15,26 0-15,-26 0 16,26 0-16,-26 0 0,26-26 15,-25 26-15,25 0 0,-26 0 16,0 0-16,26-26 16,-26 26-16,0 0 0,1 0 15,-1 0-15,0 0 0,0 0 16,0 0-16,0 0 16,1 0-16,-1 0 0,0 0 15,26 0-15,-26 0 16,26 0-16,0 0 0,-26 0 15,27 0-15,-1 0 16,-26 26-16,26-26 0,0 0 16,-26 0-16,26 0 0,-26 0 15,26 0-15,-25 26 16,25-26-16,-26 0 0,0 26 16,26-26-16,-26 26 15,0-26-15,27 26 0,-27-26 16,0 26-16,26-26 0,-26 26 15,26-26-15,0 25 16,-26-25-16,26 26 0,-25-26 16,-1 26-16,26-26 0,-26 26 15,0-26-15,0 26 16,1-26-16,-1 26 0,-26-26 16,26 0-16,0 26 15,0-26-15,-25 26 0,25-26 16,0 26-16,0-26 0,-26 26 15,27-26-15,-1 26 16,0 0-16,0-26 0,0 25 16,0-25-16,1 26 15,-1 0-15,0-26 0,26 26 16,-26-26-16,0 26 0,0 0 16,1-26-16,25 26 15,-26-26-15,-26 26 0,26 0 16,0-26-16,1 26 15,-27-26-15,26 26 0,-26 0 16,26-26-16,-25 26 0,-1-1 16,26-25-16,-26 26 15,1-26-15,-1 26 0,0 0 16,0-26-16,1 26 16,-1 0-16,0 0 0,0 0 15,1-26-15,-1 26 0,0 0 16,-26-26-16,27 26 15,-1 0-15,-26-26 0,26 0 16,-25 25-16,25-25 16,-26 26-16,27-26 0,-27 0 15,0 26-15,26-26 0,-25 0 16,-1 26-16,26-26 16,-25 0-16,25 0 0,0 0 15,0 0-15,1 0 16,-1-26-16,0 26 0,26-26 15,-25 26-15,25 0 0,-26-26 16,26 1-16,0 25 16,0-26-16,1 0 0,-1 0 15,0 0-15,-26 0 0,26 0 16,1 0-16,-1 0 16,-26 0-16,0-26 0,26 27 15,-25-27-15,-1 26 16,0-26-16,-26 0 0,27 26 15,-1-26-15,0 0 0,0 1 16,27 25-16,-27-26 16,26 0-16,0-26 0,0 26 15,26 1-15,-25-1 16,25-26-16,0 26 0,0-26 16,-26 27-16,52-27 15,-26 0-15,0 26 0,0-25 16,0 25-16,0-26 0,0 26 15,26 0-15,-26 0 16,1-25-16,-1 25 0,0 0 16,0 0-16,0 0 0,0 0 15,0 1-15,0-1 16,0 0-16,0 0 0,0 26 16,0-26-16,26 1 15,-25-1-15,-1 26 0,0-26 16,26 26-16,-26-26 0,26 26 15,-26 0-15,0-25 16,26 25-16,-26 0 0,0 0 16,0-26-16,0 26 15,0 0-15,0 0 0,1 0 16,-27 0-16,0 0 0,26 0 16,-52 1-16,26 25 15,1-26-15,-1 26 0,-26-26 16,26 26-16,0-26 15,0 26-15,-25 0 0,25-26 16,0 26-16,0 0 0,0 0 16,0 0-16,1 0 15,25-26-15,-26 26 0,26 0 16,-26 0-16,0 0 16,26 26-16,-25-26 0,-1 26 15,0-26-15,0 26 0,0-26 16,0 26-16,1 0 15,-27-1-15,26-25 0,-26 26 16,26 0-16,0 0 16,-25 0-16,25-26 0,0 26 15,0 0-15,0 0 0,1-26 16,-1 26-16,0 0 16,26-26-16,0 26 0,0-26 15,0 0-15,0 26 16,0-26-1</inkml:trace>
-  <inkml:trace contextRef="#ctx0" brushRef="#br0" timeOffset="13111">525 17 0,'0'-26'16,"0"52"0,0 0-1,-26 0-15,26 0 0,0 0 16,-26 0-16,26 0 0,-26 26 15,1-26-15,-1 25 16,0-25-16,0 0 0,0 26 16,0-26-16,-26 0 15,26 0-15,-26 0 0,26 0 16,1 0-16,-1 0 0,0 0 16,0-26-16,0 25 15,26 1-15,0 0 16,0 0-1,26-26-15,0 26 0,0-26 16,0 0-16,-1 26 16,1-26-16,0 0 15,0 0-15,0 0 0,0 0 16,0 0-16,0 0 0,0 0 16,0 0-1,0 0-15,0 0 16,-1 0-16,-25 26 15,26-26-15,0 26 16,-26 0 0,26-26-16,-26 26 15,26 0 17</inkml:trace>
-</inkml:ink>
-</file>
-
-<file path=ppt/ink/ink41.xml><?xml version="1.0" encoding="utf-8"?>
-<inkml:ink xmlns:inkml="http://www.w3.org/2003/InkML">
-  <inkml:definitions>
-    <inkml:context xml:id="ctx0">
-      <inkml:inkSource xml:id="inkSrc0">
-        <inkml:traceFormat>
-          <inkml:channel name="X" type="integer" max="1920" units="cm"/>
-          <inkml:channel name="Y" type="integer" max="1080" units="cm"/>
-          <inkml:channel name="T" type="integer" max="2.14748E9" units="dev"/>
-        </inkml:traceFormat>
-        <inkml:channelProperties>
-          <inkml:channelProperty channel="X" name="resolution" value="55.81395" units="1/cm"/>
-          <inkml:channelProperty channel="Y" name="resolution" value="55.6701" units="1/cm"/>
-          <inkml:channelProperty channel="T" name="resolution" value="1" units="1/dev"/>
-        </inkml:channelProperties>
-      </inkml:inkSource>
-      <inkml:timestamp xml:id="ts0" timeString="2020-12-22T06:36:39.476"/>
-    </inkml:context>
-    <inkml:brush xml:id="br0">
-      <inkml:brushProperty name="width" value="0.05" units="cm"/>
-      <inkml:brushProperty name="height" value="0.05" units="cm"/>
-      <inkml:brushProperty name="fitToCurve" value="1"/>
-    </inkml:brush>
-  </inkml:definitions>
-  <inkml:trace contextRef="#ctx0" brushRef="#br0">1270 1503 0,'26'0'31,"-52"26"-31,0 0 16,26 0-1,-26 26 1,26-27-16,0 27 0,0-26 15,0 26-15,0 0 0,0 0 16,0 0-16,0 25 0,26-25 16,-26 0-16,26 26 15,-26-26-15,0-1 0,0 1 16,0 0-16,26 0 16,-26 0-16,0 0 0,0-26 15,0-1-15,0 27 0,0-26 16,0 0-1,0 0-15,-26-26 32,26-26-17,-26 0-15</inkml:trace>
-  <inkml:trace contextRef="#ctx0" brushRef="#br0" timeOffset="329">907 2643 0,'26'0'16,"-26"26"-1,26-26-15,0 0 16,-26 26 0,26-26-16,0 0 0,0 26 15,0 0-15,0-26 16,-1 26-16,1 0 0,0 0 16,0 0-16,0-26 15,0 26-15,0 0 0,0-26 16,-26 25-16,26-25 0,-26 26 15,26-26-15</inkml:trace>
-  <inkml:trace contextRef="#ctx0" brushRef="#br0" timeOffset="767">1763 2643 0,'25'0'0,"1"-26"16,0 26-16,-52 0 62,0 0-62,1 26 16,-1-26-16,-26 26 0,26-26 16,-26 26-16,0 0 15,0 0-15,26 0 0,-25 0 16,25 0-16,-26-26 0,26 26 16,0 0-16,0-26 15,26 26-15,-26-1 0,26 1 16,-26-26-1,26 26-15,0 0 16</inkml:trace>
-  <inkml:trace contextRef="#ctx0" brushRef="#br0" timeOffset="6554">337 388 0,'26'-25'16,"-26"50"15,26-25-31,-26 26 0,0 0 16,0 0-16,0 0 16,0 0-16,26 26 0,-26 0 15,0 0-15,0-1 16,0 1-16,26 26 0,-26-26 15,0 0-15,0 0 16,26-1-16,-26 1 0,0 0 16,0 0-16,0 0 0,0-26 15,0 25-15,0-25 16,-26 0-16,26 26 0,0-26 16,0 0-16,0 0 15,0 0-15,-26 0 16,26 0-1,26-26 48,0 0-63,0-26 16,-1 26-1,1 0-15,0 0 0,0 0 16,0 0-16,26-26 0,0 26 15,0 0-15,-1 0 16,27 0-16,0-26 0,0 26 16,25 0-16,1 0 15,0 0-15,-27 0 0,27 0 16,0-26-16,-26 26 0,-1 0 16,1 0-16,0 0 15,-26 0-15,0 0 0,-1-26 16,-25 26-16,26 0 0,-26 0 15,0 0-15,0 0 16,0 0-16,0 0 16,-26-26-1,26 26-15,0 0 125,-26-26-109,25 0 0,1 0-16,0 0 15,0 1-15,0-1 0,0 0 16,0 0-16,26-26 15,-26 26-15,26-26 0,-1 0 16,1 1-16,0-1 16,26 0-16,-26 0 0,25 0 15,-25 0-15,26 1 0,0-1 16,-26 26-16,25-26 16,-25 0-16,26 26 0,-26-26 15,0 26-15,-1 0 16,1 1-16,0-1 0,-26 0 15,0 0-15,26 0 0,-26 0 16,-26 0-16,26 0 16,-26 0-16,26 0 0,-26 0 15,0 0-15,0 1 32,0-1-17,0 0 79,-26 26-63,0 0-15,0 0-1,0 0-15,0 0 16,-26 26-16,0-26 0,0 0 16,1 26-16,-1-26 0,-26 0 15,-26 25 1,27-25-16,-27 0 0,0 26 16,1-26-16,-27 26 0,26-26 15,-25 0-15,25 26 0,-26-26 16,27 0-16,-1 26 15,-25-26-15,25 0 0,0 0 16,26 26-16,-25-26 0,25 0 16,-26 0-16,27 0 15,-1 0-15,0 0 0,0 0 16,26 0-16,-25 0 0,25 26 16,-26-26-16,26 0 15,0 0-15,1 0 0,25 0 16,-26 0-16,0 0 15,26 0-15,-26 0 0,26 26 16,0-26-16,-25 0 0,25 0 16,-26 0-16,26 26 15,-26-26-15,0 0 0,0 0 16,26 26-16,-25-26 16,25 0-16,-26 0 0,26 0 15,0 0-15,0 0 16,52 0 109</inkml:trace>
-  <inkml:trace contextRef="#ctx0" brushRef="#br0" timeOffset="7364">1244 700 0,'0'-26'16,"-26"26"-16,0-26 15,0 0 1,0 26-16,1 0 0,-1 0 16,-26 0-16,26 0 15,-26 0-15,26 0 0,-26 0 16,0 26-16,27-26 0,-1 26 16,0-26-16,0 26 15,26-1-15,-26-25 0,26 26 16,0 0-16,26 0 15,0 0 1,0-26-16,0 26 0,-1-26 16,1 26-16,26-26 15,-26 26-15,26-26 0,-26 0 16,0 26-16,26-26 16,-26 26-16,-1-26 0,-25 26 15,26-26-15,0 26 0,-26-1 31,0 1-31,-26-26 0,0 26 16,1 0-16,-1-26 16,0 26-16,-26 0 0,26 0 15,-26-26-15,26 26 0,-26-26 16,26 26-16,-25-26 16,25 0-16,0 0 15,0 0-15,0 0 16,0 0-16,26-26 15,-26 26-15,26-26 0,-26 26 16,26-26-16,-26 26 16,26-26-16,0 0 15</inkml:trace>
-  <inkml:trace contextRef="#ctx0" brushRef="#br0" timeOffset="8031">1633 648 0,'-26'0'16,"26"26"0,0 0-1,-26-1 1,26 1-16,-26 0 0,26 0 16,0 26-16,-26-26 15,0 26-15,26-26 0,-26 26 16,26-27-16,0 27 0,-26-26 15,26 0-15,0 0 16,-25 0-16,25 0 16,0-52 31,0 0-32,25 0-15,-25-26 0,0 26 16,26-25-16,0 25 15,-26-26-15,26 0 0,0 0 16,-26 26-16,26-26 0,0 26 16,0-25-16,0 25 15,0 0-15,0 26 16,0 0-16,0 0 16,-1 26-16,1-26 15,0 26-15,-26 0 0,26-1 16,-26 1-16,26 0 15,-26 26-15,0-26 0,26 0 16,-26 26-16,0-26 16,0 0-16,0 25 0,26-25 15,-26 0-15,0 26 0,0 0 32,-26-26-32,26 0 0,-26-26 15</inkml:trace>
-  <inkml:trace contextRef="#ctx0" brushRef="#br0" timeOffset="8269">1426 985 0,'25'0'16,"1"0"-16,0 0 15,0 0-15,26 0 16,-26 0-16,26-26 0,-26 26 16,26 0-16,-1 0 0,-25 0 15,26 0-15,-26 0 16,26 0-16,-26-26 0,0 26 16</inkml:trace>
-  <inkml:trace contextRef="#ctx0" brushRef="#br0" timeOffset="8954">2151 751 0,'26'0'16,"-26"-26"0,26 26-1,-26 26 1,26 0-16,-26 0 16,0 0-16,0 0 15,26 0-15,-26 26 0,0-26 16,0 26-16,0-27 15,0 27-15,0-26 0,0 0 16,0 0-16,0 0 0,0 0 16,0 0-16,0 0 15,0-52 17,0 0-17,0 0-15,0 0 0,26-26 16,-26 26-16,0-26 15,0 1-15,0-1 0,0 0 16,0 0-16,0 0 16,0 0-16,0 1 0,0 25 15,26-26-15,-26 26 0,26 0 16,-26 0-16,26 0 16,0 26-16,-26-26 0,25 26 15,27 0-15,-26 26 0,0-26 16,0 26-16,0 0 15,0-26-15,26 26 0,-26 0 16,-26 0-16,26 0 16,-1 0-16,-25 0 0,0-1 15,0 1-15,0 0 16,-25-26-16,-1 26 16,-26 0-16,26-26 0,-26 26 15,26-26-15,-26 0 16,0 0-16,1 0 0,25 26 15,-26-26-15,26 0 0,0 0 16</inkml:trace>
-</inkml:ink>
-</file>
-
-<file path=ppt/ink/ink42.xml><?xml version="1.0" encoding="utf-8"?>
-<inkml:ink xmlns:inkml="http://www.w3.org/2003/InkML">
-  <inkml:definitions>
-    <inkml:context xml:id="ctx0">
-      <inkml:inkSource xml:id="inkSrc0">
-        <inkml:traceFormat>
-          <inkml:channel name="X" type="integer" max="1920" units="cm"/>
-          <inkml:channel name="Y" type="integer" max="1080" units="cm"/>
-          <inkml:channel name="T" type="integer" max="2.14748E9" units="dev"/>
-        </inkml:traceFormat>
-        <inkml:channelProperties>
-          <inkml:channelProperty channel="X" name="resolution" value="55.81395" units="1/cm"/>
-          <inkml:channelProperty channel="Y" name="resolution" value="55.6701" units="1/cm"/>
-          <inkml:channelProperty channel="T" name="resolution" value="1" units="1/dev"/>
-        </inkml:channelProperties>
-      </inkml:inkSource>
-      <inkml:timestamp xml:id="ts0" timeString="2020-12-22T06:36:56.786"/>
-    </inkml:context>
-    <inkml:brush xml:id="br0">
-      <inkml:brushProperty name="width" value="0.05" units="cm"/>
-      <inkml:brushProperty name="height" value="0.05" units="cm"/>
-      <inkml:brushProperty name="fitToCurve" value="1"/>
-    </inkml:brush>
-  </inkml:definitions>
-  <inkml:trace contextRef="#ctx0" brushRef="#br0">29 3714 0,'0'-26'16,"-26"26"0,26-26-16,0 0 15,0 0 16,0 0-15,0 0 0,0 0-1,0 0 1,26 0-16,0-26 16,-26 27-16,26-1 15,-26-26-15,26 0 0,0 0 16,-26 0-16,25-25 15,1-1-15,0 26 0,-26-26 16,26 0-16,26 1 0,-26-27 16,26 26-16,0-25 15,0 25-15,-1-26 0,27 26 16,0 1-16,0-27 16,-1 26-16,27 0 0,-26 27 15,0-27-15,-1 26 0,-25 0 16,26 26-16,-26-26 15,0 27-15,-27-1 0,1 26 16,0-26-16,0 26 0,0-26 16,0 26-1,0 26 17,-26 0-1</inkml:trace>
-  <inkml:trace contextRef="#ctx0" brushRef="#br0" timeOffset="744">1843 1044 0,'0'-26'15,"26"26"17,-26 26-17,0 0-15,26-26 16,-26 26-16,0 0 15,0 0-15,0 0 0,26 0 16,-26-1-16,0 1 0,0 0 16,0 0-16,0 0 15,-26-26-15,26 26 0,0 0 16,0 0-16,-26-26 31,26-26-15,0 0-16,0 0 15,0 0-15,0 0 16,0 0-16,0-25 0,0 25 16,0-26-16,0 0 15,0 0-15,0 0 0,0 26 16,26-26-16,-26 1 16,26 25-16,-26-26 0,0 26 15,26 26-15,0-26 0,0 26 16,0 0-1,0 26-15,-1 0 16,-25 0-16,26 26 16,0-1-16,0-25 0,-26 26 15,26 0-15,0 0 0,-26-26 16,26 26-16,-26-26 16,0 25-16,26-25 0,-26 0 15,0 0-15,0 0 0,26-26 16,-26 26-16</inkml:trace>
-  <inkml:trace contextRef="#ctx0" brushRef="#br0" timeOffset="978">1843 1122 0,'-26'0'15,"26"-26"1,0 0-16,26 26 16,0 0-16,0-26 15,0 26-15,0-26 16,26 0-16,-26 26 0,51-26 16,-25 0-16,-26 26 15,0 0-15,0 0 0</inkml:trace>
-  <inkml:trace contextRef="#ctx0" brushRef="#br0" timeOffset="1674">2258 733 0,'-26'0'16,"26"26"15,0 0-31,0 0 16,0 26-16,26-27 0,-26 27 16,26 0-16,-26 26 15,0-26-15,0 0 0,26 25 16,-26-25-16,0 0 15,0 26-15,0-26 0,0-1 16,0 1-16,0-26 0,0 26 16,0-26-16,0 0 15,0 0-15,0 0 0,26 0 16,-26-52 15,-26 0-15,26-26-16,0 26 15,0-26-15,0 0 0,0 1 16,0-1-16,0 0 16,0-26-16,0 26 0,0 0 15,0 1-15,0-1 0,0 26 16,26 0-16,-26 0 16,0 0-16,26 0 0,-1 26 15,1 0 1,-26 26-16,26-26 15,0 26-15,-26 0 0,26 0 16,0-26-16,-26 26 16,26 0-16,-26 0 0,0 0 15,0-1-15,-26 1 16,26 0-16,-26 0 0,0 0 16,0-26-16,0 26 0,0-26 15,1 0-15,-1 0 16,0 0-16,0 0 0,0 0 15,26-26 1,0 0-16,0 0 16,26 26-16,-26-26 0,26 26 15</inkml:trace>
-  <inkml:trace contextRef="#ctx0" brushRef="#br0" timeOffset="2329">2673 707 0,'-26'0'0,"0"0"0,0 0 15,26 26 1,0 0-1,0 0 1,0 0-16,0 26 0,0-27 16,26 27-16,-26-26 15,0 26-15,26 0 0,-26 0 16,26 0-16,-26-1 0,0 27 16,25-26-16,-25 0 15,0 0-15,26 0 0,-26-1 16,0-25-16,0 26 15,0-26-15,26 0 0,-26 0 16,0 0-16,0-52 31,0 0-15,0 0-16,0 0 16,0-26-16,0 26 0,0-25 15,0-1-15,0 0 0,0 0 16,26 0-16,0-26 15,-26 27-15,26 25 0,0-26 16,0 26-16,0-26 16,0 52-16,0-26 0,0 26 15,0 26-15,-1 0 16,-25 0-16,0 0 16,26 0-16,-26 0 0,0 0 15,-26 0-15,1-1 16,25 1-16,-26 0 0,0 0 15,0 0-15,0-26 0,0 0 16,0 26-16,0-26 16,0 0-16,26-26 15,-26 26-15,26-26 0,0 0 16,0 0-16,26 0 16</inkml:trace>
-  <inkml:trace contextRef="#ctx0" brushRef="#br0" timeOffset="2627">3139 733 0,'0'-26'0,"0"0"16,0 0-16,0 0 15,26 52 1,-26 0-1,26 0 1,-26 26-16,26-26 0,-26 26 16,26-1-16,-26 27 0,0-26 15,0 0-15,26 0 16,-26-26-16,0 26 0,0-1 16,0-25-16,0 0 15,0 0-15,26-26 16</inkml:trace>
-  <inkml:trace contextRef="#ctx0" brushRef="#br0" timeOffset="2856">3372 914 0,'26'0'16,"-26"26"-1,0 0-15,0 0 0,26 0 16,-26 0-16,0 0 0,26 0 16,-26 0-16,0 0 15,26 0-15,-26 0 0,0-1 16,0 1 0,26-26-16</inkml:trace>
-  <inkml:trace contextRef="#ctx0" brushRef="#br0" timeOffset="3024">3502 629 0,'0'26'15,"0"0"-15,0 0 16</inkml:trace>
-  <inkml:trace contextRef="#ctx0" brushRef="#br0" timeOffset="3421">3917 966 0,'0'-26'31,"0"0"-15,-26 0 0,0 1-1,0-1 1,0 26-1,0 0-15,0 0 16,0 26-16,0-26 0,26 25 16,-26 1-16,0 0 0,26 0 15,-25 0-15,25 0 16,0 0-16,0 26 0,0-26 16,0 0-16,0 0 15,25 0-15,1-1 0,0 1 16,26 0-16,-26-26 15,0 0-15,26 0 16,-26 0-16,26 0 0,-1-26 16,-25 26-16,26-26 15</inkml:trace>
-  <inkml:trace contextRef="#ctx0" brushRef="#br0" timeOffset="3954">4357 888 0,'-26'0'16,"0"-25"-1,1 25-15,-1 0 16,0 0-16,0 0 16,0 0-16,0 0 15,0 0-15,0 25 16,26 1-1,-26 0-15,26 0 0,0 0 16,0 0-16,0 0 16,0 0-16,0 0 0,0 0 15,0 0-15,0 0 16,26 0-16,0-1 16,0-25-1,0 0-15,0-25 16,0 25-16,-26-26 15,26 0-15,0 0 16,-26 0-16,25 0 16,1 0-16,-26 0 15,0 0-15,0 0 16,0 0-16,0 0 16,26 26-16,-26 26 15,26 0 1,-26 0-16,0 0 15,26 0-15,-26 0 0,0 26 16,26-52-16,-26 26 16,26 0-16,-26 0 0,26-26 15,0 0 1,0 0-16,0 0 0,0 0 16</inkml:trace>
-  <inkml:trace contextRef="#ctx0" brushRef="#br0" timeOffset="4206">4668 577 0,'0'-25'0,"0"-1"0,0 52 31,0-1-31,0 1 0,0 26 16,26 0-16,-26 0 0,0 0 15,26 0-15,-26-1 16,26 1-16,-26 0 0,26-26 16,-26 26-16,26-26 0,-26 0 15,0 0-15,26 0 16</inkml:trace>
-  <inkml:trace contextRef="#ctx0" brushRef="#br0" timeOffset="4602">4642 888 0,'-26'0'0,"26"-25"16,26 25 0,0 0-16,0 0 15,26 0-15,-26-26 16,0 26-16,26 0 15,0 0-15,-27 0 0,27-26 16,-26 26-16,26-26 16,-26 26-16,0 0 0,0-26 15,0 0-15,-26 0 16,0 0 0,-26 26-1,26 26 1,0 0-16,0 0 15,0 0-15,0 0 16,0 0-16,26 0 16,-26-1-16,0 1 0,26 0 15,-26 0-15,0 0 16,0 0-16,0 0 16</inkml:trace>
-  <inkml:trace contextRef="#ctx0" brushRef="#br0" timeOffset="4812">5109 344 0,'0'26'16,"0"0"0,0 0-16,0 0 15,26-26-15,-26 26 16</inkml:trace>
-  <inkml:trace contextRef="#ctx0" brushRef="#br0" timeOffset="5796">5524 603 0,'0'26'0,"0"0"47,-26 0-32,26 0-15,-26 0 16,26 0-16,0 0 0,-26 26 16,26-26-16,0-1 15,-26 1-15,26 0 0,0 0 16,26 0-16,-26 0 16,26 0-16,0 0 15,0-26-15,0 0 0,-1 0 16,1 0-1,0 0-15,-26-26 0,26 26 16,0-26-16,-26 0 16,0 0-16,26 0 0,-26-26 15,0 27-15,0-27 0,0 26 16,-26-26-16,26 26 16,-26-26-16,26 26 0,-26 0 15,0 0-15,0 26 16,1 0-1,-1 26-15,26 0 16,0 0-16,0 0 16,0 0-16,0 0 0,0 0 15,26 0-15,-26 0 0,0 0 16,0 0-16,25-26 16,-25 25-16,26-25 0,0 26 15,0-26 1,0 0-1,0-26-15,0 1 16,0 25-16,0-26 16,0-26-16,0 26 15,-26 0-15,26 0 16,-1 0-16,1 0 0,-26 0 16,26 0-16,0 26 15,0 0 1,-26 26-16,26 0 0,-26 0 15,0 0-15,26 26 16,-26-26-16,0 0 0,0 0 16,0 0-16,0-1 15,26 1-15,-26 0 16,0 0-16,0 0 16,0 0-1,26-26 1,-26-26-1,26 0 1,-26 0-16,26 0 16,-26 0-16,26-25 15,-1 25-15,-25 0 0,26-26 16,0 26-16,-26 0 0,26 0 16,0 0-16,0 26 15,0 0-15,0 26 16,-26 0-16,26 0 15,-26 0-15,0 26 0,0-26 16,0 26-16,0-27 0,0 27 16,-26-26-16,0 26 15</inkml:trace>
-  <inkml:trace contextRef="#ctx0" brushRef="#br0" timeOffset="6986">6612 422 0,'0'-26'16,"26"26"-16,-26-26 0,26 26 16,-26 26-1,0 0 1,0 0-16,0 0 0,0 0 15,0 26-15,-26-27 0,26 27 16,0 0-16,0 0 16,0-26-16,0 26 0,0-26 15,0 25-15,0-25 16,0 0-16,26-26 0,0 26 16,0 0-16,0-26 0,0 0 15,0 0-15,0 0 16</inkml:trace>
-  <inkml:trace contextRef="#ctx0" brushRef="#br0" timeOffset="7393">7416 422 0,'-26'0'16,"26"-26"-16,-26 26 16,26-26-16,-26 26 15,26-26-15,-26 26 0,0 0 16,0-26 0,0 26-16,0 26 15,0-26-15,0 26 0,26 0 16,-25 0-16,-1 0 15,26 0-15,-26 26 0,26-26 16,0-1-16,-26 27 0,26-26 16,0 0-16,0 26 15,26-26-15,0 0 0,0 0 16,-1 0 0,1-26-16,0 0 0,0 26 15,0-26-15,26 0 0,-26 0 16,0-26-16,0 26 15,26-26-15,-27 26 0,1-26 16</inkml:trace>
-  <inkml:trace contextRef="#ctx0" brushRef="#br0" timeOffset="7710">7753 292 0,'-26'0'16,"26"26"0,0 0-1,-26 0 1,26 0-16,0 0 0,0 26 16,0-26-16,26 0 0,-26 25 15,0-25-15,0 0 16,26 26-16,-26-26 0,0 0 15,0 0-15,0 0 0,0 0 16,0 0 0,-26-26-16,0 0 15,26-26 1,0 0 0</inkml:trace>
-  <inkml:trace contextRef="#ctx0" brushRef="#br0" timeOffset="7961">7778 474 0,'0'-52'16,"0"26"-16,-25 0 0,25 0 15,-26 0-15,26 0 16,0 0 0,26 26-1,-1 0 1,1 0-16,0 0 0,0 0 15,0 0-15,0 0 16,0 0-16,0 0 0,0 0 16,0 0-16,0 0 15,0 0-15,0 0 0,-1 0 16,1 0 0</inkml:trace>
-  <inkml:trace contextRef="#ctx0" brushRef="#br0" timeOffset="8195">7882 603 0,'-26'0'0,"26"26"15,26-26 1,0 0-1,0 0-15,0 0 0,0-26 16,0 26-16,0 0 16,0 0-16,0 0 0,-1-26 15,1 26-15,0 0 0,0 0 16</inkml:trace>
-  <inkml:trace contextRef="#ctx0" brushRef="#br0" timeOffset="8562">8297 59 0,'0'-26'15,"26"0"1,0 26-16,0 0 16,0 26-1,-1 0-15,1 26 16,0-26-16,0 26 0,0 0 16,0-1-16,-26 27 0,26-26 15,-26 0-15,0 0 16,26-1-16,-26 1 0,0 0 15,0 0-15,-26-26 16,0 26-16,0-26 0,0 0 16,0-1-16,0 1 15,-25-26-15,-1 26 0,0-26 16</inkml:trace>
-</inkml:ink>
-</file>
-
-<file path=ppt/ink/ink5.xml><?xml version="1.0" encoding="utf-8"?>
-<inkml:ink xmlns:inkml="http://www.w3.org/2003/InkML">
-  <inkml:definitions>
-    <inkml:context xml:id="ctx0">
-      <inkml:inkSource xml:id="inkSrc0">
-        <inkml:traceFormat>
-          <inkml:channel name="X" type="integer" max="1920" units="cm"/>
-          <inkml:channel name="Y" type="integer" max="1080" units="cm"/>
-          <inkml:channel name="T" type="integer" max="2.14748E9" units="dev"/>
-        </inkml:traceFormat>
-        <inkml:channelProperties>
-          <inkml:channelProperty channel="X" name="resolution" value="55.81395" units="1/cm"/>
-          <inkml:channelProperty channel="Y" name="resolution" value="55.6701" units="1/cm"/>
-          <inkml:channelProperty channel="T" name="resolution" value="1" units="1/dev"/>
-        </inkml:channelProperties>
-      </inkml:inkSource>
-      <inkml:timestamp xml:id="ts0" timeString="2020-12-22T06:22:52.354"/>
-    </inkml:context>
-    <inkml:brush xml:id="br0">
-      <inkml:brushProperty name="width" value="0.05" units="cm"/>
-      <inkml:brushProperty name="height" value="0.05" units="cm"/>
-      <inkml:brushProperty name="fitToCurve" value="1"/>
-    </inkml:brush>
-  </inkml:definitions>
-  <inkml:trace contextRef="#ctx0" brushRef="#br0">293 104 0,'-26'0'0,"26"-26"16,-26 26-1,26-26-15,-26 26 0,26 26 63,0 0-48,0 0 1,-26 0 0,26 0-16,-26-26 0,0 26 15,0 0 1,1-26-16,-1 25 15,0-25-15,0 0 32,52 0-1,0 26-15,0-26-1,-1 26-15,1-26 16,0 26-16,0-26 0,0 26 15,26-26-15,-26 0 16,0 26-16,0-26 0,0 0 16,0 0-16,-26 26 0,25-26 15,1 0 1</inkml:trace>
-  <inkml:trace contextRef="#ctx0" brushRef="#br0" timeOffset="1709">215 208 0,'-26'0'0,"52"0"78,0-26-78,0 26 16,0 0-16,0 0 16,26-26-16,-1 26 0,1-26 15,26 26-15,-26-26 0,26 26 16,-1-26-16,1 26 15,-26-26-15,26 26 0,-26-26 16,-1 26-16,1 0 16,0 0-16,-26-26 0,0 26 15,0 0-15,-26 26 110,0 0-79,0 0-31,-26-26 0,26 26 16,0 0-16,0 0 0,0 0 15,0 0-15,26 0 16,-26-1-16,26 1 0,-26 0 15,26 26-15,-26-26 16,26 0-16,-26 26 0,26-26 16,-26 26-16,25-27 0,-25 1 15,26 0-15,-26 0 16,0 0-16,26 0 0,-26 0 16,0 0-16,0 0 0,26-26 15,-26 26-15,0 0 16,26-26-1,-26 26-15,26-26 16,0 0 0,0 0-1,0-26-15,0 26 16,0-26-16,0 26 0,-1 0 16,1-26-16,0 26 15,26-26-15,-26 26 0,0 0 16,26-26-16,-26 26 15,26 0-15,-1-26 0,1 26 16,26-26-16,-26 26 0,26 0 16,-27-26-16,27 26 15,0-26-15,-26 26 0,26-26 16,-1 26-16,-25-26 16,26 26-16,-26 0 0,25-25 15,1 25-15,0 0 0,-26-26 16,26 26-16,-27-26 15,27 26-15,0 0 0,-26-26 16,0 26-16,25 0 0,-25-26 16,0 26-16,0 0 15,0 0-15,0-26 0,-1 26 16,1 0-16,-26 0 16,26 0-16,0 0 0,0-26 15,-1 26-15,1 0 0,0 0 16,0 0-16,0 0 15,-26-26-15,26 26 0,-1 0 16,-25 0-16,0 0 16,26 0-16,-26-26 0,0 26 15,0 0-15,0 0 0,26 0 16,-26 0-16,-1 0 16,27-26-16,-26 26 0,0 0 15,26 0-15,-26 0 0,0 0 16,0 0-16,26 0 15,-27-26-15,1 26 0,0 0 16,0 0 0,0 0-16,0 0 15,0 0-15,0 0 16,0 0 0,0 0-16,-26-26 15,26 26-15,0 0 16,-1 0-16,1 0 15,0 0 1,0 0-16,0 0 16,0 0-16,0 0 15,0 0-15,0 0 16,0 0 0,0 0-16,0 0 15,-1 0 1,1 0-1,0 0 1,0 0-16,0 0 0,0-25 16,0 25-16,0 0 15,0 0-15,0 0 16,0 0 0,-26-26-1,26 26 16,0 0 1,-26-26-17,25 26-15,-50 0 78,-1 0-62</inkml:trace>
-</inkml:ink>
-</file>
-
-<file path=ppt/ink/ink6.xml><?xml version="1.0" encoding="utf-8"?>
-<inkml:ink xmlns:inkml="http://www.w3.org/2003/InkML">
-  <inkml:definitions>
-    <inkml:context xml:id="ctx0">
-      <inkml:inkSource xml:id="inkSrc0">
-        <inkml:traceFormat>
-          <inkml:channel name="X" type="integer" max="1920" units="cm"/>
-          <inkml:channel name="Y" type="integer" max="1080" units="cm"/>
-          <inkml:channel name="T" type="integer" max="2.14748E9" units="dev"/>
-        </inkml:traceFormat>
-        <inkml:channelProperties>
-          <inkml:channelProperty channel="X" name="resolution" value="55.81395" units="1/cm"/>
-          <inkml:channelProperty channel="Y" name="resolution" value="55.6701" units="1/cm"/>
-          <inkml:channelProperty channel="T" name="resolution" value="1" units="1/dev"/>
-        </inkml:channelProperties>
-      </inkml:inkSource>
-      <inkml:timestamp xml:id="ts0" timeString="2020-12-22T06:23:18.037"/>
-    </inkml:context>
-    <inkml:brush xml:id="br0">
-      <inkml:brushProperty name="width" value="0.05" units="cm"/>
-      <inkml:brushProperty name="height" value="0.05" units="cm"/>
-      <inkml:brushProperty name="fitToCurve" value="1"/>
-    </inkml:brush>
-  </inkml:definitions>
-  <inkml:trace contextRef="#ctx0" brushRef="#br0">0 82 0,'0'-26'16,"0"0"15,0 0 16,0 52 15,0 0-62,26 0 16,-26 0-16,0 0 0,26 0 16,-26 0-16,0 25 15,26-25-15,-26 26 0,0-26 16,25 26-16,-25 0 15,0-26-15,0 25 0,26-25 16,-26 26-16,0-26 0,0 0 16,0 0-16,0 0 15,26 0-15,-26 0 0,0 0 16,0 0-16,0 0 16,0-52 30</inkml:trace>
-  <inkml:trace contextRef="#ctx0" brushRef="#br0" timeOffset="729">337 445 0,'0'-26'16,"0"0"-16,0 0 15,0 0 1,0 0-16,0 0 15,26 26 32,-26 26-31,26 0-16,-26 0 16,26-26-16,-26 26 0,0 0 15,25 0-15,-25 0 16,0 0-16,26-1 0,-26 1 15,0 0 1,0 0-16,0 0 16,0 0-16,0 0 31,0-52 0,0 0-15,0 0-1,0 0 1,0 0-16,0 0 0,0 1 16,26-27-16,-26 26 0,0 0 15,26 0-15,-26 0 16,26 26-16,-26-26 0,26 26 16,-26-26-16,26 26 15,-26 26-15,26-26 16,-26 26-16,0 0 0,26-26 15,-26 26-15,26 0 16,-26 0-16,0 0 0,0 0 16,0-1-16,26 1 15,-26 0-15,0 0 16,0 0-16,-26-26 0,26 26 16,-26 0-16</inkml:trace>
-  <inkml:trace contextRef="#ctx0" brushRef="#br0" timeOffset="1509">881 108 0,'26'0'16,"-26"-26"0,0 52 15,0 0-16,0 0-15,0 0 16,0-1-16,0 1 16,0 0-16,0 26 0,0-26 15,0 26-15,0-26 16,0 0-16,0 26 0,0-27 16,0 1-16,0 0 0,-26 0 15,26 0-15,0 0 16,-26 0-1,26-52 17,26 0-17,-26 0-15,0 0 16,0 0-16,26-25 0,-26-1 16,0 26-16,0-26 0,26 0 15,-26 0-15,0 26 16,26-25-16,-26-1 0,0 26 15,26 0-15,-26 0 16,26 0-16,0 26 16,-26-26-16,25 26 0,1 26 15,0-26 1,-26 26-16,26 0 0,0 0 16,0 0-1,-26 0-15,26 25 0,-26-25 16,26 0-16,-26 0 0,26 26 15,-26-26-15,26 0 16,-26 26-16,0-26 0,26 0 16,-26-1-16,0 1 15,0 0-15,26 0 0,-26 0 16,0 0-16,25 0 16,-25-52 30,0 0-46</inkml:trace>
-  <inkml:trace contextRef="#ctx0" brushRef="#br0" timeOffset="1886">985 393 0,'0'-26'47,"26"26"-32,-26-26 1,26 26-16,-26-26 15,25 26-15,-25-26 16,26 26-16,0-26 0,0 26 16,0-26-16,0 26 15,0 0-15,0-26 16,0 26-16,0 0 0,0 0 16,0 0-16,-1 0 15,1 0 1,-52 0-1</inkml:trace>
-</inkml:ink>
-</file>
-
-<file path=ppt/ink/ink7.xml><?xml version="1.0" encoding="utf-8"?>
-<inkml:ink xmlns:inkml="http://www.w3.org/2003/InkML">
-  <inkml:definitions>
-    <inkml:context xml:id="ctx0">
-      <inkml:inkSource xml:id="inkSrc0">
-        <inkml:traceFormat>
-          <inkml:channel name="X" type="integer" max="1920" units="cm"/>
-          <inkml:channel name="Y" type="integer" max="1080" units="cm"/>
-          <inkml:channel name="T" type="integer" max="2.14748E9" units="dev"/>
-        </inkml:traceFormat>
-        <inkml:channelProperties>
-          <inkml:channelProperty channel="X" name="resolution" value="55.81395" units="1/cm"/>
-          <inkml:channelProperty channel="Y" name="resolution" value="55.6701" units="1/cm"/>
-          <inkml:channelProperty channel="T" name="resolution" value="1" units="1/dev"/>
-        </inkml:channelProperties>
-      </inkml:inkSource>
-      <inkml:timestamp xml:id="ts0" timeString="2020-12-22T06:23:53.985"/>
-    </inkml:context>
-    <inkml:brush xml:id="br0">
-      <inkml:brushProperty name="width" value="0.05" units="cm"/>
-      <inkml:brushProperty name="height" value="0.05" units="cm"/>
-      <inkml:brushProperty name="fitToCurve" value="1"/>
-    </inkml:brush>
-  </inkml:definitions>
-  <inkml:trace contextRef="#ctx0" brushRef="#br0">30 0 0,'0'26'47,"0"0"-32,0 0-15,0 0 0,0 0 16,0 0-16,0 0 0,0 26 15,0-26-15,0 0 16,0 25-16,0-25 0,0 26 16,0 0-16,-26-26 15,26 52-15,0-26 16,0-27-16,0 1 0</inkml:trace>
-  <inkml:trace contextRef="#ctx0" brushRef="#br0" timeOffset="486">82 1037 0,'0'26'0,"0"0"0,0 0 16,0 0-1,0 0-15,0 0 0,0 0 16,0 0-16,0 25 16,0-25-16,0 26 0,-26-26 15,26 26-15,-26 0 0,26 0 16,0-1-16,-26 1 16,26 0-16,0 0 0,0 26 15,0-26-15,0 25 16,0-25-16,0 26 0,0-26 15,0 25-15,26-25 0,-26 26 16,0-26-16,0 0 16,0 0-16,0-1 0,26-25 15,-26 26-15,0-26 16,0 0-16,0 0 0,0 0 16,0 0-16,0 0 0,0 0 15,26-1-15,-26 1 16,0 0-16,0 0 0,0 0 15,0 0-15,0 26 16,0-26-16,0 0 0,0 0 16,26 0-16,-26 0 0,0-1 15</inkml:trace>
-</inkml:ink>
-</file>
-
-<file path=ppt/ink/ink8.xml><?xml version="1.0" encoding="utf-8"?>
-<inkml:ink xmlns:inkml="http://www.w3.org/2003/InkML">
-  <inkml:definitions>
-    <inkml:context xml:id="ctx0">
-      <inkml:inkSource xml:id="inkSrc0">
-        <inkml:traceFormat>
-          <inkml:channel name="X" type="integer" max="1920" units="cm"/>
-          <inkml:channel name="Y" type="integer" max="1080" units="cm"/>
-          <inkml:channel name="T" type="integer" max="2.14748E9" units="dev"/>
-        </inkml:traceFormat>
-        <inkml:channelProperties>
-          <inkml:channelProperty channel="X" name="resolution" value="55.81395" units="1/cm"/>
-          <inkml:channelProperty channel="Y" name="resolution" value="55.6701" units="1/cm"/>
-          <inkml:channelProperty channel="T" name="resolution" value="1" units="1/dev"/>
-        </inkml:channelProperties>
-      </inkml:inkSource>
-      <inkml:timestamp xml:id="ts0" timeString="2020-12-22T06:24:26.660"/>
-    </inkml:context>
-    <inkml:brush xml:id="br0">
-      <inkml:brushProperty name="width" value="0.05" units="cm"/>
-      <inkml:brushProperty name="height" value="0.05" units="cm"/>
-      <inkml:brushProperty name="fitToCurve" value="1"/>
-    </inkml:brush>
-  </inkml:definitions>
-  <inkml:trace contextRef="#ctx0" brushRef="#br0">392 85 0,'-26'0'0,"26"-26"16,0 0-16,-26 26 16,26-26-16,-26 26 62,0 0-46,0 0-1,0 0-15,26 26 16,-26-26-16,1 26 16,-1-26-16,0 26 0,0 0 15,0-26 1,26 26-16,-26 0 0,0 0 0,26-1 16,0 27-16,0-26 0,0 0 15,0 26-15,0-26 16,0 26-16,0-26 0,26 0 15,-26-1-15,26 1 16,-26 0-16,26 0 0,-26 0 16,26 0-16,0-26 0,0 26 15,-1-26-15,1 0 16,0 0-16,26 0 0,-26 0 16,26 0-16,-26-26 15,0 26-15,26-26 0,-27 0 16,1 0-16,0 0 0,0 0 15,0 1-15,0 25 16,-26-26-16,26 0 0,-26-26 16,0 26-16,0 0 15,0 0-15,0 0 0,0 0 16,0 0-16,-26 0 0,0 1 16,26-27-16,-26 52 15,26-26-15,-26 0 0,26 0 16,-26 26-16,26-26 15,-26 26-15,1 0 16,-1 0 0,0 0-1,0 0-15,26 26 16,-26-26-16,26 26 16,-26-26-16,0 26 15,0-26-15,26 26 16,-26-26-16</inkml:trace>
-  <inkml:trace contextRef="#ctx0" brushRef="#br0" timeOffset="1013">159 862 0,'0'-25'0,"0"-1"16,0 0 0,0 52 31,0 0-16,0-1-16,0 1-15,-26 0 16,26 0-16,0 0 16,-26 0-16,26 0 15,0 0-15,-26-26 0,26 26 16,-26 0-16,26 0 0,-26 0 31,26-1-31,0 1 31,-26-26-15,26 26-16,0 0 31,26-26-31,0 0 16,0 26-16,0-26 16,0 0-16,0 0 15,25 26-15,-25-26 0,26 0 16,-26 0-16,0 0 15,26 0-15,0 0 0,-26 0 16,0 0-16,25 0 0,-25 0 16,0 0-16,0 0 15,0 0-15,0 0 16,0-26-16,0 26 31,-26-26-15,26 26-1,-26-26-15,0 0 16,0 0 0,0 1-16,0-1 15,-26 0-15,26 0 16,0 0-16,-26 26 16,26-26-16,-26 0 0,26-26 15,-26 26-15,26 0 16,-26 0-16,0-25 0,26 25 15,-26 0-15,26 0 0,-26 0 16,26 0-16,-26 0 16,26 0-16,0 0 15,-25 26-15,25-26 16,0 0 0,0 52 30</inkml:trace>
-  <inkml:trace contextRef="#ctx0" brushRef="#br0" timeOffset="1704">470 1666 0,'0'-26'31,"0"52"32,-26-26-47,26 26-16,0 0 15,0 0-15,-26 0 0,26-1 16,0 1-16,0 26 15,0-26-15,-26 0 0,26 26 16,0-26-16,0 0 16,0 26-16,0-26 0,0 25 15,-26-25-15,26 0 0,0 26 16,0-26-16,0 0 16,0 26-16,0-26 0,0 0 15,0 25-15,0-25 16,0 0-16,0 0 0,0 0 15,0 0 1,0 0-16,-26-52 31</inkml:trace>
-  <inkml:trace contextRef="#ctx0" brushRef="#br0" timeOffset="2034">159 2547 0,'-26'0'47,"52"26"-16,0 0-15,-26 0 0,25-26-16,-25 26 15,26-26-15,0 26 16,0-26-16,-26 26 15,26-26-15,0 0 16</inkml:trace>
-  <inkml:trace contextRef="#ctx0" brushRef="#br0" timeOffset="2376">496 2495 0,'0'-26'15,"0"52"79,-26-26-78,26 26-16,-26-26 0,26 26 15,-26 0-15,0 0 16,26 0-16,-26-26 16,26 26-16,-26-26 0,26 26 15,0 0 1,-26-26-16</inkml:trace>
-</inkml:ink>
-</file>
-
-<file path=ppt/ink/ink9.xml><?xml version="1.0" encoding="utf-8"?>
-<inkml:ink xmlns:inkml="http://www.w3.org/2003/InkML">
-  <inkml:definitions>
-    <inkml:context xml:id="ctx0">
-      <inkml:inkSource xml:id="inkSrc0">
-        <inkml:traceFormat>
-          <inkml:channel name="X" type="integer" max="1920" units="cm"/>
-          <inkml:channel name="Y" type="integer" max="1080" units="cm"/>
-          <inkml:channel name="T" type="integer" max="2.14748E9" units="dev"/>
-        </inkml:traceFormat>
-        <inkml:channelProperties>
-          <inkml:channelProperty channel="X" name="resolution" value="55.81395" units="1/cm"/>
-          <inkml:channelProperty channel="Y" name="resolution" value="55.6701" units="1/cm"/>
-          <inkml:channelProperty channel="T" name="resolution" value="1" units="1/dev"/>
-        </inkml:channelProperties>
-      </inkml:inkSource>
-      <inkml:timestamp xml:id="ts0" timeString="2020-12-22T06:24:31.064"/>
-    </inkml:context>
-    <inkml:brush xml:id="br0">
-      <inkml:brushProperty name="width" value="0.05" units="cm"/>
-      <inkml:brushProperty name="height" value="0.05" units="cm"/>
-      <inkml:brushProperty name="fitToCurve" value="1"/>
-    </inkml:brush>
-  </inkml:definitions>
-  <inkml:trace contextRef="#ctx0" brushRef="#br0">752 80 0,'-26'0'16,"26"-26"-16,0 0 16,-26 26-1,0 0 1,0 0 0,0 0-1,0 26 1,0-26-16,26 26 0,-26-26 15,0 26-15,0 0 0,26 0 16,-25 0-16,-1 0 16,0-1-16,26 1 0,0 0 15,-26 0-15,26 0 16,0 0-16,0 0 0,26 0 16,-26 0-16,26 0 0,0-26 15,-1 26-15,27-26 16,-26 26-16,26-26 0,-26 0 15,26 0-15,0 0 16,-26 0-16,25 0 0,-25-26 16,0 26-16,26 0 0,-26-26 15,0 0 1,0 26-16,-26-26 0,26 26 16,-26-26-16,26 26 15,-26-26-15,0 0 0,26 0 16,-26 0-16,0 0 15,-26 0-15,26 1 16,-26-1-16,26 0 0,-26 0 16,0 26-16,26-26 15,-26 26-15,0-26 0,0 26 16,0 0 0,0 0-1,0 0 1,0 0-1,1 26 1</inkml:trace>
-  <inkml:trace contextRef="#ctx0" brushRef="#br0" timeOffset="888">778 546 0,'-26'0'46,"0"0"-30,26 26 0,-26-26-1,26 26-15,0 0 16,-26 0-16,26 0 0,-26 26 16,26-26-16,0 26 0,-26 0 15,26-27-15,0 27 16,-26-26-16,26 26 0,0-26 15,0 0-15,-26 0 0,26 26 16,0-26 0,0-1-16,0 1 15,-26-26-15,26 26 0,26-26 63,0 0-48,0 0-15,0-26 16,26 26-16,-26 0 16,0 0-16,0-26 15,-1 26-15,1 0 0,0 0 16,0 0-16,0 0 0,0 0 16,0 0-16,0 0 15,0 0-15,0 0 16,0 0-1,0 0 1,-1 0-16,1-25 31,-26-1-15,0 0-16,0 0 16,0 0-1,0 0-15,0 0 0,-26-26 16,26 26-16,0-26 15,-25 27-15,25-27 0,-26 0 16,26 26-16,-26-26 0,26 26 16,-26 0-16,26 0 15,-26 0-15,26 0 16,-26 26-16,0 0 62</inkml:trace>
-  <inkml:trace contextRef="#ctx0" brushRef="#br0" timeOffset="1871">1762 598 0,'0'-26'78,"0"0"-31,-25 26-31,-1 0-1,0 0 1,0 0-1,0 0-15,0 0 16,26 26-16,-26-26 0,26 26 16,-26-26-16,26 26 15,0 0-15,0 0 16,0 0 0,0 0-1,26 0-15,0-26 16,-26 26-1,26-26-15,0 0 0,0 26 16,0-26-16,0 0 16,-1 26-16,1-26 15,0 0-15,0 0 0,0 26 16,0-1 0,-26 1-1,-26-26-15,26 26 16,-26-26-16,26 26 15,-26-26-15,0 26 0,0-26 16,26 26-16,-25-26 16,-1 0-16,0 0 0,0 0 15,0 0 1,0 0-16,0-26 16,0 26-16,26-26 15,-26 26 1</inkml:trace>
-  <inkml:trace contextRef="#ctx0" brushRef="#br0" timeOffset="2490">1996 572 0,'0'-26'15,"0"52"48,0 0-48,0 0-15,0 0 0,0 0 16,0 0-16,0 0 0,0 0 16,0 0-1,0 0-15,0 0 0,0 0 16,0-1 0,0-50 30,0-1-30,0 0-16,0 0 16,0 0-16,0 0 15,0 0-15,0 0 0,0 0 16,0 0-16,0 0 16,0 0-16,0 0 0,0 1 15,26 25 16,0 0-15,-26 25-16,51-25 16,-25 26-16,-26 0 15,26-26-15,-26 26 0,26 0 16,0 0-16,-26 0 16,26 0-16,-26 0 0,0 0 15,26 0-15,-26 0 0,0 0 16,26-26-16,-26 25 15</inkml:trace>
-  <inkml:trace contextRef="#ctx0" brushRef="#br0" timeOffset="2730">2022 754 0,'-26'0'0,"0"0"31,52 0 0,0 0-15,0-26-16,-1 26 16,-25-26-16,26 26 0,0 0 15,0-26-15,0 26 16,0 0-16,-26-26 0,26 26 15</inkml:trace>
-  <inkml:trace contextRef="#ctx0" brushRef="#br0" timeOffset="3161">2488 546 0,'26'0'15,"-26"-25"1,0-1 0,-26 26-1,0 0 1,0 0-1,0 26 1,0-1 0,26 1-16,0 0 15,-25 0-15,25 0 0,0 0 16,0 0-16,0 0 16,0 0-16,0 0 15,25 0-15,1-26 16,-26 26-16,26-26 15,0 0-15,0 0 16,0 0-16,0-26 16,0 26-16,0-26 15</inkml:trace>
-  <inkml:trace contextRef="#ctx0" brushRef="#br0" timeOffset="3756">2773 495 0,'-26'-26'15,"26"52"32,0 0-31,0-1-16,0 1 15,0 0 1,0 0-16,0 0 0,0 0 16,0 0-16,0 0 15,26 0 1,-26-52 15,0 0-15,0 0-16,0 0 15,0 0-15,0 0 16,0-26-16,0 27 0,0-27 16,0 26-16,0-26 15,0 26-15,0 0 0,0-26 16,0 26-16,26 0 15,0 26 1,-26 26-16,26-26 0,0 26 16,0 0-16,0 26 15,0-26-15,0 0 0,0 0 16,-1 26-16,-25-26 0,26-1 16,0 1-16,-26 0 15,26-26-15,-26 26 0,0 0 16,0 0-1,26-26-15,-52 0 16</inkml:trace>
-  <inkml:trace contextRef="#ctx0" brushRef="#br0" timeOffset="3960">2825 546 0,'-26'0'15,"0"0"1,52 0 15,0 0-31,0-25 16,0 25 0,0 0-16,0-26 0,0 26 15,0 0-15,0-26 16,-1 26-16</inkml:trace>
-  <inkml:trace contextRef="#ctx0" brushRef="#br0" timeOffset="4631">3395 495 0,'0'-26'15,"26"26"-15,-26-26 16,0 0 0,0 0-1,0 0 1,-26 26-1,0 0 1,0 0 0,26 26-16,-25 0 15,25 0 1,-26 0-16,26 0 16,0 0-16,-26-1 15,26 1 1,26-26-16,0 26 15,-1-26 1,1 0 0,0-26-16,0 26 15,-26-26-15,26 26 16,0-25-16,-26-1 16,0 0-1,0 0-15,0 0 0,0 0 16,0 0-16,0 0 15,-26 0-15,26-26 0,-26 26 16,26 1-16,0-1 0,-26 0 16,26 0-16,0 0 15,0 52 1,0 0 0,0 0-16,26 0 0,-26-1 15,26 1-15,-26 0 0,0 26 16,26-26-16,-26 0 15,26 26-15,-26-26 0,26 0 16,-26 0 0,26-1-16</inkml:trace>
-  <inkml:trace contextRef="#ctx0" brushRef="#br0" timeOffset="5418">3680 313 0,'-26'0'0,"26"26"78,26 0-78,-26 0 16,26 0-16,-26 0 15,0 0-15,26 0 16,-26 0-16,26-1 16,-26 1-1,0-52 32,0 1-31,0-1-1,0 0-15,0 0 0,0 0 16,26 0-16,-26 0 0,0 0 16,0 0-16,0 0 15,26 26-15,0 0 16,0 26-1,-26 0-15,26 0 16,0 0-16,-26 0 16,26 0-16,-26 0 15,26 0 1,-26 0-16,-26-26 47,26-26-32,0 0 1,0 0-16,0 0 0,0 0 16,0 0-16,0 0 15,26 26-15,-26-26 0,0 0 16,25 26-16,1 0 16,0 0-1,-26 26-15,26 0 16,-26 0-16,26 0 15,0 0-15,-26 0 16,26 0-16,-26 0 16,0 0-16,0-1 15</inkml:trace>
-  <inkml:trace contextRef="#ctx0" brushRef="#br0" timeOffset="5681">4225 287 0,'0'-26'0,"0"52"47,0 0-32,26-26 1,-26 26-16,26 0 0,-26 0 16,25 0-16,-25 0 0,0 0 15,26 0 1,-26 0-16</inkml:trace>
-  <inkml:trace contextRef="#ctx0" brushRef="#br0" timeOffset="5862">4121 28 0,'-26'-26'16,"0"26"-1,26 26-15,0 0 16,0 0-16,26-26 15,-26 26-15,26-26 16</inkml:trace>
-  <inkml:trace contextRef="#ctx0" brushRef="#br0" timeOffset="6355">4380 235 0,'-26'0'16,"52"0"47,-26 26-63,26 0 15,-26 0 1,26-26-16,-26 26 15,0 0-15,26-26 0,-26 26 16,0 0-16,0 0 16,26 0-16,-26-52 47,0 0-32,0 0 1,0 0-16,0 0 0,0 0 15,0 0-15,0-26 0,26 27 16,-26-1-16,26 26 16,-26-26-16,26 26 0,0 0 15,-1 0 1,1 26-16,0 0 16,0-1-16,-26 1 15,26 0-15,-26 0 16,0 0-16,0 0 0,0 0 15,0 0-15</inkml:trace>
-  <inkml:trace contextRef="#ctx0" brushRef="#br0" timeOffset="8766">881 1428 0,'-26'0'31,"26"26"16,0 0-16,0-1 0,0 1-15,0 0-16,0 0 15,0 0 1,0 0-16,0 0 16,0 0-16,0 0 15,0 0-15,26 0 16,-26 0-16,0-1 16,0 1-16,26 0 15,-26 0 1,0 0-16,0 0 15,26-26-15,-26 26 16,0 0-16,0 0 31,0 0-15,26-26 15,-52 0 16,0 0-31,0 0-1,0 26 1,0-26 0,0 0-16,1 26 0,-27-26 15,26 0-15,0 26 0,-26-26 16,26 25-16,0-25 15,0 0-15,-26 26 0,27-26 16,-1 0-16,0 0 16,26 26-16,-26-26 15,0 0-15,0 0 16,0 0 0,0 0-1,0 0 32,26 26 16,26-26-48,-26 26 1,0 0-1,0 0-15,26 0 16,-26 0 0,0 0-16,0 0 0,0 0 15,0-1 1,0 1-16,0 0 0,0 0 16,0 0-16,0 0 15,0 0-15,0 0 16,0 0-16,0 0 15,0 0 1,0 0-16,0-1 16,0 1 15,-26-26-31,0 0 78,26-26-62</inkml:trace>
-  <inkml:trace contextRef="#ctx0" brushRef="#br0" timeOffset="9143">26 2698 0,'-26'0'15,"52"0"48,-26 26-48,26-26 1,-26 26-16,26-26 16,-26 25-16,26-25 0,0 26 15,0 0-15,-1-26 16,1 26-1,0 0 1,0-26 0</inkml:trace>
-  <inkml:trace contextRef="#ctx0" brushRef="#br0" timeOffset="9690">622 2594 0,'0'-26'16,"26"26"15,-52 0 32,26 26-48,-26-26 1,26 26-16,-26-26 0,26 26 15,-26 0-15,0 0 16,0 0-16,1 0 0,-1-1 16,0-25-16,0 26 15,26 0-15,-26-26 0,26 26 16,-26-26-16,26 26 0,-26-26 16,0 26-1,26 0 1,-26-26-16</inkml:trace>
-</inkml:ink>
-</file>
-
 <file path=ppt/notesMasters/notesMaster1.xml><?xml version="1.0" encoding="utf-8"?>
 <p:notesMaster xmlns:a="http://schemas.openxmlformats.org/drawingml/2006/main" xmlns:r="http://schemas.openxmlformats.org/officeDocument/2006/relationships" xmlns:p="http://schemas.openxmlformats.org/presentationml/2006/main">
   <p:cSld>
@@ -1769,7 +1085,7 @@
           <a:p>
             <a:fld id="{4AF2A06D-4991-4208-8C88-4E8BAD69A8B8}" type="datetimeFigureOut">
               <a:rPr lang="en-US" smtClean="0"/>
-              <a:t>12/23/2020</a:t>
+              <a:t>1/27/2022</a:t>
             </a:fld>
             <a:endParaRPr lang="en-US"/>
           </a:p>
@@ -2232,7 +1548,7 @@
                 <a:tabLst/>
                 <a:defRPr/>
               </a:pPr>
-              <a:t>17</a:t>
+              <a:t>18</a:t>
             </a:fld>
             <a:endParaRPr kumimoji="0" lang="en-US" sz="1200" b="0" i="0" u="none" strike="noStrike" kern="1200" cap="none" spc="0" normalizeH="0" baseline="0" noProof="0">
               <a:ln>
@@ -2393,7 +1709,7 @@
           <a:p>
             <a:fld id="{E26E0DA5-0C76-4851-AA82-0B75261F9EB4}" type="datetimeFigureOut">
               <a:rPr lang="en-US" smtClean="0"/>
-              <a:t>12/23/2020</a:t>
+              <a:t>1/27/2022</a:t>
             </a:fld>
             <a:endParaRPr lang="en-US"/>
           </a:p>
@@ -2561,7 +1877,7 @@
           <a:p>
             <a:fld id="{E26E0DA5-0C76-4851-AA82-0B75261F9EB4}" type="datetimeFigureOut">
               <a:rPr lang="en-US" smtClean="0"/>
-              <a:t>12/23/2020</a:t>
+              <a:t>1/27/2022</a:t>
             </a:fld>
             <a:endParaRPr lang="en-US"/>
           </a:p>
@@ -2739,7 +2055,7 @@
           <a:p>
             <a:fld id="{E26E0DA5-0C76-4851-AA82-0B75261F9EB4}" type="datetimeFigureOut">
               <a:rPr lang="en-US" smtClean="0"/>
-              <a:t>12/23/2020</a:t>
+              <a:t>1/27/2022</a:t>
             </a:fld>
             <a:endParaRPr lang="en-US"/>
           </a:p>
@@ -3066,7 +2382,7 @@
             <a:fld id="{9578D6DB-6798-42D2-B9AD-FC6F1C72FC30}" type="datetimeFigureOut">
               <a:rPr lang="en-US" smtClean="0"/>
               <a:pPr/>
-              <a:t>12/23/2020</a:t>
+              <a:t>1/27/2022</a:t>
             </a:fld>
             <a:endParaRPr lang="en-US"/>
           </a:p>
@@ -3308,7 +2624,7 @@
             <a:fld id="{425404F2-BE9A-4460-8815-8F645183555F}" type="datetimeFigureOut">
               <a:rPr lang="en-US" smtClean="0"/>
               <a:pPr/>
-              <a:t>12/23/2020</a:t>
+              <a:t>1/27/2022</a:t>
             </a:fld>
             <a:endParaRPr lang="en-US"/>
           </a:p>
@@ -3436,7 +2752,7 @@
             <a:fld id="{425404F2-BE9A-4460-8815-8F645183555F}" type="datetimeFigureOut">
               <a:rPr lang="en-US" smtClean="0"/>
               <a:pPr/>
-              <a:t>12/23/2020</a:t>
+              <a:t>1/27/2022</a:t>
             </a:fld>
             <a:endParaRPr lang="en-US"/>
           </a:p>
@@ -3686,7 +3002,7 @@
             <a:fld id="{425404F2-BE9A-4460-8815-8F645183555F}" type="datetimeFigureOut">
               <a:rPr lang="en-US" smtClean="0"/>
               <a:pPr/>
-              <a:t>12/23/2020</a:t>
+              <a:t>1/27/2022</a:t>
             </a:fld>
             <a:endParaRPr lang="en-US"/>
           </a:p>
@@ -3856,7 +3172,7 @@
             <a:fld id="{425404F2-BE9A-4460-8815-8F645183555F}" type="datetimeFigureOut">
               <a:rPr lang="en-US" smtClean="0"/>
               <a:pPr/>
-              <a:t>12/23/2020</a:t>
+              <a:t>1/27/2022</a:t>
             </a:fld>
             <a:endParaRPr lang="en-US"/>
           </a:p>
@@ -4143,7 +3459,7 @@
             <a:fld id="{425404F2-BE9A-4460-8815-8F645183555F}" type="datetimeFigureOut">
               <a:rPr lang="en-US" smtClean="0"/>
               <a:pPr/>
-              <a:t>12/23/2020</a:t>
+              <a:t>1/27/2022</a:t>
             </a:fld>
             <a:endParaRPr lang="en-US"/>
           </a:p>
@@ -4564,7 +3880,7 @@
             <a:fld id="{425404F2-BE9A-4460-8815-8F645183555F}" type="datetimeFigureOut">
               <a:rPr lang="en-US" smtClean="0"/>
               <a:pPr/>
-              <a:t>12/23/2020</a:t>
+              <a:t>1/27/2022</a:t>
             </a:fld>
             <a:endParaRPr lang="en-US"/>
           </a:p>
@@ -4689,7 +4005,7 @@
             <a:fld id="{425404F2-BE9A-4460-8815-8F645183555F}" type="datetimeFigureOut">
               <a:rPr lang="en-US" smtClean="0"/>
               <a:pPr/>
-              <a:t>12/23/2020</a:t>
+              <a:t>1/27/2022</a:t>
             </a:fld>
             <a:endParaRPr lang="en-US"/>
           </a:p>
@@ -4915,7 +4231,7 @@
           <a:p>
             <a:fld id="{E26E0DA5-0C76-4851-AA82-0B75261F9EB4}" type="datetimeFigureOut">
               <a:rPr lang="en-US" smtClean="0"/>
-              <a:t>12/23/2020</a:t>
+              <a:t>1/27/2022</a:t>
             </a:fld>
             <a:endParaRPr lang="en-US"/>
           </a:p>
@@ -5039,7 +4355,7 @@
             <a:fld id="{425404F2-BE9A-4460-8815-8F645183555F}" type="datetimeFigureOut">
               <a:rPr lang="en-US" smtClean="0"/>
               <a:pPr/>
-              <a:t>12/23/2020</a:t>
+              <a:t>1/27/2022</a:t>
             </a:fld>
             <a:endParaRPr lang="en-US"/>
           </a:p>
@@ -5586,7 +4902,7 @@
             <a:fld id="{425404F2-BE9A-4460-8815-8F645183555F}" type="datetimeFigureOut">
               <a:rPr lang="en-US" smtClean="0"/>
               <a:pPr/>
-              <a:t>12/23/2020</a:t>
+              <a:t>1/27/2022</a:t>
             </a:fld>
             <a:endParaRPr lang="en-US"/>
           </a:p>
@@ -5734,7 +5050,7 @@
             <a:fld id="{425404F2-BE9A-4460-8815-8F645183555F}" type="datetimeFigureOut">
               <a:rPr lang="en-US" smtClean="0"/>
               <a:pPr/>
-              <a:t>12/23/2020</a:t>
+              <a:t>1/27/2022</a:t>
             </a:fld>
             <a:endParaRPr lang="en-US"/>
           </a:p>
@@ -5967,7 +5283,7 @@
             <a:fld id="{425404F2-BE9A-4460-8815-8F645183555F}" type="datetimeFigureOut">
               <a:rPr lang="en-US" smtClean="0"/>
               <a:pPr/>
-              <a:t>12/23/2020</a:t>
+              <a:t>1/27/2022</a:t>
             </a:fld>
             <a:endParaRPr lang="en-US"/>
           </a:p>
@@ -6205,7 +5521,7 @@
             <a:fld id="{425404F2-BE9A-4460-8815-8F645183555F}" type="datetimeFigureOut">
               <a:rPr lang="en-US" smtClean="0"/>
               <a:pPr/>
-              <a:t>12/23/2020</a:t>
+              <a:t>1/27/2022</a:t>
             </a:fld>
             <a:endParaRPr lang="en-US"/>
           </a:p>
@@ -6387,7 +5703,7 @@
             <a:fld id="{425404F2-BE9A-4460-8815-8F645183555F}" type="datetimeFigureOut">
               <a:rPr lang="en-US" smtClean="0"/>
               <a:pPr/>
-              <a:t>12/23/2020</a:t>
+              <a:t>1/27/2022</a:t>
             </a:fld>
             <a:endParaRPr lang="en-US"/>
           </a:p>
@@ -6664,7 +5980,7 @@
             <a:fld id="{425404F2-BE9A-4460-8815-8F645183555F}" type="datetimeFigureOut">
               <a:rPr lang="en-US" smtClean="0"/>
               <a:pPr/>
-              <a:t>12/23/2020</a:t>
+              <a:t>1/27/2022</a:t>
             </a:fld>
             <a:endParaRPr lang="en-US"/>
           </a:p>
@@ -6918,7 +6234,7 @@
             <a:fld id="{425404F2-BE9A-4460-8815-8F645183555F}" type="datetimeFigureOut">
               <a:rPr lang="en-US" smtClean="0"/>
               <a:pPr/>
-              <a:t>12/23/2020</a:t>
+              <a:t>1/27/2022</a:t>
             </a:fld>
             <a:endParaRPr lang="en-US"/>
           </a:p>
@@ -7088,7 +6404,7 @@
             <a:fld id="{425404F2-BE9A-4460-8815-8F645183555F}" type="datetimeFigureOut">
               <a:rPr lang="en-US" smtClean="0"/>
               <a:pPr/>
-              <a:t>12/23/2020</a:t>
+              <a:t>1/27/2022</a:t>
             </a:fld>
             <a:endParaRPr lang="en-US"/>
           </a:p>
@@ -7268,7 +6584,7 @@
             <a:fld id="{425404F2-BE9A-4460-8815-8F645183555F}" type="datetimeFigureOut">
               <a:rPr lang="en-US" smtClean="0"/>
               <a:pPr/>
-              <a:t>12/23/2020</a:t>
+              <a:t>1/27/2022</a:t>
             </a:fld>
             <a:endParaRPr lang="en-US"/>
           </a:p>
@@ -7514,7 +6830,7 @@
           <a:p>
             <a:fld id="{E26E0DA5-0C76-4851-AA82-0B75261F9EB4}" type="datetimeFigureOut">
               <a:rPr lang="en-US" smtClean="0"/>
-              <a:t>12/23/2020</a:t>
+              <a:t>1/27/2022</a:t>
             </a:fld>
             <a:endParaRPr lang="en-US"/>
           </a:p>
@@ -7743,7 +7059,7 @@
           <a:p>
             <a:fld id="{E26E0DA5-0C76-4851-AA82-0B75261F9EB4}" type="datetimeFigureOut">
               <a:rPr lang="en-US" smtClean="0"/>
-              <a:t>12/23/2020</a:t>
+              <a:t>1/27/2022</a:t>
             </a:fld>
             <a:endParaRPr lang="en-US"/>
           </a:p>
@@ -8107,7 +7423,7 @@
           <a:p>
             <a:fld id="{E26E0DA5-0C76-4851-AA82-0B75261F9EB4}" type="datetimeFigureOut">
               <a:rPr lang="en-US" smtClean="0"/>
-              <a:t>12/23/2020</a:t>
+              <a:t>1/27/2022</a:t>
             </a:fld>
             <a:endParaRPr lang="en-US"/>
           </a:p>
@@ -8224,7 +7540,7 @@
           <a:p>
             <a:fld id="{E26E0DA5-0C76-4851-AA82-0B75261F9EB4}" type="datetimeFigureOut">
               <a:rPr lang="en-US" smtClean="0"/>
-              <a:t>12/23/2020</a:t>
+              <a:t>1/27/2022</a:t>
             </a:fld>
             <a:endParaRPr lang="en-US"/>
           </a:p>
@@ -8319,7 +7635,7 @@
           <a:p>
             <a:fld id="{E26E0DA5-0C76-4851-AA82-0B75261F9EB4}" type="datetimeFigureOut">
               <a:rPr lang="en-US" smtClean="0"/>
-              <a:t>12/23/2020</a:t>
+              <a:t>1/27/2022</a:t>
             </a:fld>
             <a:endParaRPr lang="en-US"/>
           </a:p>
@@ -8594,7 +7910,7 @@
           <a:p>
             <a:fld id="{E26E0DA5-0C76-4851-AA82-0B75261F9EB4}" type="datetimeFigureOut">
               <a:rPr lang="en-US" smtClean="0"/>
-              <a:t>12/23/2020</a:t>
+              <a:t>1/27/2022</a:t>
             </a:fld>
             <a:endParaRPr lang="en-US"/>
           </a:p>
@@ -8846,7 +8162,7 @@
           <a:p>
             <a:fld id="{E26E0DA5-0C76-4851-AA82-0B75261F9EB4}" type="datetimeFigureOut">
               <a:rPr lang="en-US" smtClean="0"/>
-              <a:t>12/23/2020</a:t>
+              <a:t>1/27/2022</a:t>
             </a:fld>
             <a:endParaRPr lang="en-US"/>
           </a:p>
@@ -9057,7 +8373,7 @@
           <a:p>
             <a:fld id="{E26E0DA5-0C76-4851-AA82-0B75261F9EB4}" type="datetimeFigureOut">
               <a:rPr lang="en-US" smtClean="0"/>
-              <a:t>12/23/2020</a:t>
+              <a:t>1/27/2022</a:t>
             </a:fld>
             <a:endParaRPr lang="en-US"/>
           </a:p>
@@ -9614,7 +8930,7 @@
             <a:fld id="{425404F2-BE9A-4460-8815-8F645183555F}" type="datetimeFigureOut">
               <a:rPr lang="en-US" smtClean="0"/>
               <a:pPr/>
-              <a:t>12/23/2020</a:t>
+              <a:t>1/27/2022</a:t>
             </a:fld>
             <a:endParaRPr lang="en-US"/>
           </a:p>
@@ -10283,7 +9599,7 @@
                 </a:solidFill>
                 <a:latin typeface="Patua One" pitchFamily="2" charset="0"/>
               </a:rPr>
-              <a:t>&lt;Title&gt;</a:t>
+              <a:t>CDS – Core Data &amp; Services</a:t>
             </a:r>
           </a:p>
         </p:txBody>
@@ -10415,1001 +9731,10 @@
       </p:cxnSp>
       <p:sp>
         <p:nvSpPr>
-          <p:cNvPr id="2" name="Rectangle 1">
+          <p:cNvPr id="2" name="TextBox 1">
             <a:extLst>
               <a:ext uri="{FF2B5EF4-FFF2-40B4-BE49-F238E27FC236}">
-                <a16:creationId xmlns:a16="http://schemas.microsoft.com/office/drawing/2014/main" id="{FE990B12-65FB-4B67-ACD5-34E0895610B3}"/>
-              </a:ext>
-            </a:extLst>
-          </p:cNvPr>
-          <p:cNvSpPr/>
-          <p:nvPr/>
-        </p:nvSpPr>
-        <p:spPr>
-          <a:xfrm>
-            <a:off x="1219200" y="5867401"/>
-            <a:ext cx="1752600" cy="380997"/>
-          </a:xfrm>
-          <a:prstGeom prst="rect">
-            <a:avLst/>
-          </a:prstGeom>
-        </p:spPr>
-        <p:style>
-          <a:lnRef idx="2">
-            <a:schemeClr val="accent1">
-              <a:shade val="50000"/>
-            </a:schemeClr>
-          </a:lnRef>
-          <a:fillRef idx="1">
-            <a:schemeClr val="accent1"/>
-          </a:fillRef>
-          <a:effectRef idx="0">
-            <a:schemeClr val="accent1"/>
-          </a:effectRef>
-          <a:fontRef idx="minor">
-            <a:schemeClr val="lt1"/>
-          </a:fontRef>
-        </p:style>
-        <p:txBody>
-          <a:bodyPr rtlCol="0" anchor="ctr"/>
-          <a:lstStyle/>
-          <a:p>
-            <a:pPr algn="ctr" defTabSz="1218987"/>
-            <a:r>
-              <a:rPr lang="en-US" sz="2400" dirty="0">
-                <a:solidFill>
-                  <a:prstClr val="white"/>
-                </a:solidFill>
-                <a:latin typeface="Calibri"/>
-              </a:rPr>
-              <a:t>DB Tables</a:t>
-            </a:r>
-          </a:p>
-        </p:txBody>
-      </p:sp>
-      <p:sp>
-        <p:nvSpPr>
-          <p:cNvPr id="3" name="Rectangle 2">
-            <a:extLst>
-              <a:ext uri="{FF2B5EF4-FFF2-40B4-BE49-F238E27FC236}">
-                <a16:creationId xmlns:a16="http://schemas.microsoft.com/office/drawing/2014/main" id="{6B9C3631-F8B6-41F9-97B8-8C4370C663E2}"/>
-              </a:ext>
-            </a:extLst>
-          </p:cNvPr>
-          <p:cNvSpPr/>
-          <p:nvPr/>
-        </p:nvSpPr>
-        <p:spPr>
-          <a:xfrm>
-            <a:off x="3505200" y="5867401"/>
-            <a:ext cx="1752600" cy="380997"/>
-          </a:xfrm>
-          <a:prstGeom prst="rect">
-            <a:avLst/>
-          </a:prstGeom>
-        </p:spPr>
-        <p:style>
-          <a:lnRef idx="2">
-            <a:schemeClr val="accent1">
-              <a:shade val="50000"/>
-            </a:schemeClr>
-          </a:lnRef>
-          <a:fillRef idx="1">
-            <a:schemeClr val="accent1"/>
-          </a:fillRef>
-          <a:effectRef idx="0">
-            <a:schemeClr val="accent1"/>
-          </a:effectRef>
-          <a:fontRef idx="minor">
-            <a:schemeClr val="lt1"/>
-          </a:fontRef>
-        </p:style>
-        <p:txBody>
-          <a:bodyPr rtlCol="0" anchor="ctr"/>
-          <a:lstStyle/>
-          <a:p>
-            <a:pPr algn="ctr" defTabSz="1218987"/>
-            <a:r>
-              <a:rPr lang="en-US" sz="2400">
-                <a:solidFill>
-                  <a:prstClr val="white"/>
-                </a:solidFill>
-                <a:latin typeface="Calibri"/>
-              </a:rPr>
-              <a:t>DB Tables</a:t>
-            </a:r>
-            <a:endParaRPr lang="en-US" sz="2400" dirty="0">
-              <a:solidFill>
-                <a:prstClr val="white"/>
-              </a:solidFill>
-              <a:latin typeface="Calibri"/>
-            </a:endParaRPr>
-          </a:p>
-        </p:txBody>
-      </p:sp>
-      <p:sp>
-        <p:nvSpPr>
-          <p:cNvPr id="4" name="Rectangle 3">
-            <a:extLst>
-              <a:ext uri="{FF2B5EF4-FFF2-40B4-BE49-F238E27FC236}">
-                <a16:creationId xmlns:a16="http://schemas.microsoft.com/office/drawing/2014/main" id="{DBBB7B78-5FDE-4747-9F67-4C789223B839}"/>
-              </a:ext>
-            </a:extLst>
-          </p:cNvPr>
-          <p:cNvSpPr/>
-          <p:nvPr/>
-        </p:nvSpPr>
-        <p:spPr>
-          <a:xfrm>
-            <a:off x="5795764" y="5867401"/>
-            <a:ext cx="1752600" cy="380997"/>
-          </a:xfrm>
-          <a:prstGeom prst="rect">
-            <a:avLst/>
-          </a:prstGeom>
-        </p:spPr>
-        <p:style>
-          <a:lnRef idx="2">
-            <a:schemeClr val="accent1">
-              <a:shade val="50000"/>
-            </a:schemeClr>
-          </a:lnRef>
-          <a:fillRef idx="1">
-            <a:schemeClr val="accent1"/>
-          </a:fillRef>
-          <a:effectRef idx="0">
-            <a:schemeClr val="accent1"/>
-          </a:effectRef>
-          <a:fontRef idx="minor">
-            <a:schemeClr val="lt1"/>
-          </a:fontRef>
-        </p:style>
-        <p:txBody>
-          <a:bodyPr rtlCol="0" anchor="ctr"/>
-          <a:lstStyle/>
-          <a:p>
-            <a:pPr algn="ctr" defTabSz="1218987"/>
-            <a:r>
-              <a:rPr lang="en-US" sz="2400">
-                <a:solidFill>
-                  <a:prstClr val="white"/>
-                </a:solidFill>
-                <a:latin typeface="Calibri"/>
-              </a:rPr>
-              <a:t>DB Tables</a:t>
-            </a:r>
-            <a:endParaRPr lang="en-US" sz="2400" dirty="0">
-              <a:solidFill>
-                <a:prstClr val="white"/>
-              </a:solidFill>
-              <a:latin typeface="Calibri"/>
-            </a:endParaRPr>
-          </a:p>
-        </p:txBody>
-      </p:sp>
-      <p:sp>
-        <p:nvSpPr>
-          <p:cNvPr id="5" name="Rectangle 4">
-            <a:extLst>
-              <a:ext uri="{FF2B5EF4-FFF2-40B4-BE49-F238E27FC236}">
-                <a16:creationId xmlns:a16="http://schemas.microsoft.com/office/drawing/2014/main" id="{6B2680F4-EFEC-4CF3-B98B-958258711165}"/>
-              </a:ext>
-            </a:extLst>
-          </p:cNvPr>
-          <p:cNvSpPr/>
-          <p:nvPr/>
-        </p:nvSpPr>
-        <p:spPr>
-          <a:xfrm>
-            <a:off x="8064225" y="5867401"/>
-            <a:ext cx="1752600" cy="380997"/>
-          </a:xfrm>
-          <a:prstGeom prst="rect">
-            <a:avLst/>
-          </a:prstGeom>
-        </p:spPr>
-        <p:style>
-          <a:lnRef idx="2">
-            <a:schemeClr val="accent1">
-              <a:shade val="50000"/>
-            </a:schemeClr>
-          </a:lnRef>
-          <a:fillRef idx="1">
-            <a:schemeClr val="accent1"/>
-          </a:fillRef>
-          <a:effectRef idx="0">
-            <a:schemeClr val="accent1"/>
-          </a:effectRef>
-          <a:fontRef idx="minor">
-            <a:schemeClr val="lt1"/>
-          </a:fontRef>
-        </p:style>
-        <p:txBody>
-          <a:bodyPr rtlCol="0" anchor="ctr"/>
-          <a:lstStyle/>
-          <a:p>
-            <a:pPr algn="ctr" defTabSz="1218987"/>
-            <a:r>
-              <a:rPr lang="en-US" sz="2400">
-                <a:solidFill>
-                  <a:prstClr val="white"/>
-                </a:solidFill>
-                <a:latin typeface="Calibri"/>
-              </a:rPr>
-              <a:t>DB Tables</a:t>
-            </a:r>
-            <a:endParaRPr lang="en-US" sz="2400" dirty="0">
-              <a:solidFill>
-                <a:prstClr val="white"/>
-              </a:solidFill>
-              <a:latin typeface="Calibri"/>
-            </a:endParaRPr>
-          </a:p>
-        </p:txBody>
-      </p:sp>
-      <p:sp>
-        <p:nvSpPr>
-          <p:cNvPr id="6" name="Rectangle: Rounded Corners 5">
-            <a:extLst>
-              <a:ext uri="{FF2B5EF4-FFF2-40B4-BE49-F238E27FC236}">
-                <a16:creationId xmlns:a16="http://schemas.microsoft.com/office/drawing/2014/main" id="{E40EEFAE-537C-429E-AF93-16044B7832AF}"/>
-              </a:ext>
-            </a:extLst>
-          </p:cNvPr>
-          <p:cNvSpPr/>
-          <p:nvPr/>
-        </p:nvSpPr>
-        <p:spPr>
-          <a:xfrm>
-            <a:off x="685800" y="5134726"/>
-            <a:ext cx="2590800" cy="460156"/>
-          </a:xfrm>
-          <a:prstGeom prst="roundRect">
-            <a:avLst/>
-          </a:prstGeom>
-        </p:spPr>
-        <p:style>
-          <a:lnRef idx="2">
-            <a:schemeClr val="accent1">
-              <a:shade val="50000"/>
-            </a:schemeClr>
-          </a:lnRef>
-          <a:fillRef idx="1">
-            <a:schemeClr val="accent1"/>
-          </a:fillRef>
-          <a:effectRef idx="0">
-            <a:schemeClr val="accent1"/>
-          </a:effectRef>
-          <a:fontRef idx="minor">
-            <a:schemeClr val="lt1"/>
-          </a:fontRef>
-        </p:style>
-        <p:txBody>
-          <a:bodyPr rtlCol="0" anchor="ctr"/>
-          <a:lstStyle/>
-          <a:p>
-            <a:pPr algn="ctr" defTabSz="1218987"/>
-            <a:r>
-              <a:rPr lang="en-US" sz="2400" dirty="0">
-                <a:solidFill>
-                  <a:prstClr val="white"/>
-                </a:solidFill>
-                <a:latin typeface="Calibri"/>
-              </a:rPr>
-              <a:t>Private Views</a:t>
-            </a:r>
-          </a:p>
-        </p:txBody>
-      </p:sp>
-      <p:sp>
-        <p:nvSpPr>
-          <p:cNvPr id="8" name="Rectangle: Rounded Corners 7">
-            <a:extLst>
-              <a:ext uri="{FF2B5EF4-FFF2-40B4-BE49-F238E27FC236}">
-                <a16:creationId xmlns:a16="http://schemas.microsoft.com/office/drawing/2014/main" id="{2F1E68C2-DF91-4823-B107-C0DA25BFF285}"/>
-              </a:ext>
-            </a:extLst>
-          </p:cNvPr>
-          <p:cNvSpPr/>
-          <p:nvPr/>
-        </p:nvSpPr>
-        <p:spPr>
-          <a:xfrm>
-            <a:off x="3467100" y="5134726"/>
-            <a:ext cx="2590800" cy="460156"/>
-          </a:xfrm>
-          <a:prstGeom prst="roundRect">
-            <a:avLst/>
-          </a:prstGeom>
-        </p:spPr>
-        <p:style>
-          <a:lnRef idx="2">
-            <a:schemeClr val="accent1">
-              <a:shade val="50000"/>
-            </a:schemeClr>
-          </a:lnRef>
-          <a:fillRef idx="1">
-            <a:schemeClr val="accent1"/>
-          </a:fillRef>
-          <a:effectRef idx="0">
-            <a:schemeClr val="accent1"/>
-          </a:effectRef>
-          <a:fontRef idx="minor">
-            <a:schemeClr val="lt1"/>
-          </a:fontRef>
-        </p:style>
-        <p:txBody>
-          <a:bodyPr rtlCol="0" anchor="ctr"/>
-          <a:lstStyle/>
-          <a:p>
-            <a:pPr algn="ctr" defTabSz="1218987"/>
-            <a:r>
-              <a:rPr lang="en-US" sz="2400" dirty="0">
-                <a:solidFill>
-                  <a:prstClr val="white"/>
-                </a:solidFill>
-                <a:latin typeface="Calibri"/>
-              </a:rPr>
-              <a:t>Private Views</a:t>
-            </a:r>
-          </a:p>
-        </p:txBody>
-      </p:sp>
-      <p:sp>
-        <p:nvSpPr>
-          <p:cNvPr id="10" name="Rectangle: Rounded Corners 9">
-            <a:extLst>
-              <a:ext uri="{FF2B5EF4-FFF2-40B4-BE49-F238E27FC236}">
-                <a16:creationId xmlns:a16="http://schemas.microsoft.com/office/drawing/2014/main" id="{0DA27320-5343-4782-A1F2-4AC9035391AF}"/>
-              </a:ext>
-            </a:extLst>
-          </p:cNvPr>
-          <p:cNvSpPr/>
-          <p:nvPr/>
-        </p:nvSpPr>
-        <p:spPr>
-          <a:xfrm>
-            <a:off x="6315899" y="5134726"/>
-            <a:ext cx="2590800" cy="460156"/>
-          </a:xfrm>
-          <a:prstGeom prst="roundRect">
-            <a:avLst/>
-          </a:prstGeom>
-        </p:spPr>
-        <p:style>
-          <a:lnRef idx="2">
-            <a:schemeClr val="accent1">
-              <a:shade val="50000"/>
-            </a:schemeClr>
-          </a:lnRef>
-          <a:fillRef idx="1">
-            <a:schemeClr val="accent1"/>
-          </a:fillRef>
-          <a:effectRef idx="0">
-            <a:schemeClr val="accent1"/>
-          </a:effectRef>
-          <a:fontRef idx="minor">
-            <a:schemeClr val="lt1"/>
-          </a:fontRef>
-        </p:style>
-        <p:txBody>
-          <a:bodyPr rtlCol="0" anchor="ctr"/>
-          <a:lstStyle/>
-          <a:p>
-            <a:pPr algn="ctr" defTabSz="1218987"/>
-            <a:r>
-              <a:rPr lang="en-US" sz="2400" dirty="0">
-                <a:solidFill>
-                  <a:prstClr val="white"/>
-                </a:solidFill>
-                <a:latin typeface="Calibri"/>
-              </a:rPr>
-              <a:t>Private Views</a:t>
-            </a:r>
-          </a:p>
-        </p:txBody>
-      </p:sp>
-      <p:sp>
-        <p:nvSpPr>
-          <p:cNvPr id="13" name="Rectangle: Rounded Corners 12">
-            <a:extLst>
-              <a:ext uri="{FF2B5EF4-FFF2-40B4-BE49-F238E27FC236}">
-                <a16:creationId xmlns:a16="http://schemas.microsoft.com/office/drawing/2014/main" id="{73B93341-38AF-498A-987C-FF4D2C4336C2}"/>
-              </a:ext>
-            </a:extLst>
-          </p:cNvPr>
-          <p:cNvSpPr/>
-          <p:nvPr/>
-        </p:nvSpPr>
-        <p:spPr>
-          <a:xfrm>
-            <a:off x="9160179" y="5134726"/>
-            <a:ext cx="2590800" cy="460156"/>
-          </a:xfrm>
-          <a:prstGeom prst="roundRect">
-            <a:avLst/>
-          </a:prstGeom>
-        </p:spPr>
-        <p:style>
-          <a:lnRef idx="2">
-            <a:schemeClr val="accent1">
-              <a:shade val="50000"/>
-            </a:schemeClr>
-          </a:lnRef>
-          <a:fillRef idx="1">
-            <a:schemeClr val="accent1"/>
-          </a:fillRef>
-          <a:effectRef idx="0">
-            <a:schemeClr val="accent1"/>
-          </a:effectRef>
-          <a:fontRef idx="minor">
-            <a:schemeClr val="lt1"/>
-          </a:fontRef>
-        </p:style>
-        <p:txBody>
-          <a:bodyPr rtlCol="0" anchor="ctr"/>
-          <a:lstStyle/>
-          <a:p>
-            <a:pPr algn="ctr" defTabSz="1218987"/>
-            <a:r>
-              <a:rPr lang="en-US" sz="2400" dirty="0">
-                <a:solidFill>
-                  <a:prstClr val="white"/>
-                </a:solidFill>
-                <a:latin typeface="Calibri"/>
-              </a:rPr>
-              <a:t>Private Views</a:t>
-            </a:r>
-          </a:p>
-        </p:txBody>
-      </p:sp>
-      <p:sp>
-        <p:nvSpPr>
-          <p:cNvPr id="15" name="Rectangle: Rounded Corners 14">
-            <a:extLst>
-              <a:ext uri="{FF2B5EF4-FFF2-40B4-BE49-F238E27FC236}">
-                <a16:creationId xmlns:a16="http://schemas.microsoft.com/office/drawing/2014/main" id="{7AFC9ABC-3553-48C6-A61F-7DE19A35A392}"/>
-              </a:ext>
-            </a:extLst>
-          </p:cNvPr>
-          <p:cNvSpPr/>
-          <p:nvPr/>
-        </p:nvSpPr>
-        <p:spPr>
-          <a:xfrm>
-            <a:off x="914400" y="4297274"/>
-            <a:ext cx="3276600" cy="685794"/>
-          </a:xfrm>
-          <a:prstGeom prst="roundRect">
-            <a:avLst/>
-          </a:prstGeom>
-        </p:spPr>
-        <p:style>
-          <a:lnRef idx="2">
-            <a:schemeClr val="accent1">
-              <a:shade val="50000"/>
-            </a:schemeClr>
-          </a:lnRef>
-          <a:fillRef idx="1">
-            <a:schemeClr val="accent1"/>
-          </a:fillRef>
-          <a:effectRef idx="0">
-            <a:schemeClr val="accent1"/>
-          </a:effectRef>
-          <a:fontRef idx="minor">
-            <a:schemeClr val="lt1"/>
-          </a:fontRef>
-        </p:style>
-        <p:txBody>
-          <a:bodyPr rtlCol="0" anchor="ctr"/>
-          <a:lstStyle/>
-          <a:p>
-            <a:pPr algn="ctr" defTabSz="1218987"/>
-            <a:r>
-              <a:rPr lang="en-US" sz="2400" dirty="0">
-                <a:solidFill>
-                  <a:prstClr val="white"/>
-                </a:solidFill>
-                <a:latin typeface="Calibri"/>
-              </a:rPr>
-              <a:t>Interface Views</a:t>
-            </a:r>
-          </a:p>
-        </p:txBody>
-      </p:sp>
-      <p:sp>
-        <p:nvSpPr>
-          <p:cNvPr id="17" name="Rectangle: Rounded Corners 16">
-            <a:extLst>
-              <a:ext uri="{FF2B5EF4-FFF2-40B4-BE49-F238E27FC236}">
-                <a16:creationId xmlns:a16="http://schemas.microsoft.com/office/drawing/2014/main" id="{48C1D087-1BDA-4E27-B377-467650CA2FE2}"/>
-              </a:ext>
-            </a:extLst>
-          </p:cNvPr>
-          <p:cNvSpPr/>
-          <p:nvPr/>
-        </p:nvSpPr>
-        <p:spPr>
-          <a:xfrm>
-            <a:off x="4495800" y="4297274"/>
-            <a:ext cx="3276600" cy="685794"/>
-          </a:xfrm>
-          <a:prstGeom prst="roundRect">
-            <a:avLst/>
-          </a:prstGeom>
-        </p:spPr>
-        <p:style>
-          <a:lnRef idx="2">
-            <a:schemeClr val="accent1">
-              <a:shade val="50000"/>
-            </a:schemeClr>
-          </a:lnRef>
-          <a:fillRef idx="1">
-            <a:schemeClr val="accent1"/>
-          </a:fillRef>
-          <a:effectRef idx="0">
-            <a:schemeClr val="accent1"/>
-          </a:effectRef>
-          <a:fontRef idx="minor">
-            <a:schemeClr val="lt1"/>
-          </a:fontRef>
-        </p:style>
-        <p:txBody>
-          <a:bodyPr rtlCol="0" anchor="ctr"/>
-          <a:lstStyle/>
-          <a:p>
-            <a:pPr algn="ctr" defTabSz="1218987"/>
-            <a:r>
-              <a:rPr lang="en-US" sz="2400" dirty="0">
-                <a:solidFill>
-                  <a:prstClr val="white"/>
-                </a:solidFill>
-                <a:latin typeface="Calibri"/>
-              </a:rPr>
-              <a:t>Interface Views</a:t>
-            </a:r>
-          </a:p>
-        </p:txBody>
-      </p:sp>
-      <p:sp>
-        <p:nvSpPr>
-          <p:cNvPr id="19" name="Rectangle: Rounded Corners 18">
-            <a:extLst>
-              <a:ext uri="{FF2B5EF4-FFF2-40B4-BE49-F238E27FC236}">
-                <a16:creationId xmlns:a16="http://schemas.microsoft.com/office/drawing/2014/main" id="{6C3D0D44-2B5D-4D5D-9E27-E3FC6AC0345B}"/>
-              </a:ext>
-            </a:extLst>
-          </p:cNvPr>
-          <p:cNvSpPr/>
-          <p:nvPr/>
-        </p:nvSpPr>
-        <p:spPr>
-          <a:xfrm>
-            <a:off x="7962901" y="4295784"/>
-            <a:ext cx="3276600" cy="685794"/>
-          </a:xfrm>
-          <a:prstGeom prst="roundRect">
-            <a:avLst/>
-          </a:prstGeom>
-        </p:spPr>
-        <p:style>
-          <a:lnRef idx="2">
-            <a:schemeClr val="accent1">
-              <a:shade val="50000"/>
-            </a:schemeClr>
-          </a:lnRef>
-          <a:fillRef idx="1">
-            <a:schemeClr val="accent1"/>
-          </a:fillRef>
-          <a:effectRef idx="0">
-            <a:schemeClr val="accent1"/>
-          </a:effectRef>
-          <a:fontRef idx="minor">
-            <a:schemeClr val="lt1"/>
-          </a:fontRef>
-        </p:style>
-        <p:txBody>
-          <a:bodyPr rtlCol="0" anchor="ctr"/>
-          <a:lstStyle/>
-          <a:p>
-            <a:pPr algn="ctr" defTabSz="1218987"/>
-            <a:r>
-              <a:rPr lang="en-US" sz="2400" dirty="0">
-                <a:solidFill>
-                  <a:prstClr val="white"/>
-                </a:solidFill>
-                <a:latin typeface="Calibri"/>
-              </a:rPr>
-              <a:t>Interface Views</a:t>
-            </a:r>
-          </a:p>
-        </p:txBody>
-      </p:sp>
-      <p:sp>
-        <p:nvSpPr>
-          <p:cNvPr id="20" name="Rectangle 19">
-            <a:extLst>
-              <a:ext uri="{FF2B5EF4-FFF2-40B4-BE49-F238E27FC236}">
-                <a16:creationId xmlns:a16="http://schemas.microsoft.com/office/drawing/2014/main" id="{79B3ECEB-3CEA-4571-A060-76A98742C496}"/>
-              </a:ext>
-            </a:extLst>
-          </p:cNvPr>
-          <p:cNvSpPr/>
-          <p:nvPr/>
-        </p:nvSpPr>
-        <p:spPr>
-          <a:xfrm>
-            <a:off x="1905001" y="3352800"/>
-            <a:ext cx="4410899" cy="685792"/>
-          </a:xfrm>
-          <a:prstGeom prst="rect">
-            <a:avLst/>
-          </a:prstGeom>
-        </p:spPr>
-        <p:style>
-          <a:lnRef idx="2">
-            <a:schemeClr val="accent1">
-              <a:shade val="50000"/>
-            </a:schemeClr>
-          </a:lnRef>
-          <a:fillRef idx="1">
-            <a:schemeClr val="accent1"/>
-          </a:fillRef>
-          <a:effectRef idx="0">
-            <a:schemeClr val="accent1"/>
-          </a:effectRef>
-          <a:fontRef idx="minor">
-            <a:schemeClr val="lt1"/>
-          </a:fontRef>
-        </p:style>
-        <p:txBody>
-          <a:bodyPr rtlCol="0" anchor="ctr"/>
-          <a:lstStyle/>
-          <a:p>
-            <a:pPr algn="ctr" defTabSz="1218987"/>
-            <a:r>
-              <a:rPr lang="en-US" sz="2400" dirty="0">
-                <a:solidFill>
-                  <a:prstClr val="white"/>
-                </a:solidFill>
-                <a:latin typeface="Calibri"/>
-              </a:rPr>
-              <a:t>Consumption Views</a:t>
-            </a:r>
-          </a:p>
-        </p:txBody>
-      </p:sp>
-      <p:sp>
-        <p:nvSpPr>
-          <p:cNvPr id="22" name="Rectangle 21">
-            <a:extLst>
-              <a:ext uri="{FF2B5EF4-FFF2-40B4-BE49-F238E27FC236}">
-                <a16:creationId xmlns:a16="http://schemas.microsoft.com/office/drawing/2014/main" id="{AD7CF6D0-AB3A-4C4A-8F2E-4727B31F32F3}"/>
-              </a:ext>
-            </a:extLst>
-          </p:cNvPr>
-          <p:cNvSpPr/>
-          <p:nvPr/>
-        </p:nvSpPr>
-        <p:spPr>
-          <a:xfrm>
-            <a:off x="6443266" y="3343360"/>
-            <a:ext cx="4410899" cy="685792"/>
-          </a:xfrm>
-          <a:prstGeom prst="rect">
-            <a:avLst/>
-          </a:prstGeom>
-        </p:spPr>
-        <p:style>
-          <a:lnRef idx="2">
-            <a:schemeClr val="accent1">
-              <a:shade val="50000"/>
-            </a:schemeClr>
-          </a:lnRef>
-          <a:fillRef idx="1">
-            <a:schemeClr val="accent1"/>
-          </a:fillRef>
-          <a:effectRef idx="0">
-            <a:schemeClr val="accent1"/>
-          </a:effectRef>
-          <a:fontRef idx="minor">
-            <a:schemeClr val="lt1"/>
-          </a:fontRef>
-        </p:style>
-        <p:txBody>
-          <a:bodyPr rtlCol="0" anchor="ctr"/>
-          <a:lstStyle/>
-          <a:p>
-            <a:pPr algn="ctr" defTabSz="1218987"/>
-            <a:r>
-              <a:rPr lang="en-US" sz="2400">
-                <a:solidFill>
-                  <a:prstClr val="white"/>
-                </a:solidFill>
-                <a:latin typeface="Calibri"/>
-              </a:rPr>
-              <a:t>Consumption Views</a:t>
-            </a:r>
-            <a:endParaRPr lang="en-US" sz="2400" dirty="0">
-              <a:solidFill>
-                <a:prstClr val="white"/>
-              </a:solidFill>
-              <a:latin typeface="Calibri"/>
-            </a:endParaRPr>
-          </a:p>
-        </p:txBody>
-      </p:sp>
-      <p:sp>
-        <p:nvSpPr>
-          <p:cNvPr id="24" name="Rectangle: Rounded Corners 23">
-            <a:extLst>
-              <a:ext uri="{FF2B5EF4-FFF2-40B4-BE49-F238E27FC236}">
-                <a16:creationId xmlns:a16="http://schemas.microsoft.com/office/drawing/2014/main" id="{420503F2-D78B-4996-9918-A792B5FEA1CD}"/>
-              </a:ext>
-            </a:extLst>
-          </p:cNvPr>
-          <p:cNvSpPr/>
-          <p:nvPr/>
-        </p:nvSpPr>
-        <p:spPr>
-          <a:xfrm>
-            <a:off x="1371600" y="1066801"/>
-            <a:ext cx="1752600" cy="838199"/>
-          </a:xfrm>
-          <a:prstGeom prst="roundRect">
-            <a:avLst/>
-          </a:prstGeom>
-        </p:spPr>
-        <p:style>
-          <a:lnRef idx="2">
-            <a:schemeClr val="accent1">
-              <a:shade val="50000"/>
-            </a:schemeClr>
-          </a:lnRef>
-          <a:fillRef idx="1">
-            <a:schemeClr val="accent1"/>
-          </a:fillRef>
-          <a:effectRef idx="0">
-            <a:schemeClr val="accent1"/>
-          </a:effectRef>
-          <a:fontRef idx="minor">
-            <a:schemeClr val="lt1"/>
-          </a:fontRef>
-        </p:style>
-        <p:txBody>
-          <a:bodyPr rtlCol="0" anchor="ctr"/>
-          <a:lstStyle/>
-          <a:p>
-            <a:pPr algn="ctr" defTabSz="1218987"/>
-            <a:r>
-              <a:rPr lang="en-US" sz="2400" dirty="0">
-                <a:solidFill>
-                  <a:prstClr val="white"/>
-                </a:solidFill>
-                <a:latin typeface="Calibri"/>
-              </a:rPr>
-              <a:t>Fiori App</a:t>
-            </a:r>
-          </a:p>
-        </p:txBody>
-      </p:sp>
-      <p:sp>
-        <p:nvSpPr>
-          <p:cNvPr id="25" name="Rectangle: Rounded Corners 24">
-            <a:extLst>
-              <a:ext uri="{FF2B5EF4-FFF2-40B4-BE49-F238E27FC236}">
-                <a16:creationId xmlns:a16="http://schemas.microsoft.com/office/drawing/2014/main" id="{A03D9114-7788-4A1C-9BE3-4C6CE82A6F69}"/>
-              </a:ext>
-            </a:extLst>
-          </p:cNvPr>
-          <p:cNvSpPr/>
-          <p:nvPr/>
-        </p:nvSpPr>
-        <p:spPr>
-          <a:xfrm>
-            <a:off x="3505200" y="1038682"/>
-            <a:ext cx="1752600" cy="838199"/>
-          </a:xfrm>
-          <a:prstGeom prst="roundRect">
-            <a:avLst/>
-          </a:prstGeom>
-        </p:spPr>
-        <p:style>
-          <a:lnRef idx="2">
-            <a:schemeClr val="accent1">
-              <a:shade val="50000"/>
-            </a:schemeClr>
-          </a:lnRef>
-          <a:fillRef idx="1">
-            <a:schemeClr val="accent1"/>
-          </a:fillRef>
-          <a:effectRef idx="0">
-            <a:schemeClr val="accent1"/>
-          </a:effectRef>
-          <a:fontRef idx="minor">
-            <a:schemeClr val="lt1"/>
-          </a:fontRef>
-        </p:style>
-        <p:txBody>
-          <a:bodyPr rtlCol="0" anchor="ctr"/>
-          <a:lstStyle/>
-          <a:p>
-            <a:pPr algn="ctr" defTabSz="1218987"/>
-            <a:r>
-              <a:rPr lang="en-US" sz="2400" dirty="0">
-                <a:solidFill>
-                  <a:prstClr val="white"/>
-                </a:solidFill>
-                <a:latin typeface="Calibri"/>
-              </a:rPr>
-              <a:t>BI Tools</a:t>
-            </a:r>
-          </a:p>
-        </p:txBody>
-      </p:sp>
-      <p:sp>
-        <p:nvSpPr>
-          <p:cNvPr id="27" name="Rectangle: Rounded Corners 26">
-            <a:extLst>
-              <a:ext uri="{FF2B5EF4-FFF2-40B4-BE49-F238E27FC236}">
-                <a16:creationId xmlns:a16="http://schemas.microsoft.com/office/drawing/2014/main" id="{D537F573-E089-4879-A661-5419734731FF}"/>
-              </a:ext>
-            </a:extLst>
-          </p:cNvPr>
-          <p:cNvSpPr/>
-          <p:nvPr/>
-        </p:nvSpPr>
-        <p:spPr>
-          <a:xfrm>
-            <a:off x="5638800" y="1032828"/>
-            <a:ext cx="1752600" cy="838199"/>
-          </a:xfrm>
-          <a:prstGeom prst="roundRect">
-            <a:avLst/>
-          </a:prstGeom>
-        </p:spPr>
-        <p:style>
-          <a:lnRef idx="2">
-            <a:schemeClr val="accent1">
-              <a:shade val="50000"/>
-            </a:schemeClr>
-          </a:lnRef>
-          <a:fillRef idx="1">
-            <a:schemeClr val="accent1"/>
-          </a:fillRef>
-          <a:effectRef idx="0">
-            <a:schemeClr val="accent1"/>
-          </a:effectRef>
-          <a:fontRef idx="minor">
-            <a:schemeClr val="lt1"/>
-          </a:fontRef>
-        </p:style>
-        <p:txBody>
-          <a:bodyPr rtlCol="0" anchor="ctr"/>
-          <a:lstStyle/>
-          <a:p>
-            <a:pPr algn="ctr" defTabSz="1218987"/>
-            <a:r>
-              <a:rPr lang="en-US" sz="2400" dirty="0">
-                <a:solidFill>
-                  <a:prstClr val="white"/>
-                </a:solidFill>
-                <a:latin typeface="Calibri"/>
-              </a:rPr>
-              <a:t>Portal</a:t>
-            </a:r>
-          </a:p>
-        </p:txBody>
-      </p:sp>
-      <p:sp>
-        <p:nvSpPr>
-          <p:cNvPr id="28" name="Rectangle: Rounded Corners 27">
-            <a:extLst>
-              <a:ext uri="{FF2B5EF4-FFF2-40B4-BE49-F238E27FC236}">
-                <a16:creationId xmlns:a16="http://schemas.microsoft.com/office/drawing/2014/main" id="{34137574-014B-43D5-80FE-1163628F88EA}"/>
-              </a:ext>
-            </a:extLst>
-          </p:cNvPr>
-          <p:cNvSpPr/>
-          <p:nvPr/>
-        </p:nvSpPr>
-        <p:spPr>
-          <a:xfrm>
-            <a:off x="7747366" y="1054261"/>
-            <a:ext cx="1752600" cy="838199"/>
-          </a:xfrm>
-          <a:prstGeom prst="roundRect">
-            <a:avLst/>
-          </a:prstGeom>
-        </p:spPr>
-        <p:style>
-          <a:lnRef idx="2">
-            <a:schemeClr val="accent1">
-              <a:shade val="50000"/>
-            </a:schemeClr>
-          </a:lnRef>
-          <a:fillRef idx="1">
-            <a:schemeClr val="accent1"/>
-          </a:fillRef>
-          <a:effectRef idx="0">
-            <a:schemeClr val="accent1"/>
-          </a:effectRef>
-          <a:fontRef idx="minor">
-            <a:schemeClr val="lt1"/>
-          </a:fontRef>
-        </p:style>
-        <p:txBody>
-          <a:bodyPr rtlCol="0" anchor="ctr"/>
-          <a:lstStyle/>
-          <a:p>
-            <a:pPr algn="ctr" defTabSz="1218987"/>
-            <a:r>
-              <a:rPr lang="en-US" sz="2400" dirty="0">
-                <a:solidFill>
-                  <a:prstClr val="white"/>
-                </a:solidFill>
-                <a:latin typeface="Calibri"/>
-              </a:rPr>
-              <a:t>SAC</a:t>
-            </a:r>
-          </a:p>
-        </p:txBody>
-      </p:sp>
-      <p:sp>
-        <p:nvSpPr>
-          <p:cNvPr id="30" name="Left Brace 29">
-            <a:extLst>
-              <a:ext uri="{FF2B5EF4-FFF2-40B4-BE49-F238E27FC236}">
-                <a16:creationId xmlns:a16="http://schemas.microsoft.com/office/drawing/2014/main" id="{5A641884-7121-4E3E-A5DA-1F42CF0B9EB2}"/>
-              </a:ext>
-            </a:extLst>
-          </p:cNvPr>
-          <p:cNvSpPr/>
-          <p:nvPr/>
-        </p:nvSpPr>
-        <p:spPr>
-          <a:xfrm>
-            <a:off x="304801" y="3276601"/>
-            <a:ext cx="723899" cy="3124195"/>
-          </a:xfrm>
-          <a:prstGeom prst="leftBrace">
-            <a:avLst/>
-          </a:prstGeom>
-        </p:spPr>
-        <p:style>
-          <a:lnRef idx="1">
-            <a:schemeClr val="accent1"/>
-          </a:lnRef>
-          <a:fillRef idx="0">
-            <a:schemeClr val="accent1"/>
-          </a:fillRef>
-          <a:effectRef idx="0">
-            <a:schemeClr val="accent1"/>
-          </a:effectRef>
-          <a:fontRef idx="minor">
-            <a:schemeClr val="tx1"/>
-          </a:fontRef>
-        </p:style>
-        <p:txBody>
-          <a:bodyPr rtlCol="0" anchor="ctr"/>
-          <a:lstStyle/>
-          <a:p>
-            <a:pPr algn="ctr" defTabSz="1218987"/>
-            <a:endParaRPr lang="en-US" sz="2400">
-              <a:solidFill>
-                <a:prstClr val="black"/>
-              </a:solidFill>
-              <a:latin typeface="Calibri"/>
-            </a:endParaRPr>
-          </a:p>
-        </p:txBody>
-      </p:sp>
-      <p:sp>
-        <p:nvSpPr>
-          <p:cNvPr id="32" name="TextBox 31">
-            <a:extLst>
-              <a:ext uri="{FF2B5EF4-FFF2-40B4-BE49-F238E27FC236}">
-                <a16:creationId xmlns:a16="http://schemas.microsoft.com/office/drawing/2014/main" id="{54095E1D-D060-40FA-90B9-F27A9FF4964D}"/>
+                <a16:creationId xmlns:a16="http://schemas.microsoft.com/office/drawing/2014/main" id="{D04BF3AA-33CF-4EC4-BA84-0AA4ED78821A}"/>
               </a:ext>
             </a:extLst>
           </p:cNvPr>
@@ -11418,8 +9743,8 @@
         </p:nvSpPr>
         <p:spPr>
           <a:xfrm>
-            <a:off x="-571501" y="4419601"/>
-            <a:ext cx="1066800" cy="646331"/>
+            <a:off x="228601" y="990600"/>
+            <a:ext cx="11730995" cy="3416320"/>
           </a:xfrm>
           <a:prstGeom prst="rect">
             <a:avLst/>
@@ -11434,13 +9759,103 @@
           <a:p>
             <a:pPr defTabSz="1218987"/>
             <a:r>
-              <a:rPr lang="en-US" b="1" dirty="0">
+              <a:rPr lang="en-US" sz="2400" dirty="0">
                 <a:solidFill>
                   <a:prstClr val="black"/>
                 </a:solidFill>
                 <a:latin typeface="Calibri"/>
               </a:rPr>
-              <a:t>Data Models</a:t>
+              <a:t>CDS stands for Core Data &amp; Services, these are the data models in ABAP system which is based out of HANA DB. We have 2 types of CDS </a:t>
+            </a:r>
+          </a:p>
+          <a:p>
+            <a:pPr defTabSz="1218987"/>
+            <a:r>
+              <a:rPr lang="en-US" sz="2400" dirty="0">
+                <a:solidFill>
+                  <a:prstClr val="black"/>
+                </a:solidFill>
+                <a:latin typeface="Calibri"/>
+              </a:rPr>
+              <a:t>ABAP CDS – ABAP system which runs on HANA</a:t>
+            </a:r>
+          </a:p>
+          <a:p>
+            <a:pPr defTabSz="1218987"/>
+            <a:r>
+              <a:rPr lang="en-US" sz="2400" dirty="0">
+                <a:solidFill>
+                  <a:prstClr val="black"/>
+                </a:solidFill>
+                <a:latin typeface="Calibri"/>
+              </a:rPr>
+              <a:t>HANA CDS – Do not have ABAP system at all, we have just HANA</a:t>
+            </a:r>
+          </a:p>
+          <a:p>
+            <a:pPr defTabSz="1218987"/>
+            <a:r>
+              <a:rPr lang="en-US" sz="2400" dirty="0">
+                <a:solidFill>
+                  <a:prstClr val="black"/>
+                </a:solidFill>
+                <a:latin typeface="Calibri"/>
+              </a:rPr>
+              <a:t>These are used to expose data out of system in form of Views.</a:t>
+            </a:r>
+          </a:p>
+          <a:p>
+            <a:pPr defTabSz="1218987"/>
+            <a:r>
+              <a:rPr lang="en-US" sz="2400" dirty="0">
+                <a:solidFill>
+                  <a:prstClr val="black"/>
+                </a:solidFill>
+                <a:latin typeface="Calibri"/>
+              </a:rPr>
+              <a:t>ABAP on HANA – ADT</a:t>
+            </a:r>
+          </a:p>
+          <a:p>
+            <a:pPr defTabSz="1218987"/>
+            <a:r>
+              <a:rPr lang="en-US" sz="2400" dirty="0">
+                <a:solidFill>
+                  <a:prstClr val="black"/>
+                </a:solidFill>
+                <a:latin typeface="Calibri"/>
+              </a:rPr>
+              <a:t>Native HANA – HANA WebIDE</a:t>
+            </a:r>
+          </a:p>
+          <a:p>
+            <a:pPr defTabSz="1218987"/>
+            <a:r>
+              <a:rPr lang="en-US" sz="2400" dirty="0">
+                <a:solidFill>
+                  <a:prstClr val="black"/>
+                </a:solidFill>
+                <a:latin typeface="Calibri"/>
+              </a:rPr>
+              <a:t>With SAP S/4HANA system, There is NO BW system required anymore. SAP delivers 1000s of </a:t>
+            </a:r>
+            <a:r>
+              <a:rPr lang="en-US" sz="2400" dirty="0" err="1">
+                <a:solidFill>
+                  <a:prstClr val="black"/>
+                </a:solidFill>
+                <a:latin typeface="Calibri"/>
+              </a:rPr>
+              <a:t>cds</a:t>
+            </a:r>
+            <a:r>
+              <a:rPr lang="en-US" sz="2400" dirty="0">
+                <a:solidFill>
+                  <a:prstClr val="black"/>
+                </a:solidFill>
+                <a:latin typeface="Calibri"/>
+              </a:rPr>
+              <a:t> views for ready to use consumption.</a:t>
             </a:r>
           </a:p>
         </p:txBody>
@@ -11448,7 +9863,7 @@
     </p:spTree>
     <p:extLst>
       <p:ext uri="{BB962C8B-B14F-4D97-AF65-F5344CB8AC3E}">
-        <p14:creationId xmlns:p14="http://schemas.microsoft.com/office/powerpoint/2010/main" val="2632180628"/>
+        <p14:creationId xmlns:p14="http://schemas.microsoft.com/office/powerpoint/2010/main" val="622780845"/>
       </p:ext>
     </p:extLst>
   </p:cSld>
@@ -11480,6 +9895,1233 @@
       </p:grpSpPr>
       <p:sp>
         <p:nvSpPr>
+          <p:cNvPr id="11" name="Title 10"/>
+          <p:cNvSpPr>
+            <a:spLocks noGrp="1"/>
+          </p:cNvSpPr>
+          <p:nvPr>
+            <p:ph type="title"/>
+          </p:nvPr>
+        </p:nvSpPr>
+        <p:spPr>
+          <a:xfrm>
+            <a:off x="-20279" y="41354"/>
+            <a:ext cx="10969943" cy="711081"/>
+          </a:xfrm>
+        </p:spPr>
+        <p:txBody>
+          <a:bodyPr>
+            <a:noAutofit/>
+          </a:bodyPr>
+          <a:lstStyle/>
+          <a:p>
+            <a:r>
+              <a:rPr lang="en-IN" dirty="0">
+                <a:solidFill>
+                  <a:schemeClr val="tx2">
+                    <a:lumMod val="60000"/>
+                    <a:lumOff val="40000"/>
+                  </a:schemeClr>
+                </a:solidFill>
+                <a:latin typeface="Patua One" pitchFamily="2" charset="0"/>
+              </a:rPr>
+              <a:t>&lt;Title&gt;</a:t>
+            </a:r>
+          </a:p>
+        </p:txBody>
+      </p:sp>
+      <p:sp>
+        <p:nvSpPr>
+          <p:cNvPr id="37" name="TextBox 36">
+            <a:extLst>
+              <a:ext uri="{FF2B5EF4-FFF2-40B4-BE49-F238E27FC236}">
+                <a16:creationId xmlns:a16="http://schemas.microsoft.com/office/drawing/2014/main" id="{E8CAC22F-1542-4031-BC6C-A16989886504}"/>
+              </a:ext>
+            </a:extLst>
+          </p:cNvPr>
+          <p:cNvSpPr txBox="1"/>
+          <p:nvPr/>
+        </p:nvSpPr>
+        <p:spPr>
+          <a:xfrm>
+            <a:off x="4943872" y="6550224"/>
+            <a:ext cx="3456384" cy="307777"/>
+          </a:xfrm>
+          <a:prstGeom prst="rect">
+            <a:avLst/>
+          </a:prstGeom>
+          <a:noFill/>
+        </p:spPr>
+        <p:txBody>
+          <a:bodyPr wrap="square" rtlCol="0">
+            <a:spAutoFit/>
+          </a:bodyPr>
+          <a:lstStyle/>
+          <a:p>
+            <a:pPr defTabSz="1218987">
+              <a:defRPr/>
+            </a:pPr>
+            <a:r>
+              <a:rPr lang="en-US" sz="1400" b="1" dirty="0">
+                <a:solidFill>
+                  <a:prstClr val="black"/>
+                </a:solidFill>
+                <a:latin typeface="Arial Rounded MT Bold" panose="020F0704030504030204" pitchFamily="34" charset="0"/>
+                <a:ea typeface="Arial Unicode MS" panose="020B0604020202020204" pitchFamily="34" charset="-128"/>
+                <a:cs typeface="Arial Unicode MS" panose="020B0604020202020204" pitchFamily="34" charset="-128"/>
+              </a:rPr>
+              <a:t>www.anubhavtrainings.com</a:t>
+            </a:r>
+            <a:endParaRPr lang="en-IN" sz="1400" b="1" dirty="0">
+              <a:solidFill>
+                <a:prstClr val="black"/>
+              </a:solidFill>
+              <a:latin typeface="Arial Rounded MT Bold" panose="020F0704030504030204" pitchFamily="34" charset="0"/>
+              <a:ea typeface="Arial Unicode MS" panose="020B0604020202020204" pitchFamily="34" charset="-128"/>
+              <a:cs typeface="Arial Unicode MS" panose="020B0604020202020204" pitchFamily="34" charset="-128"/>
+            </a:endParaRPr>
+          </a:p>
+        </p:txBody>
+      </p:sp>
+      <p:pic>
+        <p:nvPicPr>
+          <p:cNvPr id="40" name="Picture 39">
+            <a:extLst>
+              <a:ext uri="{FF2B5EF4-FFF2-40B4-BE49-F238E27FC236}">
+                <a16:creationId xmlns:a16="http://schemas.microsoft.com/office/drawing/2014/main" id="{DA60E6FB-8C44-4FEB-B6E9-83DA908565CD}"/>
+              </a:ext>
+            </a:extLst>
+          </p:cNvPr>
+          <p:cNvPicPr>
+            <a:picLocks noChangeAspect="1"/>
+          </p:cNvPicPr>
+          <p:nvPr/>
+        </p:nvPicPr>
+        <p:blipFill>
+          <a:blip r:embed="rId2">
+            <a:extLst>
+              <a:ext uri="{28A0092B-C50C-407E-A947-70E740481C1C}">
+                <a14:useLocalDpi xmlns:a14="http://schemas.microsoft.com/office/drawing/2010/main" val="0"/>
+              </a:ext>
+            </a:extLst>
+          </a:blip>
+          <a:stretch>
+            <a:fillRect/>
+          </a:stretch>
+        </p:blipFill>
+        <p:spPr>
+          <a:xfrm>
+            <a:off x="9624393" y="106009"/>
+            <a:ext cx="2335203" cy="762895"/>
+          </a:xfrm>
+          <a:prstGeom prst="rect">
+            <a:avLst/>
+          </a:prstGeom>
+        </p:spPr>
+      </p:pic>
+      <p:cxnSp>
+        <p:nvCxnSpPr>
+          <p:cNvPr id="41" name="Straight Connector 40">
+            <a:extLst>
+              <a:ext uri="{FF2B5EF4-FFF2-40B4-BE49-F238E27FC236}">
+                <a16:creationId xmlns:a16="http://schemas.microsoft.com/office/drawing/2014/main" id="{3B3B7D73-CAE9-45AC-ACCE-FAEF4E505C7A}"/>
+              </a:ext>
+            </a:extLst>
+          </p:cNvPr>
+          <p:cNvCxnSpPr/>
+          <p:nvPr/>
+        </p:nvCxnSpPr>
+        <p:spPr>
+          <a:xfrm>
+            <a:off x="1588" y="764704"/>
+            <a:ext cx="6479584" cy="0"/>
+          </a:xfrm>
+          <a:prstGeom prst="line">
+            <a:avLst/>
+          </a:prstGeom>
+        </p:spPr>
+        <p:style>
+          <a:lnRef idx="2">
+            <a:schemeClr val="accent6"/>
+          </a:lnRef>
+          <a:fillRef idx="0">
+            <a:schemeClr val="accent6"/>
+          </a:fillRef>
+          <a:effectRef idx="1">
+            <a:schemeClr val="accent6"/>
+          </a:effectRef>
+          <a:fontRef idx="minor">
+            <a:schemeClr val="tx1"/>
+          </a:fontRef>
+        </p:style>
+      </p:cxnSp>
+      <p:sp>
+        <p:nvSpPr>
+          <p:cNvPr id="2" name="Rectangle 1">
+            <a:extLst>
+              <a:ext uri="{FF2B5EF4-FFF2-40B4-BE49-F238E27FC236}">
+                <a16:creationId xmlns:a16="http://schemas.microsoft.com/office/drawing/2014/main" id="{FE990B12-65FB-4B67-ACD5-34E0895610B3}"/>
+              </a:ext>
+            </a:extLst>
+          </p:cNvPr>
+          <p:cNvSpPr/>
+          <p:nvPr/>
+        </p:nvSpPr>
+        <p:spPr>
+          <a:xfrm>
+            <a:off x="1219200" y="5867401"/>
+            <a:ext cx="1752600" cy="380997"/>
+          </a:xfrm>
+          <a:prstGeom prst="rect">
+            <a:avLst/>
+          </a:prstGeom>
+        </p:spPr>
+        <p:style>
+          <a:lnRef idx="2">
+            <a:schemeClr val="accent1">
+              <a:shade val="50000"/>
+            </a:schemeClr>
+          </a:lnRef>
+          <a:fillRef idx="1">
+            <a:schemeClr val="accent1"/>
+          </a:fillRef>
+          <a:effectRef idx="0">
+            <a:schemeClr val="accent1"/>
+          </a:effectRef>
+          <a:fontRef idx="minor">
+            <a:schemeClr val="lt1"/>
+          </a:fontRef>
+        </p:style>
+        <p:txBody>
+          <a:bodyPr rtlCol="0" anchor="ctr"/>
+          <a:lstStyle/>
+          <a:p>
+            <a:pPr algn="ctr" defTabSz="1218987"/>
+            <a:r>
+              <a:rPr lang="en-US" sz="2400" dirty="0">
+                <a:solidFill>
+                  <a:prstClr val="white"/>
+                </a:solidFill>
+                <a:latin typeface="Calibri"/>
+              </a:rPr>
+              <a:t>DB Tables</a:t>
+            </a:r>
+          </a:p>
+        </p:txBody>
+      </p:sp>
+      <p:sp>
+        <p:nvSpPr>
+          <p:cNvPr id="3" name="Rectangle 2">
+            <a:extLst>
+              <a:ext uri="{FF2B5EF4-FFF2-40B4-BE49-F238E27FC236}">
+                <a16:creationId xmlns:a16="http://schemas.microsoft.com/office/drawing/2014/main" id="{6B9C3631-F8B6-41F9-97B8-8C4370C663E2}"/>
+              </a:ext>
+            </a:extLst>
+          </p:cNvPr>
+          <p:cNvSpPr/>
+          <p:nvPr/>
+        </p:nvSpPr>
+        <p:spPr>
+          <a:xfrm>
+            <a:off x="3505200" y="5867401"/>
+            <a:ext cx="1752600" cy="380997"/>
+          </a:xfrm>
+          <a:prstGeom prst="rect">
+            <a:avLst/>
+          </a:prstGeom>
+        </p:spPr>
+        <p:style>
+          <a:lnRef idx="2">
+            <a:schemeClr val="accent1">
+              <a:shade val="50000"/>
+            </a:schemeClr>
+          </a:lnRef>
+          <a:fillRef idx="1">
+            <a:schemeClr val="accent1"/>
+          </a:fillRef>
+          <a:effectRef idx="0">
+            <a:schemeClr val="accent1"/>
+          </a:effectRef>
+          <a:fontRef idx="minor">
+            <a:schemeClr val="lt1"/>
+          </a:fontRef>
+        </p:style>
+        <p:txBody>
+          <a:bodyPr rtlCol="0" anchor="ctr"/>
+          <a:lstStyle/>
+          <a:p>
+            <a:pPr algn="ctr" defTabSz="1218987"/>
+            <a:r>
+              <a:rPr lang="en-US" sz="2400">
+                <a:solidFill>
+                  <a:prstClr val="white"/>
+                </a:solidFill>
+                <a:latin typeface="Calibri"/>
+              </a:rPr>
+              <a:t>DB Tables</a:t>
+            </a:r>
+            <a:endParaRPr lang="en-US" sz="2400" dirty="0">
+              <a:solidFill>
+                <a:prstClr val="white"/>
+              </a:solidFill>
+              <a:latin typeface="Calibri"/>
+            </a:endParaRPr>
+          </a:p>
+        </p:txBody>
+      </p:sp>
+      <p:sp>
+        <p:nvSpPr>
+          <p:cNvPr id="4" name="Rectangle 3">
+            <a:extLst>
+              <a:ext uri="{FF2B5EF4-FFF2-40B4-BE49-F238E27FC236}">
+                <a16:creationId xmlns:a16="http://schemas.microsoft.com/office/drawing/2014/main" id="{DBBB7B78-5FDE-4747-9F67-4C789223B839}"/>
+              </a:ext>
+            </a:extLst>
+          </p:cNvPr>
+          <p:cNvSpPr/>
+          <p:nvPr/>
+        </p:nvSpPr>
+        <p:spPr>
+          <a:xfrm>
+            <a:off x="5795764" y="5867401"/>
+            <a:ext cx="1752600" cy="380997"/>
+          </a:xfrm>
+          <a:prstGeom prst="rect">
+            <a:avLst/>
+          </a:prstGeom>
+        </p:spPr>
+        <p:style>
+          <a:lnRef idx="2">
+            <a:schemeClr val="accent1">
+              <a:shade val="50000"/>
+            </a:schemeClr>
+          </a:lnRef>
+          <a:fillRef idx="1">
+            <a:schemeClr val="accent1"/>
+          </a:fillRef>
+          <a:effectRef idx="0">
+            <a:schemeClr val="accent1"/>
+          </a:effectRef>
+          <a:fontRef idx="minor">
+            <a:schemeClr val="lt1"/>
+          </a:fontRef>
+        </p:style>
+        <p:txBody>
+          <a:bodyPr rtlCol="0" anchor="ctr"/>
+          <a:lstStyle/>
+          <a:p>
+            <a:pPr algn="ctr" defTabSz="1218987"/>
+            <a:r>
+              <a:rPr lang="en-US" sz="2400">
+                <a:solidFill>
+                  <a:prstClr val="white"/>
+                </a:solidFill>
+                <a:latin typeface="Calibri"/>
+              </a:rPr>
+              <a:t>DB Tables</a:t>
+            </a:r>
+            <a:endParaRPr lang="en-US" sz="2400" dirty="0">
+              <a:solidFill>
+                <a:prstClr val="white"/>
+              </a:solidFill>
+              <a:latin typeface="Calibri"/>
+            </a:endParaRPr>
+          </a:p>
+        </p:txBody>
+      </p:sp>
+      <p:sp>
+        <p:nvSpPr>
+          <p:cNvPr id="5" name="Rectangle 4">
+            <a:extLst>
+              <a:ext uri="{FF2B5EF4-FFF2-40B4-BE49-F238E27FC236}">
+                <a16:creationId xmlns:a16="http://schemas.microsoft.com/office/drawing/2014/main" id="{6B2680F4-EFEC-4CF3-B98B-958258711165}"/>
+              </a:ext>
+            </a:extLst>
+          </p:cNvPr>
+          <p:cNvSpPr/>
+          <p:nvPr/>
+        </p:nvSpPr>
+        <p:spPr>
+          <a:xfrm>
+            <a:off x="8064225" y="5867401"/>
+            <a:ext cx="1752600" cy="380997"/>
+          </a:xfrm>
+          <a:prstGeom prst="rect">
+            <a:avLst/>
+          </a:prstGeom>
+        </p:spPr>
+        <p:style>
+          <a:lnRef idx="2">
+            <a:schemeClr val="accent1">
+              <a:shade val="50000"/>
+            </a:schemeClr>
+          </a:lnRef>
+          <a:fillRef idx="1">
+            <a:schemeClr val="accent1"/>
+          </a:fillRef>
+          <a:effectRef idx="0">
+            <a:schemeClr val="accent1"/>
+          </a:effectRef>
+          <a:fontRef idx="minor">
+            <a:schemeClr val="lt1"/>
+          </a:fontRef>
+        </p:style>
+        <p:txBody>
+          <a:bodyPr rtlCol="0" anchor="ctr"/>
+          <a:lstStyle/>
+          <a:p>
+            <a:pPr algn="ctr" defTabSz="1218987"/>
+            <a:r>
+              <a:rPr lang="en-US" sz="2400">
+                <a:solidFill>
+                  <a:prstClr val="white"/>
+                </a:solidFill>
+                <a:latin typeface="Calibri"/>
+              </a:rPr>
+              <a:t>DB Tables</a:t>
+            </a:r>
+            <a:endParaRPr lang="en-US" sz="2400" dirty="0">
+              <a:solidFill>
+                <a:prstClr val="white"/>
+              </a:solidFill>
+              <a:latin typeface="Calibri"/>
+            </a:endParaRPr>
+          </a:p>
+        </p:txBody>
+      </p:sp>
+      <p:sp>
+        <p:nvSpPr>
+          <p:cNvPr id="6" name="Rectangle: Rounded Corners 5">
+            <a:extLst>
+              <a:ext uri="{FF2B5EF4-FFF2-40B4-BE49-F238E27FC236}">
+                <a16:creationId xmlns:a16="http://schemas.microsoft.com/office/drawing/2014/main" id="{E40EEFAE-537C-429E-AF93-16044B7832AF}"/>
+              </a:ext>
+            </a:extLst>
+          </p:cNvPr>
+          <p:cNvSpPr/>
+          <p:nvPr/>
+        </p:nvSpPr>
+        <p:spPr>
+          <a:xfrm>
+            <a:off x="685800" y="5134726"/>
+            <a:ext cx="2590800" cy="460156"/>
+          </a:xfrm>
+          <a:prstGeom prst="roundRect">
+            <a:avLst/>
+          </a:prstGeom>
+        </p:spPr>
+        <p:style>
+          <a:lnRef idx="2">
+            <a:schemeClr val="accent1">
+              <a:shade val="50000"/>
+            </a:schemeClr>
+          </a:lnRef>
+          <a:fillRef idx="1">
+            <a:schemeClr val="accent1"/>
+          </a:fillRef>
+          <a:effectRef idx="0">
+            <a:schemeClr val="accent1"/>
+          </a:effectRef>
+          <a:fontRef idx="minor">
+            <a:schemeClr val="lt1"/>
+          </a:fontRef>
+        </p:style>
+        <p:txBody>
+          <a:bodyPr rtlCol="0" anchor="ctr"/>
+          <a:lstStyle/>
+          <a:p>
+            <a:pPr algn="ctr" defTabSz="1218987"/>
+            <a:r>
+              <a:rPr lang="en-US" sz="2400" dirty="0">
+                <a:solidFill>
+                  <a:prstClr val="white"/>
+                </a:solidFill>
+                <a:latin typeface="Calibri"/>
+              </a:rPr>
+              <a:t>Private Views</a:t>
+            </a:r>
+          </a:p>
+        </p:txBody>
+      </p:sp>
+      <p:sp>
+        <p:nvSpPr>
+          <p:cNvPr id="8" name="Rectangle: Rounded Corners 7">
+            <a:extLst>
+              <a:ext uri="{FF2B5EF4-FFF2-40B4-BE49-F238E27FC236}">
+                <a16:creationId xmlns:a16="http://schemas.microsoft.com/office/drawing/2014/main" id="{2F1E68C2-DF91-4823-B107-C0DA25BFF285}"/>
+              </a:ext>
+            </a:extLst>
+          </p:cNvPr>
+          <p:cNvSpPr/>
+          <p:nvPr/>
+        </p:nvSpPr>
+        <p:spPr>
+          <a:xfrm>
+            <a:off x="3467100" y="5134726"/>
+            <a:ext cx="2590800" cy="460156"/>
+          </a:xfrm>
+          <a:prstGeom prst="roundRect">
+            <a:avLst/>
+          </a:prstGeom>
+        </p:spPr>
+        <p:style>
+          <a:lnRef idx="2">
+            <a:schemeClr val="accent1">
+              <a:shade val="50000"/>
+            </a:schemeClr>
+          </a:lnRef>
+          <a:fillRef idx="1">
+            <a:schemeClr val="accent1"/>
+          </a:fillRef>
+          <a:effectRef idx="0">
+            <a:schemeClr val="accent1"/>
+          </a:effectRef>
+          <a:fontRef idx="minor">
+            <a:schemeClr val="lt1"/>
+          </a:fontRef>
+        </p:style>
+        <p:txBody>
+          <a:bodyPr rtlCol="0" anchor="ctr"/>
+          <a:lstStyle/>
+          <a:p>
+            <a:pPr algn="ctr" defTabSz="1218987"/>
+            <a:r>
+              <a:rPr lang="en-US" sz="2400" dirty="0">
+                <a:solidFill>
+                  <a:prstClr val="white"/>
+                </a:solidFill>
+                <a:latin typeface="Calibri"/>
+              </a:rPr>
+              <a:t>Private Views</a:t>
+            </a:r>
+          </a:p>
+        </p:txBody>
+      </p:sp>
+      <p:sp>
+        <p:nvSpPr>
+          <p:cNvPr id="10" name="Rectangle: Rounded Corners 9">
+            <a:extLst>
+              <a:ext uri="{FF2B5EF4-FFF2-40B4-BE49-F238E27FC236}">
+                <a16:creationId xmlns:a16="http://schemas.microsoft.com/office/drawing/2014/main" id="{0DA27320-5343-4782-A1F2-4AC9035391AF}"/>
+              </a:ext>
+            </a:extLst>
+          </p:cNvPr>
+          <p:cNvSpPr/>
+          <p:nvPr/>
+        </p:nvSpPr>
+        <p:spPr>
+          <a:xfrm>
+            <a:off x="6315899" y="5134726"/>
+            <a:ext cx="2590800" cy="460156"/>
+          </a:xfrm>
+          <a:prstGeom prst="roundRect">
+            <a:avLst/>
+          </a:prstGeom>
+        </p:spPr>
+        <p:style>
+          <a:lnRef idx="2">
+            <a:schemeClr val="accent1">
+              <a:shade val="50000"/>
+            </a:schemeClr>
+          </a:lnRef>
+          <a:fillRef idx="1">
+            <a:schemeClr val="accent1"/>
+          </a:fillRef>
+          <a:effectRef idx="0">
+            <a:schemeClr val="accent1"/>
+          </a:effectRef>
+          <a:fontRef idx="minor">
+            <a:schemeClr val="lt1"/>
+          </a:fontRef>
+        </p:style>
+        <p:txBody>
+          <a:bodyPr rtlCol="0" anchor="ctr"/>
+          <a:lstStyle/>
+          <a:p>
+            <a:pPr algn="ctr" defTabSz="1218987"/>
+            <a:r>
+              <a:rPr lang="en-US" sz="2400" dirty="0">
+                <a:solidFill>
+                  <a:prstClr val="white"/>
+                </a:solidFill>
+                <a:latin typeface="Calibri"/>
+              </a:rPr>
+              <a:t>Private Views</a:t>
+            </a:r>
+          </a:p>
+        </p:txBody>
+      </p:sp>
+      <p:sp>
+        <p:nvSpPr>
+          <p:cNvPr id="13" name="Rectangle: Rounded Corners 12">
+            <a:extLst>
+              <a:ext uri="{FF2B5EF4-FFF2-40B4-BE49-F238E27FC236}">
+                <a16:creationId xmlns:a16="http://schemas.microsoft.com/office/drawing/2014/main" id="{73B93341-38AF-498A-987C-FF4D2C4336C2}"/>
+              </a:ext>
+            </a:extLst>
+          </p:cNvPr>
+          <p:cNvSpPr/>
+          <p:nvPr/>
+        </p:nvSpPr>
+        <p:spPr>
+          <a:xfrm>
+            <a:off x="9160179" y="5134726"/>
+            <a:ext cx="2590800" cy="460156"/>
+          </a:xfrm>
+          <a:prstGeom prst="roundRect">
+            <a:avLst/>
+          </a:prstGeom>
+        </p:spPr>
+        <p:style>
+          <a:lnRef idx="2">
+            <a:schemeClr val="accent1">
+              <a:shade val="50000"/>
+            </a:schemeClr>
+          </a:lnRef>
+          <a:fillRef idx="1">
+            <a:schemeClr val="accent1"/>
+          </a:fillRef>
+          <a:effectRef idx="0">
+            <a:schemeClr val="accent1"/>
+          </a:effectRef>
+          <a:fontRef idx="minor">
+            <a:schemeClr val="lt1"/>
+          </a:fontRef>
+        </p:style>
+        <p:txBody>
+          <a:bodyPr rtlCol="0" anchor="ctr"/>
+          <a:lstStyle/>
+          <a:p>
+            <a:pPr algn="ctr" defTabSz="1218987"/>
+            <a:r>
+              <a:rPr lang="en-US" sz="2400" dirty="0">
+                <a:solidFill>
+                  <a:prstClr val="white"/>
+                </a:solidFill>
+                <a:latin typeface="Calibri"/>
+              </a:rPr>
+              <a:t>Private Views</a:t>
+            </a:r>
+          </a:p>
+        </p:txBody>
+      </p:sp>
+      <p:sp>
+        <p:nvSpPr>
+          <p:cNvPr id="15" name="Rectangle: Rounded Corners 14">
+            <a:extLst>
+              <a:ext uri="{FF2B5EF4-FFF2-40B4-BE49-F238E27FC236}">
+                <a16:creationId xmlns:a16="http://schemas.microsoft.com/office/drawing/2014/main" id="{7AFC9ABC-3553-48C6-A61F-7DE19A35A392}"/>
+              </a:ext>
+            </a:extLst>
+          </p:cNvPr>
+          <p:cNvSpPr/>
+          <p:nvPr/>
+        </p:nvSpPr>
+        <p:spPr>
+          <a:xfrm>
+            <a:off x="914400" y="4297274"/>
+            <a:ext cx="3276600" cy="685794"/>
+          </a:xfrm>
+          <a:prstGeom prst="roundRect">
+            <a:avLst/>
+          </a:prstGeom>
+        </p:spPr>
+        <p:style>
+          <a:lnRef idx="2">
+            <a:schemeClr val="accent1">
+              <a:shade val="50000"/>
+            </a:schemeClr>
+          </a:lnRef>
+          <a:fillRef idx="1">
+            <a:schemeClr val="accent1"/>
+          </a:fillRef>
+          <a:effectRef idx="0">
+            <a:schemeClr val="accent1"/>
+          </a:effectRef>
+          <a:fontRef idx="minor">
+            <a:schemeClr val="lt1"/>
+          </a:fontRef>
+        </p:style>
+        <p:txBody>
+          <a:bodyPr rtlCol="0" anchor="ctr"/>
+          <a:lstStyle/>
+          <a:p>
+            <a:pPr algn="ctr" defTabSz="1218987"/>
+            <a:r>
+              <a:rPr lang="en-US" sz="2400" dirty="0">
+                <a:solidFill>
+                  <a:prstClr val="white"/>
+                </a:solidFill>
+                <a:latin typeface="Calibri"/>
+              </a:rPr>
+              <a:t>Interface Views</a:t>
+            </a:r>
+          </a:p>
+        </p:txBody>
+      </p:sp>
+      <p:sp>
+        <p:nvSpPr>
+          <p:cNvPr id="17" name="Rectangle: Rounded Corners 16">
+            <a:extLst>
+              <a:ext uri="{FF2B5EF4-FFF2-40B4-BE49-F238E27FC236}">
+                <a16:creationId xmlns:a16="http://schemas.microsoft.com/office/drawing/2014/main" id="{48C1D087-1BDA-4E27-B377-467650CA2FE2}"/>
+              </a:ext>
+            </a:extLst>
+          </p:cNvPr>
+          <p:cNvSpPr/>
+          <p:nvPr/>
+        </p:nvSpPr>
+        <p:spPr>
+          <a:xfrm>
+            <a:off x="4495800" y="4297274"/>
+            <a:ext cx="3276600" cy="685794"/>
+          </a:xfrm>
+          <a:prstGeom prst="roundRect">
+            <a:avLst/>
+          </a:prstGeom>
+        </p:spPr>
+        <p:style>
+          <a:lnRef idx="2">
+            <a:schemeClr val="accent1">
+              <a:shade val="50000"/>
+            </a:schemeClr>
+          </a:lnRef>
+          <a:fillRef idx="1">
+            <a:schemeClr val="accent1"/>
+          </a:fillRef>
+          <a:effectRef idx="0">
+            <a:schemeClr val="accent1"/>
+          </a:effectRef>
+          <a:fontRef idx="minor">
+            <a:schemeClr val="lt1"/>
+          </a:fontRef>
+        </p:style>
+        <p:txBody>
+          <a:bodyPr rtlCol="0" anchor="ctr"/>
+          <a:lstStyle/>
+          <a:p>
+            <a:pPr algn="ctr" defTabSz="1218987"/>
+            <a:r>
+              <a:rPr lang="en-US" sz="2400" dirty="0">
+                <a:solidFill>
+                  <a:prstClr val="white"/>
+                </a:solidFill>
+                <a:latin typeface="Calibri"/>
+              </a:rPr>
+              <a:t>Interface Views</a:t>
+            </a:r>
+          </a:p>
+        </p:txBody>
+      </p:sp>
+      <p:sp>
+        <p:nvSpPr>
+          <p:cNvPr id="19" name="Rectangle: Rounded Corners 18">
+            <a:extLst>
+              <a:ext uri="{FF2B5EF4-FFF2-40B4-BE49-F238E27FC236}">
+                <a16:creationId xmlns:a16="http://schemas.microsoft.com/office/drawing/2014/main" id="{6C3D0D44-2B5D-4D5D-9E27-E3FC6AC0345B}"/>
+              </a:ext>
+            </a:extLst>
+          </p:cNvPr>
+          <p:cNvSpPr/>
+          <p:nvPr/>
+        </p:nvSpPr>
+        <p:spPr>
+          <a:xfrm>
+            <a:off x="7962901" y="4295784"/>
+            <a:ext cx="3276600" cy="685794"/>
+          </a:xfrm>
+          <a:prstGeom prst="roundRect">
+            <a:avLst/>
+          </a:prstGeom>
+        </p:spPr>
+        <p:style>
+          <a:lnRef idx="2">
+            <a:schemeClr val="accent1">
+              <a:shade val="50000"/>
+            </a:schemeClr>
+          </a:lnRef>
+          <a:fillRef idx="1">
+            <a:schemeClr val="accent1"/>
+          </a:fillRef>
+          <a:effectRef idx="0">
+            <a:schemeClr val="accent1"/>
+          </a:effectRef>
+          <a:fontRef idx="minor">
+            <a:schemeClr val="lt1"/>
+          </a:fontRef>
+        </p:style>
+        <p:txBody>
+          <a:bodyPr rtlCol="0" anchor="ctr"/>
+          <a:lstStyle/>
+          <a:p>
+            <a:pPr algn="ctr" defTabSz="1218987"/>
+            <a:r>
+              <a:rPr lang="en-US" sz="2400" dirty="0">
+                <a:solidFill>
+                  <a:prstClr val="white"/>
+                </a:solidFill>
+                <a:latin typeface="Calibri"/>
+              </a:rPr>
+              <a:t>Interface Views</a:t>
+            </a:r>
+          </a:p>
+        </p:txBody>
+      </p:sp>
+      <p:sp>
+        <p:nvSpPr>
+          <p:cNvPr id="20" name="Rectangle 19">
+            <a:extLst>
+              <a:ext uri="{FF2B5EF4-FFF2-40B4-BE49-F238E27FC236}">
+                <a16:creationId xmlns:a16="http://schemas.microsoft.com/office/drawing/2014/main" id="{79B3ECEB-3CEA-4571-A060-76A98742C496}"/>
+              </a:ext>
+            </a:extLst>
+          </p:cNvPr>
+          <p:cNvSpPr/>
+          <p:nvPr/>
+        </p:nvSpPr>
+        <p:spPr>
+          <a:xfrm>
+            <a:off x="1905001" y="3352800"/>
+            <a:ext cx="4410899" cy="685792"/>
+          </a:xfrm>
+          <a:prstGeom prst="rect">
+            <a:avLst/>
+          </a:prstGeom>
+        </p:spPr>
+        <p:style>
+          <a:lnRef idx="2">
+            <a:schemeClr val="accent1">
+              <a:shade val="50000"/>
+            </a:schemeClr>
+          </a:lnRef>
+          <a:fillRef idx="1">
+            <a:schemeClr val="accent1"/>
+          </a:fillRef>
+          <a:effectRef idx="0">
+            <a:schemeClr val="accent1"/>
+          </a:effectRef>
+          <a:fontRef idx="minor">
+            <a:schemeClr val="lt1"/>
+          </a:fontRef>
+        </p:style>
+        <p:txBody>
+          <a:bodyPr rtlCol="0" anchor="ctr"/>
+          <a:lstStyle/>
+          <a:p>
+            <a:pPr algn="ctr" defTabSz="1218987"/>
+            <a:r>
+              <a:rPr lang="en-US" sz="2400" dirty="0">
+                <a:solidFill>
+                  <a:prstClr val="white"/>
+                </a:solidFill>
+                <a:latin typeface="Calibri"/>
+              </a:rPr>
+              <a:t>Consumption Views</a:t>
+            </a:r>
+          </a:p>
+        </p:txBody>
+      </p:sp>
+      <p:sp>
+        <p:nvSpPr>
+          <p:cNvPr id="22" name="Rectangle 21">
+            <a:extLst>
+              <a:ext uri="{FF2B5EF4-FFF2-40B4-BE49-F238E27FC236}">
+                <a16:creationId xmlns:a16="http://schemas.microsoft.com/office/drawing/2014/main" id="{AD7CF6D0-AB3A-4C4A-8F2E-4727B31F32F3}"/>
+              </a:ext>
+            </a:extLst>
+          </p:cNvPr>
+          <p:cNvSpPr/>
+          <p:nvPr/>
+        </p:nvSpPr>
+        <p:spPr>
+          <a:xfrm>
+            <a:off x="6443266" y="3343360"/>
+            <a:ext cx="4410899" cy="685792"/>
+          </a:xfrm>
+          <a:prstGeom prst="rect">
+            <a:avLst/>
+          </a:prstGeom>
+        </p:spPr>
+        <p:style>
+          <a:lnRef idx="2">
+            <a:schemeClr val="accent1">
+              <a:shade val="50000"/>
+            </a:schemeClr>
+          </a:lnRef>
+          <a:fillRef idx="1">
+            <a:schemeClr val="accent1"/>
+          </a:fillRef>
+          <a:effectRef idx="0">
+            <a:schemeClr val="accent1"/>
+          </a:effectRef>
+          <a:fontRef idx="minor">
+            <a:schemeClr val="lt1"/>
+          </a:fontRef>
+        </p:style>
+        <p:txBody>
+          <a:bodyPr rtlCol="0" anchor="ctr"/>
+          <a:lstStyle/>
+          <a:p>
+            <a:pPr algn="ctr" defTabSz="1218987"/>
+            <a:r>
+              <a:rPr lang="en-US" sz="2400">
+                <a:solidFill>
+                  <a:prstClr val="white"/>
+                </a:solidFill>
+                <a:latin typeface="Calibri"/>
+              </a:rPr>
+              <a:t>Consumption Views</a:t>
+            </a:r>
+            <a:endParaRPr lang="en-US" sz="2400" dirty="0">
+              <a:solidFill>
+                <a:prstClr val="white"/>
+              </a:solidFill>
+              <a:latin typeface="Calibri"/>
+            </a:endParaRPr>
+          </a:p>
+        </p:txBody>
+      </p:sp>
+      <p:sp>
+        <p:nvSpPr>
+          <p:cNvPr id="24" name="Rectangle: Rounded Corners 23">
+            <a:extLst>
+              <a:ext uri="{FF2B5EF4-FFF2-40B4-BE49-F238E27FC236}">
+                <a16:creationId xmlns:a16="http://schemas.microsoft.com/office/drawing/2014/main" id="{420503F2-D78B-4996-9918-A792B5FEA1CD}"/>
+              </a:ext>
+            </a:extLst>
+          </p:cNvPr>
+          <p:cNvSpPr/>
+          <p:nvPr/>
+        </p:nvSpPr>
+        <p:spPr>
+          <a:xfrm>
+            <a:off x="1371600" y="1066801"/>
+            <a:ext cx="1752600" cy="838199"/>
+          </a:xfrm>
+          <a:prstGeom prst="roundRect">
+            <a:avLst/>
+          </a:prstGeom>
+        </p:spPr>
+        <p:style>
+          <a:lnRef idx="2">
+            <a:schemeClr val="accent1">
+              <a:shade val="50000"/>
+            </a:schemeClr>
+          </a:lnRef>
+          <a:fillRef idx="1">
+            <a:schemeClr val="accent1"/>
+          </a:fillRef>
+          <a:effectRef idx="0">
+            <a:schemeClr val="accent1"/>
+          </a:effectRef>
+          <a:fontRef idx="minor">
+            <a:schemeClr val="lt1"/>
+          </a:fontRef>
+        </p:style>
+        <p:txBody>
+          <a:bodyPr rtlCol="0" anchor="ctr"/>
+          <a:lstStyle/>
+          <a:p>
+            <a:pPr algn="ctr" defTabSz="1218987"/>
+            <a:r>
+              <a:rPr lang="en-US" sz="2400" dirty="0">
+                <a:solidFill>
+                  <a:prstClr val="white"/>
+                </a:solidFill>
+                <a:latin typeface="Calibri"/>
+              </a:rPr>
+              <a:t>Fiori App</a:t>
+            </a:r>
+          </a:p>
+        </p:txBody>
+      </p:sp>
+      <p:sp>
+        <p:nvSpPr>
+          <p:cNvPr id="25" name="Rectangle: Rounded Corners 24">
+            <a:extLst>
+              <a:ext uri="{FF2B5EF4-FFF2-40B4-BE49-F238E27FC236}">
+                <a16:creationId xmlns:a16="http://schemas.microsoft.com/office/drawing/2014/main" id="{A03D9114-7788-4A1C-9BE3-4C6CE82A6F69}"/>
+              </a:ext>
+            </a:extLst>
+          </p:cNvPr>
+          <p:cNvSpPr/>
+          <p:nvPr/>
+        </p:nvSpPr>
+        <p:spPr>
+          <a:xfrm>
+            <a:off x="3505200" y="1038682"/>
+            <a:ext cx="1752600" cy="838199"/>
+          </a:xfrm>
+          <a:prstGeom prst="roundRect">
+            <a:avLst/>
+          </a:prstGeom>
+        </p:spPr>
+        <p:style>
+          <a:lnRef idx="2">
+            <a:schemeClr val="accent1">
+              <a:shade val="50000"/>
+            </a:schemeClr>
+          </a:lnRef>
+          <a:fillRef idx="1">
+            <a:schemeClr val="accent1"/>
+          </a:fillRef>
+          <a:effectRef idx="0">
+            <a:schemeClr val="accent1"/>
+          </a:effectRef>
+          <a:fontRef idx="minor">
+            <a:schemeClr val="lt1"/>
+          </a:fontRef>
+        </p:style>
+        <p:txBody>
+          <a:bodyPr rtlCol="0" anchor="ctr"/>
+          <a:lstStyle/>
+          <a:p>
+            <a:pPr algn="ctr" defTabSz="1218987"/>
+            <a:r>
+              <a:rPr lang="en-US" sz="2400" dirty="0">
+                <a:solidFill>
+                  <a:prstClr val="white"/>
+                </a:solidFill>
+                <a:latin typeface="Calibri"/>
+              </a:rPr>
+              <a:t>BI Tools</a:t>
+            </a:r>
+          </a:p>
+        </p:txBody>
+      </p:sp>
+      <p:sp>
+        <p:nvSpPr>
+          <p:cNvPr id="27" name="Rectangle: Rounded Corners 26">
+            <a:extLst>
+              <a:ext uri="{FF2B5EF4-FFF2-40B4-BE49-F238E27FC236}">
+                <a16:creationId xmlns:a16="http://schemas.microsoft.com/office/drawing/2014/main" id="{D537F573-E089-4879-A661-5419734731FF}"/>
+              </a:ext>
+            </a:extLst>
+          </p:cNvPr>
+          <p:cNvSpPr/>
+          <p:nvPr/>
+        </p:nvSpPr>
+        <p:spPr>
+          <a:xfrm>
+            <a:off x="5638800" y="1032828"/>
+            <a:ext cx="1752600" cy="838199"/>
+          </a:xfrm>
+          <a:prstGeom prst="roundRect">
+            <a:avLst/>
+          </a:prstGeom>
+        </p:spPr>
+        <p:style>
+          <a:lnRef idx="2">
+            <a:schemeClr val="accent1">
+              <a:shade val="50000"/>
+            </a:schemeClr>
+          </a:lnRef>
+          <a:fillRef idx="1">
+            <a:schemeClr val="accent1"/>
+          </a:fillRef>
+          <a:effectRef idx="0">
+            <a:schemeClr val="accent1"/>
+          </a:effectRef>
+          <a:fontRef idx="minor">
+            <a:schemeClr val="lt1"/>
+          </a:fontRef>
+        </p:style>
+        <p:txBody>
+          <a:bodyPr rtlCol="0" anchor="ctr"/>
+          <a:lstStyle/>
+          <a:p>
+            <a:pPr algn="ctr" defTabSz="1218987"/>
+            <a:r>
+              <a:rPr lang="en-US" sz="2400" dirty="0">
+                <a:solidFill>
+                  <a:prstClr val="white"/>
+                </a:solidFill>
+                <a:latin typeface="Calibri"/>
+              </a:rPr>
+              <a:t>Portal</a:t>
+            </a:r>
+          </a:p>
+        </p:txBody>
+      </p:sp>
+      <p:sp>
+        <p:nvSpPr>
+          <p:cNvPr id="28" name="Rectangle: Rounded Corners 27">
+            <a:extLst>
+              <a:ext uri="{FF2B5EF4-FFF2-40B4-BE49-F238E27FC236}">
+                <a16:creationId xmlns:a16="http://schemas.microsoft.com/office/drawing/2014/main" id="{34137574-014B-43D5-80FE-1163628F88EA}"/>
+              </a:ext>
+            </a:extLst>
+          </p:cNvPr>
+          <p:cNvSpPr/>
+          <p:nvPr/>
+        </p:nvSpPr>
+        <p:spPr>
+          <a:xfrm>
+            <a:off x="7747366" y="1054261"/>
+            <a:ext cx="1752600" cy="838199"/>
+          </a:xfrm>
+          <a:prstGeom prst="roundRect">
+            <a:avLst/>
+          </a:prstGeom>
+        </p:spPr>
+        <p:style>
+          <a:lnRef idx="2">
+            <a:schemeClr val="accent1">
+              <a:shade val="50000"/>
+            </a:schemeClr>
+          </a:lnRef>
+          <a:fillRef idx="1">
+            <a:schemeClr val="accent1"/>
+          </a:fillRef>
+          <a:effectRef idx="0">
+            <a:schemeClr val="accent1"/>
+          </a:effectRef>
+          <a:fontRef idx="minor">
+            <a:schemeClr val="lt1"/>
+          </a:fontRef>
+        </p:style>
+        <p:txBody>
+          <a:bodyPr rtlCol="0" anchor="ctr"/>
+          <a:lstStyle/>
+          <a:p>
+            <a:pPr algn="ctr" defTabSz="1218987"/>
+            <a:r>
+              <a:rPr lang="en-US" sz="2400" dirty="0">
+                <a:solidFill>
+                  <a:prstClr val="white"/>
+                </a:solidFill>
+                <a:latin typeface="Calibri"/>
+              </a:rPr>
+              <a:t>SAC</a:t>
+            </a:r>
+          </a:p>
+        </p:txBody>
+      </p:sp>
+      <p:sp>
+        <p:nvSpPr>
+          <p:cNvPr id="30" name="Left Brace 29">
+            <a:extLst>
+              <a:ext uri="{FF2B5EF4-FFF2-40B4-BE49-F238E27FC236}">
+                <a16:creationId xmlns:a16="http://schemas.microsoft.com/office/drawing/2014/main" id="{5A641884-7121-4E3E-A5DA-1F42CF0B9EB2}"/>
+              </a:ext>
+            </a:extLst>
+          </p:cNvPr>
+          <p:cNvSpPr/>
+          <p:nvPr/>
+        </p:nvSpPr>
+        <p:spPr>
+          <a:xfrm>
+            <a:off x="304801" y="3276601"/>
+            <a:ext cx="723899" cy="3124195"/>
+          </a:xfrm>
+          <a:prstGeom prst="leftBrace">
+            <a:avLst/>
+          </a:prstGeom>
+        </p:spPr>
+        <p:style>
+          <a:lnRef idx="1">
+            <a:schemeClr val="accent1"/>
+          </a:lnRef>
+          <a:fillRef idx="0">
+            <a:schemeClr val="accent1"/>
+          </a:fillRef>
+          <a:effectRef idx="0">
+            <a:schemeClr val="accent1"/>
+          </a:effectRef>
+          <a:fontRef idx="minor">
+            <a:schemeClr val="tx1"/>
+          </a:fontRef>
+        </p:style>
+        <p:txBody>
+          <a:bodyPr rtlCol="0" anchor="ctr"/>
+          <a:lstStyle/>
+          <a:p>
+            <a:pPr algn="ctr" defTabSz="1218987"/>
+            <a:endParaRPr lang="en-US" sz="2400">
+              <a:solidFill>
+                <a:prstClr val="black"/>
+              </a:solidFill>
+              <a:latin typeface="Calibri"/>
+            </a:endParaRPr>
+          </a:p>
+        </p:txBody>
+      </p:sp>
+      <p:sp>
+        <p:nvSpPr>
+          <p:cNvPr id="32" name="TextBox 31">
+            <a:extLst>
+              <a:ext uri="{FF2B5EF4-FFF2-40B4-BE49-F238E27FC236}">
+                <a16:creationId xmlns:a16="http://schemas.microsoft.com/office/drawing/2014/main" id="{54095E1D-D060-40FA-90B9-F27A9FF4964D}"/>
+              </a:ext>
+            </a:extLst>
+          </p:cNvPr>
+          <p:cNvSpPr txBox="1"/>
+          <p:nvPr/>
+        </p:nvSpPr>
+        <p:spPr>
+          <a:xfrm>
+            <a:off x="-571501" y="4419601"/>
+            <a:ext cx="1066800" cy="646331"/>
+          </a:xfrm>
+          <a:prstGeom prst="rect">
+            <a:avLst/>
+          </a:prstGeom>
+          <a:noFill/>
+        </p:spPr>
+        <p:txBody>
+          <a:bodyPr wrap="square" rtlCol="0">
+            <a:spAutoFit/>
+          </a:bodyPr>
+          <a:lstStyle/>
+          <a:p>
+            <a:pPr defTabSz="1218987"/>
+            <a:r>
+              <a:rPr lang="en-US" b="1" dirty="0">
+                <a:solidFill>
+                  <a:prstClr val="black"/>
+                </a:solidFill>
+                <a:latin typeface="Calibri"/>
+              </a:rPr>
+              <a:t>Data Models</a:t>
+            </a:r>
+          </a:p>
+        </p:txBody>
+      </p:sp>
+    </p:spTree>
+    <p:extLst>
+      <p:ext uri="{BB962C8B-B14F-4D97-AF65-F5344CB8AC3E}">
+        <p14:creationId xmlns:p14="http://schemas.microsoft.com/office/powerpoint/2010/main" val="2632180628"/>
+      </p:ext>
+    </p:extLst>
+  </p:cSld>
+  <p:clrMapOvr>
+    <a:masterClrMapping/>
+  </p:clrMapOvr>
+  <p:transition spd="slow">
+    <p:push dir="u"/>
+  </p:transition>
+</p:sld>
+</file>
+
+<file path=ppt/slides/slide12.xml><?xml version="1.0" encoding="utf-8"?>
+<p:sld xmlns:a="http://schemas.openxmlformats.org/drawingml/2006/main" xmlns:r="http://schemas.openxmlformats.org/officeDocument/2006/relationships" xmlns:p="http://schemas.openxmlformats.org/presentationml/2006/main">
+  <p:cSld>
+    <p:spTree>
+      <p:nvGrpSpPr>
+        <p:cNvPr id="1" name=""/>
+        <p:cNvGrpSpPr/>
+        <p:nvPr/>
+      </p:nvGrpSpPr>
+      <p:grpSpPr>
+        <a:xfrm>
+          <a:off x="0" y="0"/>
+          <a:ext cx="0" cy="0"/>
+          <a:chOff x="0" y="0"/>
+          <a:chExt cx="0" cy="0"/>
+        </a:xfrm>
+      </p:grpSpPr>
+      <p:sp>
+        <p:nvSpPr>
           <p:cNvPr id="2" name="Title 1">
             <a:extLst>
               <a:ext uri="{FF2B5EF4-FFF2-40B4-BE49-F238E27FC236}">
@@ -11600,7 +11242,7 @@
 </p:sld>
 </file>
 
-<file path=ppt/slides/slide12.xml><?xml version="1.0" encoding="utf-8"?>
+<file path=ppt/slides/slide13.xml><?xml version="1.0" encoding="utf-8"?>
 <p:sld xmlns:a="http://schemas.openxmlformats.org/drawingml/2006/main" xmlns:r="http://schemas.openxmlformats.org/officeDocument/2006/relationships" xmlns:p="http://schemas.openxmlformats.org/presentationml/2006/main">
   <p:cSld>
     <p:spTree>
@@ -11825,98 +11467,6 @@
 </p:sld>
 </file>
 
-<file path=ppt/slides/slide13.xml><?xml version="1.0" encoding="utf-8"?>
-<p:sld xmlns:a="http://schemas.openxmlformats.org/drawingml/2006/main" xmlns:r="http://schemas.openxmlformats.org/officeDocument/2006/relationships" xmlns:p="http://schemas.openxmlformats.org/presentationml/2006/main">
-  <p:cSld>
-    <p:spTree>
-      <p:nvGrpSpPr>
-        <p:cNvPr id="1" name=""/>
-        <p:cNvGrpSpPr/>
-        <p:nvPr/>
-      </p:nvGrpSpPr>
-      <p:grpSpPr>
-        <a:xfrm>
-          <a:off x="0" y="0"/>
-          <a:ext cx="0" cy="0"/>
-          <a:chOff x="0" y="0"/>
-          <a:chExt cx="0" cy="0"/>
-        </a:xfrm>
-      </p:grpSpPr>
-      <p:sp>
-        <p:nvSpPr>
-          <p:cNvPr id="2" name="Title 1">
-            <a:extLst>
-              <a:ext uri="{FF2B5EF4-FFF2-40B4-BE49-F238E27FC236}">
-                <a16:creationId xmlns:a16="http://schemas.microsoft.com/office/drawing/2014/main" id="{F8E836B1-B755-4B4F-BA86-FDFB8ABC0BE7}"/>
-              </a:ext>
-            </a:extLst>
-          </p:cNvPr>
-          <p:cNvSpPr>
-            <a:spLocks noGrp="1"/>
-          </p:cNvSpPr>
-          <p:nvPr>
-            <p:ph type="title"/>
-          </p:nvPr>
-        </p:nvSpPr>
-        <p:spPr/>
-        <p:txBody>
-          <a:bodyPr/>
-          <a:lstStyle/>
-          <a:p>
-            <a:r>
-              <a:rPr lang="en-US" dirty="0"/>
-              <a:t>Feedback Link</a:t>
-            </a:r>
-          </a:p>
-        </p:txBody>
-      </p:sp>
-      <p:sp>
-        <p:nvSpPr>
-          <p:cNvPr id="3" name="Content Placeholder 2">
-            <a:extLst>
-              <a:ext uri="{FF2B5EF4-FFF2-40B4-BE49-F238E27FC236}">
-                <a16:creationId xmlns:a16="http://schemas.microsoft.com/office/drawing/2014/main" id="{825CCFA5-DC14-4456-9B46-28BC401E20C2}"/>
-              </a:ext>
-            </a:extLst>
-          </p:cNvPr>
-          <p:cNvSpPr>
-            <a:spLocks noGrp="1"/>
-          </p:cNvSpPr>
-          <p:nvPr>
-            <p:ph sz="quarter" idx="13"/>
-          </p:nvPr>
-        </p:nvSpPr>
-        <p:spPr/>
-        <p:txBody>
-          <a:bodyPr/>
-          <a:lstStyle/>
-          <a:p>
-            <a:r>
-              <a:rPr lang="en-US" dirty="0">
-                <a:hlinkClick r:id="rId2"/>
-              </a:rPr>
-              <a:t>https://feedbackind.vinsys.com/Indiafeedback.html?batch_id%3D483</a:t>
-            </a:r>
-            <a:endParaRPr lang="en-US" dirty="0"/>
-          </a:p>
-          <a:p>
-            <a:endParaRPr lang="en-US" dirty="0"/>
-          </a:p>
-        </p:txBody>
-      </p:sp>
-    </p:spTree>
-    <p:extLst>
-      <p:ext uri="{BB962C8B-B14F-4D97-AF65-F5344CB8AC3E}">
-        <p14:creationId xmlns:p14="http://schemas.microsoft.com/office/powerpoint/2010/main" val="1211043117"/>
-      </p:ext>
-    </p:extLst>
-  </p:cSld>
-  <p:clrMapOvr>
-    <a:masterClrMapping/>
-  </p:clrMapOvr>
-</p:sld>
-</file>
-
 <file path=ppt/slides/slide14.xml><?xml version="1.0" encoding="utf-8"?>
 <p:sld xmlns:a="http://schemas.openxmlformats.org/drawingml/2006/main" xmlns:r="http://schemas.openxmlformats.org/officeDocument/2006/relationships" xmlns:p="http://schemas.openxmlformats.org/presentationml/2006/main">
   <p:cSld>
@@ -11936,92 +11486,70 @@
       </p:grpSpPr>
       <p:sp>
         <p:nvSpPr>
-          <p:cNvPr id="2" name="Title 3">
+          <p:cNvPr id="2" name="Title 1">
             <a:extLst>
               <a:ext uri="{FF2B5EF4-FFF2-40B4-BE49-F238E27FC236}">
-                <a16:creationId xmlns:a16="http://schemas.microsoft.com/office/drawing/2014/main" id="{F07FC580-E2AB-4C55-8C95-D5E077A1D127}"/>
+                <a16:creationId xmlns:a16="http://schemas.microsoft.com/office/drawing/2014/main" id="{F8E836B1-B755-4B4F-BA86-FDFB8ABC0BE7}"/>
               </a:ext>
             </a:extLst>
           </p:cNvPr>
-          <p:cNvSpPr txBox="1">
-            <a:spLocks/>
-          </p:cNvSpPr>
-          <p:nvPr/>
-        </p:nvSpPr>
-        <p:spPr>
-          <a:xfrm>
-            <a:off x="261764" y="188640"/>
-            <a:ext cx="11292008" cy="711081"/>
-          </a:xfrm>
-          <a:prstGeom prst="rect">
-            <a:avLst/>
-          </a:prstGeom>
-        </p:spPr>
+          <p:cNvSpPr>
+            <a:spLocks noGrp="1"/>
+          </p:cNvSpPr>
+          <p:nvPr>
+            <p:ph type="title"/>
+          </p:nvPr>
+        </p:nvSpPr>
+        <p:spPr/>
         <p:txBody>
           <a:bodyPr/>
-          <a:lstStyle>
-            <a:lvl1pPr algn="l" defTabSz="914400" rtl="0" eaLnBrk="1" latinLnBrk="0" hangingPunct="1">
-              <a:lnSpc>
-                <a:spcPct val="90000"/>
-              </a:lnSpc>
-              <a:spcBef>
-                <a:spcPct val="0"/>
-              </a:spcBef>
-              <a:buNone/>
-              <a:defRPr sz="4400" kern="1200">
-                <a:solidFill>
-                  <a:schemeClr val="tx1"/>
-                </a:solidFill>
-                <a:latin typeface="+mj-lt"/>
-                <a:ea typeface="+mj-ea"/>
-                <a:cs typeface="+mj-cs"/>
-              </a:defRPr>
-            </a:lvl1pPr>
-          </a:lstStyle>
-          <a:p>
-            <a:endParaRPr lang="en-US" b="1" dirty="0"/>
-          </a:p>
-        </p:txBody>
-      </p:sp>
-      <p:sp>
-        <p:nvSpPr>
-          <p:cNvPr id="7" name="TextBox 6">
+          <a:lstStyle/>
+          <a:p>
+            <a:r>
+              <a:rPr lang="en-US" dirty="0"/>
+              <a:t>Feedback Link</a:t>
+            </a:r>
+          </a:p>
+        </p:txBody>
+      </p:sp>
+      <p:sp>
+        <p:nvSpPr>
+          <p:cNvPr id="3" name="Content Placeholder 2">
             <a:extLst>
               <a:ext uri="{FF2B5EF4-FFF2-40B4-BE49-F238E27FC236}">
-                <a16:creationId xmlns:a16="http://schemas.microsoft.com/office/drawing/2014/main" id="{17EB74BE-8011-4153-8F37-3BEF9C1F4CC0}"/>
+                <a16:creationId xmlns:a16="http://schemas.microsoft.com/office/drawing/2014/main" id="{825CCFA5-DC14-4456-9B46-28BC401E20C2}"/>
               </a:ext>
             </a:extLst>
           </p:cNvPr>
-          <p:cNvSpPr txBox="1"/>
-          <p:nvPr/>
-        </p:nvSpPr>
-        <p:spPr>
-          <a:xfrm>
-            <a:off x="3512128" y="2507734"/>
-            <a:ext cx="6174508" cy="1323439"/>
-          </a:xfrm>
-          <a:prstGeom prst="rect">
-            <a:avLst/>
-          </a:prstGeom>
-          <a:noFill/>
-        </p:spPr>
-        <p:txBody>
-          <a:bodyPr wrap="square">
-            <a:spAutoFit/>
-          </a:bodyPr>
-          <a:lstStyle/>
-          <a:p>
-            <a:r>
-              <a:rPr lang="en-US" sz="8000" b="1" dirty="0"/>
-              <a:t>End of Day 13</a:t>
-            </a:r>
+          <p:cNvSpPr>
+            <a:spLocks noGrp="1"/>
+          </p:cNvSpPr>
+          <p:nvPr>
+            <p:ph sz="quarter" idx="13"/>
+          </p:nvPr>
+        </p:nvSpPr>
+        <p:spPr/>
+        <p:txBody>
+          <a:bodyPr/>
+          <a:lstStyle/>
+          <a:p>
+            <a:r>
+              <a:rPr lang="en-US" dirty="0">
+                <a:hlinkClick r:id="rId2"/>
+              </a:rPr>
+              <a:t>https://feedbackind.vinsys.com/Indiafeedback.html?batch_id%3D483</a:t>
+            </a:r>
+            <a:endParaRPr lang="en-US" dirty="0"/>
+          </a:p>
+          <a:p>
+            <a:endParaRPr lang="en-US" dirty="0"/>
           </a:p>
         </p:txBody>
       </p:sp>
     </p:spTree>
     <p:extLst>
       <p:ext uri="{BB962C8B-B14F-4D97-AF65-F5344CB8AC3E}">
-        <p14:creationId xmlns:p14="http://schemas.microsoft.com/office/powerpoint/2010/main" val="3867772902"/>
+        <p14:creationId xmlns:p14="http://schemas.microsoft.com/office/powerpoint/2010/main" val="1211043117"/>
       </p:ext>
     </p:extLst>
   </p:cSld>
@@ -12050,6 +11578,120 @@
       </p:grpSpPr>
       <p:sp>
         <p:nvSpPr>
+          <p:cNvPr id="2" name="Title 3">
+            <a:extLst>
+              <a:ext uri="{FF2B5EF4-FFF2-40B4-BE49-F238E27FC236}">
+                <a16:creationId xmlns:a16="http://schemas.microsoft.com/office/drawing/2014/main" id="{F07FC580-E2AB-4C55-8C95-D5E077A1D127}"/>
+              </a:ext>
+            </a:extLst>
+          </p:cNvPr>
+          <p:cNvSpPr txBox="1">
+            <a:spLocks/>
+          </p:cNvSpPr>
+          <p:nvPr/>
+        </p:nvSpPr>
+        <p:spPr>
+          <a:xfrm>
+            <a:off x="261764" y="188640"/>
+            <a:ext cx="11292008" cy="711081"/>
+          </a:xfrm>
+          <a:prstGeom prst="rect">
+            <a:avLst/>
+          </a:prstGeom>
+        </p:spPr>
+        <p:txBody>
+          <a:bodyPr/>
+          <a:lstStyle>
+            <a:lvl1pPr algn="l" defTabSz="914400" rtl="0" eaLnBrk="1" latinLnBrk="0" hangingPunct="1">
+              <a:lnSpc>
+                <a:spcPct val="90000"/>
+              </a:lnSpc>
+              <a:spcBef>
+                <a:spcPct val="0"/>
+              </a:spcBef>
+              <a:buNone/>
+              <a:defRPr sz="4400" kern="1200">
+                <a:solidFill>
+                  <a:schemeClr val="tx1"/>
+                </a:solidFill>
+                <a:latin typeface="+mj-lt"/>
+                <a:ea typeface="+mj-ea"/>
+                <a:cs typeface="+mj-cs"/>
+              </a:defRPr>
+            </a:lvl1pPr>
+          </a:lstStyle>
+          <a:p>
+            <a:endParaRPr lang="en-US" b="1" dirty="0"/>
+          </a:p>
+        </p:txBody>
+      </p:sp>
+      <p:sp>
+        <p:nvSpPr>
+          <p:cNvPr id="7" name="TextBox 6">
+            <a:extLst>
+              <a:ext uri="{FF2B5EF4-FFF2-40B4-BE49-F238E27FC236}">
+                <a16:creationId xmlns:a16="http://schemas.microsoft.com/office/drawing/2014/main" id="{17EB74BE-8011-4153-8F37-3BEF9C1F4CC0}"/>
+              </a:ext>
+            </a:extLst>
+          </p:cNvPr>
+          <p:cNvSpPr txBox="1"/>
+          <p:nvPr/>
+        </p:nvSpPr>
+        <p:spPr>
+          <a:xfrm>
+            <a:off x="3512128" y="2507734"/>
+            <a:ext cx="6174508" cy="1323439"/>
+          </a:xfrm>
+          <a:prstGeom prst="rect">
+            <a:avLst/>
+          </a:prstGeom>
+          <a:noFill/>
+        </p:spPr>
+        <p:txBody>
+          <a:bodyPr wrap="square">
+            <a:spAutoFit/>
+          </a:bodyPr>
+          <a:lstStyle/>
+          <a:p>
+            <a:r>
+              <a:rPr lang="en-US" sz="8000" b="1" dirty="0"/>
+              <a:t>End of Day 13</a:t>
+            </a:r>
+          </a:p>
+        </p:txBody>
+      </p:sp>
+    </p:spTree>
+    <p:extLst>
+      <p:ext uri="{BB962C8B-B14F-4D97-AF65-F5344CB8AC3E}">
+        <p14:creationId xmlns:p14="http://schemas.microsoft.com/office/powerpoint/2010/main" val="3867772902"/>
+      </p:ext>
+    </p:extLst>
+  </p:cSld>
+  <p:clrMapOvr>
+    <a:masterClrMapping/>
+  </p:clrMapOvr>
+</p:sld>
+</file>
+
+<file path=ppt/slides/slide16.xml><?xml version="1.0" encoding="utf-8"?>
+<p:sld xmlns:a="http://schemas.openxmlformats.org/drawingml/2006/main" xmlns:r="http://schemas.openxmlformats.org/officeDocument/2006/relationships" xmlns:p="http://schemas.openxmlformats.org/presentationml/2006/main">
+  <p:cSld>
+    <p:spTree>
+      <p:nvGrpSpPr>
+        <p:cNvPr id="1" name=""/>
+        <p:cNvGrpSpPr/>
+        <p:nvPr/>
+      </p:nvGrpSpPr>
+      <p:grpSpPr>
+        <a:xfrm>
+          <a:off x="0" y="0"/>
+          <a:ext cx="0" cy="0"/>
+          <a:chOff x="0" y="0"/>
+          <a:chExt cx="0" cy="0"/>
+        </a:xfrm>
+      </p:grpSpPr>
+      <p:sp>
+        <p:nvSpPr>
           <p:cNvPr id="2" name="Title 1">
             <a:extLst>
               <a:ext uri="{FF2B5EF4-FFF2-40B4-BE49-F238E27FC236}">
@@ -12111,7 +11753,7 @@
 </p:sld>
 </file>
 
-<file path=ppt/slides/slide16.xml><?xml version="1.0" encoding="utf-8"?>
+<file path=ppt/slides/slide17.xml><?xml version="1.0" encoding="utf-8"?>
 <p:sld xmlns:a="http://schemas.openxmlformats.org/drawingml/2006/main" xmlns:r="http://schemas.openxmlformats.org/officeDocument/2006/relationships" xmlns:p="http://schemas.openxmlformats.org/presentationml/2006/main">
   <p:cSld>
     <p:spTree>
@@ -12221,7 +11863,7 @@
 </p:sld>
 </file>
 
-<file path=ppt/slides/slide17.xml><?xml version="1.0" encoding="utf-8"?>
+<file path=ppt/slides/slide18.xml><?xml version="1.0" encoding="utf-8"?>
 <p:sld xmlns:a="http://schemas.openxmlformats.org/drawingml/2006/main" xmlns:r="http://schemas.openxmlformats.org/officeDocument/2006/relationships" xmlns:p="http://schemas.openxmlformats.org/presentationml/2006/main">
   <p:cSld>
     <p:bg>
@@ -13976,20 +13618,14 @@
           <a:p>
             <a:pPr algn="ctr" defTabSz="1218987"/>
             <a:r>
-              <a:rPr lang="en-US" sz="2400" dirty="0" err="1">
+              <a:rPr lang="en-US" sz="2400" dirty="0">
                 <a:solidFill>
                   <a:prstClr val="white"/>
                 </a:solidFill>
                 <a:latin typeface="Calibri"/>
               </a:rPr>
-              <a:t>Onpremise</a:t>
-            </a:r>
-            <a:endParaRPr lang="en-US" sz="2400" dirty="0">
-              <a:solidFill>
-                <a:prstClr val="white"/>
-              </a:solidFill>
-              <a:latin typeface="Calibri"/>
-            </a:endParaRPr>
+              <a:t>On premise</a:t>
+            </a:r>
           </a:p>
         </p:txBody>
       </p:sp>
@@ -14050,11 +13686,20 @@
             <a:r>
               <a:rPr lang="en-US" sz="2400" dirty="0">
                 <a:solidFill>
+                  <a:srgbClr val="FF0000"/>
+                </a:solidFill>
+                <a:latin typeface="Calibri"/>
+              </a:rPr>
+              <a:t>HANA Cloud </a:t>
+            </a:r>
+            <a:r>
+              <a:rPr lang="en-US" sz="2400" dirty="0">
+                <a:solidFill>
                   <a:prstClr val="white"/>
                 </a:solidFill>
                 <a:latin typeface="Calibri"/>
               </a:rPr>
-              <a:t>HANA Cloud etc.</a:t>
+              <a:t>etc.</a:t>
             </a:r>
           </a:p>
           <a:p>
@@ -14230,7 +13875,7 @@
         </p:nvSpPr>
         <p:spPr>
           <a:xfrm>
-            <a:off x="5638800" y="5085865"/>
+            <a:off x="6007021" y="5147737"/>
             <a:ext cx="1828800" cy="1102892"/>
           </a:xfrm>
           <a:prstGeom prst="rect">
@@ -14270,924 +13915,803 @@
           </a:p>
         </p:txBody>
       </p:sp>
-      <mc:AlternateContent xmlns:mc="http://schemas.openxmlformats.org/markup-compatibility/2006" xmlns:p14="http://schemas.microsoft.com/office/powerpoint/2010/main">
-        <mc:Choice Requires="p14">
-          <p:contentPart p14:bwMode="auto" r:id="rId3">
-            <p14:nvContentPartPr>
-              <p14:cNvPr id="20" name="Ink 19">
-                <a:extLst>
-                  <a:ext uri="{FF2B5EF4-FFF2-40B4-BE49-F238E27FC236}">
-                    <a16:creationId xmlns:a16="http://schemas.microsoft.com/office/drawing/2014/main" id="{0405F1DC-C9EF-45BE-936F-5AAF380CBB4F}"/>
-                  </a:ext>
-                </a:extLst>
-              </p14:cNvPr>
-              <p14:cNvContentPartPr/>
-              <p14:nvPr/>
-            </p14:nvContentPartPr>
-            <p14:xfrm>
-              <a:off x="157651" y="662033"/>
-              <a:ext cx="1447560" cy="756720"/>
-            </p14:xfrm>
-          </p:contentPart>
-        </mc:Choice>
-        <mc:Fallback xmlns="">
-          <p:pic>
-            <p:nvPicPr>
-              <p:cNvPr id="20" name="Ink 19">
-                <a:extLst>
-                  <a:ext uri="{FF2B5EF4-FFF2-40B4-BE49-F238E27FC236}">
-                    <a16:creationId xmlns:a16="http://schemas.microsoft.com/office/drawing/2014/main" id="{0405F1DC-C9EF-45BE-936F-5AAF380CBB4F}"/>
-                  </a:ext>
-                </a:extLst>
-              </p:cNvPr>
-              <p:cNvPicPr/>
-              <p:nvPr/>
-            </p:nvPicPr>
-            <p:blipFill>
-              <a:blip r:embed="rId4"/>
-              <a:stretch>
-                <a:fillRect/>
-              </a:stretch>
-            </p:blipFill>
-            <p:spPr>
-              <a:xfrm>
-                <a:off x="148651" y="653033"/>
-                <a:ext cx="1465200" cy="774360"/>
-              </a:xfrm>
-              <a:prstGeom prst="rect">
-                <a:avLst/>
-              </a:prstGeom>
-            </p:spPr>
-          </p:pic>
-        </mc:Fallback>
-      </mc:AlternateContent>
-      <mc:AlternateContent xmlns:mc="http://schemas.openxmlformats.org/markup-compatibility/2006" xmlns:p14="http://schemas.microsoft.com/office/powerpoint/2010/main">
-        <mc:Choice Requires="p14">
-          <p:contentPart p14:bwMode="auto" r:id="rId5">
-            <p14:nvContentPartPr>
-              <p14:cNvPr id="23" name="Ink 22">
-                <a:extLst>
-                  <a:ext uri="{FF2B5EF4-FFF2-40B4-BE49-F238E27FC236}">
-                    <a16:creationId xmlns:a16="http://schemas.microsoft.com/office/drawing/2014/main" id="{13F530B1-EDCD-4A5F-B60B-50E234E09B02}"/>
-                  </a:ext>
-                </a:extLst>
-              </p14:cNvPr>
-              <p14:cNvContentPartPr/>
-              <p14:nvPr/>
-            </p14:nvContentPartPr>
-            <p14:xfrm>
-              <a:off x="10506211" y="3013193"/>
-              <a:ext cx="140400" cy="66240"/>
-            </p14:xfrm>
-          </p:contentPart>
-        </mc:Choice>
-        <mc:Fallback xmlns="">
-          <p:pic>
-            <p:nvPicPr>
-              <p:cNvPr id="23" name="Ink 22">
-                <a:extLst>
-                  <a:ext uri="{FF2B5EF4-FFF2-40B4-BE49-F238E27FC236}">
-                    <a16:creationId xmlns:a16="http://schemas.microsoft.com/office/drawing/2014/main" id="{13F530B1-EDCD-4A5F-B60B-50E234E09B02}"/>
-                  </a:ext>
-                </a:extLst>
-              </p:cNvPr>
-              <p:cNvPicPr/>
-              <p:nvPr/>
-            </p:nvPicPr>
-            <p:blipFill>
-              <a:blip r:embed="rId6"/>
-              <a:stretch>
-                <a:fillRect/>
-              </a:stretch>
-            </p:blipFill>
-            <p:spPr>
-              <a:xfrm>
-                <a:off x="10497211" y="3004193"/>
-                <a:ext cx="158040" cy="83880"/>
-              </a:xfrm>
-              <a:prstGeom prst="rect">
-                <a:avLst/>
-              </a:prstGeom>
-            </p:spPr>
-          </p:pic>
-        </mc:Fallback>
-      </mc:AlternateContent>
-      <mc:AlternateContent xmlns:mc="http://schemas.openxmlformats.org/markup-compatibility/2006" xmlns:p14="http://schemas.microsoft.com/office/powerpoint/2010/main">
-        <mc:Choice Requires="p14">
-          <p:contentPart p14:bwMode="auto" r:id="rId7">
-            <p14:nvContentPartPr>
-              <p14:cNvPr id="46" name="Ink 45">
-                <a:extLst>
-                  <a:ext uri="{FF2B5EF4-FFF2-40B4-BE49-F238E27FC236}">
-                    <a16:creationId xmlns:a16="http://schemas.microsoft.com/office/drawing/2014/main" id="{79226826-9A11-4899-AAF9-FC941901486E}"/>
-                  </a:ext>
-                </a:extLst>
-              </p14:cNvPr>
-              <p14:cNvContentPartPr/>
-              <p14:nvPr/>
-            </p14:nvContentPartPr>
-            <p14:xfrm>
-              <a:off x="10468771" y="876953"/>
-              <a:ext cx="1690200" cy="542520"/>
-            </p14:xfrm>
-          </p:contentPart>
-        </mc:Choice>
-        <mc:Fallback xmlns="">
-          <p:pic>
-            <p:nvPicPr>
-              <p:cNvPr id="46" name="Ink 45">
-                <a:extLst>
-                  <a:ext uri="{FF2B5EF4-FFF2-40B4-BE49-F238E27FC236}">
-                    <a16:creationId xmlns:a16="http://schemas.microsoft.com/office/drawing/2014/main" id="{79226826-9A11-4899-AAF9-FC941901486E}"/>
-                  </a:ext>
-                </a:extLst>
-              </p:cNvPr>
-              <p:cNvPicPr/>
-              <p:nvPr/>
-            </p:nvPicPr>
-            <p:blipFill>
-              <a:blip r:embed="rId8"/>
-              <a:stretch>
-                <a:fillRect/>
-              </a:stretch>
-            </p:blipFill>
-            <p:spPr>
-              <a:xfrm>
-                <a:off x="10459771" y="867953"/>
-                <a:ext cx="1707840" cy="560160"/>
-              </a:xfrm>
-              <a:prstGeom prst="rect">
-                <a:avLst/>
-              </a:prstGeom>
-            </p:spPr>
-          </p:pic>
-        </mc:Fallback>
-      </mc:AlternateContent>
-      <mc:AlternateContent xmlns:mc="http://schemas.openxmlformats.org/markup-compatibility/2006" xmlns:p14="http://schemas.microsoft.com/office/powerpoint/2010/main">
-        <mc:Choice Requires="p14">
-          <p:contentPart p14:bwMode="auto" r:id="rId9">
-            <p14:nvContentPartPr>
-              <p14:cNvPr id="73" name="Ink 72">
-                <a:extLst>
-                  <a:ext uri="{FF2B5EF4-FFF2-40B4-BE49-F238E27FC236}">
-                    <a16:creationId xmlns:a16="http://schemas.microsoft.com/office/drawing/2014/main" id="{BC57D36D-0486-44A5-9D3B-AD8199D018AF}"/>
-                  </a:ext>
-                </a:extLst>
-              </p14:cNvPr>
-              <p14:cNvContentPartPr/>
-              <p14:nvPr/>
-            </p14:nvContentPartPr>
-            <p14:xfrm>
-              <a:off x="5421211" y="1660673"/>
-              <a:ext cx="3777480" cy="989640"/>
-            </p14:xfrm>
-          </p:contentPart>
-        </mc:Choice>
-        <mc:Fallback xmlns="">
-          <p:pic>
-            <p:nvPicPr>
-              <p:cNvPr id="73" name="Ink 72">
-                <a:extLst>
-                  <a:ext uri="{FF2B5EF4-FFF2-40B4-BE49-F238E27FC236}">
-                    <a16:creationId xmlns:a16="http://schemas.microsoft.com/office/drawing/2014/main" id="{BC57D36D-0486-44A5-9D3B-AD8199D018AF}"/>
-                  </a:ext>
-                </a:extLst>
-              </p:cNvPr>
-              <p:cNvPicPr/>
-              <p:nvPr/>
-            </p:nvPicPr>
-            <p:blipFill>
-              <a:blip r:embed="rId10"/>
-              <a:stretch>
-                <a:fillRect/>
-              </a:stretch>
-            </p:blipFill>
-            <p:spPr>
-              <a:xfrm>
-                <a:off x="5412211" y="1651673"/>
-                <a:ext cx="3795120" cy="1007280"/>
-              </a:xfrm>
-              <a:prstGeom prst="rect">
-                <a:avLst/>
-              </a:prstGeom>
-            </p:spPr>
-          </p:pic>
-        </mc:Fallback>
-      </mc:AlternateContent>
-      <mc:AlternateContent xmlns:mc="http://schemas.openxmlformats.org/markup-compatibility/2006" xmlns:p14="http://schemas.microsoft.com/office/powerpoint/2010/main">
-        <mc:Choice Requires="p14">
-          <p:contentPart p14:bwMode="auto" r:id="rId11">
-            <p14:nvContentPartPr>
-              <p14:cNvPr id="76" name="Ink 75">
-                <a:extLst>
-                  <a:ext uri="{FF2B5EF4-FFF2-40B4-BE49-F238E27FC236}">
-                    <a16:creationId xmlns:a16="http://schemas.microsoft.com/office/drawing/2014/main" id="{2994D15D-0625-4402-BAC9-579BD2D779AD}"/>
-                  </a:ext>
-                </a:extLst>
-              </p14:cNvPr>
-              <p14:cNvContentPartPr/>
-              <p14:nvPr/>
-            </p14:nvContentPartPr>
-            <p14:xfrm>
-              <a:off x="7004491" y="2369873"/>
-              <a:ext cx="2214360" cy="308880"/>
-            </p14:xfrm>
-          </p:contentPart>
-        </mc:Choice>
-        <mc:Fallback xmlns="">
-          <p:pic>
-            <p:nvPicPr>
-              <p:cNvPr id="76" name="Ink 75">
-                <a:extLst>
-                  <a:ext uri="{FF2B5EF4-FFF2-40B4-BE49-F238E27FC236}">
-                    <a16:creationId xmlns:a16="http://schemas.microsoft.com/office/drawing/2014/main" id="{2994D15D-0625-4402-BAC9-579BD2D779AD}"/>
-                  </a:ext>
-                </a:extLst>
-              </p:cNvPr>
-              <p:cNvPicPr/>
-              <p:nvPr/>
-            </p:nvPicPr>
-            <p:blipFill>
-              <a:blip r:embed="rId12"/>
-              <a:stretch>
-                <a:fillRect/>
-              </a:stretch>
-            </p:blipFill>
-            <p:spPr>
-              <a:xfrm>
-                <a:off x="6995491" y="2360873"/>
-                <a:ext cx="2232000" cy="326520"/>
-              </a:xfrm>
-              <a:prstGeom prst="rect">
-                <a:avLst/>
-              </a:prstGeom>
-            </p:spPr>
-          </p:pic>
-        </mc:Fallback>
-      </mc:AlternateContent>
-      <mc:AlternateContent xmlns:mc="http://schemas.openxmlformats.org/markup-compatibility/2006" xmlns:p14="http://schemas.microsoft.com/office/powerpoint/2010/main">
-        <mc:Choice Requires="p14">
-          <p:contentPart p14:bwMode="auto" r:id="rId13">
-            <p14:nvContentPartPr>
-              <p14:cNvPr id="82" name="Ink 81">
-                <a:extLst>
-                  <a:ext uri="{FF2B5EF4-FFF2-40B4-BE49-F238E27FC236}">
-                    <a16:creationId xmlns:a16="http://schemas.microsoft.com/office/drawing/2014/main" id="{BF4D19F7-6E65-49F0-AA2F-5F5CD5D35B37}"/>
-                  </a:ext>
-                </a:extLst>
-              </p14:cNvPr>
-              <p14:cNvContentPartPr/>
-              <p14:nvPr/>
-            </p14:nvContentPartPr>
-            <p14:xfrm>
-              <a:off x="11346091" y="2387153"/>
-              <a:ext cx="500040" cy="298440"/>
-            </p14:xfrm>
-          </p:contentPart>
-        </mc:Choice>
-        <mc:Fallback xmlns="">
-          <p:pic>
-            <p:nvPicPr>
-              <p:cNvPr id="82" name="Ink 81">
-                <a:extLst>
-                  <a:ext uri="{FF2B5EF4-FFF2-40B4-BE49-F238E27FC236}">
-                    <a16:creationId xmlns:a16="http://schemas.microsoft.com/office/drawing/2014/main" id="{BF4D19F7-6E65-49F0-AA2F-5F5CD5D35B37}"/>
-                  </a:ext>
-                </a:extLst>
-              </p:cNvPr>
-              <p:cNvPicPr/>
-              <p:nvPr/>
-            </p:nvPicPr>
-            <p:blipFill>
-              <a:blip r:embed="rId14"/>
-              <a:stretch>
-                <a:fillRect/>
-              </a:stretch>
-            </p:blipFill>
-            <p:spPr>
-              <a:xfrm>
-                <a:off x="11337091" y="2378153"/>
-                <a:ext cx="517680" cy="316080"/>
-              </a:xfrm>
-              <a:prstGeom prst="rect">
-                <a:avLst/>
-              </a:prstGeom>
-            </p:spPr>
-          </p:pic>
-        </mc:Fallback>
-      </mc:AlternateContent>
-      <mc:AlternateContent xmlns:mc="http://schemas.openxmlformats.org/markup-compatibility/2006" xmlns:p14="http://schemas.microsoft.com/office/powerpoint/2010/main">
-        <mc:Choice Requires="p14">
-          <p:contentPart p14:bwMode="auto" r:id="rId15">
-            <p14:nvContentPartPr>
-              <p14:cNvPr id="105" name="Ink 104">
-                <a:extLst>
-                  <a:ext uri="{FF2B5EF4-FFF2-40B4-BE49-F238E27FC236}">
-                    <a16:creationId xmlns:a16="http://schemas.microsoft.com/office/drawing/2014/main" id="{4B903FB9-1CDE-40B4-AB47-94D7E7CB90D0}"/>
-                  </a:ext>
-                </a:extLst>
-              </p14:cNvPr>
-              <p14:cNvContentPartPr/>
-              <p14:nvPr/>
-            </p14:nvContentPartPr>
-            <p14:xfrm>
-              <a:off x="5970211" y="2463113"/>
-              <a:ext cx="39240" cy="1148040"/>
-            </p14:xfrm>
-          </p:contentPart>
-        </mc:Choice>
-        <mc:Fallback xmlns="">
-          <p:pic>
-            <p:nvPicPr>
-              <p:cNvPr id="105" name="Ink 104">
-                <a:extLst>
-                  <a:ext uri="{FF2B5EF4-FFF2-40B4-BE49-F238E27FC236}">
-                    <a16:creationId xmlns:a16="http://schemas.microsoft.com/office/drawing/2014/main" id="{4B903FB9-1CDE-40B4-AB47-94D7E7CB90D0}"/>
-                  </a:ext>
-                </a:extLst>
-              </p:cNvPr>
-              <p:cNvPicPr/>
-              <p:nvPr/>
-            </p:nvPicPr>
-            <p:blipFill>
-              <a:blip r:embed="rId16"/>
-              <a:stretch>
-                <a:fillRect/>
-              </a:stretch>
-            </p:blipFill>
-            <p:spPr>
-              <a:xfrm>
-                <a:off x="5961211" y="2454113"/>
-                <a:ext cx="56880" cy="1165680"/>
-              </a:xfrm>
-              <a:prstGeom prst="rect">
-                <a:avLst/>
-              </a:prstGeom>
-            </p:spPr>
-          </p:pic>
-        </mc:Fallback>
-      </mc:AlternateContent>
-      <mc:AlternateContent xmlns:mc="http://schemas.openxmlformats.org/markup-compatibility/2006" xmlns:p14="http://schemas.microsoft.com/office/powerpoint/2010/main">
-        <mc:Choice Requires="p14">
-          <p:contentPart p14:bwMode="auto" r:id="rId17">
-            <p14:nvContentPartPr>
-              <p14:cNvPr id="138" name="Ink 137">
-                <a:extLst>
-                  <a:ext uri="{FF2B5EF4-FFF2-40B4-BE49-F238E27FC236}">
-                    <a16:creationId xmlns:a16="http://schemas.microsoft.com/office/drawing/2014/main" id="{BB25D2A2-4AD8-4039-9F6D-3C610E86BE2F}"/>
-                  </a:ext>
-                </a:extLst>
-              </p14:cNvPr>
-              <p14:cNvContentPartPr/>
-              <p14:nvPr/>
-            </p14:nvContentPartPr>
-            <p14:xfrm>
-              <a:off x="2284891" y="1014473"/>
-              <a:ext cx="272880" cy="973440"/>
-            </p14:xfrm>
-          </p:contentPart>
-        </mc:Choice>
-        <mc:Fallback xmlns="">
-          <p:pic>
-            <p:nvPicPr>
-              <p:cNvPr id="138" name="Ink 137">
-                <a:extLst>
-                  <a:ext uri="{FF2B5EF4-FFF2-40B4-BE49-F238E27FC236}">
-                    <a16:creationId xmlns:a16="http://schemas.microsoft.com/office/drawing/2014/main" id="{BB25D2A2-4AD8-4039-9F6D-3C610E86BE2F}"/>
-                  </a:ext>
-                </a:extLst>
-              </p:cNvPr>
-              <p:cNvPicPr/>
-              <p:nvPr/>
-            </p:nvPicPr>
-            <p:blipFill>
-              <a:blip r:embed="rId18"/>
-              <a:stretch>
-                <a:fillRect/>
-              </a:stretch>
-            </p:blipFill>
-            <p:spPr>
-              <a:xfrm>
-                <a:off x="2275891" y="1005473"/>
-                <a:ext cx="290520" cy="991080"/>
-              </a:xfrm>
-              <a:prstGeom prst="rect">
-                <a:avLst/>
-              </a:prstGeom>
-            </p:spPr>
-          </p:pic>
-        </mc:Fallback>
-      </mc:AlternateContent>
-      <mc:AlternateContent xmlns:mc="http://schemas.openxmlformats.org/markup-compatibility/2006" xmlns:p14="http://schemas.microsoft.com/office/powerpoint/2010/main">
-        <mc:Choice Requires="p14">
-          <p:contentPart p14:bwMode="auto" r:id="rId19">
-            <p14:nvContentPartPr>
-              <p14:cNvPr id="158" name="Ink 157">
-                <a:extLst>
-                  <a:ext uri="{FF2B5EF4-FFF2-40B4-BE49-F238E27FC236}">
-                    <a16:creationId xmlns:a16="http://schemas.microsoft.com/office/drawing/2014/main" id="{E82E1EC8-A149-48E6-8ED8-6716787823A6}"/>
-                  </a:ext>
-                </a:extLst>
-              </p14:cNvPr>
-              <p14:cNvContentPartPr/>
-              <p14:nvPr/>
-            </p14:nvContentPartPr>
-            <p14:xfrm>
-              <a:off x="2752531" y="1006913"/>
-              <a:ext cx="1699200" cy="1055520"/>
-            </p14:xfrm>
-          </p:contentPart>
-        </mc:Choice>
-        <mc:Fallback xmlns="">
-          <p:pic>
-            <p:nvPicPr>
-              <p:cNvPr id="158" name="Ink 157">
-                <a:extLst>
-                  <a:ext uri="{FF2B5EF4-FFF2-40B4-BE49-F238E27FC236}">
-                    <a16:creationId xmlns:a16="http://schemas.microsoft.com/office/drawing/2014/main" id="{E82E1EC8-A149-48E6-8ED8-6716787823A6}"/>
-                  </a:ext>
-                </a:extLst>
-              </p:cNvPr>
-              <p:cNvPicPr/>
-              <p:nvPr/>
-            </p:nvPicPr>
-            <p:blipFill>
-              <a:blip r:embed="rId20"/>
-              <a:stretch>
-                <a:fillRect/>
-              </a:stretch>
-            </p:blipFill>
-            <p:spPr>
-              <a:xfrm>
-                <a:off x="2743531" y="997913"/>
-                <a:ext cx="1716840" cy="1073160"/>
-              </a:xfrm>
-              <a:prstGeom prst="rect">
-                <a:avLst/>
-              </a:prstGeom>
-            </p:spPr>
-          </p:pic>
-        </mc:Fallback>
-      </mc:AlternateContent>
-      <mc:AlternateContent xmlns:mc="http://schemas.openxmlformats.org/markup-compatibility/2006" xmlns:p14="http://schemas.microsoft.com/office/powerpoint/2010/main">
-        <mc:Choice Requires="p14">
-          <p:contentPart p14:bwMode="auto" r:id="rId21">
-            <p14:nvContentPartPr>
-              <p14:cNvPr id="160" name="Ink 159">
-                <a:extLst>
-                  <a:ext uri="{FF2B5EF4-FFF2-40B4-BE49-F238E27FC236}">
-                    <a16:creationId xmlns:a16="http://schemas.microsoft.com/office/drawing/2014/main" id="{2B3A3052-58DB-4789-A43A-4B49A31765ED}"/>
-                  </a:ext>
-                </a:extLst>
-              </p14:cNvPr>
-              <p14:cNvContentPartPr/>
-              <p14:nvPr/>
-            </p14:nvContentPartPr>
-            <p14:xfrm>
-              <a:off x="2573251" y="2360153"/>
-              <a:ext cx="2866680" cy="504720"/>
-            </p14:xfrm>
-          </p:contentPart>
-        </mc:Choice>
-        <mc:Fallback xmlns="">
-          <p:pic>
-            <p:nvPicPr>
-              <p:cNvPr id="160" name="Ink 159">
-                <a:extLst>
-                  <a:ext uri="{FF2B5EF4-FFF2-40B4-BE49-F238E27FC236}">
-                    <a16:creationId xmlns:a16="http://schemas.microsoft.com/office/drawing/2014/main" id="{2B3A3052-58DB-4789-A43A-4B49A31765ED}"/>
-                  </a:ext>
-                </a:extLst>
-              </p:cNvPr>
-              <p:cNvPicPr/>
-              <p:nvPr/>
-            </p:nvPicPr>
-            <p:blipFill>
-              <a:blip r:embed="rId22"/>
-              <a:stretch>
-                <a:fillRect/>
-              </a:stretch>
-            </p:blipFill>
-            <p:spPr>
-              <a:xfrm>
-                <a:off x="2564251" y="2351153"/>
-                <a:ext cx="2884320" cy="522360"/>
-              </a:xfrm>
-              <a:prstGeom prst="rect">
-                <a:avLst/>
-              </a:prstGeom>
-            </p:spPr>
-          </p:pic>
-        </mc:Fallback>
-      </mc:AlternateContent>
-      <mc:AlternateContent xmlns:mc="http://schemas.openxmlformats.org/markup-compatibility/2006" xmlns:p14="http://schemas.microsoft.com/office/powerpoint/2010/main">
-        <mc:Choice Requires="p14">
-          <p:contentPart p14:bwMode="auto" r:id="rId23">
-            <p14:nvContentPartPr>
-              <p14:cNvPr id="204" name="Ink 203">
-                <a:extLst>
-                  <a:ext uri="{FF2B5EF4-FFF2-40B4-BE49-F238E27FC236}">
-                    <a16:creationId xmlns:a16="http://schemas.microsoft.com/office/drawing/2014/main" id="{F8032BEB-6C33-45D6-ADB7-6D03090B4DD6}"/>
-                  </a:ext>
-                </a:extLst>
-              </p14:cNvPr>
-              <p14:cNvContentPartPr/>
-              <p14:nvPr/>
-            </p14:nvContentPartPr>
-            <p14:xfrm>
-              <a:off x="5729011" y="65153"/>
-              <a:ext cx="4087080" cy="1775520"/>
-            </p14:xfrm>
-          </p:contentPart>
-        </mc:Choice>
-        <mc:Fallback xmlns="">
-          <p:pic>
-            <p:nvPicPr>
-              <p:cNvPr id="204" name="Ink 203">
-                <a:extLst>
-                  <a:ext uri="{FF2B5EF4-FFF2-40B4-BE49-F238E27FC236}">
-                    <a16:creationId xmlns:a16="http://schemas.microsoft.com/office/drawing/2014/main" id="{F8032BEB-6C33-45D6-ADB7-6D03090B4DD6}"/>
-                  </a:ext>
-                </a:extLst>
-              </p:cNvPr>
-              <p:cNvPicPr/>
-              <p:nvPr/>
-            </p:nvPicPr>
-            <p:blipFill>
-              <a:blip r:embed="rId24"/>
-              <a:stretch>
-                <a:fillRect/>
-              </a:stretch>
-            </p:blipFill>
-            <p:spPr>
-              <a:xfrm>
-                <a:off x="5720011" y="56153"/>
-                <a:ext cx="4104720" cy="1793160"/>
-              </a:xfrm>
-              <a:prstGeom prst="rect">
-                <a:avLst/>
-              </a:prstGeom>
-            </p:spPr>
-          </p:pic>
-        </mc:Fallback>
-      </mc:AlternateContent>
-      <mc:AlternateContent xmlns:mc="http://schemas.openxmlformats.org/markup-compatibility/2006" xmlns:p14="http://schemas.microsoft.com/office/powerpoint/2010/main">
-        <mc:Choice Requires="p14">
-          <p:contentPart p14:bwMode="auto" r:id="rId25">
-            <p14:nvContentPartPr>
-              <p14:cNvPr id="242" name="Ink 241">
-                <a:extLst>
-                  <a:ext uri="{FF2B5EF4-FFF2-40B4-BE49-F238E27FC236}">
-                    <a16:creationId xmlns:a16="http://schemas.microsoft.com/office/drawing/2014/main" id="{A7984971-D10D-44B3-9325-FF67CDA4A4AF}"/>
-                  </a:ext>
-                </a:extLst>
-              </p14:cNvPr>
-              <p14:cNvContentPartPr/>
-              <p14:nvPr/>
-            </p14:nvContentPartPr>
-            <p14:xfrm>
-              <a:off x="11952691" y="1772993"/>
-              <a:ext cx="2136960" cy="1737360"/>
-            </p14:xfrm>
-          </p:contentPart>
-        </mc:Choice>
-        <mc:Fallback xmlns="">
-          <p:pic>
-            <p:nvPicPr>
-              <p:cNvPr id="242" name="Ink 241">
-                <a:extLst>
-                  <a:ext uri="{FF2B5EF4-FFF2-40B4-BE49-F238E27FC236}">
-                    <a16:creationId xmlns:a16="http://schemas.microsoft.com/office/drawing/2014/main" id="{A7984971-D10D-44B3-9325-FF67CDA4A4AF}"/>
-                  </a:ext>
-                </a:extLst>
-              </p:cNvPr>
-              <p:cNvPicPr/>
-              <p:nvPr/>
-            </p:nvPicPr>
-            <p:blipFill>
-              <a:blip r:embed="rId26"/>
-              <a:stretch>
-                <a:fillRect/>
-              </a:stretch>
-            </p:blipFill>
-            <p:spPr>
-              <a:xfrm>
-                <a:off x="11943691" y="1763993"/>
-                <a:ext cx="2154600" cy="1755000"/>
-              </a:xfrm>
-              <a:prstGeom prst="rect">
-                <a:avLst/>
-              </a:prstGeom>
-            </p:spPr>
-          </p:pic>
-        </mc:Fallback>
-      </mc:AlternateContent>
-      <mc:AlternateContent xmlns:mc="http://schemas.openxmlformats.org/markup-compatibility/2006" xmlns:p14="http://schemas.microsoft.com/office/powerpoint/2010/main">
-        <mc:Choice Requires="p14">
-          <p:contentPart p14:bwMode="auto" r:id="rId27">
-            <p14:nvContentPartPr>
-              <p14:cNvPr id="245" name="Ink 244">
-                <a:extLst>
-                  <a:ext uri="{FF2B5EF4-FFF2-40B4-BE49-F238E27FC236}">
-                    <a16:creationId xmlns:a16="http://schemas.microsoft.com/office/drawing/2014/main" id="{30E4438E-9A47-406D-AD4E-881A5ADF03F0}"/>
-                  </a:ext>
-                </a:extLst>
-              </p14:cNvPr>
-              <p14:cNvContentPartPr/>
-              <p14:nvPr/>
-            </p14:nvContentPartPr>
-            <p14:xfrm>
-              <a:off x="2957731" y="3180953"/>
-              <a:ext cx="2538360" cy="2352600"/>
-            </p14:xfrm>
-          </p:contentPart>
-        </mc:Choice>
-        <mc:Fallback xmlns="">
-          <p:pic>
-            <p:nvPicPr>
-              <p:cNvPr id="245" name="Ink 244">
-                <a:extLst>
-                  <a:ext uri="{FF2B5EF4-FFF2-40B4-BE49-F238E27FC236}">
-                    <a16:creationId xmlns:a16="http://schemas.microsoft.com/office/drawing/2014/main" id="{30E4438E-9A47-406D-AD4E-881A5ADF03F0}"/>
-                  </a:ext>
-                </a:extLst>
-              </p:cNvPr>
-              <p:cNvPicPr/>
-              <p:nvPr/>
-            </p:nvPicPr>
-            <p:blipFill>
-              <a:blip r:embed="rId28"/>
-              <a:stretch>
-                <a:fillRect/>
-              </a:stretch>
-            </p:blipFill>
-            <p:spPr>
-              <a:xfrm>
-                <a:off x="2948731" y="3171953"/>
-                <a:ext cx="2556000" cy="2370240"/>
-              </a:xfrm>
-              <a:prstGeom prst="rect">
-                <a:avLst/>
-              </a:prstGeom>
-            </p:spPr>
-          </p:pic>
-        </mc:Fallback>
-      </mc:AlternateContent>
-      <mc:AlternateContent xmlns:mc="http://schemas.openxmlformats.org/markup-compatibility/2006" xmlns:p14="http://schemas.microsoft.com/office/powerpoint/2010/main">
-        <mc:Choice Requires="p14">
-          <p:contentPart p14:bwMode="auto" r:id="rId29">
-            <p14:nvContentPartPr>
-              <p14:cNvPr id="253" name="Ink 252">
-                <a:extLst>
-                  <a:ext uri="{FF2B5EF4-FFF2-40B4-BE49-F238E27FC236}">
-                    <a16:creationId xmlns:a16="http://schemas.microsoft.com/office/drawing/2014/main" id="{03490946-69EE-4823-BB10-A3BB4A5C7999}"/>
-                  </a:ext>
-                </a:extLst>
-              </p14:cNvPr>
-              <p14:cNvContentPartPr/>
-              <p14:nvPr/>
-            </p14:nvContentPartPr>
-            <p14:xfrm>
-              <a:off x="5607691" y="4441313"/>
-              <a:ext cx="812160" cy="448560"/>
-            </p14:xfrm>
-          </p:contentPart>
-        </mc:Choice>
-        <mc:Fallback xmlns="">
-          <p:pic>
-            <p:nvPicPr>
-              <p:cNvPr id="253" name="Ink 252">
-                <a:extLst>
-                  <a:ext uri="{FF2B5EF4-FFF2-40B4-BE49-F238E27FC236}">
-                    <a16:creationId xmlns:a16="http://schemas.microsoft.com/office/drawing/2014/main" id="{03490946-69EE-4823-BB10-A3BB4A5C7999}"/>
-                  </a:ext>
-                </a:extLst>
-              </p:cNvPr>
-              <p:cNvPicPr/>
-              <p:nvPr/>
-            </p:nvPicPr>
-            <p:blipFill>
-              <a:blip r:embed="rId30"/>
-              <a:stretch>
-                <a:fillRect/>
-              </a:stretch>
-            </p:blipFill>
-            <p:spPr>
-              <a:xfrm>
-                <a:off x="5598691" y="4432313"/>
-                <a:ext cx="829800" cy="466200"/>
-              </a:xfrm>
-              <a:prstGeom prst="rect">
-                <a:avLst/>
-              </a:prstGeom>
-            </p:spPr>
-          </p:pic>
-        </mc:Fallback>
-      </mc:AlternateContent>
-      <mc:AlternateContent xmlns:mc="http://schemas.openxmlformats.org/markup-compatibility/2006" xmlns:p14="http://schemas.microsoft.com/office/powerpoint/2010/main">
-        <mc:Choice Requires="p14">
-          <p:contentPart p14:bwMode="auto" r:id="rId31">
-            <p14:nvContentPartPr>
-              <p14:cNvPr id="259" name="Ink 258">
-                <a:extLst>
-                  <a:ext uri="{FF2B5EF4-FFF2-40B4-BE49-F238E27FC236}">
-                    <a16:creationId xmlns:a16="http://schemas.microsoft.com/office/drawing/2014/main" id="{5415C2C8-7091-48F4-A6A4-DA363861CDCE}"/>
-                  </a:ext>
-                </a:extLst>
-              </p14:cNvPr>
-              <p14:cNvContentPartPr/>
-              <p14:nvPr/>
-            </p14:nvContentPartPr>
-            <p14:xfrm>
-              <a:off x="7501651" y="5206313"/>
-              <a:ext cx="765720" cy="541800"/>
-            </p14:xfrm>
-          </p:contentPart>
-        </mc:Choice>
-        <mc:Fallback xmlns="">
-          <p:pic>
-            <p:nvPicPr>
-              <p:cNvPr id="259" name="Ink 258">
-                <a:extLst>
-                  <a:ext uri="{FF2B5EF4-FFF2-40B4-BE49-F238E27FC236}">
-                    <a16:creationId xmlns:a16="http://schemas.microsoft.com/office/drawing/2014/main" id="{5415C2C8-7091-48F4-A6A4-DA363861CDCE}"/>
-                  </a:ext>
-                </a:extLst>
-              </p:cNvPr>
-              <p:cNvPicPr/>
-              <p:nvPr/>
-            </p:nvPicPr>
-            <p:blipFill>
-              <a:blip r:embed="rId32"/>
-              <a:stretch>
-                <a:fillRect/>
-              </a:stretch>
-            </p:blipFill>
-            <p:spPr>
-              <a:xfrm>
-                <a:off x="7492651" y="5197313"/>
-                <a:ext cx="783360" cy="559440"/>
-              </a:xfrm>
-              <a:prstGeom prst="rect">
-                <a:avLst/>
-              </a:prstGeom>
-            </p:spPr>
-          </p:pic>
-        </mc:Fallback>
-      </mc:AlternateContent>
-      <mc:AlternateContent xmlns:mc="http://schemas.openxmlformats.org/markup-compatibility/2006" xmlns:p14="http://schemas.microsoft.com/office/powerpoint/2010/main">
-        <mc:Choice Requires="p14">
-          <p:contentPart p14:bwMode="auto" r:id="rId33">
-            <p14:nvContentPartPr>
-              <p14:cNvPr id="262" name="Ink 261">
-                <a:extLst>
-                  <a:ext uri="{FF2B5EF4-FFF2-40B4-BE49-F238E27FC236}">
-                    <a16:creationId xmlns:a16="http://schemas.microsoft.com/office/drawing/2014/main" id="{C0AE9EBB-58AB-4B14-8D08-C75E2C93001F}"/>
-                  </a:ext>
-                </a:extLst>
-              </p14:cNvPr>
-              <p14:cNvContentPartPr/>
-              <p14:nvPr/>
-            </p14:nvContentPartPr>
-            <p14:xfrm>
-              <a:off x="3116491" y="3453473"/>
-              <a:ext cx="2472840" cy="2396880"/>
-            </p14:xfrm>
-          </p:contentPart>
-        </mc:Choice>
-        <mc:Fallback xmlns="">
-          <p:pic>
-            <p:nvPicPr>
-              <p:cNvPr id="262" name="Ink 261">
-                <a:extLst>
-                  <a:ext uri="{FF2B5EF4-FFF2-40B4-BE49-F238E27FC236}">
-                    <a16:creationId xmlns:a16="http://schemas.microsoft.com/office/drawing/2014/main" id="{C0AE9EBB-58AB-4B14-8D08-C75E2C93001F}"/>
-                  </a:ext>
-                </a:extLst>
-              </p:cNvPr>
-              <p:cNvPicPr/>
-              <p:nvPr/>
-            </p:nvPicPr>
-            <p:blipFill>
-              <a:blip r:embed="rId34"/>
-              <a:stretch>
-                <a:fillRect/>
-              </a:stretch>
-            </p:blipFill>
-            <p:spPr>
-              <a:xfrm>
-                <a:off x="3107491" y="3444473"/>
-                <a:ext cx="2490480" cy="2414520"/>
-              </a:xfrm>
-              <a:prstGeom prst="rect">
-                <a:avLst/>
-              </a:prstGeom>
-            </p:spPr>
-          </p:pic>
-        </mc:Fallback>
-      </mc:AlternateContent>
-      <mc:AlternateContent xmlns:mc="http://schemas.openxmlformats.org/markup-compatibility/2006" xmlns:p14="http://schemas.microsoft.com/office/powerpoint/2010/main">
-        <mc:Choice Requires="p14">
-          <p:contentPart p14:bwMode="auto" r:id="rId35">
-            <p14:nvContentPartPr>
-              <p14:cNvPr id="265" name="Ink 264">
-                <a:extLst>
-                  <a:ext uri="{FF2B5EF4-FFF2-40B4-BE49-F238E27FC236}">
-                    <a16:creationId xmlns:a16="http://schemas.microsoft.com/office/drawing/2014/main" id="{DBC57E5B-84BA-4D51-A4B9-D4FD6D7AA442}"/>
-                  </a:ext>
-                </a:extLst>
-              </p14:cNvPr>
-              <p14:cNvContentPartPr/>
-              <p14:nvPr/>
-            </p14:nvContentPartPr>
-            <p14:xfrm>
-              <a:off x="9414691" y="4021193"/>
-              <a:ext cx="1325160" cy="524880"/>
-            </p14:xfrm>
-          </p:contentPart>
-        </mc:Choice>
-        <mc:Fallback xmlns="">
-          <p:pic>
-            <p:nvPicPr>
-              <p:cNvPr id="265" name="Ink 264">
-                <a:extLst>
-                  <a:ext uri="{FF2B5EF4-FFF2-40B4-BE49-F238E27FC236}">
-                    <a16:creationId xmlns:a16="http://schemas.microsoft.com/office/drawing/2014/main" id="{DBC57E5B-84BA-4D51-A4B9-D4FD6D7AA442}"/>
-                  </a:ext>
-                </a:extLst>
-              </p:cNvPr>
-              <p:cNvPicPr/>
-              <p:nvPr/>
-            </p:nvPicPr>
-            <p:blipFill>
-              <a:blip r:embed="rId36"/>
-              <a:stretch>
-                <a:fillRect/>
-              </a:stretch>
-            </p:blipFill>
-            <p:spPr>
-              <a:xfrm>
-                <a:off x="9405691" y="4012193"/>
-                <a:ext cx="1342800" cy="542520"/>
-              </a:xfrm>
-              <a:prstGeom prst="rect">
-                <a:avLst/>
-              </a:prstGeom>
-            </p:spPr>
-          </p:pic>
-        </mc:Fallback>
-      </mc:AlternateContent>
-      <mc:AlternateContent xmlns:mc="http://schemas.openxmlformats.org/markup-compatibility/2006" xmlns:p14="http://schemas.microsoft.com/office/powerpoint/2010/main">
-        <mc:Choice Requires="p14">
-          <p:contentPart p14:bwMode="auto" r:id="rId37">
-            <p14:nvContentPartPr>
-              <p14:cNvPr id="269" name="Ink 268">
-                <a:extLst>
-                  <a:ext uri="{FF2B5EF4-FFF2-40B4-BE49-F238E27FC236}">
-                    <a16:creationId xmlns:a16="http://schemas.microsoft.com/office/drawing/2014/main" id="{16F0D5EE-6115-4CBC-BB6B-253DC737EF45}"/>
-                  </a:ext>
-                </a:extLst>
-              </p14:cNvPr>
-              <p14:cNvContentPartPr/>
-              <p14:nvPr/>
-            </p14:nvContentPartPr>
-            <p14:xfrm>
-              <a:off x="8612251" y="3862433"/>
-              <a:ext cx="655920" cy="357480"/>
-            </p14:xfrm>
-          </p:contentPart>
-        </mc:Choice>
-        <mc:Fallback xmlns="">
-          <p:pic>
-            <p:nvPicPr>
-              <p:cNvPr id="269" name="Ink 268">
-                <a:extLst>
-                  <a:ext uri="{FF2B5EF4-FFF2-40B4-BE49-F238E27FC236}">
-                    <a16:creationId xmlns:a16="http://schemas.microsoft.com/office/drawing/2014/main" id="{16F0D5EE-6115-4CBC-BB6B-253DC737EF45}"/>
-                  </a:ext>
-                </a:extLst>
-              </p:cNvPr>
-              <p:cNvPicPr/>
-              <p:nvPr/>
-            </p:nvPicPr>
-            <p:blipFill>
-              <a:blip r:embed="rId38"/>
-              <a:stretch>
-                <a:fillRect/>
-              </a:stretch>
-            </p:blipFill>
-            <p:spPr>
-              <a:xfrm>
-                <a:off x="8603251" y="3853433"/>
-                <a:ext cx="673560" cy="375120"/>
-              </a:xfrm>
-              <a:prstGeom prst="rect">
-                <a:avLst/>
-              </a:prstGeom>
-            </p:spPr>
-          </p:pic>
-        </mc:Fallback>
-      </mc:AlternateContent>
+      <p:sp>
+        <p:nvSpPr>
+          <p:cNvPr id="31" name="Oval 30">
+            <a:extLst>
+              <a:ext uri="{FF2B5EF4-FFF2-40B4-BE49-F238E27FC236}">
+                <a16:creationId xmlns:a16="http://schemas.microsoft.com/office/drawing/2014/main" id="{176D1528-56DE-433A-8AD7-059C7F08ECE3}"/>
+              </a:ext>
+            </a:extLst>
+          </p:cNvPr>
+          <p:cNvSpPr/>
+          <p:nvPr/>
+        </p:nvSpPr>
+        <p:spPr>
+          <a:xfrm>
+            <a:off x="8400257" y="2730201"/>
+            <a:ext cx="412189" cy="381000"/>
+          </a:xfrm>
+          <a:prstGeom prst="ellipse">
+            <a:avLst/>
+          </a:prstGeom>
+        </p:spPr>
+        <p:style>
+          <a:lnRef idx="2">
+            <a:schemeClr val="accent1">
+              <a:shade val="50000"/>
+            </a:schemeClr>
+          </a:lnRef>
+          <a:fillRef idx="1">
+            <a:schemeClr val="accent1"/>
+          </a:fillRef>
+          <a:effectRef idx="0">
+            <a:schemeClr val="accent1"/>
+          </a:effectRef>
+          <a:fontRef idx="minor">
+            <a:schemeClr val="lt1"/>
+          </a:fontRef>
+        </p:style>
+        <p:txBody>
+          <a:bodyPr rtlCol="0" anchor="ctr"/>
+          <a:lstStyle/>
+          <a:p>
+            <a:pPr algn="ctr" defTabSz="1218987"/>
+            <a:endParaRPr lang="en-US" sz="2400">
+              <a:solidFill>
+                <a:prstClr val="white"/>
+              </a:solidFill>
+              <a:latin typeface="Calibri"/>
+            </a:endParaRPr>
+          </a:p>
+        </p:txBody>
+      </p:sp>
+      <p:cxnSp>
+        <p:nvCxnSpPr>
+          <p:cNvPr id="32" name="Straight Connector 31">
+            <a:extLst>
+              <a:ext uri="{FF2B5EF4-FFF2-40B4-BE49-F238E27FC236}">
+                <a16:creationId xmlns:a16="http://schemas.microsoft.com/office/drawing/2014/main" id="{BC00C623-4407-4E04-96C8-18B7F1F0F1B4}"/>
+              </a:ext>
+            </a:extLst>
+          </p:cNvPr>
+          <p:cNvCxnSpPr>
+            <a:stCxn id="31" idx="6"/>
+          </p:cNvCxnSpPr>
+          <p:nvPr/>
+        </p:nvCxnSpPr>
+        <p:spPr>
+          <a:xfrm>
+            <a:off x="8812445" y="2920702"/>
+            <a:ext cx="407756" cy="1"/>
+          </a:xfrm>
+          <a:prstGeom prst="line">
+            <a:avLst/>
+          </a:prstGeom>
+        </p:spPr>
+        <p:style>
+          <a:lnRef idx="1">
+            <a:schemeClr val="accent1"/>
+          </a:lnRef>
+          <a:fillRef idx="0">
+            <a:schemeClr val="accent1"/>
+          </a:fillRef>
+          <a:effectRef idx="0">
+            <a:schemeClr val="accent1"/>
+          </a:effectRef>
+          <a:fontRef idx="minor">
+            <a:schemeClr val="tx1"/>
+          </a:fontRef>
+        </p:style>
+      </p:cxnSp>
+      <p:sp>
+        <p:nvSpPr>
+          <p:cNvPr id="33" name="TextBox 32">
+            <a:extLst>
+              <a:ext uri="{FF2B5EF4-FFF2-40B4-BE49-F238E27FC236}">
+                <a16:creationId xmlns:a16="http://schemas.microsoft.com/office/drawing/2014/main" id="{070C8D06-658C-40C5-8DAF-F0BB0904CB87}"/>
+              </a:ext>
+            </a:extLst>
+          </p:cNvPr>
+          <p:cNvSpPr txBox="1"/>
+          <p:nvPr/>
+        </p:nvSpPr>
+        <p:spPr>
+          <a:xfrm>
+            <a:off x="8225350" y="2160706"/>
+            <a:ext cx="762000" cy="461665"/>
+          </a:xfrm>
+          <a:prstGeom prst="rect">
+            <a:avLst/>
+          </a:prstGeom>
+          <a:noFill/>
+        </p:spPr>
+        <p:txBody>
+          <a:bodyPr wrap="square" rtlCol="0">
+            <a:spAutoFit/>
+          </a:bodyPr>
+          <a:lstStyle/>
+          <a:p>
+            <a:pPr defTabSz="1218987"/>
+            <a:r>
+              <a:rPr lang="en-US" sz="2400" dirty="0" err="1">
+                <a:solidFill>
+                  <a:prstClr val="black"/>
+                </a:solidFill>
+                <a:latin typeface="Calibri"/>
+              </a:rPr>
+              <a:t>InA</a:t>
+            </a:r>
+            <a:endParaRPr lang="en-US" sz="2400" dirty="0">
+              <a:solidFill>
+                <a:prstClr val="black"/>
+              </a:solidFill>
+              <a:latin typeface="Calibri"/>
+            </a:endParaRPr>
+          </a:p>
+        </p:txBody>
+      </p:sp>
+      <p:sp>
+        <p:nvSpPr>
+          <p:cNvPr id="5" name="Rectangle 4">
+            <a:extLst>
+              <a:ext uri="{FF2B5EF4-FFF2-40B4-BE49-F238E27FC236}">
+                <a16:creationId xmlns:a16="http://schemas.microsoft.com/office/drawing/2014/main" id="{23EEA142-8967-4386-9D69-E23627D8F37D}"/>
+              </a:ext>
+            </a:extLst>
+          </p:cNvPr>
+          <p:cNvSpPr/>
+          <p:nvPr/>
+        </p:nvSpPr>
+        <p:spPr>
+          <a:xfrm>
+            <a:off x="7213601" y="355002"/>
+            <a:ext cx="1505527" cy="898331"/>
+          </a:xfrm>
+          <a:prstGeom prst="rect">
+            <a:avLst/>
+          </a:prstGeom>
+        </p:spPr>
+        <p:style>
+          <a:lnRef idx="2">
+            <a:schemeClr val="accent1">
+              <a:shade val="50000"/>
+            </a:schemeClr>
+          </a:lnRef>
+          <a:fillRef idx="1">
+            <a:schemeClr val="accent1"/>
+          </a:fillRef>
+          <a:effectRef idx="0">
+            <a:schemeClr val="accent1"/>
+          </a:effectRef>
+          <a:fontRef idx="minor">
+            <a:schemeClr val="lt1"/>
+          </a:fontRef>
+        </p:style>
+        <p:txBody>
+          <a:bodyPr rtlCol="0" anchor="ctr"/>
+          <a:lstStyle/>
+          <a:p>
+            <a:pPr algn="ctr"/>
+            <a:r>
+              <a:rPr lang="en-US" sz="1100" dirty="0"/>
+              <a:t>SAP analytic Agent</a:t>
+            </a:r>
+          </a:p>
+        </p:txBody>
+      </p:sp>
+      <p:cxnSp>
+        <p:nvCxnSpPr>
+          <p:cNvPr id="7" name="Connector: Elbow 6">
+            <a:extLst>
+              <a:ext uri="{FF2B5EF4-FFF2-40B4-BE49-F238E27FC236}">
+                <a16:creationId xmlns:a16="http://schemas.microsoft.com/office/drawing/2014/main" id="{6140B2CB-3918-4F5F-96D5-3EF06B8DCB96}"/>
+              </a:ext>
+            </a:extLst>
+          </p:cNvPr>
+          <p:cNvCxnSpPr>
+            <a:stCxn id="3" idx="1"/>
+            <a:endCxn id="5" idx="3"/>
+          </p:cNvCxnSpPr>
+          <p:nvPr/>
+        </p:nvCxnSpPr>
+        <p:spPr>
+          <a:xfrm rot="10800000">
+            <a:off x="8719129" y="804169"/>
+            <a:ext cx="501073" cy="1481819"/>
+          </a:xfrm>
+          <a:prstGeom prst="bentConnector3">
+            <a:avLst/>
+          </a:prstGeom>
+        </p:spPr>
+        <p:style>
+          <a:lnRef idx="1">
+            <a:schemeClr val="accent1"/>
+          </a:lnRef>
+          <a:fillRef idx="0">
+            <a:schemeClr val="accent1"/>
+          </a:fillRef>
+          <a:effectRef idx="0">
+            <a:schemeClr val="accent1"/>
+          </a:effectRef>
+          <a:fontRef idx="minor">
+            <a:schemeClr val="tx1"/>
+          </a:fontRef>
+        </p:style>
+      </p:cxnSp>
+      <p:cxnSp>
+        <p:nvCxnSpPr>
+          <p:cNvPr id="15" name="Connector: Elbow 14">
+            <a:extLst>
+              <a:ext uri="{FF2B5EF4-FFF2-40B4-BE49-F238E27FC236}">
+                <a16:creationId xmlns:a16="http://schemas.microsoft.com/office/drawing/2014/main" id="{AC567D87-A6E0-4A3E-B17C-25807B718E7C}"/>
+              </a:ext>
+            </a:extLst>
+          </p:cNvPr>
+          <p:cNvCxnSpPr>
+            <a:stCxn id="2" idx="2"/>
+            <a:endCxn id="12" idx="1"/>
+          </p:cNvCxnSpPr>
+          <p:nvPr/>
+        </p:nvCxnSpPr>
+        <p:spPr>
+          <a:xfrm rot="16200000" flipH="1">
+            <a:off x="2821857" y="2514018"/>
+            <a:ext cx="1965411" cy="4404918"/>
+          </a:xfrm>
+          <a:prstGeom prst="bentConnector2">
+            <a:avLst/>
+          </a:prstGeom>
+          <a:ln>
+            <a:tailEnd type="triangle"/>
+          </a:ln>
+        </p:spPr>
+        <p:style>
+          <a:lnRef idx="1">
+            <a:schemeClr val="accent1"/>
+          </a:lnRef>
+          <a:fillRef idx="0">
+            <a:schemeClr val="accent1"/>
+          </a:fillRef>
+          <a:effectRef idx="0">
+            <a:schemeClr val="accent1"/>
+          </a:effectRef>
+          <a:fontRef idx="minor">
+            <a:schemeClr val="tx1"/>
+          </a:fontRef>
+        </p:style>
+      </p:cxnSp>
+      <p:cxnSp>
+        <p:nvCxnSpPr>
+          <p:cNvPr id="17" name="Straight Connector 16">
+            <a:extLst>
+              <a:ext uri="{FF2B5EF4-FFF2-40B4-BE49-F238E27FC236}">
+                <a16:creationId xmlns:a16="http://schemas.microsoft.com/office/drawing/2014/main" id="{0E0FEC22-A6F8-4E2B-91E4-20AA0142E995}"/>
+              </a:ext>
+            </a:extLst>
+          </p:cNvPr>
+          <p:cNvCxnSpPr/>
+          <p:nvPr/>
+        </p:nvCxnSpPr>
+        <p:spPr>
+          <a:xfrm>
+            <a:off x="6672064" y="355002"/>
+            <a:ext cx="0" cy="4697289"/>
+          </a:xfrm>
+          <a:prstGeom prst="line">
+            <a:avLst/>
+          </a:prstGeom>
+          <a:ln>
+            <a:solidFill>
+              <a:srgbClr val="FF0000"/>
+            </a:solidFill>
+            <a:prstDash val="dash"/>
+          </a:ln>
+        </p:spPr>
+        <p:style>
+          <a:lnRef idx="1">
+            <a:schemeClr val="accent1"/>
+          </a:lnRef>
+          <a:fillRef idx="0">
+            <a:schemeClr val="accent1"/>
+          </a:fillRef>
+          <a:effectRef idx="0">
+            <a:schemeClr val="accent1"/>
+          </a:effectRef>
+          <a:fontRef idx="minor">
+            <a:schemeClr val="tx1"/>
+          </a:fontRef>
+        </p:style>
+      </p:cxnSp>
+      <p:sp>
+        <p:nvSpPr>
+          <p:cNvPr id="18" name="Rectangle 17">
+            <a:extLst>
+              <a:ext uri="{FF2B5EF4-FFF2-40B4-BE49-F238E27FC236}">
+                <a16:creationId xmlns:a16="http://schemas.microsoft.com/office/drawing/2014/main" id="{0A8FC972-3C34-4055-ABDC-5BBEEA37ADAD}"/>
+              </a:ext>
+            </a:extLst>
+          </p:cNvPr>
+          <p:cNvSpPr/>
+          <p:nvPr/>
+        </p:nvSpPr>
+        <p:spPr>
+          <a:xfrm>
+            <a:off x="1773382" y="4672489"/>
+            <a:ext cx="1203851" cy="950495"/>
+          </a:xfrm>
+          <a:prstGeom prst="rect">
+            <a:avLst/>
+          </a:prstGeom>
+        </p:spPr>
+        <p:style>
+          <a:lnRef idx="2">
+            <a:schemeClr val="accent1">
+              <a:shade val="50000"/>
+            </a:schemeClr>
+          </a:lnRef>
+          <a:fillRef idx="1">
+            <a:schemeClr val="accent1"/>
+          </a:fillRef>
+          <a:effectRef idx="0">
+            <a:schemeClr val="accent1"/>
+          </a:effectRef>
+          <a:fontRef idx="minor">
+            <a:schemeClr val="lt1"/>
+          </a:fontRef>
+        </p:style>
+        <p:txBody>
+          <a:bodyPr rtlCol="0" anchor="ctr"/>
+          <a:lstStyle/>
+          <a:p>
+            <a:pPr algn="ctr"/>
+            <a:r>
+              <a:rPr lang="en-US" dirty="0"/>
+              <a:t>PC</a:t>
+            </a:r>
+          </a:p>
+        </p:txBody>
+      </p:sp>
+      <p:cxnSp>
+        <p:nvCxnSpPr>
+          <p:cNvPr id="21" name="Straight Arrow Connector 20">
+            <a:extLst>
+              <a:ext uri="{FF2B5EF4-FFF2-40B4-BE49-F238E27FC236}">
+                <a16:creationId xmlns:a16="http://schemas.microsoft.com/office/drawing/2014/main" id="{898514E1-3C39-4920-810F-213429AF8AA1}"/>
+              </a:ext>
+            </a:extLst>
+          </p:cNvPr>
+          <p:cNvCxnSpPr>
+            <a:cxnSpLocks/>
+            <a:stCxn id="18" idx="3"/>
+            <a:endCxn id="27" idx="1"/>
+          </p:cNvCxnSpPr>
+          <p:nvPr/>
+        </p:nvCxnSpPr>
+        <p:spPr>
+          <a:xfrm flipV="1">
+            <a:off x="2977233" y="4123489"/>
+            <a:ext cx="3060194" cy="1024248"/>
+          </a:xfrm>
+          <a:prstGeom prst="straightConnector1">
+            <a:avLst/>
+          </a:prstGeom>
+          <a:ln>
+            <a:tailEnd type="triangle"/>
+          </a:ln>
+        </p:spPr>
+        <p:style>
+          <a:lnRef idx="1">
+            <a:schemeClr val="accent1"/>
+          </a:lnRef>
+          <a:fillRef idx="0">
+            <a:schemeClr val="accent1"/>
+          </a:fillRef>
+          <a:effectRef idx="0">
+            <a:schemeClr val="accent1"/>
+          </a:effectRef>
+          <a:fontRef idx="minor">
+            <a:schemeClr val="tx1"/>
+          </a:fontRef>
+        </p:style>
+      </p:cxnSp>
+      <p:sp>
+        <p:nvSpPr>
+          <p:cNvPr id="25" name="TextBox 24">
+            <a:extLst>
+              <a:ext uri="{FF2B5EF4-FFF2-40B4-BE49-F238E27FC236}">
+                <a16:creationId xmlns:a16="http://schemas.microsoft.com/office/drawing/2014/main" id="{55BB3C6C-ACEC-4600-9457-33F40F43C20E}"/>
+              </a:ext>
+            </a:extLst>
+          </p:cNvPr>
+          <p:cNvSpPr txBox="1"/>
+          <p:nvPr/>
+        </p:nvSpPr>
+        <p:spPr>
+          <a:xfrm>
+            <a:off x="83127" y="951345"/>
+            <a:ext cx="3186544" cy="646331"/>
+          </a:xfrm>
+          <a:prstGeom prst="rect">
+            <a:avLst/>
+          </a:prstGeom>
+          <a:noFill/>
+        </p:spPr>
+        <p:txBody>
+          <a:bodyPr wrap="square" rtlCol="0">
+            <a:spAutoFit/>
+          </a:bodyPr>
+          <a:lstStyle/>
+          <a:p>
+            <a:r>
+              <a:rPr lang="en-US" dirty="0"/>
+              <a:t>Public Cloud</a:t>
+            </a:r>
+          </a:p>
+          <a:p>
+            <a:r>
+              <a:rPr lang="en-US" dirty="0"/>
+              <a:t>Internet</a:t>
+            </a:r>
+          </a:p>
+        </p:txBody>
+      </p:sp>
+      <p:sp>
+        <p:nvSpPr>
+          <p:cNvPr id="26" name="TextBox 25">
+            <a:extLst>
+              <a:ext uri="{FF2B5EF4-FFF2-40B4-BE49-F238E27FC236}">
+                <a16:creationId xmlns:a16="http://schemas.microsoft.com/office/drawing/2014/main" id="{11B05FEB-1B46-4F24-AB67-A10B1184620A}"/>
+              </a:ext>
+            </a:extLst>
+          </p:cNvPr>
+          <p:cNvSpPr txBox="1"/>
+          <p:nvPr/>
+        </p:nvSpPr>
+        <p:spPr>
+          <a:xfrm>
+            <a:off x="10766192" y="951345"/>
+            <a:ext cx="1290285" cy="369332"/>
+          </a:xfrm>
+          <a:prstGeom prst="rect">
+            <a:avLst/>
+          </a:prstGeom>
+          <a:noFill/>
+        </p:spPr>
+        <p:txBody>
+          <a:bodyPr wrap="square" rtlCol="0">
+            <a:spAutoFit/>
+          </a:bodyPr>
+          <a:lstStyle/>
+          <a:p>
+            <a:r>
+              <a:rPr lang="en-US" b="1" dirty="0"/>
+              <a:t>Intranet</a:t>
+            </a:r>
+          </a:p>
+        </p:txBody>
+      </p:sp>
+      <p:sp>
+        <p:nvSpPr>
+          <p:cNvPr id="27" name="Rectangle: Rounded Corners 26">
+            <a:extLst>
+              <a:ext uri="{FF2B5EF4-FFF2-40B4-BE49-F238E27FC236}">
+                <a16:creationId xmlns:a16="http://schemas.microsoft.com/office/drawing/2014/main" id="{1C3289FB-D2EF-427E-BB96-D882A4D3FABF}"/>
+              </a:ext>
+            </a:extLst>
+          </p:cNvPr>
+          <p:cNvSpPr/>
+          <p:nvPr/>
+        </p:nvSpPr>
+        <p:spPr>
+          <a:xfrm>
+            <a:off x="6037427" y="3767951"/>
+            <a:ext cx="1269274" cy="711076"/>
+          </a:xfrm>
+          <a:prstGeom prst="roundRect">
+            <a:avLst/>
+          </a:prstGeom>
+        </p:spPr>
+        <p:style>
+          <a:lnRef idx="2">
+            <a:schemeClr val="accent1">
+              <a:shade val="50000"/>
+            </a:schemeClr>
+          </a:lnRef>
+          <a:fillRef idx="1">
+            <a:schemeClr val="accent1"/>
+          </a:fillRef>
+          <a:effectRef idx="0">
+            <a:schemeClr val="accent1"/>
+          </a:effectRef>
+          <a:fontRef idx="minor">
+            <a:schemeClr val="lt1"/>
+          </a:fontRef>
+        </p:style>
+        <p:txBody>
+          <a:bodyPr rtlCol="0" anchor="ctr"/>
+          <a:lstStyle/>
+          <a:p>
+            <a:pPr algn="ctr"/>
+            <a:r>
+              <a:rPr lang="en-US" dirty="0"/>
+              <a:t>VPN</a:t>
+            </a:r>
+          </a:p>
+        </p:txBody>
+      </p:sp>
+      <p:cxnSp>
+        <p:nvCxnSpPr>
+          <p:cNvPr id="30" name="Connector: Elbow 29">
+            <a:extLst>
+              <a:ext uri="{FF2B5EF4-FFF2-40B4-BE49-F238E27FC236}">
+                <a16:creationId xmlns:a16="http://schemas.microsoft.com/office/drawing/2014/main" id="{51D30E5D-8C58-409A-B413-1BC1D0E5D3DD}"/>
+              </a:ext>
+            </a:extLst>
+          </p:cNvPr>
+          <p:cNvCxnSpPr>
+            <a:stCxn id="27" idx="3"/>
+            <a:endCxn id="3" idx="2"/>
+          </p:cNvCxnSpPr>
+          <p:nvPr/>
+        </p:nvCxnSpPr>
+        <p:spPr>
+          <a:xfrm flipV="1">
+            <a:off x="7306701" y="3124172"/>
+            <a:ext cx="3283197" cy="999317"/>
+          </a:xfrm>
+          <a:prstGeom prst="bentConnector2">
+            <a:avLst/>
+          </a:prstGeom>
+          <a:ln>
+            <a:tailEnd type="triangle"/>
+          </a:ln>
+        </p:spPr>
+        <p:style>
+          <a:lnRef idx="1">
+            <a:schemeClr val="accent1"/>
+          </a:lnRef>
+          <a:fillRef idx="0">
+            <a:schemeClr val="accent1"/>
+          </a:fillRef>
+          <a:effectRef idx="0">
+            <a:schemeClr val="accent1"/>
+          </a:effectRef>
+          <a:fontRef idx="minor">
+            <a:schemeClr val="tx1"/>
+          </a:fontRef>
+        </p:style>
+      </p:cxnSp>
+      <p:sp>
+        <p:nvSpPr>
+          <p:cNvPr id="34" name="Rectangle: Rounded Corners 33">
+            <a:extLst>
+              <a:ext uri="{FF2B5EF4-FFF2-40B4-BE49-F238E27FC236}">
+                <a16:creationId xmlns:a16="http://schemas.microsoft.com/office/drawing/2014/main" id="{C041BD5D-AF9D-4805-9BB3-C1CDC644D0C7}"/>
+              </a:ext>
+            </a:extLst>
+          </p:cNvPr>
+          <p:cNvSpPr/>
+          <p:nvPr/>
+        </p:nvSpPr>
+        <p:spPr>
+          <a:xfrm>
+            <a:off x="5929745" y="2057401"/>
+            <a:ext cx="1513003" cy="1159103"/>
+          </a:xfrm>
+          <a:prstGeom prst="roundRect">
+            <a:avLst/>
+          </a:prstGeom>
+        </p:spPr>
+        <p:style>
+          <a:lnRef idx="2">
+            <a:schemeClr val="accent1">
+              <a:shade val="50000"/>
+            </a:schemeClr>
+          </a:lnRef>
+          <a:fillRef idx="1">
+            <a:schemeClr val="accent1"/>
+          </a:fillRef>
+          <a:effectRef idx="0">
+            <a:schemeClr val="accent1"/>
+          </a:effectRef>
+          <a:fontRef idx="minor">
+            <a:schemeClr val="lt1"/>
+          </a:fontRef>
+        </p:style>
+        <p:txBody>
+          <a:bodyPr rtlCol="0" anchor="ctr"/>
+          <a:lstStyle/>
+          <a:p>
+            <a:pPr algn="ctr"/>
+            <a:r>
+              <a:rPr lang="en-US" dirty="0">
+                <a:hlinkClick r:id="rId3"/>
+              </a:rPr>
+              <a:t>SAP Cloud Connector</a:t>
+            </a:r>
+            <a:endParaRPr lang="en-US" dirty="0"/>
+          </a:p>
+        </p:txBody>
+      </p:sp>
+      <p:cxnSp>
+        <p:nvCxnSpPr>
+          <p:cNvPr id="36" name="Connector: Elbow 35">
+            <a:extLst>
+              <a:ext uri="{FF2B5EF4-FFF2-40B4-BE49-F238E27FC236}">
+                <a16:creationId xmlns:a16="http://schemas.microsoft.com/office/drawing/2014/main" id="{06EF25AB-E93B-49C0-A021-E6B19C16265D}"/>
+              </a:ext>
+            </a:extLst>
+          </p:cNvPr>
+          <p:cNvCxnSpPr>
+            <a:cxnSpLocks/>
+            <a:endCxn id="34" idx="1"/>
+          </p:cNvCxnSpPr>
+          <p:nvPr/>
+        </p:nvCxnSpPr>
+        <p:spPr>
+          <a:xfrm flipV="1">
+            <a:off x="4123928" y="2636953"/>
+            <a:ext cx="1805817" cy="283749"/>
+          </a:xfrm>
+          <a:prstGeom prst="bentConnector3">
+            <a:avLst/>
+          </a:prstGeom>
+          <a:ln>
+            <a:tailEnd type="triangle"/>
+          </a:ln>
+        </p:spPr>
+        <p:style>
+          <a:lnRef idx="1">
+            <a:schemeClr val="accent1"/>
+          </a:lnRef>
+          <a:fillRef idx="0">
+            <a:schemeClr val="accent1"/>
+          </a:fillRef>
+          <a:effectRef idx="0">
+            <a:schemeClr val="accent1"/>
+          </a:effectRef>
+          <a:fontRef idx="minor">
+            <a:schemeClr val="tx1"/>
+          </a:fontRef>
+        </p:style>
+      </p:cxnSp>
+      <p:cxnSp>
+        <p:nvCxnSpPr>
+          <p:cNvPr id="39" name="Connector: Elbow 38">
+            <a:extLst>
+              <a:ext uri="{FF2B5EF4-FFF2-40B4-BE49-F238E27FC236}">
+                <a16:creationId xmlns:a16="http://schemas.microsoft.com/office/drawing/2014/main" id="{0C5AF385-2DE1-408D-B8B0-586FBAABAFC1}"/>
+              </a:ext>
+            </a:extLst>
+          </p:cNvPr>
+          <p:cNvCxnSpPr>
+            <a:stCxn id="34" idx="3"/>
+          </p:cNvCxnSpPr>
+          <p:nvPr/>
+        </p:nvCxnSpPr>
+        <p:spPr>
+          <a:xfrm flipV="1">
+            <a:off x="7442748" y="2574669"/>
+            <a:ext cx="1777452" cy="62284"/>
+          </a:xfrm>
+          <a:prstGeom prst="bentConnector3">
+            <a:avLst/>
+          </a:prstGeom>
+          <a:ln>
+            <a:tailEnd type="triangle"/>
+          </a:ln>
+        </p:spPr>
+        <p:style>
+          <a:lnRef idx="1">
+            <a:schemeClr val="accent1"/>
+          </a:lnRef>
+          <a:fillRef idx="0">
+            <a:schemeClr val="accent1"/>
+          </a:fillRef>
+          <a:effectRef idx="0">
+            <a:schemeClr val="accent1"/>
+          </a:effectRef>
+          <a:fontRef idx="minor">
+            <a:schemeClr val="tx1"/>
+          </a:fontRef>
+        </p:style>
+      </p:cxnSp>
+      <p:sp>
+        <p:nvSpPr>
+          <p:cNvPr id="43" name="Rectangle 42">
+            <a:extLst>
+              <a:ext uri="{FF2B5EF4-FFF2-40B4-BE49-F238E27FC236}">
+                <a16:creationId xmlns:a16="http://schemas.microsoft.com/office/drawing/2014/main" id="{5A2A5829-925F-477C-A1B5-DDDAB207FE4D}"/>
+              </a:ext>
+            </a:extLst>
+          </p:cNvPr>
+          <p:cNvSpPr/>
+          <p:nvPr/>
+        </p:nvSpPr>
+        <p:spPr>
+          <a:xfrm>
+            <a:off x="3162692" y="2574669"/>
+            <a:ext cx="961235" cy="607653"/>
+          </a:xfrm>
+          <a:prstGeom prst="rect">
+            <a:avLst/>
+          </a:prstGeom>
+        </p:spPr>
+        <p:style>
+          <a:lnRef idx="2">
+            <a:schemeClr val="accent1">
+              <a:shade val="50000"/>
+            </a:schemeClr>
+          </a:lnRef>
+          <a:fillRef idx="1">
+            <a:schemeClr val="accent1"/>
+          </a:fillRef>
+          <a:effectRef idx="0">
+            <a:schemeClr val="accent1"/>
+          </a:effectRef>
+          <a:fontRef idx="minor">
+            <a:schemeClr val="lt1"/>
+          </a:fontRef>
+        </p:style>
+        <p:txBody>
+          <a:bodyPr rtlCol="0" anchor="ctr"/>
+          <a:lstStyle/>
+          <a:p>
+            <a:pPr algn="ctr"/>
+            <a:r>
+              <a:rPr lang="en-US" dirty="0"/>
+              <a:t>BTP</a:t>
+            </a:r>
+          </a:p>
+        </p:txBody>
+      </p:sp>
+      <p:sp>
+        <p:nvSpPr>
+          <p:cNvPr id="44" name="Arrow: Right 43">
+            <a:extLst>
+              <a:ext uri="{FF2B5EF4-FFF2-40B4-BE49-F238E27FC236}">
+                <a16:creationId xmlns:a16="http://schemas.microsoft.com/office/drawing/2014/main" id="{5FE2E665-2DFC-4B37-837B-E36C709501B9}"/>
+              </a:ext>
+            </a:extLst>
+          </p:cNvPr>
+          <p:cNvSpPr/>
+          <p:nvPr/>
+        </p:nvSpPr>
+        <p:spPr>
+          <a:xfrm>
+            <a:off x="2971798" y="2703732"/>
+            <a:ext cx="190893" cy="420440"/>
+          </a:xfrm>
+          <a:prstGeom prst="rightArrow">
+            <a:avLst/>
+          </a:prstGeom>
+        </p:spPr>
+        <p:style>
+          <a:lnRef idx="2">
+            <a:schemeClr val="accent1">
+              <a:shade val="50000"/>
+            </a:schemeClr>
+          </a:lnRef>
+          <a:fillRef idx="1">
+            <a:schemeClr val="accent1"/>
+          </a:fillRef>
+          <a:effectRef idx="0">
+            <a:schemeClr val="accent1"/>
+          </a:effectRef>
+          <a:fontRef idx="minor">
+            <a:schemeClr val="lt1"/>
+          </a:fontRef>
+        </p:style>
+        <p:txBody>
+          <a:bodyPr rtlCol="0" anchor="ctr"/>
+          <a:lstStyle/>
+          <a:p>
+            <a:pPr algn="ctr"/>
+            <a:endParaRPr lang="en-US"/>
+          </a:p>
+        </p:txBody>
+      </p:sp>
     </p:spTree>
     <p:extLst>
       <p:ext uri="{BB962C8B-B14F-4D97-AF65-F5344CB8AC3E}">
@@ -15205,6 +14729,607 @@
 </file>
 
 <file path=ppt/slides/slide5.xml><?xml version="1.0" encoding="utf-8"?>
+<p:sld xmlns:a="http://schemas.openxmlformats.org/drawingml/2006/main" xmlns:r="http://schemas.openxmlformats.org/officeDocument/2006/relationships" xmlns:p="http://schemas.openxmlformats.org/presentationml/2006/main">
+  <p:cSld>
+    <p:spTree>
+      <p:nvGrpSpPr>
+        <p:cNvPr id="1" name=""/>
+        <p:cNvGrpSpPr/>
+        <p:nvPr/>
+      </p:nvGrpSpPr>
+      <p:grpSpPr>
+        <a:xfrm>
+          <a:off x="0" y="0"/>
+          <a:ext cx="0" cy="0"/>
+          <a:chOff x="0" y="0"/>
+          <a:chExt cx="0" cy="0"/>
+        </a:xfrm>
+      </p:grpSpPr>
+      <p:sp>
+        <p:nvSpPr>
+          <p:cNvPr id="4" name="Rectangle 3">
+            <a:extLst>
+              <a:ext uri="{FF2B5EF4-FFF2-40B4-BE49-F238E27FC236}">
+                <a16:creationId xmlns:a16="http://schemas.microsoft.com/office/drawing/2014/main" id="{F410F52B-82C2-4583-A24A-F68353CC20A0}"/>
+              </a:ext>
+            </a:extLst>
+          </p:cNvPr>
+          <p:cNvSpPr/>
+          <p:nvPr/>
+        </p:nvSpPr>
+        <p:spPr>
+          <a:xfrm>
+            <a:off x="618836" y="979055"/>
+            <a:ext cx="1865746" cy="1588654"/>
+          </a:xfrm>
+          <a:prstGeom prst="rect">
+            <a:avLst/>
+          </a:prstGeom>
+        </p:spPr>
+        <p:style>
+          <a:lnRef idx="2">
+            <a:schemeClr val="accent1">
+              <a:shade val="50000"/>
+            </a:schemeClr>
+          </a:lnRef>
+          <a:fillRef idx="1">
+            <a:schemeClr val="accent1"/>
+          </a:fillRef>
+          <a:effectRef idx="0">
+            <a:schemeClr val="accent1"/>
+          </a:effectRef>
+          <a:fontRef idx="minor">
+            <a:schemeClr val="lt1"/>
+          </a:fontRef>
+        </p:style>
+        <p:txBody>
+          <a:bodyPr rtlCol="0" anchor="ctr"/>
+          <a:lstStyle/>
+          <a:p>
+            <a:pPr algn="ctr"/>
+            <a:r>
+              <a:rPr lang="en-US" dirty="0"/>
+              <a:t>Browser</a:t>
+            </a:r>
+          </a:p>
+        </p:txBody>
+      </p:sp>
+      <p:sp>
+        <p:nvSpPr>
+          <p:cNvPr id="5" name="Arrow: Right 4">
+            <a:extLst>
+              <a:ext uri="{FF2B5EF4-FFF2-40B4-BE49-F238E27FC236}">
+                <a16:creationId xmlns:a16="http://schemas.microsoft.com/office/drawing/2014/main" id="{8F737BF2-EFC9-4A4A-9CE9-87BA0BDE840F}"/>
+              </a:ext>
+            </a:extLst>
+          </p:cNvPr>
+          <p:cNvSpPr/>
+          <p:nvPr/>
+        </p:nvSpPr>
+        <p:spPr>
+          <a:xfrm>
+            <a:off x="2484582" y="979055"/>
+            <a:ext cx="6797963" cy="83127"/>
+          </a:xfrm>
+          <a:prstGeom prst="rightArrow">
+            <a:avLst/>
+          </a:prstGeom>
+        </p:spPr>
+        <p:style>
+          <a:lnRef idx="2">
+            <a:schemeClr val="accent1">
+              <a:shade val="50000"/>
+            </a:schemeClr>
+          </a:lnRef>
+          <a:fillRef idx="1">
+            <a:schemeClr val="accent1"/>
+          </a:fillRef>
+          <a:effectRef idx="0">
+            <a:schemeClr val="accent1"/>
+          </a:effectRef>
+          <a:fontRef idx="minor">
+            <a:schemeClr val="lt1"/>
+          </a:fontRef>
+        </p:style>
+        <p:txBody>
+          <a:bodyPr rtlCol="0" anchor="ctr"/>
+          <a:lstStyle/>
+          <a:p>
+            <a:pPr algn="ctr"/>
+            <a:endParaRPr lang="en-US"/>
+          </a:p>
+        </p:txBody>
+      </p:sp>
+      <p:sp>
+        <p:nvSpPr>
+          <p:cNvPr id="6" name="Rectangle: Rounded Corners 5">
+            <a:extLst>
+              <a:ext uri="{FF2B5EF4-FFF2-40B4-BE49-F238E27FC236}">
+                <a16:creationId xmlns:a16="http://schemas.microsoft.com/office/drawing/2014/main" id="{16A5FE70-997A-4505-92AC-5E351DA5FE36}"/>
+              </a:ext>
+            </a:extLst>
+          </p:cNvPr>
+          <p:cNvSpPr/>
+          <p:nvPr/>
+        </p:nvSpPr>
+        <p:spPr>
+          <a:xfrm>
+            <a:off x="9282545" y="706581"/>
+            <a:ext cx="2364509" cy="628073"/>
+          </a:xfrm>
+          <a:prstGeom prst="roundRect">
+            <a:avLst/>
+          </a:prstGeom>
+        </p:spPr>
+        <p:style>
+          <a:lnRef idx="2">
+            <a:schemeClr val="accent1">
+              <a:shade val="50000"/>
+            </a:schemeClr>
+          </a:lnRef>
+          <a:fillRef idx="1">
+            <a:schemeClr val="accent1"/>
+          </a:fillRef>
+          <a:effectRef idx="0">
+            <a:schemeClr val="accent1"/>
+          </a:effectRef>
+          <a:fontRef idx="minor">
+            <a:schemeClr val="lt1"/>
+          </a:fontRef>
+        </p:style>
+        <p:txBody>
+          <a:bodyPr rtlCol="0" anchor="ctr"/>
+          <a:lstStyle/>
+          <a:p>
+            <a:pPr algn="ctr"/>
+            <a:r>
+              <a:rPr lang="en-US" dirty="0"/>
+              <a:t>SAP SAC Server</a:t>
+            </a:r>
+          </a:p>
+        </p:txBody>
+      </p:sp>
+      <p:sp>
+        <p:nvSpPr>
+          <p:cNvPr id="7" name="Rectangle 6">
+            <a:extLst>
+              <a:ext uri="{FF2B5EF4-FFF2-40B4-BE49-F238E27FC236}">
+                <a16:creationId xmlns:a16="http://schemas.microsoft.com/office/drawing/2014/main" id="{92A6C716-6377-465D-A387-3037C14BAD18}"/>
+              </a:ext>
+            </a:extLst>
+          </p:cNvPr>
+          <p:cNvSpPr/>
+          <p:nvPr/>
+        </p:nvSpPr>
+        <p:spPr>
+          <a:xfrm>
+            <a:off x="1764145" y="1958109"/>
+            <a:ext cx="1819563" cy="1016000"/>
+          </a:xfrm>
+          <a:prstGeom prst="rect">
+            <a:avLst/>
+          </a:prstGeom>
+        </p:spPr>
+        <p:style>
+          <a:lnRef idx="2">
+            <a:schemeClr val="accent1">
+              <a:shade val="50000"/>
+            </a:schemeClr>
+          </a:lnRef>
+          <a:fillRef idx="1">
+            <a:schemeClr val="accent1"/>
+          </a:fillRef>
+          <a:effectRef idx="0">
+            <a:schemeClr val="accent1"/>
+          </a:effectRef>
+          <a:fontRef idx="minor">
+            <a:schemeClr val="lt1"/>
+          </a:fontRef>
+        </p:style>
+        <p:txBody>
+          <a:bodyPr rtlCol="0" anchor="ctr"/>
+          <a:lstStyle/>
+          <a:p>
+            <a:pPr algn="ctr"/>
+            <a:r>
+              <a:rPr lang="en-US" dirty="0"/>
+              <a:t>Connection to BW or S/4HANA</a:t>
+            </a:r>
+          </a:p>
+        </p:txBody>
+      </p:sp>
+      <p:sp>
+        <p:nvSpPr>
+          <p:cNvPr id="8" name="Rectangle: Rounded Corners 7">
+            <a:extLst>
+              <a:ext uri="{FF2B5EF4-FFF2-40B4-BE49-F238E27FC236}">
+                <a16:creationId xmlns:a16="http://schemas.microsoft.com/office/drawing/2014/main" id="{0F8EE2C4-D3DE-4268-B646-02F7CCDCB3C2}"/>
+              </a:ext>
+            </a:extLst>
+          </p:cNvPr>
+          <p:cNvSpPr/>
+          <p:nvPr/>
+        </p:nvSpPr>
+        <p:spPr>
+          <a:xfrm>
+            <a:off x="9411855" y="3990110"/>
+            <a:ext cx="2235199" cy="1962727"/>
+          </a:xfrm>
+          <a:prstGeom prst="roundRect">
+            <a:avLst/>
+          </a:prstGeom>
+        </p:spPr>
+        <p:style>
+          <a:lnRef idx="2">
+            <a:schemeClr val="accent1">
+              <a:shade val="50000"/>
+            </a:schemeClr>
+          </a:lnRef>
+          <a:fillRef idx="1">
+            <a:schemeClr val="accent1"/>
+          </a:fillRef>
+          <a:effectRef idx="0">
+            <a:schemeClr val="accent1"/>
+          </a:effectRef>
+          <a:fontRef idx="minor">
+            <a:schemeClr val="lt1"/>
+          </a:fontRef>
+        </p:style>
+        <p:txBody>
+          <a:bodyPr rtlCol="0" anchor="ctr"/>
+          <a:lstStyle/>
+          <a:p>
+            <a:pPr algn="ctr"/>
+            <a:r>
+              <a:rPr lang="en-US" dirty="0"/>
+              <a:t>S/4HANA</a:t>
+            </a:r>
+          </a:p>
+          <a:p>
+            <a:pPr algn="ctr"/>
+            <a:r>
+              <a:rPr lang="en-US" dirty="0"/>
+              <a:t>BW</a:t>
+            </a:r>
+          </a:p>
+        </p:txBody>
+      </p:sp>
+      <p:sp>
+        <p:nvSpPr>
+          <p:cNvPr id="9" name="Oval 8">
+            <a:extLst>
+              <a:ext uri="{FF2B5EF4-FFF2-40B4-BE49-F238E27FC236}">
+                <a16:creationId xmlns:a16="http://schemas.microsoft.com/office/drawing/2014/main" id="{3FCCF11C-224C-4C90-9D00-58A6D6DF114F}"/>
+              </a:ext>
+            </a:extLst>
+          </p:cNvPr>
+          <p:cNvSpPr/>
+          <p:nvPr/>
+        </p:nvSpPr>
+        <p:spPr>
+          <a:xfrm>
+            <a:off x="8964446" y="5297574"/>
+            <a:ext cx="1477818" cy="443345"/>
+          </a:xfrm>
+          <a:prstGeom prst="ellipse">
+            <a:avLst/>
+          </a:prstGeom>
+        </p:spPr>
+        <p:style>
+          <a:lnRef idx="2">
+            <a:schemeClr val="accent1">
+              <a:shade val="50000"/>
+            </a:schemeClr>
+          </a:lnRef>
+          <a:fillRef idx="1">
+            <a:schemeClr val="accent1"/>
+          </a:fillRef>
+          <a:effectRef idx="0">
+            <a:schemeClr val="accent1"/>
+          </a:effectRef>
+          <a:fontRef idx="minor">
+            <a:schemeClr val="lt1"/>
+          </a:fontRef>
+        </p:style>
+        <p:txBody>
+          <a:bodyPr rtlCol="0" anchor="ctr"/>
+          <a:lstStyle/>
+          <a:p>
+            <a:pPr algn="ctr"/>
+            <a:r>
+              <a:rPr lang="en-US" dirty="0" err="1"/>
+              <a:t>ina</a:t>
+            </a:r>
+            <a:endParaRPr lang="en-US" dirty="0"/>
+          </a:p>
+        </p:txBody>
+      </p:sp>
+      <p:sp>
+        <p:nvSpPr>
+          <p:cNvPr id="10" name="Rectangle 9">
+            <a:extLst>
+              <a:ext uri="{FF2B5EF4-FFF2-40B4-BE49-F238E27FC236}">
+                <a16:creationId xmlns:a16="http://schemas.microsoft.com/office/drawing/2014/main" id="{5E6CF2D4-FEFE-4D52-83CD-A8F4066FE558}"/>
+              </a:ext>
+            </a:extLst>
+          </p:cNvPr>
+          <p:cNvSpPr/>
+          <p:nvPr/>
+        </p:nvSpPr>
+        <p:spPr>
+          <a:xfrm>
+            <a:off x="2927927" y="759007"/>
+            <a:ext cx="6096000" cy="261610"/>
+          </a:xfrm>
+          <a:prstGeom prst="rect">
+            <a:avLst/>
+          </a:prstGeom>
+        </p:spPr>
+        <p:txBody>
+          <a:bodyPr>
+            <a:spAutoFit/>
+          </a:bodyPr>
+          <a:lstStyle/>
+          <a:p>
+            <a:r>
+              <a:rPr lang="en-US" sz="1100" dirty="0"/>
+              <a:t>sactrial-sacap10-a5xkyu7zy0i795g99wmt805s.ap10.hanacloudservices.cloud.sap</a:t>
+            </a:r>
+          </a:p>
+        </p:txBody>
+      </p:sp>
+      <p:sp>
+        <p:nvSpPr>
+          <p:cNvPr id="11" name="Arrow: Right 10">
+            <a:extLst>
+              <a:ext uri="{FF2B5EF4-FFF2-40B4-BE49-F238E27FC236}">
+                <a16:creationId xmlns:a16="http://schemas.microsoft.com/office/drawing/2014/main" id="{77E5F961-2DE7-4D84-B1D4-8DEC6D5A8B4F}"/>
+              </a:ext>
+            </a:extLst>
+          </p:cNvPr>
+          <p:cNvSpPr/>
+          <p:nvPr/>
+        </p:nvSpPr>
+        <p:spPr>
+          <a:xfrm rot="1257687">
+            <a:off x="2535064" y="3935421"/>
+            <a:ext cx="7145239" cy="545479"/>
+          </a:xfrm>
+          <a:prstGeom prst="rightArrow">
+            <a:avLst/>
+          </a:prstGeom>
+          <a:solidFill>
+            <a:srgbClr val="00B050"/>
+          </a:solidFill>
+        </p:spPr>
+        <p:style>
+          <a:lnRef idx="2">
+            <a:schemeClr val="accent1">
+              <a:shade val="50000"/>
+            </a:schemeClr>
+          </a:lnRef>
+          <a:fillRef idx="1">
+            <a:schemeClr val="accent1"/>
+          </a:fillRef>
+          <a:effectRef idx="0">
+            <a:schemeClr val="accent1"/>
+          </a:effectRef>
+          <a:fontRef idx="minor">
+            <a:schemeClr val="lt1"/>
+          </a:fontRef>
+        </p:style>
+        <p:txBody>
+          <a:bodyPr rtlCol="0" anchor="ctr"/>
+          <a:lstStyle/>
+          <a:p>
+            <a:pPr algn="ctr"/>
+            <a:endParaRPr lang="en-US"/>
+          </a:p>
+        </p:txBody>
+      </p:sp>
+      <p:sp>
+        <p:nvSpPr>
+          <p:cNvPr id="12" name="Rectangle 11">
+            <a:extLst>
+              <a:ext uri="{FF2B5EF4-FFF2-40B4-BE49-F238E27FC236}">
+                <a16:creationId xmlns:a16="http://schemas.microsoft.com/office/drawing/2014/main" id="{33EEA8A9-3198-4E14-9F71-32415B7B2BD8}"/>
+              </a:ext>
+            </a:extLst>
+          </p:cNvPr>
+          <p:cNvSpPr/>
+          <p:nvPr/>
+        </p:nvSpPr>
+        <p:spPr>
+          <a:xfrm>
+            <a:off x="6096000" y="3805444"/>
+            <a:ext cx="1990994" cy="369332"/>
+          </a:xfrm>
+          <a:prstGeom prst="rect">
+            <a:avLst/>
+          </a:prstGeom>
+        </p:spPr>
+        <p:txBody>
+          <a:bodyPr wrap="none">
+            <a:spAutoFit/>
+          </a:bodyPr>
+          <a:lstStyle/>
+          <a:p>
+            <a:r>
+              <a:rPr lang="en-US" dirty="0"/>
+              <a:t>stcfin.st.com:8021/</a:t>
+            </a:r>
+          </a:p>
+        </p:txBody>
+      </p:sp>
+      <p:sp>
+        <p:nvSpPr>
+          <p:cNvPr id="13" name="TextBox 12">
+            <a:extLst>
+              <a:ext uri="{FF2B5EF4-FFF2-40B4-BE49-F238E27FC236}">
+                <a16:creationId xmlns:a16="http://schemas.microsoft.com/office/drawing/2014/main" id="{BF74C2FB-F258-4BC7-B93B-165CA1B33D2D}"/>
+              </a:ext>
+            </a:extLst>
+          </p:cNvPr>
+          <p:cNvSpPr txBox="1"/>
+          <p:nvPr/>
+        </p:nvSpPr>
+        <p:spPr>
+          <a:xfrm>
+            <a:off x="184727" y="3563187"/>
+            <a:ext cx="3814618" cy="923330"/>
+          </a:xfrm>
+          <a:prstGeom prst="rect">
+            <a:avLst/>
+          </a:prstGeom>
+          <a:noFill/>
+        </p:spPr>
+        <p:txBody>
+          <a:bodyPr wrap="square" rtlCol="0">
+            <a:spAutoFit/>
+          </a:bodyPr>
+          <a:lstStyle/>
+          <a:p>
+            <a:r>
+              <a:rPr lang="en-US" b="1" dirty="0"/>
+              <a:t>CORS</a:t>
+            </a:r>
+          </a:p>
+          <a:p>
+            <a:r>
+              <a:rPr lang="en-US" b="1" dirty="0"/>
+              <a:t>Cross Origin Resource Sharing</a:t>
+            </a:r>
+          </a:p>
+          <a:p>
+            <a:endParaRPr lang="en-US" b="1" dirty="0"/>
+          </a:p>
+        </p:txBody>
+      </p:sp>
+      <p:sp>
+        <p:nvSpPr>
+          <p:cNvPr id="15" name="TextBox 14">
+            <a:extLst>
+              <a:ext uri="{FF2B5EF4-FFF2-40B4-BE49-F238E27FC236}">
+                <a16:creationId xmlns:a16="http://schemas.microsoft.com/office/drawing/2014/main" id="{1A48400C-13F1-48BC-A8CF-35FCF25E11AC}"/>
+              </a:ext>
+            </a:extLst>
+          </p:cNvPr>
+          <p:cNvSpPr txBox="1"/>
+          <p:nvPr/>
+        </p:nvSpPr>
+        <p:spPr>
+          <a:xfrm>
+            <a:off x="9217890" y="3320795"/>
+            <a:ext cx="2974110" cy="646331"/>
+          </a:xfrm>
+          <a:prstGeom prst="rect">
+            <a:avLst/>
+          </a:prstGeom>
+          <a:noFill/>
+        </p:spPr>
+        <p:txBody>
+          <a:bodyPr wrap="square" rtlCol="0">
+            <a:spAutoFit/>
+          </a:bodyPr>
+          <a:lstStyle/>
+          <a:p>
+            <a:r>
+              <a:rPr lang="en-US" b="1" dirty="0"/>
+              <a:t>Exception to allow CORS call to me from browser</a:t>
+            </a:r>
+          </a:p>
+        </p:txBody>
+      </p:sp>
+      <p:cxnSp>
+        <p:nvCxnSpPr>
+          <p:cNvPr id="17" name="Connector: Elbow 16">
+            <a:extLst>
+              <a:ext uri="{FF2B5EF4-FFF2-40B4-BE49-F238E27FC236}">
+                <a16:creationId xmlns:a16="http://schemas.microsoft.com/office/drawing/2014/main" id="{43C0FC77-1485-46B5-8021-EFB7A0AC3BA5}"/>
+              </a:ext>
+            </a:extLst>
+          </p:cNvPr>
+          <p:cNvCxnSpPr/>
+          <p:nvPr/>
+        </p:nvCxnSpPr>
+        <p:spPr>
+          <a:xfrm rot="10800000">
+            <a:off x="2479963" y="1681862"/>
+            <a:ext cx="7038112" cy="3403794"/>
+          </a:xfrm>
+          <a:prstGeom prst="bentConnector3">
+            <a:avLst>
+              <a:gd name="adj1" fmla="val 13386"/>
+            </a:avLst>
+          </a:prstGeom>
+          <a:ln>
+            <a:tailEnd type="triangle"/>
+          </a:ln>
+        </p:spPr>
+        <p:style>
+          <a:lnRef idx="1">
+            <a:schemeClr val="accent1"/>
+          </a:lnRef>
+          <a:fillRef idx="0">
+            <a:schemeClr val="accent1"/>
+          </a:fillRef>
+          <a:effectRef idx="0">
+            <a:schemeClr val="accent1"/>
+          </a:effectRef>
+          <a:fontRef idx="minor">
+            <a:schemeClr val="tx1"/>
+          </a:fontRef>
+        </p:style>
+      </p:cxnSp>
+      <p:sp>
+        <p:nvSpPr>
+          <p:cNvPr id="19" name="TextBox 18">
+            <a:extLst>
+              <a:ext uri="{FF2B5EF4-FFF2-40B4-BE49-F238E27FC236}">
+                <a16:creationId xmlns:a16="http://schemas.microsoft.com/office/drawing/2014/main" id="{22C644DF-C165-462B-866D-97CE41243D71}"/>
+              </a:ext>
+            </a:extLst>
+          </p:cNvPr>
+          <p:cNvSpPr txBox="1"/>
+          <p:nvPr/>
+        </p:nvSpPr>
+        <p:spPr>
+          <a:xfrm>
+            <a:off x="8608294" y="2051947"/>
+            <a:ext cx="2678542" cy="369332"/>
+          </a:xfrm>
+          <a:prstGeom prst="rect">
+            <a:avLst/>
+          </a:prstGeom>
+          <a:noFill/>
+        </p:spPr>
+        <p:txBody>
+          <a:bodyPr wrap="square" rtlCol="0">
+            <a:spAutoFit/>
+          </a:bodyPr>
+          <a:lstStyle/>
+          <a:p>
+            <a:r>
+              <a:rPr lang="en-US" dirty="0"/>
+              <a:t>CORS Headers to browser</a:t>
+            </a:r>
+          </a:p>
+        </p:txBody>
+      </p:sp>
+    </p:spTree>
+    <p:extLst>
+      <p:ext uri="{BB962C8B-B14F-4D97-AF65-F5344CB8AC3E}">
+        <p14:creationId xmlns:p14="http://schemas.microsoft.com/office/powerpoint/2010/main" val="2919946509"/>
+      </p:ext>
+    </p:extLst>
+  </p:cSld>
+  <p:clrMapOvr>
+    <a:masterClrMapping/>
+  </p:clrMapOvr>
+</p:sld>
+</file>
+
+<file path=ppt/slides/slide6.xml><?xml version="1.0" encoding="utf-8"?>
 <p:sld xmlns:a="http://schemas.openxmlformats.org/drawingml/2006/main" xmlns:r="http://schemas.openxmlformats.org/officeDocument/2006/relationships" xmlns:p="http://schemas.openxmlformats.org/presentationml/2006/main">
   <p:cSld>
     <p:spTree>
@@ -16001,7 +16126,7 @@
 </p:sld>
 </file>
 
-<file path=ppt/slides/slide6.xml><?xml version="1.0" encoding="utf-8"?>
+<file path=ppt/slides/slide7.xml><?xml version="1.0" encoding="utf-8"?>
 <p:sld xmlns:a="http://schemas.openxmlformats.org/drawingml/2006/main" xmlns:r="http://schemas.openxmlformats.org/officeDocument/2006/relationships" xmlns:p="http://schemas.openxmlformats.org/presentationml/2006/main">
   <p:cSld>
     <p:spTree>
@@ -16901,7 +17026,7 @@
 </p:sld>
 </file>
 
-<file path=ppt/slides/slide7.xml><?xml version="1.0" encoding="utf-8"?>
+<file path=ppt/slides/slide8.xml><?xml version="1.0" encoding="utf-8"?>
 <p:sld xmlns:a="http://schemas.openxmlformats.org/drawingml/2006/main" xmlns:r="http://schemas.openxmlformats.org/officeDocument/2006/relationships" xmlns:p="http://schemas.openxmlformats.org/presentationml/2006/main">
   <p:cSld>
     <p:spTree>
@@ -17869,7 +17994,7 @@
 </p:sld>
 </file>
 
-<file path=ppt/slides/slide8.xml><?xml version="1.0" encoding="utf-8"?>
+<file path=ppt/slides/slide9.xml><?xml version="1.0" encoding="utf-8"?>
 <p:sld xmlns:a="http://schemas.openxmlformats.org/drawingml/2006/main" xmlns:r="http://schemas.openxmlformats.org/officeDocument/2006/relationships" xmlns:p="http://schemas.openxmlformats.org/presentationml/2006/main">
   <p:cSld>
     <p:spTree>
@@ -18301,332 +18426,6 @@
     <p:extLst>
       <p:ext uri="{BB962C8B-B14F-4D97-AF65-F5344CB8AC3E}">
         <p14:creationId xmlns:p14="http://schemas.microsoft.com/office/powerpoint/2010/main" val="3096312792"/>
-      </p:ext>
-    </p:extLst>
-  </p:cSld>
-  <p:clrMapOvr>
-    <a:masterClrMapping/>
-  </p:clrMapOvr>
-  <p:transition spd="slow">
-    <p:push dir="u"/>
-  </p:transition>
-</p:sld>
-</file>
-
-<file path=ppt/slides/slide9.xml><?xml version="1.0" encoding="utf-8"?>
-<p:sld xmlns:a="http://schemas.openxmlformats.org/drawingml/2006/main" xmlns:r="http://schemas.openxmlformats.org/officeDocument/2006/relationships" xmlns:p="http://schemas.openxmlformats.org/presentationml/2006/main">
-  <p:cSld>
-    <p:spTree>
-      <p:nvGrpSpPr>
-        <p:cNvPr id="1" name=""/>
-        <p:cNvGrpSpPr/>
-        <p:nvPr/>
-      </p:nvGrpSpPr>
-      <p:grpSpPr>
-        <a:xfrm>
-          <a:off x="0" y="0"/>
-          <a:ext cx="0" cy="0"/>
-          <a:chOff x="0" y="0"/>
-          <a:chExt cx="0" cy="0"/>
-        </a:xfrm>
-      </p:grpSpPr>
-      <p:sp>
-        <p:nvSpPr>
-          <p:cNvPr id="11" name="Title 10"/>
-          <p:cNvSpPr>
-            <a:spLocks noGrp="1"/>
-          </p:cNvSpPr>
-          <p:nvPr>
-            <p:ph type="title"/>
-          </p:nvPr>
-        </p:nvSpPr>
-        <p:spPr>
-          <a:xfrm>
-            <a:off x="-20279" y="41354"/>
-            <a:ext cx="10969943" cy="711081"/>
-          </a:xfrm>
-        </p:spPr>
-        <p:txBody>
-          <a:bodyPr>
-            <a:noAutofit/>
-          </a:bodyPr>
-          <a:lstStyle/>
-          <a:p>
-            <a:r>
-              <a:rPr lang="en-IN" dirty="0">
-                <a:solidFill>
-                  <a:schemeClr val="tx2">
-                    <a:lumMod val="60000"/>
-                    <a:lumOff val="40000"/>
-                  </a:schemeClr>
-                </a:solidFill>
-                <a:latin typeface="Patua One" pitchFamily="2" charset="0"/>
-              </a:rPr>
-              <a:t>CDS – Core Data &amp; Services</a:t>
-            </a:r>
-          </a:p>
-        </p:txBody>
-      </p:sp>
-      <p:sp>
-        <p:nvSpPr>
-          <p:cNvPr id="37" name="TextBox 36">
-            <a:extLst>
-              <a:ext uri="{FF2B5EF4-FFF2-40B4-BE49-F238E27FC236}">
-                <a16:creationId xmlns:a16="http://schemas.microsoft.com/office/drawing/2014/main" id="{E8CAC22F-1542-4031-BC6C-A16989886504}"/>
-              </a:ext>
-            </a:extLst>
-          </p:cNvPr>
-          <p:cNvSpPr txBox="1"/>
-          <p:nvPr/>
-        </p:nvSpPr>
-        <p:spPr>
-          <a:xfrm>
-            <a:off x="4943872" y="6550224"/>
-            <a:ext cx="3456384" cy="307777"/>
-          </a:xfrm>
-          <a:prstGeom prst="rect">
-            <a:avLst/>
-          </a:prstGeom>
-          <a:noFill/>
-        </p:spPr>
-        <p:txBody>
-          <a:bodyPr wrap="square" rtlCol="0">
-            <a:spAutoFit/>
-          </a:bodyPr>
-          <a:lstStyle/>
-          <a:p>
-            <a:pPr defTabSz="1218987">
-              <a:defRPr/>
-            </a:pPr>
-            <a:r>
-              <a:rPr lang="en-US" sz="1400" b="1" dirty="0">
-                <a:solidFill>
-                  <a:prstClr val="black"/>
-                </a:solidFill>
-                <a:latin typeface="Arial Rounded MT Bold" panose="020F0704030504030204" pitchFamily="34" charset="0"/>
-                <a:ea typeface="Arial Unicode MS" panose="020B0604020202020204" pitchFamily="34" charset="-128"/>
-                <a:cs typeface="Arial Unicode MS" panose="020B0604020202020204" pitchFamily="34" charset="-128"/>
-              </a:rPr>
-              <a:t>www.anubhavtrainings.com</a:t>
-            </a:r>
-            <a:endParaRPr lang="en-IN" sz="1400" b="1" dirty="0">
-              <a:solidFill>
-                <a:prstClr val="black"/>
-              </a:solidFill>
-              <a:latin typeface="Arial Rounded MT Bold" panose="020F0704030504030204" pitchFamily="34" charset="0"/>
-              <a:ea typeface="Arial Unicode MS" panose="020B0604020202020204" pitchFamily="34" charset="-128"/>
-              <a:cs typeface="Arial Unicode MS" panose="020B0604020202020204" pitchFamily="34" charset="-128"/>
-            </a:endParaRPr>
-          </a:p>
-        </p:txBody>
-      </p:sp>
-      <p:pic>
-        <p:nvPicPr>
-          <p:cNvPr id="40" name="Picture 39">
-            <a:extLst>
-              <a:ext uri="{FF2B5EF4-FFF2-40B4-BE49-F238E27FC236}">
-                <a16:creationId xmlns:a16="http://schemas.microsoft.com/office/drawing/2014/main" id="{DA60E6FB-8C44-4FEB-B6E9-83DA908565CD}"/>
-              </a:ext>
-            </a:extLst>
-          </p:cNvPr>
-          <p:cNvPicPr>
-            <a:picLocks noChangeAspect="1"/>
-          </p:cNvPicPr>
-          <p:nvPr/>
-        </p:nvPicPr>
-        <p:blipFill>
-          <a:blip r:embed="rId2">
-            <a:extLst>
-              <a:ext uri="{28A0092B-C50C-407E-A947-70E740481C1C}">
-                <a14:useLocalDpi xmlns:a14="http://schemas.microsoft.com/office/drawing/2010/main" val="0"/>
-              </a:ext>
-            </a:extLst>
-          </a:blip>
-          <a:stretch>
-            <a:fillRect/>
-          </a:stretch>
-        </p:blipFill>
-        <p:spPr>
-          <a:xfrm>
-            <a:off x="9624393" y="106009"/>
-            <a:ext cx="2335203" cy="762895"/>
-          </a:xfrm>
-          <a:prstGeom prst="rect">
-            <a:avLst/>
-          </a:prstGeom>
-        </p:spPr>
-      </p:pic>
-      <p:cxnSp>
-        <p:nvCxnSpPr>
-          <p:cNvPr id="41" name="Straight Connector 40">
-            <a:extLst>
-              <a:ext uri="{FF2B5EF4-FFF2-40B4-BE49-F238E27FC236}">
-                <a16:creationId xmlns:a16="http://schemas.microsoft.com/office/drawing/2014/main" id="{3B3B7D73-CAE9-45AC-ACCE-FAEF4E505C7A}"/>
-              </a:ext>
-            </a:extLst>
-          </p:cNvPr>
-          <p:cNvCxnSpPr/>
-          <p:nvPr/>
-        </p:nvCxnSpPr>
-        <p:spPr>
-          <a:xfrm>
-            <a:off x="1588" y="764704"/>
-            <a:ext cx="6479584" cy="0"/>
-          </a:xfrm>
-          <a:prstGeom prst="line">
-            <a:avLst/>
-          </a:prstGeom>
-        </p:spPr>
-        <p:style>
-          <a:lnRef idx="2">
-            <a:schemeClr val="accent6"/>
-          </a:lnRef>
-          <a:fillRef idx="0">
-            <a:schemeClr val="accent6"/>
-          </a:fillRef>
-          <a:effectRef idx="1">
-            <a:schemeClr val="accent6"/>
-          </a:effectRef>
-          <a:fontRef idx="minor">
-            <a:schemeClr val="tx1"/>
-          </a:fontRef>
-        </p:style>
-      </p:cxnSp>
-      <p:sp>
-        <p:nvSpPr>
-          <p:cNvPr id="2" name="TextBox 1">
-            <a:extLst>
-              <a:ext uri="{FF2B5EF4-FFF2-40B4-BE49-F238E27FC236}">
-                <a16:creationId xmlns:a16="http://schemas.microsoft.com/office/drawing/2014/main" id="{D04BF3AA-33CF-4EC4-BA84-0AA4ED78821A}"/>
-              </a:ext>
-            </a:extLst>
-          </p:cNvPr>
-          <p:cNvSpPr txBox="1"/>
-          <p:nvPr/>
-        </p:nvSpPr>
-        <p:spPr>
-          <a:xfrm>
-            <a:off x="228601" y="990600"/>
-            <a:ext cx="11730995" cy="3416320"/>
-          </a:xfrm>
-          <a:prstGeom prst="rect">
-            <a:avLst/>
-          </a:prstGeom>
-          <a:noFill/>
-        </p:spPr>
-        <p:txBody>
-          <a:bodyPr wrap="square" rtlCol="0">
-            <a:spAutoFit/>
-          </a:bodyPr>
-          <a:lstStyle/>
-          <a:p>
-            <a:pPr defTabSz="1218987"/>
-            <a:r>
-              <a:rPr lang="en-US" sz="2400" dirty="0">
-                <a:solidFill>
-                  <a:prstClr val="black"/>
-                </a:solidFill>
-                <a:latin typeface="Calibri"/>
-              </a:rPr>
-              <a:t>CDS stands for Core Data &amp; Services, these are the data models in ABAP system which is based out of HANA DB. We have 2 types of CDS </a:t>
-            </a:r>
-          </a:p>
-          <a:p>
-            <a:pPr defTabSz="1218987"/>
-            <a:r>
-              <a:rPr lang="en-US" sz="2400" dirty="0">
-                <a:solidFill>
-                  <a:prstClr val="black"/>
-                </a:solidFill>
-                <a:latin typeface="Calibri"/>
-              </a:rPr>
-              <a:t>ABAP CDS – ABAP system which runs on HANA</a:t>
-            </a:r>
-          </a:p>
-          <a:p>
-            <a:pPr defTabSz="1218987"/>
-            <a:r>
-              <a:rPr lang="en-US" sz="2400" dirty="0">
-                <a:solidFill>
-                  <a:prstClr val="black"/>
-                </a:solidFill>
-                <a:latin typeface="Calibri"/>
-              </a:rPr>
-              <a:t>HANA CDS – Do not have ABAP system at all, we have just HANA</a:t>
-            </a:r>
-          </a:p>
-          <a:p>
-            <a:pPr defTabSz="1218987"/>
-            <a:r>
-              <a:rPr lang="en-US" sz="2400" dirty="0">
-                <a:solidFill>
-                  <a:prstClr val="black"/>
-                </a:solidFill>
-                <a:latin typeface="Calibri"/>
-              </a:rPr>
-              <a:t>These are used to expose data out of system in form of Views.</a:t>
-            </a:r>
-          </a:p>
-          <a:p>
-            <a:pPr defTabSz="1218987"/>
-            <a:r>
-              <a:rPr lang="en-US" sz="2400" dirty="0">
-                <a:solidFill>
-                  <a:prstClr val="black"/>
-                </a:solidFill>
-                <a:latin typeface="Calibri"/>
-              </a:rPr>
-              <a:t>ABAP on HANA – ADT</a:t>
-            </a:r>
-          </a:p>
-          <a:p>
-            <a:pPr defTabSz="1218987"/>
-            <a:r>
-              <a:rPr lang="en-US" sz="2400" dirty="0">
-                <a:solidFill>
-                  <a:prstClr val="black"/>
-                </a:solidFill>
-                <a:latin typeface="Calibri"/>
-              </a:rPr>
-              <a:t>Native HANA – HANA WebIDE</a:t>
-            </a:r>
-          </a:p>
-          <a:p>
-            <a:pPr defTabSz="1218987"/>
-            <a:r>
-              <a:rPr lang="en-US" sz="2400" dirty="0">
-                <a:solidFill>
-                  <a:prstClr val="black"/>
-                </a:solidFill>
-                <a:latin typeface="Calibri"/>
-              </a:rPr>
-              <a:t>With SAP S/4HANA system, There is NO BW system required anymore. SAP delivers 1000s of </a:t>
-            </a:r>
-            <a:r>
-              <a:rPr lang="en-US" sz="2400" dirty="0" err="1">
-                <a:solidFill>
-                  <a:prstClr val="black"/>
-                </a:solidFill>
-                <a:latin typeface="Calibri"/>
-              </a:rPr>
-              <a:t>cds</a:t>
-            </a:r>
-            <a:r>
-              <a:rPr lang="en-US" sz="2400" dirty="0">
-                <a:solidFill>
-                  <a:prstClr val="black"/>
-                </a:solidFill>
-                <a:latin typeface="Calibri"/>
-              </a:rPr>
-              <a:t> views for ready to use consumption.</a:t>
-            </a:r>
-          </a:p>
-        </p:txBody>
-      </p:sp>
-    </p:spTree>
-    <p:extLst>
-      <p:ext uri="{BB962C8B-B14F-4D97-AF65-F5344CB8AC3E}">
-        <p14:creationId xmlns:p14="http://schemas.microsoft.com/office/powerpoint/2010/main" val="622780845"/>
       </p:ext>
     </p:extLst>
   </p:cSld>
